--- a/mms.pptx
+++ b/mms.pptx
@@ -7,7 +7,7 @@
     <p:sldMasterId id="2147483697" r:id="rId3"/>
   </p:sldMasterIdLst>
   <p:notesMasterIdLst>
-    <p:notesMasterId r:id="rId15"/>
+    <p:notesMasterId r:id="rId16"/>
   </p:notesMasterIdLst>
   <p:sldIdLst>
     <p:sldId id="256" r:id="rId4"/>
@@ -15,12 +15,13 @@
     <p:sldId id="266" r:id="rId6"/>
     <p:sldId id="284" r:id="rId7"/>
     <p:sldId id="282" r:id="rId8"/>
-    <p:sldId id="283" r:id="rId9"/>
-    <p:sldId id="279" r:id="rId10"/>
-    <p:sldId id="280" r:id="rId11"/>
-    <p:sldId id="281" r:id="rId12"/>
-    <p:sldId id="278" r:id="rId13"/>
-    <p:sldId id="277" r:id="rId14"/>
+    <p:sldId id="285" r:id="rId9"/>
+    <p:sldId id="283" r:id="rId10"/>
+    <p:sldId id="279" r:id="rId11"/>
+    <p:sldId id="280" r:id="rId12"/>
+    <p:sldId id="281" r:id="rId13"/>
+    <p:sldId id="278" r:id="rId14"/>
+    <p:sldId id="277" r:id="rId15"/>
   </p:sldIdLst>
   <p:sldSz cx="12192000" cy="6858000"/>
   <p:notesSz cx="6858000" cy="9144000"/>
@@ -137,6 +138,7 @@
         <p14:section name="1st year result" id="{E953AE2F-3BC2-40AA-9689-69F2B22E338B}">
           <p14:sldIdLst>
             <p14:sldId id="282"/>
+            <p14:sldId id="285"/>
             <p14:sldId id="283"/>
             <p14:sldId id="279"/>
             <p14:sldId id="280"/>
@@ -255,7 +257,7 @@
           <a:p>
             <a:fld id="{FF3BB0D2-B4AB-46DD-8353-5863A644691C}" type="datetimeFigureOut">
               <a:rPr lang="en-US" smtClean="0"/>
-              <a:t>12/7/2018</a:t>
+              <a:t>12/8/2018</a:t>
             </a:fld>
             <a:endParaRPr lang="en-US"/>
           </a:p>
@@ -951,7 +953,7 @@
           <a:p>
             <a:fld id="{F9E0AC63-8529-4852-8793-AD37C1250E4D}" type="slidenum">
               <a:rPr lang="en-US" smtClean="0"/>
-              <a:t>10</a:t>
+              <a:t>11</a:t>
             </a:fld>
             <a:endParaRPr lang="en-US"/>
           </a:p>
@@ -2898,7 +2900,7 @@
           <a:p>
             <a:fld id="{E3E9F078-88ED-41ED-832F-7AC4AFAA4DE4}" type="datetimeFigureOut">
               <a:rPr lang="en-US" smtClean="0"/>
-              <a:t>12/7/2018</a:t>
+              <a:t>12/8/2018</a:t>
             </a:fld>
             <a:endParaRPr lang="en-US"/>
           </a:p>
@@ -18844,7 +18846,7 @@
           <a:p>
             <a:r>
               <a:rPr lang="en-US" dirty="0"/>
-              <a:t>SCHEDULE</a:t>
+              <a:t>FUNCTIONAL VERIFICATION – Result</a:t>
             </a:r>
           </a:p>
         </p:txBody>
@@ -18873,6 +18875,2369 @@
               <a:rPr lang="de-DE" smtClean="0"/>
               <a:pPr algn="l"/>
               <a:t>10</a:t>
+            </a:fld>
+            <a:endParaRPr lang="de-DE" dirty="0"/>
+          </a:p>
+        </p:txBody>
+      </p:sp>
+      <p:grpSp>
+        <p:nvGrpSpPr>
+          <p:cNvPr id="53" name="Group 52"/>
+          <p:cNvGrpSpPr/>
+          <p:nvPr/>
+        </p:nvGrpSpPr>
+        <p:grpSpPr>
+          <a:xfrm>
+            <a:off x="1080000" y="2388150"/>
+            <a:ext cx="5955581" cy="562576"/>
+            <a:chOff x="1080000" y="2272267"/>
+            <a:chExt cx="5955581" cy="562576"/>
+          </a:xfrm>
+        </p:grpSpPr>
+        <p:grpSp>
+          <p:nvGrpSpPr>
+            <p:cNvPr id="4" name="Nhóm 27">
+              <a:extLst>
+                <a:ext uri="{FF2B5EF4-FFF2-40B4-BE49-F238E27FC236}">
+                  <a16:creationId xmlns:a16="http://schemas.microsoft.com/office/drawing/2014/main" id="{A22FA561-2E1E-4D0D-9D58-75839BA6075C}"/>
+                </a:ext>
+              </a:extLst>
+            </p:cNvPr>
+            <p:cNvGrpSpPr/>
+            <p:nvPr/>
+          </p:nvGrpSpPr>
+          <p:grpSpPr>
+            <a:xfrm>
+              <a:off x="1080000" y="2272267"/>
+              <a:ext cx="2873246" cy="457200"/>
+              <a:chOff x="506534" y="2939553"/>
+              <a:chExt cx="2873246" cy="457200"/>
+            </a:xfrm>
+          </p:grpSpPr>
+          <p:pic>
+            <p:nvPicPr>
+              <p:cNvPr id="5" name="Đồ họa 10" descr="Danh sách">
+                <a:extLst>
+                  <a:ext uri="{FF2B5EF4-FFF2-40B4-BE49-F238E27FC236}">
+                    <a16:creationId xmlns:a16="http://schemas.microsoft.com/office/drawing/2014/main" id="{B9D46646-FACA-4589-BAD1-3CD8D5E3477A}"/>
+                  </a:ext>
+                </a:extLst>
+              </p:cNvPr>
+              <p:cNvPicPr>
+                <a:picLocks noChangeAspect="1"/>
+              </p:cNvPicPr>
+              <p:nvPr/>
+            </p:nvPicPr>
+            <p:blipFill>
+              <a:blip r:embed="rId2" cstate="print">
+                <a:extLst>
+                  <a:ext uri="{28A0092B-C50C-407E-A947-70E740481C1C}">
+                    <a14:useLocalDpi xmlns:a14="http://schemas.microsoft.com/office/drawing/2010/main" val="0"/>
+                  </a:ext>
+                  <a:ext uri="{96DAC541-7B7A-43D3-8B79-37D633B846F1}">
+                    <asvg:svgBlip xmlns:asvg="http://schemas.microsoft.com/office/drawing/2016/SVG/main" r:embed="rId3"/>
+                  </a:ext>
+                </a:extLst>
+              </a:blip>
+              <a:stretch>
+                <a:fillRect/>
+              </a:stretch>
+            </p:blipFill>
+            <p:spPr>
+              <a:xfrm>
+                <a:off x="506534" y="2939553"/>
+                <a:ext cx="457200" cy="457200"/>
+              </a:xfrm>
+              <a:prstGeom prst="rect">
+                <a:avLst/>
+              </a:prstGeom>
+            </p:spPr>
+          </p:pic>
+          <p:sp>
+            <p:nvSpPr>
+              <p:cNvPr id="6" name="Hộp Văn bản 19">
+                <a:extLst>
+                  <a:ext uri="{FF2B5EF4-FFF2-40B4-BE49-F238E27FC236}">
+                    <a16:creationId xmlns:a16="http://schemas.microsoft.com/office/drawing/2014/main" id="{B7CF234B-BE45-4E9C-A67F-CD4A7B347EAD}"/>
+                  </a:ext>
+                </a:extLst>
+              </p:cNvPr>
+              <p:cNvSpPr txBox="1"/>
+              <p:nvPr/>
+            </p:nvSpPr>
+            <p:spPr>
+              <a:xfrm>
+                <a:off x="963734" y="2939553"/>
+                <a:ext cx="2416046" cy="369332"/>
+              </a:xfrm>
+              <a:prstGeom prst="rect">
+                <a:avLst/>
+              </a:prstGeom>
+              <a:noFill/>
+            </p:spPr>
+            <p:txBody>
+              <a:bodyPr wrap="none" rtlCol="0">
+                <a:spAutoFit/>
+              </a:bodyPr>
+              <a:lstStyle/>
+              <a:p>
+                <a:r>
+                  <a:rPr lang="en-US" b="1" dirty="0"/>
+                  <a:t>Check specification</a:t>
+                </a:r>
+                <a:endParaRPr lang="en-US" dirty="0"/>
+              </a:p>
+            </p:txBody>
+          </p:sp>
+        </p:grpSp>
+        <p:sp>
+          <p:nvSpPr>
+            <p:cNvPr id="19" name="Rectangle 18"/>
+            <p:cNvSpPr/>
+            <p:nvPr/>
+          </p:nvSpPr>
+          <p:spPr>
+            <a:xfrm>
+              <a:off x="1537199" y="2639813"/>
+              <a:ext cx="2743200" cy="91440"/>
+            </a:xfrm>
+            <a:prstGeom prst="rect">
+              <a:avLst/>
+            </a:prstGeom>
+            <a:solidFill>
+              <a:schemeClr val="tx2"/>
+            </a:solidFill>
+            <a:ln>
+              <a:noFill/>
+            </a:ln>
+          </p:spPr>
+          <p:style>
+            <a:lnRef idx="2">
+              <a:schemeClr val="accent1">
+                <a:shade val="50000"/>
+              </a:schemeClr>
+            </a:lnRef>
+            <a:fillRef idx="1">
+              <a:schemeClr val="accent1"/>
+            </a:fillRef>
+            <a:effectRef idx="0">
+              <a:schemeClr val="accent1"/>
+            </a:effectRef>
+            <a:fontRef idx="minor">
+              <a:schemeClr val="lt1"/>
+            </a:fontRef>
+          </p:style>
+          <p:txBody>
+            <a:bodyPr rtlCol="0" anchor="ctr"/>
+            <a:lstStyle/>
+            <a:p>
+              <a:pPr algn="r"/>
+              <a:r>
+                <a:rPr lang="en-US" sz="700" dirty="0"/>
+                <a:t>1</a:t>
+              </a:r>
+            </a:p>
+          </p:txBody>
+        </p:sp>
+        <p:sp>
+          <p:nvSpPr>
+            <p:cNvPr id="22" name="Rectangle 21"/>
+            <p:cNvSpPr/>
+            <p:nvPr/>
+          </p:nvSpPr>
+          <p:spPr>
+            <a:xfrm>
+              <a:off x="1537199" y="2743403"/>
+              <a:ext cx="2743200" cy="91440"/>
+            </a:xfrm>
+            <a:prstGeom prst="rect">
+              <a:avLst/>
+            </a:prstGeom>
+            <a:solidFill>
+              <a:srgbClr val="FF0000"/>
+            </a:solidFill>
+            <a:ln>
+              <a:noFill/>
+            </a:ln>
+          </p:spPr>
+          <p:style>
+            <a:lnRef idx="2">
+              <a:schemeClr val="accent1">
+                <a:shade val="50000"/>
+              </a:schemeClr>
+            </a:lnRef>
+            <a:fillRef idx="1">
+              <a:schemeClr val="accent1"/>
+            </a:fillRef>
+            <a:effectRef idx="0">
+              <a:schemeClr val="accent1"/>
+            </a:effectRef>
+            <a:fontRef idx="minor">
+              <a:schemeClr val="lt1"/>
+            </a:fontRef>
+          </p:style>
+          <p:txBody>
+            <a:bodyPr rtlCol="0" anchor="ctr"/>
+            <a:lstStyle/>
+            <a:p>
+              <a:pPr algn="r"/>
+              <a:endParaRPr lang="en-US" sz="700" dirty="0"/>
+            </a:p>
+          </p:txBody>
+        </p:sp>
+        <p:sp>
+          <p:nvSpPr>
+            <p:cNvPr id="31" name="Rectangle 30"/>
+            <p:cNvSpPr/>
+            <p:nvPr/>
+          </p:nvSpPr>
+          <p:spPr>
+            <a:xfrm>
+              <a:off x="4292381" y="2639813"/>
+              <a:ext cx="2743200" cy="91440"/>
+            </a:xfrm>
+            <a:prstGeom prst="rect">
+              <a:avLst/>
+            </a:prstGeom>
+            <a:solidFill>
+              <a:schemeClr val="tx2"/>
+            </a:solidFill>
+            <a:ln>
+              <a:noFill/>
+            </a:ln>
+          </p:spPr>
+          <p:style>
+            <a:lnRef idx="2">
+              <a:schemeClr val="accent1">
+                <a:shade val="50000"/>
+              </a:schemeClr>
+            </a:lnRef>
+            <a:fillRef idx="1">
+              <a:schemeClr val="accent1"/>
+            </a:fillRef>
+            <a:effectRef idx="0">
+              <a:schemeClr val="accent1"/>
+            </a:effectRef>
+            <a:fontRef idx="minor">
+              <a:schemeClr val="lt1"/>
+            </a:fontRef>
+          </p:style>
+          <p:txBody>
+            <a:bodyPr rtlCol="0" anchor="ctr"/>
+            <a:lstStyle/>
+            <a:p>
+              <a:pPr algn="r"/>
+              <a:r>
+                <a:rPr lang="en-US" sz="700" dirty="0"/>
+                <a:t>2</a:t>
+              </a:r>
+            </a:p>
+          </p:txBody>
+        </p:sp>
+        <p:sp>
+          <p:nvSpPr>
+            <p:cNvPr id="32" name="Rectangle 31"/>
+            <p:cNvSpPr/>
+            <p:nvPr/>
+          </p:nvSpPr>
+          <p:spPr>
+            <a:xfrm>
+              <a:off x="4292381" y="2743403"/>
+              <a:ext cx="2743200" cy="91440"/>
+            </a:xfrm>
+            <a:prstGeom prst="rect">
+              <a:avLst/>
+            </a:prstGeom>
+            <a:solidFill>
+              <a:srgbClr val="FF0000"/>
+            </a:solidFill>
+            <a:ln>
+              <a:noFill/>
+            </a:ln>
+          </p:spPr>
+          <p:style>
+            <a:lnRef idx="2">
+              <a:schemeClr val="accent1">
+                <a:shade val="50000"/>
+              </a:schemeClr>
+            </a:lnRef>
+            <a:fillRef idx="1">
+              <a:schemeClr val="accent1"/>
+            </a:fillRef>
+            <a:effectRef idx="0">
+              <a:schemeClr val="accent1"/>
+            </a:effectRef>
+            <a:fontRef idx="minor">
+              <a:schemeClr val="lt1"/>
+            </a:fontRef>
+          </p:style>
+          <p:txBody>
+            <a:bodyPr rtlCol="0" anchor="ctr"/>
+            <a:lstStyle/>
+            <a:p>
+              <a:pPr algn="r"/>
+              <a:r>
+                <a:rPr lang="en-US" sz="700" dirty="0"/>
+                <a:t>2</a:t>
+              </a:r>
+            </a:p>
+          </p:txBody>
+        </p:sp>
+      </p:grpSp>
+      <p:grpSp>
+        <p:nvGrpSpPr>
+          <p:cNvPr id="54" name="Group 53"/>
+          <p:cNvGrpSpPr/>
+          <p:nvPr/>
+        </p:nvGrpSpPr>
+        <p:grpSpPr>
+          <a:xfrm>
+            <a:off x="1080000" y="3114759"/>
+            <a:ext cx="7346478" cy="659818"/>
+            <a:chOff x="1080000" y="2864715"/>
+            <a:chExt cx="7346478" cy="659818"/>
+          </a:xfrm>
+        </p:grpSpPr>
+        <p:grpSp>
+          <p:nvGrpSpPr>
+            <p:cNvPr id="7" name="Nhóm 28">
+              <a:extLst>
+                <a:ext uri="{FF2B5EF4-FFF2-40B4-BE49-F238E27FC236}">
+                  <a16:creationId xmlns:a16="http://schemas.microsoft.com/office/drawing/2014/main" id="{B509A667-22C3-445E-8ECD-9783ED13AA98}"/>
+                </a:ext>
+              </a:extLst>
+            </p:cNvPr>
+            <p:cNvGrpSpPr/>
+            <p:nvPr/>
+          </p:nvGrpSpPr>
+          <p:grpSpPr>
+            <a:xfrm>
+              <a:off x="1080000" y="2864715"/>
+              <a:ext cx="4578841" cy="457200"/>
+              <a:chOff x="506534" y="3426903"/>
+              <a:chExt cx="4578841" cy="457200"/>
+            </a:xfrm>
+          </p:grpSpPr>
+          <p:pic>
+            <p:nvPicPr>
+              <p:cNvPr id="8" name="Đồ họa 8" descr="Danh sách kiểm tra">
+                <a:extLst>
+                  <a:ext uri="{FF2B5EF4-FFF2-40B4-BE49-F238E27FC236}">
+                    <a16:creationId xmlns:a16="http://schemas.microsoft.com/office/drawing/2014/main" id="{E2F29AF9-A4F2-4A84-AEFB-4DDDE94500AF}"/>
+                  </a:ext>
+                </a:extLst>
+              </p:cNvPr>
+              <p:cNvPicPr>
+                <a:picLocks noChangeAspect="1"/>
+              </p:cNvPicPr>
+              <p:nvPr/>
+            </p:nvPicPr>
+            <p:blipFill>
+              <a:blip r:embed="rId4" cstate="print">
+                <a:extLst>
+                  <a:ext uri="{28A0092B-C50C-407E-A947-70E740481C1C}">
+                    <a14:useLocalDpi xmlns:a14="http://schemas.microsoft.com/office/drawing/2010/main" val="0"/>
+                  </a:ext>
+                  <a:ext uri="{96DAC541-7B7A-43D3-8B79-37D633B846F1}">
+                    <asvg:svgBlip xmlns:asvg="http://schemas.microsoft.com/office/drawing/2016/SVG/main" r:embed="rId5"/>
+                  </a:ext>
+                </a:extLst>
+              </a:blip>
+              <a:stretch>
+                <a:fillRect/>
+              </a:stretch>
+            </p:blipFill>
+            <p:spPr>
+              <a:xfrm>
+                <a:off x="506534" y="3426903"/>
+                <a:ext cx="457200" cy="457200"/>
+              </a:xfrm>
+              <a:prstGeom prst="rect">
+                <a:avLst/>
+              </a:prstGeom>
+            </p:spPr>
+          </p:pic>
+          <p:sp>
+            <p:nvSpPr>
+              <p:cNvPr id="9" name="Hộp Văn bản 20">
+                <a:extLst>
+                  <a:ext uri="{FF2B5EF4-FFF2-40B4-BE49-F238E27FC236}">
+                    <a16:creationId xmlns:a16="http://schemas.microsoft.com/office/drawing/2014/main" id="{23A44B04-637F-443B-B249-D55F2E3875A3}"/>
+                  </a:ext>
+                </a:extLst>
+              </p:cNvPr>
+              <p:cNvSpPr txBox="1"/>
+              <p:nvPr/>
+            </p:nvSpPr>
+            <p:spPr>
+              <a:xfrm>
+                <a:off x="963734" y="3426903"/>
+                <a:ext cx="4121641" cy="369332"/>
+              </a:xfrm>
+              <a:prstGeom prst="rect">
+                <a:avLst/>
+              </a:prstGeom>
+              <a:noFill/>
+            </p:spPr>
+            <p:txBody>
+              <a:bodyPr wrap="none" rtlCol="0">
+                <a:spAutoFit/>
+              </a:bodyPr>
+              <a:lstStyle/>
+              <a:p>
+                <a:r>
+                  <a:rPr lang="en-US" b="1" dirty="0"/>
+                  <a:t>Create verification items check list</a:t>
+                </a:r>
+                <a:endParaRPr lang="en-US" sz="1600" dirty="0"/>
+              </a:p>
+            </p:txBody>
+          </p:sp>
+        </p:grpSp>
+        <p:sp>
+          <p:nvSpPr>
+            <p:cNvPr id="23" name="Rectangle 22"/>
+            <p:cNvSpPr/>
+            <p:nvPr/>
+          </p:nvSpPr>
+          <p:spPr>
+            <a:xfrm>
+              <a:off x="1537199" y="3322188"/>
+              <a:ext cx="2743200" cy="91440"/>
+            </a:xfrm>
+            <a:prstGeom prst="rect">
+              <a:avLst/>
+            </a:prstGeom>
+            <a:solidFill>
+              <a:schemeClr val="tx2"/>
+            </a:solidFill>
+            <a:ln>
+              <a:noFill/>
+            </a:ln>
+          </p:spPr>
+          <p:style>
+            <a:lnRef idx="2">
+              <a:schemeClr val="accent1">
+                <a:shade val="50000"/>
+              </a:schemeClr>
+            </a:lnRef>
+            <a:fillRef idx="1">
+              <a:schemeClr val="accent1"/>
+            </a:fillRef>
+            <a:effectRef idx="0">
+              <a:schemeClr val="accent1"/>
+            </a:effectRef>
+            <a:fontRef idx="minor">
+              <a:schemeClr val="lt1"/>
+            </a:fontRef>
+          </p:style>
+          <p:txBody>
+            <a:bodyPr rtlCol="0" anchor="ctr"/>
+            <a:lstStyle/>
+            <a:p>
+              <a:pPr algn="r"/>
+              <a:r>
+                <a:rPr lang="en-US" sz="700" dirty="0"/>
+                <a:t>1</a:t>
+              </a:r>
+            </a:p>
+          </p:txBody>
+        </p:sp>
+        <p:sp>
+          <p:nvSpPr>
+            <p:cNvPr id="24" name="Rectangle 23"/>
+            <p:cNvSpPr/>
+            <p:nvPr/>
+          </p:nvSpPr>
+          <p:spPr>
+            <a:xfrm>
+              <a:off x="1537199" y="3433093"/>
+              <a:ext cx="2743200" cy="91440"/>
+            </a:xfrm>
+            <a:prstGeom prst="rect">
+              <a:avLst/>
+            </a:prstGeom>
+            <a:solidFill>
+              <a:srgbClr val="FF0000"/>
+            </a:solidFill>
+            <a:ln>
+              <a:noFill/>
+            </a:ln>
+          </p:spPr>
+          <p:style>
+            <a:lnRef idx="2">
+              <a:schemeClr val="accent1">
+                <a:shade val="50000"/>
+              </a:schemeClr>
+            </a:lnRef>
+            <a:fillRef idx="1">
+              <a:schemeClr val="accent1"/>
+            </a:fillRef>
+            <a:effectRef idx="0">
+              <a:schemeClr val="accent1"/>
+            </a:effectRef>
+            <a:fontRef idx="minor">
+              <a:schemeClr val="lt1"/>
+            </a:fontRef>
+          </p:style>
+          <p:txBody>
+            <a:bodyPr rtlCol="0" anchor="ctr"/>
+            <a:lstStyle/>
+            <a:p>
+              <a:pPr algn="r"/>
+              <a:endParaRPr lang="en-US" sz="700" dirty="0"/>
+            </a:p>
+          </p:txBody>
+        </p:sp>
+        <p:sp>
+          <p:nvSpPr>
+            <p:cNvPr id="33" name="Rectangle 32"/>
+            <p:cNvSpPr/>
+            <p:nvPr/>
+          </p:nvSpPr>
+          <p:spPr>
+            <a:xfrm>
+              <a:off x="4292381" y="3322188"/>
+              <a:ext cx="2743200" cy="91440"/>
+            </a:xfrm>
+            <a:prstGeom prst="rect">
+              <a:avLst/>
+            </a:prstGeom>
+            <a:solidFill>
+              <a:schemeClr val="tx2"/>
+            </a:solidFill>
+            <a:ln>
+              <a:noFill/>
+            </a:ln>
+          </p:spPr>
+          <p:style>
+            <a:lnRef idx="2">
+              <a:schemeClr val="accent1">
+                <a:shade val="50000"/>
+              </a:schemeClr>
+            </a:lnRef>
+            <a:fillRef idx="1">
+              <a:schemeClr val="accent1"/>
+            </a:fillRef>
+            <a:effectRef idx="0">
+              <a:schemeClr val="accent1"/>
+            </a:effectRef>
+            <a:fontRef idx="minor">
+              <a:schemeClr val="lt1"/>
+            </a:fontRef>
+          </p:style>
+          <p:txBody>
+            <a:bodyPr rtlCol="0" anchor="ctr"/>
+            <a:lstStyle/>
+            <a:p>
+              <a:pPr algn="r"/>
+              <a:r>
+                <a:rPr lang="en-US" sz="700" dirty="0"/>
+                <a:t>2</a:t>
+              </a:r>
+            </a:p>
+          </p:txBody>
+        </p:sp>
+        <p:sp>
+          <p:nvSpPr>
+            <p:cNvPr id="34" name="Rectangle 33"/>
+            <p:cNvSpPr/>
+            <p:nvPr/>
+          </p:nvSpPr>
+          <p:spPr>
+            <a:xfrm>
+              <a:off x="4292381" y="3433093"/>
+              <a:ext cx="2743200" cy="91440"/>
+            </a:xfrm>
+            <a:prstGeom prst="rect">
+              <a:avLst/>
+            </a:prstGeom>
+            <a:solidFill>
+              <a:srgbClr val="FF0000"/>
+            </a:solidFill>
+            <a:ln>
+              <a:noFill/>
+            </a:ln>
+          </p:spPr>
+          <p:style>
+            <a:lnRef idx="2">
+              <a:schemeClr val="accent1">
+                <a:shade val="50000"/>
+              </a:schemeClr>
+            </a:lnRef>
+            <a:fillRef idx="1">
+              <a:schemeClr val="accent1"/>
+            </a:fillRef>
+            <a:effectRef idx="0">
+              <a:schemeClr val="accent1"/>
+            </a:effectRef>
+            <a:fontRef idx="minor">
+              <a:schemeClr val="lt1"/>
+            </a:fontRef>
+          </p:style>
+          <p:txBody>
+            <a:bodyPr rtlCol="0" anchor="ctr"/>
+            <a:lstStyle/>
+            <a:p>
+              <a:pPr algn="r"/>
+              <a:endParaRPr lang="en-US" sz="700" dirty="0"/>
+            </a:p>
+          </p:txBody>
+        </p:sp>
+        <p:sp>
+          <p:nvSpPr>
+            <p:cNvPr id="41" name="Rectangle 40"/>
+            <p:cNvSpPr/>
+            <p:nvPr/>
+          </p:nvSpPr>
+          <p:spPr>
+            <a:xfrm>
+              <a:off x="7054878" y="3432483"/>
+              <a:ext cx="1371600" cy="91440"/>
+            </a:xfrm>
+            <a:prstGeom prst="rect">
+              <a:avLst/>
+            </a:prstGeom>
+            <a:solidFill>
+              <a:srgbClr val="FF0000"/>
+            </a:solidFill>
+            <a:ln>
+              <a:noFill/>
+            </a:ln>
+          </p:spPr>
+          <p:style>
+            <a:lnRef idx="2">
+              <a:schemeClr val="accent1">
+                <a:shade val="50000"/>
+              </a:schemeClr>
+            </a:lnRef>
+            <a:fillRef idx="1">
+              <a:schemeClr val="accent1"/>
+            </a:fillRef>
+            <a:effectRef idx="0">
+              <a:schemeClr val="accent1"/>
+            </a:effectRef>
+            <a:fontRef idx="minor">
+              <a:schemeClr val="lt1"/>
+            </a:fontRef>
+          </p:style>
+          <p:txBody>
+            <a:bodyPr rtlCol="0" anchor="ctr"/>
+            <a:lstStyle/>
+            <a:p>
+              <a:pPr algn="r"/>
+              <a:r>
+                <a:rPr lang="en-US" sz="700" dirty="0"/>
+                <a:t>2.5</a:t>
+              </a:r>
+            </a:p>
+          </p:txBody>
+        </p:sp>
+      </p:grpSp>
+      <p:grpSp>
+        <p:nvGrpSpPr>
+          <p:cNvPr id="55" name="Group 54"/>
+          <p:cNvGrpSpPr/>
+          <p:nvPr/>
+        </p:nvGrpSpPr>
+        <p:grpSpPr>
+          <a:xfrm>
+            <a:off x="1080000" y="3938610"/>
+            <a:ext cx="8718078" cy="659483"/>
+            <a:chOff x="1080000" y="3771712"/>
+            <a:chExt cx="8718078" cy="659483"/>
+          </a:xfrm>
+        </p:grpSpPr>
+        <p:grpSp>
+          <p:nvGrpSpPr>
+            <p:cNvPr id="10" name="Nhóm 29">
+              <a:extLst>
+                <a:ext uri="{FF2B5EF4-FFF2-40B4-BE49-F238E27FC236}">
+                  <a16:creationId xmlns:a16="http://schemas.microsoft.com/office/drawing/2014/main" id="{ADD44F73-D7E6-4184-9C5D-80B134FE1311}"/>
+                </a:ext>
+              </a:extLst>
+            </p:cNvPr>
+            <p:cNvGrpSpPr/>
+            <p:nvPr/>
+          </p:nvGrpSpPr>
+          <p:grpSpPr>
+            <a:xfrm>
+              <a:off x="1080000" y="3771712"/>
+              <a:ext cx="5643235" cy="457200"/>
+              <a:chOff x="506534" y="4095924"/>
+              <a:chExt cx="5643235" cy="457200"/>
+            </a:xfrm>
+          </p:grpSpPr>
+          <p:pic>
+            <p:nvPicPr>
+              <p:cNvPr id="11" name="Đồ họa 12" descr="Cơ sở dữ liệu">
+                <a:extLst>
+                  <a:ext uri="{FF2B5EF4-FFF2-40B4-BE49-F238E27FC236}">
+                    <a16:creationId xmlns:a16="http://schemas.microsoft.com/office/drawing/2014/main" id="{4FBF62DF-BF53-406D-9929-0B695643BD68}"/>
+                  </a:ext>
+                </a:extLst>
+              </p:cNvPr>
+              <p:cNvPicPr>
+                <a:picLocks noChangeAspect="1"/>
+              </p:cNvPicPr>
+              <p:nvPr/>
+            </p:nvPicPr>
+            <p:blipFill>
+              <a:blip r:embed="rId6" cstate="print">
+                <a:extLst>
+                  <a:ext uri="{28A0092B-C50C-407E-A947-70E740481C1C}">
+                    <a14:useLocalDpi xmlns:a14="http://schemas.microsoft.com/office/drawing/2010/main" val="0"/>
+                  </a:ext>
+                  <a:ext uri="{96DAC541-7B7A-43D3-8B79-37D633B846F1}">
+                    <asvg:svgBlip xmlns:asvg="http://schemas.microsoft.com/office/drawing/2016/SVG/main" r:embed="rId7"/>
+                  </a:ext>
+                </a:extLst>
+              </a:blip>
+              <a:stretch>
+                <a:fillRect/>
+              </a:stretch>
+            </p:blipFill>
+            <p:spPr>
+              <a:xfrm>
+                <a:off x="506534" y="4095924"/>
+                <a:ext cx="457200" cy="457200"/>
+              </a:xfrm>
+              <a:prstGeom prst="rect">
+                <a:avLst/>
+              </a:prstGeom>
+            </p:spPr>
+          </p:pic>
+          <p:sp>
+            <p:nvSpPr>
+              <p:cNvPr id="12" name="Hộp Văn bản 21">
+                <a:extLst>
+                  <a:ext uri="{FF2B5EF4-FFF2-40B4-BE49-F238E27FC236}">
+                    <a16:creationId xmlns:a16="http://schemas.microsoft.com/office/drawing/2014/main" id="{80318687-91C5-4D9C-8EC5-E227278A1053}"/>
+                  </a:ext>
+                </a:extLst>
+              </p:cNvPr>
+              <p:cNvSpPr txBox="1"/>
+              <p:nvPr/>
+            </p:nvSpPr>
+            <p:spPr>
+              <a:xfrm>
+                <a:off x="963734" y="4095924"/>
+                <a:ext cx="5186035" cy="369332"/>
+              </a:xfrm>
+              <a:prstGeom prst="rect">
+                <a:avLst/>
+              </a:prstGeom>
+              <a:noFill/>
+            </p:spPr>
+            <p:txBody>
+              <a:bodyPr wrap="none" rtlCol="0">
+                <a:spAutoFit/>
+              </a:bodyPr>
+              <a:lstStyle/>
+              <a:p>
+                <a:r>
+                  <a:rPr lang="en-US" b="1" dirty="0"/>
+                  <a:t>Create test patterns for functional verification</a:t>
+                </a:r>
+                <a:endParaRPr lang="en-US" sz="1600" dirty="0"/>
+              </a:p>
+            </p:txBody>
+          </p:sp>
+        </p:grpSp>
+        <p:sp>
+          <p:nvSpPr>
+            <p:cNvPr id="25" name="Rectangle 24"/>
+            <p:cNvSpPr/>
+            <p:nvPr/>
+          </p:nvSpPr>
+          <p:spPr>
+            <a:xfrm>
+              <a:off x="1537199" y="4228850"/>
+              <a:ext cx="2743200" cy="91440"/>
+            </a:xfrm>
+            <a:prstGeom prst="rect">
+              <a:avLst/>
+            </a:prstGeom>
+            <a:solidFill>
+              <a:schemeClr val="tx2"/>
+            </a:solidFill>
+            <a:ln>
+              <a:noFill/>
+            </a:ln>
+          </p:spPr>
+          <p:style>
+            <a:lnRef idx="2">
+              <a:schemeClr val="accent1">
+                <a:shade val="50000"/>
+              </a:schemeClr>
+            </a:lnRef>
+            <a:fillRef idx="1">
+              <a:schemeClr val="accent1"/>
+            </a:fillRef>
+            <a:effectRef idx="0">
+              <a:schemeClr val="accent1"/>
+            </a:effectRef>
+            <a:fontRef idx="minor">
+              <a:schemeClr val="lt1"/>
+            </a:fontRef>
+          </p:style>
+          <p:txBody>
+            <a:bodyPr rtlCol="0" anchor="ctr"/>
+            <a:lstStyle/>
+            <a:p>
+              <a:pPr algn="r"/>
+              <a:r>
+                <a:rPr lang="en-US" sz="700" dirty="0"/>
+                <a:t>1</a:t>
+              </a:r>
+            </a:p>
+          </p:txBody>
+        </p:sp>
+        <p:sp>
+          <p:nvSpPr>
+            <p:cNvPr id="26" name="Rectangle 25"/>
+            <p:cNvSpPr/>
+            <p:nvPr/>
+          </p:nvSpPr>
+          <p:spPr>
+            <a:xfrm>
+              <a:off x="1537199" y="4339755"/>
+              <a:ext cx="2743200" cy="91440"/>
+            </a:xfrm>
+            <a:prstGeom prst="rect">
+              <a:avLst/>
+            </a:prstGeom>
+            <a:solidFill>
+              <a:srgbClr val="FF0000"/>
+            </a:solidFill>
+            <a:ln>
+              <a:noFill/>
+            </a:ln>
+          </p:spPr>
+          <p:style>
+            <a:lnRef idx="2">
+              <a:schemeClr val="accent1">
+                <a:shade val="50000"/>
+              </a:schemeClr>
+            </a:lnRef>
+            <a:fillRef idx="1">
+              <a:schemeClr val="accent1"/>
+            </a:fillRef>
+            <a:effectRef idx="0">
+              <a:schemeClr val="accent1"/>
+            </a:effectRef>
+            <a:fontRef idx="minor">
+              <a:schemeClr val="lt1"/>
+            </a:fontRef>
+          </p:style>
+          <p:txBody>
+            <a:bodyPr rtlCol="0" anchor="ctr"/>
+            <a:lstStyle/>
+            <a:p>
+              <a:pPr algn="r"/>
+              <a:endParaRPr lang="en-US" sz="700" dirty="0"/>
+            </a:p>
+          </p:txBody>
+        </p:sp>
+        <p:sp>
+          <p:nvSpPr>
+            <p:cNvPr id="35" name="Rectangle 34"/>
+            <p:cNvSpPr/>
+            <p:nvPr/>
+          </p:nvSpPr>
+          <p:spPr>
+            <a:xfrm>
+              <a:off x="4292381" y="4228850"/>
+              <a:ext cx="2743200" cy="91440"/>
+            </a:xfrm>
+            <a:prstGeom prst="rect">
+              <a:avLst/>
+            </a:prstGeom>
+            <a:solidFill>
+              <a:schemeClr val="tx2"/>
+            </a:solidFill>
+            <a:ln>
+              <a:noFill/>
+            </a:ln>
+          </p:spPr>
+          <p:style>
+            <a:lnRef idx="2">
+              <a:schemeClr val="accent1">
+                <a:shade val="50000"/>
+              </a:schemeClr>
+            </a:lnRef>
+            <a:fillRef idx="1">
+              <a:schemeClr val="accent1"/>
+            </a:fillRef>
+            <a:effectRef idx="0">
+              <a:schemeClr val="accent1"/>
+            </a:effectRef>
+            <a:fontRef idx="minor">
+              <a:schemeClr val="lt1"/>
+            </a:fontRef>
+          </p:style>
+          <p:txBody>
+            <a:bodyPr rtlCol="0" anchor="ctr"/>
+            <a:lstStyle/>
+            <a:p>
+              <a:pPr algn="r"/>
+              <a:r>
+                <a:rPr lang="en-US" sz="700" dirty="0"/>
+                <a:t>2</a:t>
+              </a:r>
+            </a:p>
+          </p:txBody>
+        </p:sp>
+        <p:sp>
+          <p:nvSpPr>
+            <p:cNvPr id="36" name="Rectangle 35"/>
+            <p:cNvSpPr/>
+            <p:nvPr/>
+          </p:nvSpPr>
+          <p:spPr>
+            <a:xfrm>
+              <a:off x="4292381" y="4339755"/>
+              <a:ext cx="2743200" cy="91440"/>
+            </a:xfrm>
+            <a:prstGeom prst="rect">
+              <a:avLst/>
+            </a:prstGeom>
+            <a:solidFill>
+              <a:srgbClr val="FF0000"/>
+            </a:solidFill>
+            <a:ln>
+              <a:noFill/>
+            </a:ln>
+          </p:spPr>
+          <p:style>
+            <a:lnRef idx="2">
+              <a:schemeClr val="accent1">
+                <a:shade val="50000"/>
+              </a:schemeClr>
+            </a:lnRef>
+            <a:fillRef idx="1">
+              <a:schemeClr val="accent1"/>
+            </a:fillRef>
+            <a:effectRef idx="0">
+              <a:schemeClr val="accent1"/>
+            </a:effectRef>
+            <a:fontRef idx="minor">
+              <a:schemeClr val="lt1"/>
+            </a:fontRef>
+          </p:style>
+          <p:txBody>
+            <a:bodyPr rtlCol="0" anchor="ctr"/>
+            <a:lstStyle/>
+            <a:p>
+              <a:pPr algn="r"/>
+              <a:endParaRPr lang="en-US" sz="700" dirty="0"/>
+            </a:p>
+          </p:txBody>
+        </p:sp>
+        <p:sp>
+          <p:nvSpPr>
+            <p:cNvPr id="42" name="Rectangle 41"/>
+            <p:cNvSpPr/>
+            <p:nvPr/>
+          </p:nvSpPr>
+          <p:spPr>
+            <a:xfrm>
+              <a:off x="7054878" y="4339755"/>
+              <a:ext cx="2743200" cy="91440"/>
+            </a:xfrm>
+            <a:prstGeom prst="rect">
+              <a:avLst/>
+            </a:prstGeom>
+            <a:solidFill>
+              <a:srgbClr val="FF0000"/>
+            </a:solidFill>
+            <a:ln>
+              <a:noFill/>
+            </a:ln>
+          </p:spPr>
+          <p:style>
+            <a:lnRef idx="2">
+              <a:schemeClr val="accent1">
+                <a:shade val="50000"/>
+              </a:schemeClr>
+            </a:lnRef>
+            <a:fillRef idx="1">
+              <a:schemeClr val="accent1"/>
+            </a:fillRef>
+            <a:effectRef idx="0">
+              <a:schemeClr val="accent1"/>
+            </a:effectRef>
+            <a:fontRef idx="minor">
+              <a:schemeClr val="lt1"/>
+            </a:fontRef>
+          </p:style>
+          <p:txBody>
+            <a:bodyPr rtlCol="0" anchor="ctr"/>
+            <a:lstStyle/>
+            <a:p>
+              <a:pPr algn="r"/>
+              <a:r>
+                <a:rPr lang="en-US" sz="700" dirty="0"/>
+                <a:t>3</a:t>
+              </a:r>
+            </a:p>
+          </p:txBody>
+        </p:sp>
+      </p:grpSp>
+      <p:grpSp>
+        <p:nvGrpSpPr>
+          <p:cNvPr id="56" name="Group 55"/>
+          <p:cNvGrpSpPr/>
+          <p:nvPr/>
+        </p:nvGrpSpPr>
+        <p:grpSpPr>
+          <a:xfrm>
+            <a:off x="1080000" y="4762126"/>
+            <a:ext cx="8718078" cy="659545"/>
+            <a:chOff x="1080000" y="4678709"/>
+            <a:chExt cx="8718078" cy="659545"/>
+          </a:xfrm>
+        </p:grpSpPr>
+        <p:grpSp>
+          <p:nvGrpSpPr>
+            <p:cNvPr id="13" name="Nhóm 30">
+              <a:extLst>
+                <a:ext uri="{FF2B5EF4-FFF2-40B4-BE49-F238E27FC236}">
+                  <a16:creationId xmlns:a16="http://schemas.microsoft.com/office/drawing/2014/main" id="{22BF9D0B-136C-408B-B280-6963B306BB83}"/>
+                </a:ext>
+              </a:extLst>
+            </p:cNvPr>
+            <p:cNvGrpSpPr/>
+            <p:nvPr/>
+          </p:nvGrpSpPr>
+          <p:grpSpPr>
+            <a:xfrm>
+              <a:off x="1080000" y="4678709"/>
+              <a:ext cx="5395411" cy="457200"/>
+              <a:chOff x="506534" y="4764945"/>
+              <a:chExt cx="5395411" cy="457200"/>
+            </a:xfrm>
+          </p:grpSpPr>
+          <p:pic>
+            <p:nvPicPr>
+              <p:cNvPr id="14" name="Đồ họa 14" descr="Xe chở bê tông">
+                <a:extLst>
+                  <a:ext uri="{FF2B5EF4-FFF2-40B4-BE49-F238E27FC236}">
+                    <a16:creationId xmlns:a16="http://schemas.microsoft.com/office/drawing/2014/main" id="{AC7D20A8-684D-4D88-9B22-11B0C258E6BA}"/>
+                  </a:ext>
+                </a:extLst>
+              </p:cNvPr>
+              <p:cNvPicPr>
+                <a:picLocks noChangeAspect="1"/>
+              </p:cNvPicPr>
+              <p:nvPr/>
+            </p:nvPicPr>
+            <p:blipFill>
+              <a:blip r:embed="rId8" cstate="print">
+                <a:extLst>
+                  <a:ext uri="{28A0092B-C50C-407E-A947-70E740481C1C}">
+                    <a14:useLocalDpi xmlns:a14="http://schemas.microsoft.com/office/drawing/2010/main" val="0"/>
+                  </a:ext>
+                  <a:ext uri="{96DAC541-7B7A-43D3-8B79-37D633B846F1}">
+                    <asvg:svgBlip xmlns:asvg="http://schemas.microsoft.com/office/drawing/2016/SVG/main" r:embed="rId9"/>
+                  </a:ext>
+                </a:extLst>
+              </a:blip>
+              <a:stretch>
+                <a:fillRect/>
+              </a:stretch>
+            </p:blipFill>
+            <p:spPr>
+              <a:xfrm>
+                <a:off x="506534" y="4764945"/>
+                <a:ext cx="457200" cy="457200"/>
+              </a:xfrm>
+              <a:prstGeom prst="rect">
+                <a:avLst/>
+              </a:prstGeom>
+            </p:spPr>
+          </p:pic>
+          <p:sp>
+            <p:nvSpPr>
+              <p:cNvPr id="15" name="Hộp Văn bản 22">
+                <a:extLst>
+                  <a:ext uri="{FF2B5EF4-FFF2-40B4-BE49-F238E27FC236}">
+                    <a16:creationId xmlns:a16="http://schemas.microsoft.com/office/drawing/2014/main" id="{6108A849-1640-4BDF-A81C-732BD39F495A}"/>
+                  </a:ext>
+                </a:extLst>
+              </p:cNvPr>
+              <p:cNvSpPr txBox="1"/>
+              <p:nvPr/>
+            </p:nvSpPr>
+            <p:spPr>
+              <a:xfrm>
+                <a:off x="963734" y="4764945"/>
+                <a:ext cx="4938211" cy="369332"/>
+              </a:xfrm>
+              <a:prstGeom prst="rect">
+                <a:avLst/>
+              </a:prstGeom>
+              <a:noFill/>
+            </p:spPr>
+            <p:txBody>
+              <a:bodyPr wrap="none" rtlCol="0">
+                <a:spAutoFit/>
+              </a:bodyPr>
+              <a:lstStyle/>
+              <a:p>
+                <a:r>
+                  <a:rPr lang="en-US" b="1" dirty="0"/>
+                  <a:t>Conduct functional verification at RTL level</a:t>
+                </a:r>
+                <a:endParaRPr lang="en-US" sz="1600" dirty="0"/>
+              </a:p>
+            </p:txBody>
+          </p:sp>
+        </p:grpSp>
+        <p:sp>
+          <p:nvSpPr>
+            <p:cNvPr id="27" name="Rectangle 26"/>
+            <p:cNvSpPr/>
+            <p:nvPr/>
+          </p:nvSpPr>
+          <p:spPr>
+            <a:xfrm>
+              <a:off x="1537199" y="5135909"/>
+              <a:ext cx="2743200" cy="91440"/>
+            </a:xfrm>
+            <a:prstGeom prst="rect">
+              <a:avLst/>
+            </a:prstGeom>
+            <a:solidFill>
+              <a:schemeClr val="tx2"/>
+            </a:solidFill>
+            <a:ln>
+              <a:noFill/>
+            </a:ln>
+          </p:spPr>
+          <p:style>
+            <a:lnRef idx="2">
+              <a:schemeClr val="accent1">
+                <a:shade val="50000"/>
+              </a:schemeClr>
+            </a:lnRef>
+            <a:fillRef idx="1">
+              <a:schemeClr val="accent1"/>
+            </a:fillRef>
+            <a:effectRef idx="0">
+              <a:schemeClr val="accent1"/>
+            </a:effectRef>
+            <a:fontRef idx="minor">
+              <a:schemeClr val="lt1"/>
+            </a:fontRef>
+          </p:style>
+          <p:txBody>
+            <a:bodyPr rtlCol="0" anchor="ctr"/>
+            <a:lstStyle/>
+            <a:p>
+              <a:pPr algn="r"/>
+              <a:r>
+                <a:rPr lang="en-US" sz="700" dirty="0"/>
+                <a:t>1</a:t>
+              </a:r>
+            </a:p>
+          </p:txBody>
+        </p:sp>
+        <p:sp>
+          <p:nvSpPr>
+            <p:cNvPr id="28" name="Rectangle 27"/>
+            <p:cNvSpPr/>
+            <p:nvPr/>
+          </p:nvSpPr>
+          <p:spPr>
+            <a:xfrm>
+              <a:off x="1537199" y="5246814"/>
+              <a:ext cx="2743200" cy="91440"/>
+            </a:xfrm>
+            <a:prstGeom prst="rect">
+              <a:avLst/>
+            </a:prstGeom>
+            <a:solidFill>
+              <a:srgbClr val="FF0000"/>
+            </a:solidFill>
+            <a:ln>
+              <a:noFill/>
+            </a:ln>
+          </p:spPr>
+          <p:style>
+            <a:lnRef idx="2">
+              <a:schemeClr val="accent1">
+                <a:shade val="50000"/>
+              </a:schemeClr>
+            </a:lnRef>
+            <a:fillRef idx="1">
+              <a:schemeClr val="accent1"/>
+            </a:fillRef>
+            <a:effectRef idx="0">
+              <a:schemeClr val="accent1"/>
+            </a:effectRef>
+            <a:fontRef idx="minor">
+              <a:schemeClr val="lt1"/>
+            </a:fontRef>
+          </p:style>
+          <p:txBody>
+            <a:bodyPr rtlCol="0" anchor="ctr"/>
+            <a:lstStyle/>
+            <a:p>
+              <a:pPr algn="r"/>
+              <a:endParaRPr lang="en-US" sz="700" dirty="0"/>
+            </a:p>
+          </p:txBody>
+        </p:sp>
+        <p:sp>
+          <p:nvSpPr>
+            <p:cNvPr id="37" name="Rectangle 36"/>
+            <p:cNvSpPr/>
+            <p:nvPr/>
+          </p:nvSpPr>
+          <p:spPr>
+            <a:xfrm>
+              <a:off x="4292381" y="5135909"/>
+              <a:ext cx="2743200" cy="91440"/>
+            </a:xfrm>
+            <a:prstGeom prst="rect">
+              <a:avLst/>
+            </a:prstGeom>
+            <a:solidFill>
+              <a:schemeClr val="tx2"/>
+            </a:solidFill>
+            <a:ln>
+              <a:noFill/>
+            </a:ln>
+          </p:spPr>
+          <p:style>
+            <a:lnRef idx="2">
+              <a:schemeClr val="accent1">
+                <a:shade val="50000"/>
+              </a:schemeClr>
+            </a:lnRef>
+            <a:fillRef idx="1">
+              <a:schemeClr val="accent1"/>
+            </a:fillRef>
+            <a:effectRef idx="0">
+              <a:schemeClr val="accent1"/>
+            </a:effectRef>
+            <a:fontRef idx="minor">
+              <a:schemeClr val="lt1"/>
+            </a:fontRef>
+          </p:style>
+          <p:txBody>
+            <a:bodyPr rtlCol="0" anchor="ctr"/>
+            <a:lstStyle/>
+            <a:p>
+              <a:pPr algn="r"/>
+              <a:r>
+                <a:rPr lang="en-US" sz="700" dirty="0"/>
+                <a:t>2</a:t>
+              </a:r>
+            </a:p>
+          </p:txBody>
+        </p:sp>
+        <p:sp>
+          <p:nvSpPr>
+            <p:cNvPr id="38" name="Rectangle 37"/>
+            <p:cNvSpPr/>
+            <p:nvPr/>
+          </p:nvSpPr>
+          <p:spPr>
+            <a:xfrm>
+              <a:off x="4292381" y="5246814"/>
+              <a:ext cx="2743200" cy="91440"/>
+            </a:xfrm>
+            <a:prstGeom prst="rect">
+              <a:avLst/>
+            </a:prstGeom>
+            <a:solidFill>
+              <a:srgbClr val="FF0000"/>
+            </a:solidFill>
+            <a:ln>
+              <a:noFill/>
+            </a:ln>
+          </p:spPr>
+          <p:style>
+            <a:lnRef idx="2">
+              <a:schemeClr val="accent1">
+                <a:shade val="50000"/>
+              </a:schemeClr>
+            </a:lnRef>
+            <a:fillRef idx="1">
+              <a:schemeClr val="accent1"/>
+            </a:fillRef>
+            <a:effectRef idx="0">
+              <a:schemeClr val="accent1"/>
+            </a:effectRef>
+            <a:fontRef idx="minor">
+              <a:schemeClr val="lt1"/>
+            </a:fontRef>
+          </p:style>
+          <p:txBody>
+            <a:bodyPr rtlCol="0" anchor="ctr"/>
+            <a:lstStyle/>
+            <a:p>
+              <a:pPr algn="r"/>
+              <a:endParaRPr lang="en-US" sz="700" dirty="0"/>
+            </a:p>
+          </p:txBody>
+        </p:sp>
+        <p:sp>
+          <p:nvSpPr>
+            <p:cNvPr id="43" name="Rectangle 42"/>
+            <p:cNvSpPr/>
+            <p:nvPr/>
+          </p:nvSpPr>
+          <p:spPr>
+            <a:xfrm>
+              <a:off x="7054878" y="5246199"/>
+              <a:ext cx="2743200" cy="91440"/>
+            </a:xfrm>
+            <a:prstGeom prst="rect">
+              <a:avLst/>
+            </a:prstGeom>
+            <a:solidFill>
+              <a:srgbClr val="FF0000"/>
+            </a:solidFill>
+            <a:ln>
+              <a:noFill/>
+            </a:ln>
+          </p:spPr>
+          <p:style>
+            <a:lnRef idx="2">
+              <a:schemeClr val="accent1">
+                <a:shade val="50000"/>
+              </a:schemeClr>
+            </a:lnRef>
+            <a:fillRef idx="1">
+              <a:schemeClr val="accent1"/>
+            </a:fillRef>
+            <a:effectRef idx="0">
+              <a:schemeClr val="accent1"/>
+            </a:effectRef>
+            <a:fontRef idx="minor">
+              <a:schemeClr val="lt1"/>
+            </a:fontRef>
+          </p:style>
+          <p:txBody>
+            <a:bodyPr rtlCol="0" anchor="ctr"/>
+            <a:lstStyle/>
+            <a:p>
+              <a:pPr algn="r"/>
+              <a:r>
+                <a:rPr lang="en-US" sz="700" dirty="0"/>
+                <a:t>3</a:t>
+              </a:r>
+            </a:p>
+          </p:txBody>
+        </p:sp>
+      </p:grpSp>
+      <p:grpSp>
+        <p:nvGrpSpPr>
+          <p:cNvPr id="57" name="Group 56"/>
+          <p:cNvGrpSpPr/>
+          <p:nvPr/>
+        </p:nvGrpSpPr>
+        <p:grpSpPr>
+          <a:xfrm>
+            <a:off x="1080000" y="5585706"/>
+            <a:ext cx="7346478" cy="659545"/>
+            <a:chOff x="1080000" y="5585706"/>
+            <a:chExt cx="7346478" cy="659545"/>
+          </a:xfrm>
+        </p:grpSpPr>
+        <p:grpSp>
+          <p:nvGrpSpPr>
+            <p:cNvPr id="16" name="Nhóm 31">
+              <a:extLst>
+                <a:ext uri="{FF2B5EF4-FFF2-40B4-BE49-F238E27FC236}">
+                  <a16:creationId xmlns:a16="http://schemas.microsoft.com/office/drawing/2014/main" id="{DD9360C9-B1EB-45B1-BEA4-C2DDA8E4FEF5}"/>
+                </a:ext>
+              </a:extLst>
+            </p:cNvPr>
+            <p:cNvGrpSpPr/>
+            <p:nvPr/>
+          </p:nvGrpSpPr>
+          <p:grpSpPr>
+            <a:xfrm>
+              <a:off x="1080000" y="5585706"/>
+              <a:ext cx="4745552" cy="457200"/>
+              <a:chOff x="506534" y="5328765"/>
+              <a:chExt cx="4745552" cy="457200"/>
+            </a:xfrm>
+          </p:grpSpPr>
+          <p:pic>
+            <p:nvPicPr>
+              <p:cNvPr id="17" name="Đồ họa 16" descr="Kính hiển vi">
+                <a:extLst>
+                  <a:ext uri="{FF2B5EF4-FFF2-40B4-BE49-F238E27FC236}">
+                    <a16:creationId xmlns:a16="http://schemas.microsoft.com/office/drawing/2014/main" id="{E43F761C-1B61-4311-9BB3-B7173F547F55}"/>
+                  </a:ext>
+                </a:extLst>
+              </p:cNvPr>
+              <p:cNvPicPr>
+                <a:picLocks noChangeAspect="1"/>
+              </p:cNvPicPr>
+              <p:nvPr/>
+            </p:nvPicPr>
+            <p:blipFill>
+              <a:blip r:embed="rId10" cstate="print">
+                <a:extLst>
+                  <a:ext uri="{28A0092B-C50C-407E-A947-70E740481C1C}">
+                    <a14:useLocalDpi xmlns:a14="http://schemas.microsoft.com/office/drawing/2010/main" val="0"/>
+                  </a:ext>
+                  <a:ext uri="{96DAC541-7B7A-43D3-8B79-37D633B846F1}">
+                    <asvg:svgBlip xmlns:asvg="http://schemas.microsoft.com/office/drawing/2016/SVG/main" r:embed="rId11"/>
+                  </a:ext>
+                </a:extLst>
+              </a:blip>
+              <a:stretch>
+                <a:fillRect/>
+              </a:stretch>
+            </p:blipFill>
+            <p:spPr>
+              <a:xfrm>
+                <a:off x="506534" y="5328765"/>
+                <a:ext cx="457200" cy="457200"/>
+              </a:xfrm>
+              <a:prstGeom prst="rect">
+                <a:avLst/>
+              </a:prstGeom>
+            </p:spPr>
+          </p:pic>
+          <p:sp>
+            <p:nvSpPr>
+              <p:cNvPr id="18" name="Hộp Văn bản 23">
+                <a:extLst>
+                  <a:ext uri="{FF2B5EF4-FFF2-40B4-BE49-F238E27FC236}">
+                    <a16:creationId xmlns:a16="http://schemas.microsoft.com/office/drawing/2014/main" id="{B9CB2816-9F0C-4F34-98C6-7DD180E361F9}"/>
+                  </a:ext>
+                </a:extLst>
+              </p:cNvPr>
+              <p:cNvSpPr txBox="1"/>
+              <p:nvPr/>
+            </p:nvSpPr>
+            <p:spPr>
+              <a:xfrm>
+                <a:off x="963733" y="5328765"/>
+                <a:ext cx="4288353" cy="369332"/>
+              </a:xfrm>
+              <a:prstGeom prst="rect">
+                <a:avLst/>
+              </a:prstGeom>
+              <a:noFill/>
+            </p:spPr>
+            <p:txBody>
+              <a:bodyPr wrap="none" rtlCol="0">
+                <a:spAutoFit/>
+              </a:bodyPr>
+              <a:lstStyle/>
+              <a:p>
+                <a:r>
+                  <a:rPr lang="en-US" b="1" dirty="0"/>
+                  <a:t>Evaluate functional verification result</a:t>
+                </a:r>
+                <a:endParaRPr lang="en-US" sz="1600" dirty="0"/>
+              </a:p>
+            </p:txBody>
+          </p:sp>
+        </p:grpSp>
+        <p:sp>
+          <p:nvSpPr>
+            <p:cNvPr id="29" name="Rectangle 28"/>
+            <p:cNvSpPr/>
+            <p:nvPr/>
+          </p:nvSpPr>
+          <p:spPr>
+            <a:xfrm>
+              <a:off x="1537199" y="6042906"/>
+              <a:ext cx="2743200" cy="91440"/>
+            </a:xfrm>
+            <a:prstGeom prst="rect">
+              <a:avLst/>
+            </a:prstGeom>
+            <a:solidFill>
+              <a:schemeClr val="tx2"/>
+            </a:solidFill>
+            <a:ln>
+              <a:noFill/>
+            </a:ln>
+          </p:spPr>
+          <p:style>
+            <a:lnRef idx="2">
+              <a:schemeClr val="accent1">
+                <a:shade val="50000"/>
+              </a:schemeClr>
+            </a:lnRef>
+            <a:fillRef idx="1">
+              <a:schemeClr val="accent1"/>
+            </a:fillRef>
+            <a:effectRef idx="0">
+              <a:schemeClr val="accent1"/>
+            </a:effectRef>
+            <a:fontRef idx="minor">
+              <a:schemeClr val="lt1"/>
+            </a:fontRef>
+          </p:style>
+          <p:txBody>
+            <a:bodyPr rtlCol="0" anchor="ctr"/>
+            <a:lstStyle/>
+            <a:p>
+              <a:pPr algn="r"/>
+              <a:r>
+                <a:rPr lang="en-US" sz="700" dirty="0"/>
+                <a:t>1</a:t>
+              </a:r>
+            </a:p>
+          </p:txBody>
+        </p:sp>
+        <p:sp>
+          <p:nvSpPr>
+            <p:cNvPr id="30" name="Rectangle 29"/>
+            <p:cNvSpPr/>
+            <p:nvPr/>
+          </p:nvSpPr>
+          <p:spPr>
+            <a:xfrm>
+              <a:off x="1537199" y="6153811"/>
+              <a:ext cx="2743200" cy="91440"/>
+            </a:xfrm>
+            <a:prstGeom prst="rect">
+              <a:avLst/>
+            </a:prstGeom>
+            <a:solidFill>
+              <a:srgbClr val="FF0000"/>
+            </a:solidFill>
+            <a:ln>
+              <a:noFill/>
+            </a:ln>
+          </p:spPr>
+          <p:style>
+            <a:lnRef idx="2">
+              <a:schemeClr val="accent1">
+                <a:shade val="50000"/>
+              </a:schemeClr>
+            </a:lnRef>
+            <a:fillRef idx="1">
+              <a:schemeClr val="accent1"/>
+            </a:fillRef>
+            <a:effectRef idx="0">
+              <a:schemeClr val="accent1"/>
+            </a:effectRef>
+            <a:fontRef idx="minor">
+              <a:schemeClr val="lt1"/>
+            </a:fontRef>
+          </p:style>
+          <p:txBody>
+            <a:bodyPr rtlCol="0" anchor="ctr"/>
+            <a:lstStyle/>
+            <a:p>
+              <a:pPr algn="r"/>
+              <a:endParaRPr lang="en-US" sz="700" dirty="0"/>
+            </a:p>
+          </p:txBody>
+        </p:sp>
+        <p:sp>
+          <p:nvSpPr>
+            <p:cNvPr id="39" name="Rectangle 38"/>
+            <p:cNvSpPr/>
+            <p:nvPr/>
+          </p:nvSpPr>
+          <p:spPr>
+            <a:xfrm>
+              <a:off x="4292381" y="6042906"/>
+              <a:ext cx="2743200" cy="91440"/>
+            </a:xfrm>
+            <a:prstGeom prst="rect">
+              <a:avLst/>
+            </a:prstGeom>
+            <a:solidFill>
+              <a:schemeClr val="tx2"/>
+            </a:solidFill>
+            <a:ln>
+              <a:noFill/>
+            </a:ln>
+          </p:spPr>
+          <p:style>
+            <a:lnRef idx="2">
+              <a:schemeClr val="accent1">
+                <a:shade val="50000"/>
+              </a:schemeClr>
+            </a:lnRef>
+            <a:fillRef idx="1">
+              <a:schemeClr val="accent1"/>
+            </a:fillRef>
+            <a:effectRef idx="0">
+              <a:schemeClr val="accent1"/>
+            </a:effectRef>
+            <a:fontRef idx="minor">
+              <a:schemeClr val="lt1"/>
+            </a:fontRef>
+          </p:style>
+          <p:txBody>
+            <a:bodyPr rtlCol="0" anchor="ctr"/>
+            <a:lstStyle/>
+            <a:p>
+              <a:pPr algn="r"/>
+              <a:r>
+                <a:rPr lang="en-US" sz="700" dirty="0"/>
+                <a:t>2</a:t>
+              </a:r>
+            </a:p>
+          </p:txBody>
+        </p:sp>
+        <p:sp>
+          <p:nvSpPr>
+            <p:cNvPr id="40" name="Rectangle 39"/>
+            <p:cNvSpPr/>
+            <p:nvPr/>
+          </p:nvSpPr>
+          <p:spPr>
+            <a:xfrm>
+              <a:off x="4292381" y="6153811"/>
+              <a:ext cx="2743200" cy="91440"/>
+            </a:xfrm>
+            <a:prstGeom prst="rect">
+              <a:avLst/>
+            </a:prstGeom>
+            <a:solidFill>
+              <a:srgbClr val="FF0000"/>
+            </a:solidFill>
+            <a:ln>
+              <a:noFill/>
+            </a:ln>
+          </p:spPr>
+          <p:style>
+            <a:lnRef idx="2">
+              <a:schemeClr val="accent1">
+                <a:shade val="50000"/>
+              </a:schemeClr>
+            </a:lnRef>
+            <a:fillRef idx="1">
+              <a:schemeClr val="accent1"/>
+            </a:fillRef>
+            <a:effectRef idx="0">
+              <a:schemeClr val="accent1"/>
+            </a:effectRef>
+            <a:fontRef idx="minor">
+              <a:schemeClr val="lt1"/>
+            </a:fontRef>
+          </p:style>
+          <p:txBody>
+            <a:bodyPr rtlCol="0" anchor="ctr"/>
+            <a:lstStyle/>
+            <a:p>
+              <a:pPr algn="r"/>
+              <a:endParaRPr lang="en-US" sz="700" dirty="0"/>
+            </a:p>
+          </p:txBody>
+        </p:sp>
+        <p:sp>
+          <p:nvSpPr>
+            <p:cNvPr id="44" name="Rectangle 43"/>
+            <p:cNvSpPr/>
+            <p:nvPr/>
+          </p:nvSpPr>
+          <p:spPr>
+            <a:xfrm>
+              <a:off x="7054878" y="6152643"/>
+              <a:ext cx="1371600" cy="91440"/>
+            </a:xfrm>
+            <a:prstGeom prst="rect">
+              <a:avLst/>
+            </a:prstGeom>
+            <a:solidFill>
+              <a:srgbClr val="FF0000"/>
+            </a:solidFill>
+            <a:ln>
+              <a:noFill/>
+            </a:ln>
+          </p:spPr>
+          <p:style>
+            <a:lnRef idx="2">
+              <a:schemeClr val="accent1">
+                <a:shade val="50000"/>
+              </a:schemeClr>
+            </a:lnRef>
+            <a:fillRef idx="1">
+              <a:schemeClr val="accent1"/>
+            </a:fillRef>
+            <a:effectRef idx="0">
+              <a:schemeClr val="accent1"/>
+            </a:effectRef>
+            <a:fontRef idx="minor">
+              <a:schemeClr val="lt1"/>
+            </a:fontRef>
+          </p:style>
+          <p:txBody>
+            <a:bodyPr rtlCol="0" anchor="ctr"/>
+            <a:lstStyle/>
+            <a:p>
+              <a:pPr algn="r"/>
+              <a:r>
+                <a:rPr lang="en-US" sz="700" dirty="0"/>
+                <a:t>2.5</a:t>
+              </a:r>
+            </a:p>
+          </p:txBody>
+        </p:sp>
+      </p:grpSp>
+      <p:grpSp>
+        <p:nvGrpSpPr>
+          <p:cNvPr id="61" name="Group 60"/>
+          <p:cNvGrpSpPr/>
+          <p:nvPr/>
+        </p:nvGrpSpPr>
+        <p:grpSpPr>
+          <a:xfrm>
+            <a:off x="9841595" y="922877"/>
+            <a:ext cx="1050700" cy="738664"/>
+            <a:chOff x="9706827" y="788267"/>
+            <a:chExt cx="1050700" cy="738664"/>
+          </a:xfrm>
+        </p:grpSpPr>
+        <p:sp>
+          <p:nvSpPr>
+            <p:cNvPr id="58" name="Rectangle 57"/>
+            <p:cNvSpPr/>
+            <p:nvPr/>
+          </p:nvSpPr>
+          <p:spPr>
+            <a:xfrm>
+              <a:off x="10300327" y="1164914"/>
+              <a:ext cx="457200" cy="91440"/>
+            </a:xfrm>
+            <a:prstGeom prst="rect">
+              <a:avLst/>
+            </a:prstGeom>
+            <a:solidFill>
+              <a:schemeClr val="tx2"/>
+            </a:solidFill>
+            <a:ln>
+              <a:noFill/>
+            </a:ln>
+          </p:spPr>
+          <p:style>
+            <a:lnRef idx="2">
+              <a:schemeClr val="accent1">
+                <a:shade val="50000"/>
+              </a:schemeClr>
+            </a:lnRef>
+            <a:fillRef idx="1">
+              <a:schemeClr val="accent1"/>
+            </a:fillRef>
+            <a:effectRef idx="0">
+              <a:schemeClr val="accent1"/>
+            </a:effectRef>
+            <a:fontRef idx="minor">
+              <a:schemeClr val="lt1"/>
+            </a:fontRef>
+          </p:style>
+          <p:txBody>
+            <a:bodyPr rtlCol="0" anchor="ctr"/>
+            <a:lstStyle/>
+            <a:p>
+              <a:pPr algn="r"/>
+              <a:endParaRPr lang="en-US" sz="700" dirty="0"/>
+            </a:p>
+          </p:txBody>
+        </p:sp>
+        <p:sp>
+          <p:nvSpPr>
+            <p:cNvPr id="59" name="Rectangle 58"/>
+            <p:cNvSpPr/>
+            <p:nvPr/>
+          </p:nvSpPr>
+          <p:spPr>
+            <a:xfrm>
+              <a:off x="10300327" y="1340793"/>
+              <a:ext cx="457200" cy="91440"/>
+            </a:xfrm>
+            <a:prstGeom prst="rect">
+              <a:avLst/>
+            </a:prstGeom>
+            <a:solidFill>
+              <a:srgbClr val="FF0000"/>
+            </a:solidFill>
+            <a:ln>
+              <a:noFill/>
+            </a:ln>
+          </p:spPr>
+          <p:style>
+            <a:lnRef idx="2">
+              <a:schemeClr val="accent1">
+                <a:shade val="50000"/>
+              </a:schemeClr>
+            </a:lnRef>
+            <a:fillRef idx="1">
+              <a:schemeClr val="accent1"/>
+            </a:fillRef>
+            <a:effectRef idx="0">
+              <a:schemeClr val="accent1"/>
+            </a:effectRef>
+            <a:fontRef idx="minor">
+              <a:schemeClr val="lt1"/>
+            </a:fontRef>
+          </p:style>
+          <p:txBody>
+            <a:bodyPr rtlCol="0" anchor="ctr"/>
+            <a:lstStyle/>
+            <a:p>
+              <a:pPr algn="r"/>
+              <a:endParaRPr lang="en-US" sz="700" dirty="0"/>
+            </a:p>
+          </p:txBody>
+        </p:sp>
+        <p:sp>
+          <p:nvSpPr>
+            <p:cNvPr id="60" name="TextBox 59"/>
+            <p:cNvSpPr txBox="1"/>
+            <p:nvPr/>
+          </p:nvSpPr>
+          <p:spPr>
+            <a:xfrm>
+              <a:off x="9706827" y="788267"/>
+              <a:ext cx="954107" cy="738664"/>
+            </a:xfrm>
+            <a:prstGeom prst="rect">
+              <a:avLst/>
+            </a:prstGeom>
+            <a:noFill/>
+          </p:spPr>
+          <p:txBody>
+            <a:bodyPr wrap="none" rtlCol="0">
+              <a:spAutoFit/>
+            </a:bodyPr>
+            <a:lstStyle/>
+            <a:p>
+              <a:r>
+                <a:rPr lang="en-US" u="sng" dirty="0">
+                  <a:solidFill>
+                    <a:schemeClr val="bg2">
+                      <a:lumMod val="10000"/>
+                    </a:schemeClr>
+                  </a:solidFill>
+                </a:rPr>
+                <a:t>Legend</a:t>
+              </a:r>
+            </a:p>
+            <a:p>
+              <a:r>
+                <a:rPr lang="en-US" sz="1200" dirty="0">
+                  <a:solidFill>
+                    <a:schemeClr val="bg2">
+                      <a:lumMod val="10000"/>
+                    </a:schemeClr>
+                  </a:solidFill>
+                </a:rPr>
+                <a:t>Target</a:t>
+              </a:r>
+            </a:p>
+            <a:p>
+              <a:r>
+                <a:rPr lang="en-US" sz="1200" dirty="0">
+                  <a:solidFill>
+                    <a:schemeClr val="bg2">
+                      <a:lumMod val="10000"/>
+                    </a:schemeClr>
+                  </a:solidFill>
+                </a:rPr>
+                <a:t>Actual</a:t>
+              </a:r>
+            </a:p>
+          </p:txBody>
+        </p:sp>
+      </p:grpSp>
+      <p:grpSp>
+        <p:nvGrpSpPr>
+          <p:cNvPr id="21" name="Nhóm 20">
+            <a:extLst>
+              <a:ext uri="{FF2B5EF4-FFF2-40B4-BE49-F238E27FC236}">
+                <a16:creationId xmlns:a16="http://schemas.microsoft.com/office/drawing/2014/main" id="{75664A0A-EEDD-48B9-AB20-C2D7E87002E4}"/>
+              </a:ext>
+            </a:extLst>
+          </p:cNvPr>
+          <p:cNvGrpSpPr/>
+          <p:nvPr/>
+        </p:nvGrpSpPr>
+        <p:grpSpPr>
+          <a:xfrm>
+            <a:off x="1080000" y="1661541"/>
+            <a:ext cx="5955581" cy="562576"/>
+            <a:chOff x="1080000" y="1661541"/>
+            <a:chExt cx="5955581" cy="562576"/>
+          </a:xfrm>
+        </p:grpSpPr>
+        <p:grpSp>
+          <p:nvGrpSpPr>
+            <p:cNvPr id="20" name="Nhóm 19">
+              <a:extLst>
+                <a:ext uri="{FF2B5EF4-FFF2-40B4-BE49-F238E27FC236}">
+                  <a16:creationId xmlns:a16="http://schemas.microsoft.com/office/drawing/2014/main" id="{AA3AD1B8-F850-43FE-9311-76D841CC9B6E}"/>
+                </a:ext>
+              </a:extLst>
+            </p:cNvPr>
+            <p:cNvGrpSpPr/>
+            <p:nvPr/>
+          </p:nvGrpSpPr>
+          <p:grpSpPr>
+            <a:xfrm>
+              <a:off x="1080000" y="1661541"/>
+              <a:ext cx="4912266" cy="457200"/>
+              <a:chOff x="1080000" y="1661541"/>
+              <a:chExt cx="4912266" cy="457200"/>
+            </a:xfrm>
+          </p:grpSpPr>
+          <p:pic>
+            <p:nvPicPr>
+              <p:cNvPr id="46" name="Đồ họa 10" descr="Đầu có bánh răng">
+                <a:extLst>
+                  <a:ext uri="{FF2B5EF4-FFF2-40B4-BE49-F238E27FC236}">
+                    <a16:creationId xmlns:a16="http://schemas.microsoft.com/office/drawing/2014/main" id="{B9D46646-FACA-4589-BAD1-3CD8D5E3477A}"/>
+                  </a:ext>
+                </a:extLst>
+              </p:cNvPr>
+              <p:cNvPicPr>
+                <a:picLocks noChangeAspect="1"/>
+              </p:cNvPicPr>
+              <p:nvPr/>
+            </p:nvPicPr>
+            <p:blipFill>
+              <a:blip r:embed="rId12">
+                <a:extLst>
+                  <a:ext uri="{28A0092B-C50C-407E-A947-70E740481C1C}">
+                    <a14:useLocalDpi xmlns:a14="http://schemas.microsoft.com/office/drawing/2010/main" val="0"/>
+                  </a:ext>
+                  <a:ext uri="{96DAC541-7B7A-43D3-8B79-37D633B846F1}">
+                    <asvg:svgBlip xmlns:asvg="http://schemas.microsoft.com/office/drawing/2016/SVG/main" r:embed="rId13"/>
+                  </a:ext>
+                </a:extLst>
+              </a:blip>
+              <a:stretch>
+                <a:fillRect/>
+              </a:stretch>
+            </p:blipFill>
+            <p:spPr>
+              <a:xfrm>
+                <a:off x="1080000" y="1661541"/>
+                <a:ext cx="457200" cy="457200"/>
+              </a:xfrm>
+              <a:prstGeom prst="rect">
+                <a:avLst/>
+              </a:prstGeom>
+            </p:spPr>
+          </p:pic>
+          <p:sp>
+            <p:nvSpPr>
+              <p:cNvPr id="47" name="Hộp Văn bản 19">
+                <a:extLst>
+                  <a:ext uri="{FF2B5EF4-FFF2-40B4-BE49-F238E27FC236}">
+                    <a16:creationId xmlns:a16="http://schemas.microsoft.com/office/drawing/2014/main" id="{B7CF234B-BE45-4E9C-A67F-CD4A7B347EAD}"/>
+                  </a:ext>
+                </a:extLst>
+              </p:cNvPr>
+              <p:cNvSpPr txBox="1"/>
+              <p:nvPr/>
+            </p:nvSpPr>
+            <p:spPr>
+              <a:xfrm>
+                <a:off x="1537200" y="1661541"/>
+                <a:ext cx="4455066" cy="369332"/>
+              </a:xfrm>
+              <a:prstGeom prst="rect">
+                <a:avLst/>
+              </a:prstGeom>
+              <a:noFill/>
+            </p:spPr>
+            <p:txBody>
+              <a:bodyPr wrap="none" rtlCol="0">
+                <a:spAutoFit/>
+              </a:bodyPr>
+              <a:lstStyle/>
+              <a:p>
+                <a:r>
+                  <a:rPr lang="en-US" b="1" dirty="0"/>
+                  <a:t>Determine verification strategy (policy)</a:t>
+                </a:r>
+                <a:endParaRPr lang="en-US" dirty="0"/>
+              </a:p>
+            </p:txBody>
+          </p:sp>
+        </p:grpSp>
+        <p:sp>
+          <p:nvSpPr>
+            <p:cNvPr id="48" name="Rectangle 47"/>
+            <p:cNvSpPr/>
+            <p:nvPr/>
+          </p:nvSpPr>
+          <p:spPr>
+            <a:xfrm>
+              <a:off x="1537199" y="2029087"/>
+              <a:ext cx="2743200" cy="91440"/>
+            </a:xfrm>
+            <a:prstGeom prst="rect">
+              <a:avLst/>
+            </a:prstGeom>
+            <a:solidFill>
+              <a:schemeClr val="tx2"/>
+            </a:solidFill>
+            <a:ln>
+              <a:noFill/>
+            </a:ln>
+          </p:spPr>
+          <p:style>
+            <a:lnRef idx="2">
+              <a:schemeClr val="accent1">
+                <a:shade val="50000"/>
+              </a:schemeClr>
+            </a:lnRef>
+            <a:fillRef idx="1">
+              <a:schemeClr val="accent1"/>
+            </a:fillRef>
+            <a:effectRef idx="0">
+              <a:schemeClr val="accent1"/>
+            </a:effectRef>
+            <a:fontRef idx="minor">
+              <a:schemeClr val="lt1"/>
+            </a:fontRef>
+          </p:style>
+          <p:txBody>
+            <a:bodyPr rtlCol="0" anchor="ctr"/>
+            <a:lstStyle/>
+            <a:p>
+              <a:pPr algn="r"/>
+              <a:r>
+                <a:rPr lang="en-US" sz="700" dirty="0"/>
+                <a:t>1</a:t>
+              </a:r>
+            </a:p>
+          </p:txBody>
+        </p:sp>
+        <p:sp>
+          <p:nvSpPr>
+            <p:cNvPr id="49" name="Rectangle 48"/>
+            <p:cNvSpPr/>
+            <p:nvPr/>
+          </p:nvSpPr>
+          <p:spPr>
+            <a:xfrm>
+              <a:off x="1537199" y="2132677"/>
+              <a:ext cx="2743200" cy="91440"/>
+            </a:xfrm>
+            <a:prstGeom prst="rect">
+              <a:avLst/>
+            </a:prstGeom>
+            <a:solidFill>
+              <a:srgbClr val="FF0000"/>
+            </a:solidFill>
+            <a:ln>
+              <a:noFill/>
+            </a:ln>
+          </p:spPr>
+          <p:style>
+            <a:lnRef idx="2">
+              <a:schemeClr val="accent1">
+                <a:shade val="50000"/>
+              </a:schemeClr>
+            </a:lnRef>
+            <a:fillRef idx="1">
+              <a:schemeClr val="accent1"/>
+            </a:fillRef>
+            <a:effectRef idx="0">
+              <a:schemeClr val="accent1"/>
+            </a:effectRef>
+            <a:fontRef idx="minor">
+              <a:schemeClr val="lt1"/>
+            </a:fontRef>
+          </p:style>
+          <p:txBody>
+            <a:bodyPr rtlCol="0" anchor="ctr"/>
+            <a:lstStyle/>
+            <a:p>
+              <a:pPr algn="r"/>
+              <a:endParaRPr lang="en-US" sz="700" dirty="0"/>
+            </a:p>
+          </p:txBody>
+        </p:sp>
+        <p:sp>
+          <p:nvSpPr>
+            <p:cNvPr id="50" name="Rectangle 49"/>
+            <p:cNvSpPr/>
+            <p:nvPr/>
+          </p:nvSpPr>
+          <p:spPr>
+            <a:xfrm>
+              <a:off x="4292381" y="2029087"/>
+              <a:ext cx="2743200" cy="91440"/>
+            </a:xfrm>
+            <a:prstGeom prst="rect">
+              <a:avLst/>
+            </a:prstGeom>
+            <a:solidFill>
+              <a:schemeClr val="tx2"/>
+            </a:solidFill>
+            <a:ln>
+              <a:noFill/>
+            </a:ln>
+          </p:spPr>
+          <p:style>
+            <a:lnRef idx="2">
+              <a:schemeClr val="accent1">
+                <a:shade val="50000"/>
+              </a:schemeClr>
+            </a:lnRef>
+            <a:fillRef idx="1">
+              <a:schemeClr val="accent1"/>
+            </a:fillRef>
+            <a:effectRef idx="0">
+              <a:schemeClr val="accent1"/>
+            </a:effectRef>
+            <a:fontRef idx="minor">
+              <a:schemeClr val="lt1"/>
+            </a:fontRef>
+          </p:style>
+          <p:txBody>
+            <a:bodyPr rtlCol="0" anchor="ctr"/>
+            <a:lstStyle/>
+            <a:p>
+              <a:pPr algn="r"/>
+              <a:r>
+                <a:rPr lang="en-US" sz="700" dirty="0"/>
+                <a:t>2</a:t>
+              </a:r>
+            </a:p>
+          </p:txBody>
+        </p:sp>
+        <p:sp>
+          <p:nvSpPr>
+            <p:cNvPr id="62" name="Rectangle 61"/>
+            <p:cNvSpPr/>
+            <p:nvPr/>
+          </p:nvSpPr>
+          <p:spPr>
+            <a:xfrm>
+              <a:off x="4292381" y="2132677"/>
+              <a:ext cx="1371600" cy="91440"/>
+            </a:xfrm>
+            <a:prstGeom prst="rect">
+              <a:avLst/>
+            </a:prstGeom>
+            <a:solidFill>
+              <a:srgbClr val="FF0000"/>
+            </a:solidFill>
+            <a:ln>
+              <a:noFill/>
+            </a:ln>
+          </p:spPr>
+          <p:style>
+            <a:lnRef idx="2">
+              <a:schemeClr val="accent1">
+                <a:shade val="50000"/>
+              </a:schemeClr>
+            </a:lnRef>
+            <a:fillRef idx="1">
+              <a:schemeClr val="accent1"/>
+            </a:fillRef>
+            <a:effectRef idx="0">
+              <a:schemeClr val="accent1"/>
+            </a:effectRef>
+            <a:fontRef idx="minor">
+              <a:schemeClr val="lt1"/>
+            </a:fontRef>
+          </p:style>
+          <p:txBody>
+            <a:bodyPr rtlCol="0" anchor="ctr"/>
+            <a:lstStyle/>
+            <a:p>
+              <a:pPr algn="r"/>
+              <a:r>
+                <a:rPr lang="en-US" sz="700" dirty="0"/>
+                <a:t>1.5</a:t>
+              </a:r>
+            </a:p>
+          </p:txBody>
+        </p:sp>
+      </p:grpSp>
+      <p:pic>
+        <p:nvPicPr>
+          <p:cNvPr id="63" name="Đồ họa 62" descr="Huy chương">
+            <a:extLst>
+              <a:ext uri="{FF2B5EF4-FFF2-40B4-BE49-F238E27FC236}">
+                <a16:creationId xmlns:a16="http://schemas.microsoft.com/office/drawing/2014/main" id="{38D6DE39-D6B5-4DFE-951C-5E19BBF5D28A}"/>
+              </a:ext>
+            </a:extLst>
+          </p:cNvPr>
+          <p:cNvPicPr>
+            <a:picLocks noChangeAspect="1"/>
+          </p:cNvPicPr>
+          <p:nvPr/>
+        </p:nvPicPr>
+        <p:blipFill>
+          <a:blip r:embed="rId14">
+            <a:extLst>
+              <a:ext uri="{28A0092B-C50C-407E-A947-70E740481C1C}">
+                <a14:useLocalDpi xmlns:a14="http://schemas.microsoft.com/office/drawing/2010/main" val="0"/>
+              </a:ext>
+              <a:ext uri="{96DAC541-7B7A-43D3-8B79-37D633B846F1}">
+                <asvg:svgBlip xmlns:asvg="http://schemas.microsoft.com/office/drawing/2016/SVG/main" r:embed="rId15"/>
+              </a:ext>
+            </a:extLst>
+          </a:blip>
+          <a:stretch>
+            <a:fillRect/>
+          </a:stretch>
+        </p:blipFill>
+        <p:spPr>
+          <a:xfrm>
+            <a:off x="9063495" y="2370810"/>
+            <a:ext cx="2743200" cy="2743200"/>
+          </a:xfrm>
+          <a:prstGeom prst="rect">
+            <a:avLst/>
+          </a:prstGeom>
+        </p:spPr>
+      </p:pic>
+      <p:sp>
+        <p:nvSpPr>
+          <p:cNvPr id="64" name="Hộp Văn bản 63">
+            <a:extLst>
+              <a:ext uri="{FF2B5EF4-FFF2-40B4-BE49-F238E27FC236}">
+                <a16:creationId xmlns:a16="http://schemas.microsoft.com/office/drawing/2014/main" id="{829EE0EF-A1BF-4E04-84F3-58329DF3445D}"/>
+              </a:ext>
+            </a:extLst>
+          </p:cNvPr>
+          <p:cNvSpPr txBox="1"/>
+          <p:nvPr/>
+        </p:nvSpPr>
+        <p:spPr>
+          <a:xfrm>
+            <a:off x="9746445" y="5028937"/>
+            <a:ext cx="1390124" cy="646331"/>
+          </a:xfrm>
+          <a:prstGeom prst="rect">
+            <a:avLst/>
+          </a:prstGeom>
+          <a:noFill/>
+        </p:spPr>
+        <p:txBody>
+          <a:bodyPr wrap="none" rtlCol="0">
+            <a:spAutoFit/>
+          </a:bodyPr>
+          <a:lstStyle/>
+          <a:p>
+            <a:pPr algn="ctr"/>
+            <a:r>
+              <a:rPr lang="en-US" b="1" dirty="0">
+                <a:solidFill>
+                  <a:schemeClr val="accent4"/>
+                </a:solidFill>
+              </a:rPr>
+              <a:t>ARCHIVED</a:t>
+            </a:r>
+          </a:p>
+          <a:p>
+            <a:pPr algn="ctr"/>
+            <a:r>
+              <a:rPr lang="en-US" b="1" dirty="0">
+                <a:solidFill>
+                  <a:srgbClr val="FF0000"/>
+                </a:solidFill>
+              </a:rPr>
+              <a:t>2.4</a:t>
+            </a:r>
+            <a:r>
+              <a:rPr lang="en-US" b="1" dirty="0"/>
+              <a:t>/</a:t>
+            </a:r>
+            <a:r>
+              <a:rPr lang="en-US" b="1" dirty="0">
+                <a:solidFill>
+                  <a:schemeClr val="tx2"/>
+                </a:solidFill>
+              </a:rPr>
+              <a:t>2.0</a:t>
+            </a:r>
+          </a:p>
+        </p:txBody>
+      </p:sp>
+    </p:spTree>
+    <p:extLst>
+      <p:ext uri="{BB962C8B-B14F-4D97-AF65-F5344CB8AC3E}">
+        <p14:creationId xmlns:p14="http://schemas.microsoft.com/office/powerpoint/2010/main" val="2670962905"/>
+      </p:ext>
+    </p:extLst>
+  </p:cSld>
+  <p:clrMapOvr>
+    <a:masterClrMapping/>
+  </p:clrMapOvr>
+</p:sld>
+</file>
+
+<file path=ppt/slides/slide11.xml><?xml version="1.0" encoding="utf-8"?>
+<p:sld xmlns:a="http://schemas.openxmlformats.org/drawingml/2006/main" xmlns:r="http://schemas.openxmlformats.org/officeDocument/2006/relationships" xmlns:p="http://schemas.openxmlformats.org/presentationml/2006/main">
+  <p:cSld>
+    <p:spTree>
+      <p:nvGrpSpPr>
+        <p:cNvPr id="1" name=""/>
+        <p:cNvGrpSpPr/>
+        <p:nvPr/>
+      </p:nvGrpSpPr>
+      <p:grpSpPr>
+        <a:xfrm>
+          <a:off x="0" y="0"/>
+          <a:ext cx="0" cy="0"/>
+          <a:chOff x="0" y="0"/>
+          <a:chExt cx="0" cy="0"/>
+        </a:xfrm>
+      </p:grpSpPr>
+      <p:sp>
+        <p:nvSpPr>
+          <p:cNvPr id="2" name="Title 1"/>
+          <p:cNvSpPr>
+            <a:spLocks noGrp="1"/>
+          </p:cNvSpPr>
+          <p:nvPr>
+            <p:ph type="title"/>
+          </p:nvPr>
+        </p:nvSpPr>
+        <p:spPr/>
+        <p:txBody>
+          <a:bodyPr/>
+          <a:lstStyle/>
+          <a:p>
+            <a:r>
+              <a:rPr lang="en-US" dirty="0"/>
+              <a:t>SCHEDULE</a:t>
+            </a:r>
+          </a:p>
+        </p:txBody>
+      </p:sp>
+      <p:sp>
+        <p:nvSpPr>
+          <p:cNvPr id="3" name="Slide Number Placeholder 2"/>
+          <p:cNvSpPr>
+            <a:spLocks noGrp="1"/>
+          </p:cNvSpPr>
+          <p:nvPr>
+            <p:ph type="sldNum" sz="quarter" idx="10"/>
+          </p:nvPr>
+        </p:nvSpPr>
+        <p:spPr/>
+        <p:txBody>
+          <a:bodyPr/>
+          <a:lstStyle/>
+          <a:p>
+            <a:pPr algn="l"/>
+            <a:r>
+              <a:rPr lang="de-DE"/>
+              <a:t>Page </a:t>
+            </a:r>
+            <a:fld id="{3FD030EF-7044-4946-962A-5D7D09BD1B34}" type="slidenum">
+              <a:rPr lang="de-DE" smtClean="0"/>
+              <a:pPr algn="l"/>
+              <a:t>11</a:t>
             </a:fld>
             <a:endParaRPr lang="de-DE" dirty="0"/>
           </a:p>
@@ -21074,7 +23439,7 @@
 </p:sld>
 </file>
 
-<file path=ppt/slides/slide11.xml><?xml version="1.0" encoding="utf-8"?>
+<file path=ppt/slides/slide12.xml><?xml version="1.0" encoding="utf-8"?>
 <p:sld xmlns:a="http://schemas.openxmlformats.org/drawingml/2006/main" xmlns:r="http://schemas.openxmlformats.org/officeDocument/2006/relationships" xmlns:p="http://schemas.openxmlformats.org/presentationml/2006/main">
   <p:cSld>
     <p:spTree>
@@ -21175,7 +23540,7 @@
             <a:fld id="{3FD030EF-7044-4946-962A-5D7D09BD1B34}" type="slidenum">
               <a:rPr lang="de-DE" smtClean="0"/>
               <a:pPr algn="l"/>
-              <a:t>11</a:t>
+              <a:t>12</a:t>
             </a:fld>
             <a:endParaRPr lang="de-DE" dirty="0"/>
           </a:p>
@@ -21257,18 +23622,13 @@
           </a:lstStyle>
           <a:p>
             <a:r>
-              <a:rPr lang="en-US" dirty="0" smtClean="0">
+              <a:rPr lang="en-US" dirty="0">
                 <a:solidFill>
                   <a:schemeClr val="bg1"/>
                 </a:solidFill>
               </a:rPr>
               <a:t>Q&amp;A</a:t>
             </a:r>
-            <a:endParaRPr lang="en-US" dirty="0">
-              <a:solidFill>
-                <a:schemeClr val="bg1"/>
-              </a:solidFill>
-            </a:endParaRPr>
           </a:p>
         </p:txBody>
       </p:sp>
@@ -21356,14 +23716,14 @@
                 <a:gridCol w="8073042">
                   <a:extLst>
                     <a:ext uri="{9D8B030D-6E8A-4147-A177-3AD203B41FA5}">
-                      <a16:colId xmlns:a16="http://schemas.microsoft.com/office/drawing/2014/main" xmlns="" val="20000"/>
+                      <a16:colId xmlns:a16="http://schemas.microsoft.com/office/drawing/2014/main" val="20000"/>
                     </a:ext>
                   </a:extLst>
                 </a:gridCol>
                 <a:gridCol w="847164">
                   <a:extLst>
                     <a:ext uri="{9D8B030D-6E8A-4147-A177-3AD203B41FA5}">
-                      <a16:colId xmlns:a16="http://schemas.microsoft.com/office/drawing/2014/main" xmlns="" val="20001"/>
+                      <a16:colId xmlns:a16="http://schemas.microsoft.com/office/drawing/2014/main" val="20001"/>
                     </a:ext>
                   </a:extLst>
                 </a:gridCol>
@@ -21415,7 +23775,7 @@
                 </a:tc>
                 <a:extLst>
                   <a:ext uri="{0D108BD9-81ED-4DB2-BD59-A6C34878D82A}">
-                    <a16:rowId xmlns:a16="http://schemas.microsoft.com/office/drawing/2014/main" xmlns="" val="10000"/>
+                    <a16:rowId xmlns:a16="http://schemas.microsoft.com/office/drawing/2014/main" val="10000"/>
                   </a:ext>
                 </a:extLst>
               </a:tr>
@@ -21462,7 +23822,7 @@
                 </a:tc>
                 <a:extLst>
                   <a:ext uri="{0D108BD9-81ED-4DB2-BD59-A6C34878D82A}">
-                    <a16:rowId xmlns:a16="http://schemas.microsoft.com/office/drawing/2014/main" xmlns="" val="10001"/>
+                    <a16:rowId xmlns:a16="http://schemas.microsoft.com/office/drawing/2014/main" val="10001"/>
                   </a:ext>
                 </a:extLst>
               </a:tr>
@@ -21522,7 +23882,7 @@
                 </a:tc>
                 <a:extLst>
                   <a:ext uri="{0D108BD9-81ED-4DB2-BD59-A6C34878D82A}">
-                    <a16:rowId xmlns:a16="http://schemas.microsoft.com/office/drawing/2014/main" xmlns="" val="10002"/>
+                    <a16:rowId xmlns:a16="http://schemas.microsoft.com/office/drawing/2014/main" val="10002"/>
                   </a:ext>
                 </a:extLst>
               </a:tr>
@@ -21560,7 +23920,7 @@
                 </a:tc>
                 <a:extLst>
                   <a:ext uri="{0D108BD9-81ED-4DB2-BD59-A6C34878D82A}">
-                    <a16:rowId xmlns:a16="http://schemas.microsoft.com/office/drawing/2014/main" xmlns="" val="10003"/>
+                    <a16:rowId xmlns:a16="http://schemas.microsoft.com/office/drawing/2014/main" val="10003"/>
                   </a:ext>
                 </a:extLst>
               </a:tr>
@@ -21784,7 +24144,7 @@
         </p:nvSpPr>
         <p:spPr>
           <a:xfrm>
-            <a:off x="2579535" y="2249103"/>
+            <a:off x="2982664" y="2057400"/>
             <a:ext cx="2743200" cy="2743200"/>
           </a:xfrm>
           <a:prstGeom prst="ellipse">
@@ -21854,7 +24214,7 @@
         </p:nvSpPr>
         <p:spPr>
           <a:xfrm>
-            <a:off x="6063007" y="2249103"/>
+            <a:off x="6466136" y="2057400"/>
             <a:ext cx="2743200" cy="2743200"/>
           </a:xfrm>
           <a:prstGeom prst="ellipse">
@@ -21929,232 +24289,6 @@
   <p:transition>
     <p:cover/>
   </p:transition>
-  <p:timing>
-    <p:tnLst>
-      <p:par>
-        <p:cTn id="1" dur="indefinite" restart="never" nodeType="tmRoot">
-          <p:childTnLst>
-            <p:seq concurrent="1" nextAc="seek">
-              <p:cTn id="2" dur="indefinite" nodeType="mainSeq">
-                <p:childTnLst>
-                  <p:par>
-                    <p:cTn id="3" fill="hold">
-                      <p:stCondLst>
-                        <p:cond delay="indefinite"/>
-                        <p:cond evt="onBegin" delay="0">
-                          <p:tn val="2"/>
-                        </p:cond>
-                      </p:stCondLst>
-                      <p:childTnLst>
-                        <p:par>
-                          <p:cTn id="4" fill="hold">
-                            <p:stCondLst>
-                              <p:cond delay="0"/>
-                            </p:stCondLst>
-                            <p:childTnLst>
-                              <p:par>
-                                <p:cTn id="5" presetID="53" presetClass="entr" presetSubtype="16" fill="hold" grpId="0" nodeType="afterEffect">
-                                  <p:stCondLst>
-                                    <p:cond delay="0"/>
-                                  </p:stCondLst>
-                                  <p:childTnLst>
-                                    <p:set>
-                                      <p:cBhvr>
-                                        <p:cTn id="6" dur="1" fill="hold">
-                                          <p:stCondLst>
-                                            <p:cond delay="0"/>
-                                          </p:stCondLst>
-                                        </p:cTn>
-                                        <p:tgtEl>
-                                          <p:spTgt spid="5"/>
-                                        </p:tgtEl>
-                                        <p:attrNameLst>
-                                          <p:attrName>style.visibility</p:attrName>
-                                        </p:attrNameLst>
-                                      </p:cBhvr>
-                                      <p:to>
-                                        <p:strVal val="visible"/>
-                                      </p:to>
-                                    </p:set>
-                                    <p:anim calcmode="lin" valueType="num">
-                                      <p:cBhvr>
-                                        <p:cTn id="7" dur="500" fill="hold"/>
-                                        <p:tgtEl>
-                                          <p:spTgt spid="5"/>
-                                        </p:tgtEl>
-                                        <p:attrNameLst>
-                                          <p:attrName>ppt_w</p:attrName>
-                                        </p:attrNameLst>
-                                      </p:cBhvr>
-                                      <p:tavLst>
-                                        <p:tav tm="0">
-                                          <p:val>
-                                            <p:fltVal val="0"/>
-                                          </p:val>
-                                        </p:tav>
-                                        <p:tav tm="100000">
-                                          <p:val>
-                                            <p:strVal val="#ppt_w"/>
-                                          </p:val>
-                                        </p:tav>
-                                      </p:tavLst>
-                                    </p:anim>
-                                    <p:anim calcmode="lin" valueType="num">
-                                      <p:cBhvr>
-                                        <p:cTn id="8" dur="500" fill="hold"/>
-                                        <p:tgtEl>
-                                          <p:spTgt spid="5"/>
-                                        </p:tgtEl>
-                                        <p:attrNameLst>
-                                          <p:attrName>ppt_h</p:attrName>
-                                        </p:attrNameLst>
-                                      </p:cBhvr>
-                                      <p:tavLst>
-                                        <p:tav tm="0">
-                                          <p:val>
-                                            <p:fltVal val="0"/>
-                                          </p:val>
-                                        </p:tav>
-                                        <p:tav tm="100000">
-                                          <p:val>
-                                            <p:strVal val="#ppt_h"/>
-                                          </p:val>
-                                        </p:tav>
-                                      </p:tavLst>
-                                    </p:anim>
-                                    <p:animEffect transition="in" filter="fade">
-                                      <p:cBhvr>
-                                        <p:cTn id="9" dur="500"/>
-                                        <p:tgtEl>
-                                          <p:spTgt spid="5"/>
-                                        </p:tgtEl>
-                                      </p:cBhvr>
-                                    </p:animEffect>
-                                  </p:childTnLst>
-                                </p:cTn>
-                              </p:par>
-                            </p:childTnLst>
-                          </p:cTn>
-                        </p:par>
-                        <p:par>
-                          <p:cTn id="10" fill="hold">
-                            <p:stCondLst>
-                              <p:cond delay="500"/>
-                            </p:stCondLst>
-                            <p:childTnLst>
-                              <p:par>
-                                <p:cTn id="11" presetID="53" presetClass="entr" presetSubtype="16" fill="hold" grpId="0" nodeType="afterEffect">
-                                  <p:stCondLst>
-                                    <p:cond delay="0"/>
-                                  </p:stCondLst>
-                                  <p:childTnLst>
-                                    <p:set>
-                                      <p:cBhvr>
-                                        <p:cTn id="12" dur="1" fill="hold">
-                                          <p:stCondLst>
-                                            <p:cond delay="0"/>
-                                          </p:stCondLst>
-                                        </p:cTn>
-                                        <p:tgtEl>
-                                          <p:spTgt spid="6"/>
-                                        </p:tgtEl>
-                                        <p:attrNameLst>
-                                          <p:attrName>style.visibility</p:attrName>
-                                        </p:attrNameLst>
-                                      </p:cBhvr>
-                                      <p:to>
-                                        <p:strVal val="visible"/>
-                                      </p:to>
-                                    </p:set>
-                                    <p:anim calcmode="lin" valueType="num">
-                                      <p:cBhvr>
-                                        <p:cTn id="13" dur="500" fill="hold"/>
-                                        <p:tgtEl>
-                                          <p:spTgt spid="6"/>
-                                        </p:tgtEl>
-                                        <p:attrNameLst>
-                                          <p:attrName>ppt_w</p:attrName>
-                                        </p:attrNameLst>
-                                      </p:cBhvr>
-                                      <p:tavLst>
-                                        <p:tav tm="0">
-                                          <p:val>
-                                            <p:fltVal val="0"/>
-                                          </p:val>
-                                        </p:tav>
-                                        <p:tav tm="100000">
-                                          <p:val>
-                                            <p:strVal val="#ppt_w"/>
-                                          </p:val>
-                                        </p:tav>
-                                      </p:tavLst>
-                                    </p:anim>
-                                    <p:anim calcmode="lin" valueType="num">
-                                      <p:cBhvr>
-                                        <p:cTn id="14" dur="500" fill="hold"/>
-                                        <p:tgtEl>
-                                          <p:spTgt spid="6"/>
-                                        </p:tgtEl>
-                                        <p:attrNameLst>
-                                          <p:attrName>ppt_h</p:attrName>
-                                        </p:attrNameLst>
-                                      </p:cBhvr>
-                                      <p:tavLst>
-                                        <p:tav tm="0">
-                                          <p:val>
-                                            <p:fltVal val="0"/>
-                                          </p:val>
-                                        </p:tav>
-                                        <p:tav tm="100000">
-                                          <p:val>
-                                            <p:strVal val="#ppt_h"/>
-                                          </p:val>
-                                        </p:tav>
-                                      </p:tavLst>
-                                    </p:anim>
-                                    <p:animEffect transition="in" filter="fade">
-                                      <p:cBhvr>
-                                        <p:cTn id="15" dur="500"/>
-                                        <p:tgtEl>
-                                          <p:spTgt spid="6"/>
-                                        </p:tgtEl>
-                                      </p:cBhvr>
-                                    </p:animEffect>
-                                  </p:childTnLst>
-                                </p:cTn>
-                              </p:par>
-                            </p:childTnLst>
-                          </p:cTn>
-                        </p:par>
-                      </p:childTnLst>
-                    </p:cTn>
-                  </p:par>
-                </p:childTnLst>
-              </p:cTn>
-              <p:prevCondLst>
-                <p:cond evt="onPrev" delay="0">
-                  <p:tgtEl>
-                    <p:sldTgt/>
-                  </p:tgtEl>
-                </p:cond>
-              </p:prevCondLst>
-              <p:nextCondLst>
-                <p:cond evt="onNext" delay="0">
-                  <p:tgtEl>
-                    <p:sldTgt/>
-                  </p:tgtEl>
-                </p:cond>
-              </p:nextCondLst>
-            </p:seq>
-          </p:childTnLst>
-        </p:cTn>
-      </p:par>
-    </p:tnLst>
-    <p:bldLst>
-      <p:bldP spid="5" grpId="0" animBg="1"/>
-      <p:bldP spid="6" grpId="0" animBg="1"/>
-    </p:bldLst>
-  </p:timing>
 </p:sld>
 </file>
 
@@ -22211,7 +24345,7 @@
           <a:p>
             <a:pPr algn="l"/>
             <a:r>
-              <a:rPr lang="de-DE" smtClean="0"/>
+              <a:rPr lang="de-DE"/>
               <a:t>Page </a:t>
             </a:r>
             <a:fld id="{3FD030EF-7044-4946-962A-5D7D09BD1B34}" type="slidenum">
@@ -22249,13 +24383,55 @@
                 <a:tableStyleId>{5940675A-B579-460E-94D1-54222C63F5DA}</a:tableStyleId>
               </a:tblPr>
               <a:tblGrid>
-                <a:gridCol w="1279044"/>
-                <a:gridCol w="2828444"/>
-                <a:gridCol w="437668"/>
-                <a:gridCol w="451956"/>
-                <a:gridCol w="437668"/>
-                <a:gridCol w="451956"/>
-                <a:gridCol w="437668"/>
+                <a:gridCol w="1279044">
+                  <a:extLst>
+                    <a:ext uri="{9D8B030D-6E8A-4147-A177-3AD203B41FA5}">
+                      <a16:colId xmlns:a16="http://schemas.microsoft.com/office/drawing/2014/main" val="20000"/>
+                    </a:ext>
+                  </a:extLst>
+                </a:gridCol>
+                <a:gridCol w="2828444">
+                  <a:extLst>
+                    <a:ext uri="{9D8B030D-6E8A-4147-A177-3AD203B41FA5}">
+                      <a16:colId xmlns:a16="http://schemas.microsoft.com/office/drawing/2014/main" val="20001"/>
+                    </a:ext>
+                  </a:extLst>
+                </a:gridCol>
+                <a:gridCol w="437668">
+                  <a:extLst>
+                    <a:ext uri="{9D8B030D-6E8A-4147-A177-3AD203B41FA5}">
+                      <a16:colId xmlns:a16="http://schemas.microsoft.com/office/drawing/2014/main" val="20002"/>
+                    </a:ext>
+                  </a:extLst>
+                </a:gridCol>
+                <a:gridCol w="451956">
+                  <a:extLst>
+                    <a:ext uri="{9D8B030D-6E8A-4147-A177-3AD203B41FA5}">
+                      <a16:colId xmlns:a16="http://schemas.microsoft.com/office/drawing/2014/main" val="20003"/>
+                    </a:ext>
+                  </a:extLst>
+                </a:gridCol>
+                <a:gridCol w="437668">
+                  <a:extLst>
+                    <a:ext uri="{9D8B030D-6E8A-4147-A177-3AD203B41FA5}">
+                      <a16:colId xmlns:a16="http://schemas.microsoft.com/office/drawing/2014/main" val="20004"/>
+                    </a:ext>
+                  </a:extLst>
+                </a:gridCol>
+                <a:gridCol w="451956">
+                  <a:extLst>
+                    <a:ext uri="{9D8B030D-6E8A-4147-A177-3AD203B41FA5}">
+                      <a16:colId xmlns:a16="http://schemas.microsoft.com/office/drawing/2014/main" val="20005"/>
+                    </a:ext>
+                  </a:extLst>
+                </a:gridCol>
+                <a:gridCol w="437668">
+                  <a:extLst>
+                    <a:ext uri="{9D8B030D-6E8A-4147-A177-3AD203B41FA5}">
+                      <a16:colId xmlns:a16="http://schemas.microsoft.com/office/drawing/2014/main" val="20006"/>
+                    </a:ext>
+                  </a:extLst>
+                </a:gridCol>
               </a:tblGrid>
               <a:tr h="71174">
                 <a:tc>
@@ -22419,6 +24595,11 @@
                   </a:txBody>
                   <a:tcPr marL="553" marR="553" marT="553" marB="0" anchor="ctr"/>
                 </a:tc>
+                <a:extLst>
+                  <a:ext uri="{0D108BD9-81ED-4DB2-BD59-A6C34878D82A}">
+                    <a16:rowId xmlns:a16="http://schemas.microsoft.com/office/drawing/2014/main" val="10000"/>
+                  </a:ext>
+                </a:extLst>
               </a:tr>
               <a:tr h="106127">
                 <a:tc rowSpan="7">
@@ -22582,6 +24763,11 @@
                   </a:txBody>
                   <a:tcPr marL="553" marR="553" marT="553" marB="0" anchor="ctr"/>
                 </a:tc>
+                <a:extLst>
+                  <a:ext uri="{0D108BD9-81ED-4DB2-BD59-A6C34878D82A}">
+                    <a16:rowId xmlns:a16="http://schemas.microsoft.com/office/drawing/2014/main" val="10001"/>
+                  </a:ext>
+                </a:extLst>
               </a:tr>
               <a:tr h="59523">
                 <a:tc vMerge="1">
@@ -22732,6 +24918,11 @@
                   </a:txBody>
                   <a:tcPr marL="553" marR="553" marT="553" marB="0" anchor="ctr"/>
                 </a:tc>
+                <a:extLst>
+                  <a:ext uri="{0D108BD9-81ED-4DB2-BD59-A6C34878D82A}">
+                    <a16:rowId xmlns:a16="http://schemas.microsoft.com/office/drawing/2014/main" val="10002"/>
+                  </a:ext>
+                </a:extLst>
               </a:tr>
               <a:tr h="71174">
                 <a:tc vMerge="1">
@@ -22882,6 +25073,11 @@
                   </a:txBody>
                   <a:tcPr marL="553" marR="553" marT="553" marB="0" anchor="ctr"/>
                 </a:tc>
+                <a:extLst>
+                  <a:ext uri="{0D108BD9-81ED-4DB2-BD59-A6C34878D82A}">
+                    <a16:rowId xmlns:a16="http://schemas.microsoft.com/office/drawing/2014/main" val="10003"/>
+                  </a:ext>
+                </a:extLst>
               </a:tr>
               <a:tr h="71174">
                 <a:tc vMerge="1">
@@ -23032,6 +25228,11 @@
                   </a:txBody>
                   <a:tcPr marL="553" marR="553" marT="553" marB="0" anchor="ctr"/>
                 </a:tc>
+                <a:extLst>
+                  <a:ext uri="{0D108BD9-81ED-4DB2-BD59-A6C34878D82A}">
+                    <a16:rowId xmlns:a16="http://schemas.microsoft.com/office/drawing/2014/main" val="10004"/>
+                  </a:ext>
+                </a:extLst>
               </a:tr>
               <a:tr h="71174">
                 <a:tc vMerge="1">
@@ -23182,6 +25383,11 @@
                   </a:txBody>
                   <a:tcPr marL="553" marR="553" marT="553" marB="0" anchor="ctr"/>
                 </a:tc>
+                <a:extLst>
+                  <a:ext uri="{0D108BD9-81ED-4DB2-BD59-A6C34878D82A}">
+                    <a16:rowId xmlns:a16="http://schemas.microsoft.com/office/drawing/2014/main" val="10005"/>
+                  </a:ext>
+                </a:extLst>
               </a:tr>
               <a:tr h="71174">
                 <a:tc vMerge="1">
@@ -23332,6 +25538,11 @@
                   </a:txBody>
                   <a:tcPr marL="553" marR="553" marT="553" marB="0" anchor="ctr"/>
                 </a:tc>
+                <a:extLst>
+                  <a:ext uri="{0D108BD9-81ED-4DB2-BD59-A6C34878D82A}">
+                    <a16:rowId xmlns:a16="http://schemas.microsoft.com/office/drawing/2014/main" val="10006"/>
+                  </a:ext>
+                </a:extLst>
               </a:tr>
               <a:tr h="59523">
                 <a:tc vMerge="1">
@@ -23482,6 +25693,11 @@
                   </a:txBody>
                   <a:tcPr marL="553" marR="553" marT="553" marB="0" anchor="ctr"/>
                 </a:tc>
+                <a:extLst>
+                  <a:ext uri="{0D108BD9-81ED-4DB2-BD59-A6C34878D82A}">
+                    <a16:rowId xmlns:a16="http://schemas.microsoft.com/office/drawing/2014/main" val="10007"/>
+                  </a:ext>
+                </a:extLst>
               </a:tr>
               <a:tr h="71174">
                 <a:tc rowSpan="8">
@@ -23645,6 +25861,11 @@
                   </a:txBody>
                   <a:tcPr marL="553" marR="553" marT="553" marB="0" anchor="ctr"/>
                 </a:tc>
+                <a:extLst>
+                  <a:ext uri="{0D108BD9-81ED-4DB2-BD59-A6C34878D82A}">
+                    <a16:rowId xmlns:a16="http://schemas.microsoft.com/office/drawing/2014/main" val="10008"/>
+                  </a:ext>
+                </a:extLst>
               </a:tr>
               <a:tr h="71174">
                 <a:tc vMerge="1">
@@ -23795,6 +26016,11 @@
                   </a:txBody>
                   <a:tcPr marL="553" marR="553" marT="553" marB="0" anchor="ctr"/>
                 </a:tc>
+                <a:extLst>
+                  <a:ext uri="{0D108BD9-81ED-4DB2-BD59-A6C34878D82A}">
+                    <a16:rowId xmlns:a16="http://schemas.microsoft.com/office/drawing/2014/main" val="10009"/>
+                  </a:ext>
+                </a:extLst>
               </a:tr>
               <a:tr h="71174">
                 <a:tc vMerge="1">
@@ -23945,6 +26171,11 @@
                   </a:txBody>
                   <a:tcPr marL="553" marR="553" marT="553" marB="0" anchor="ctr"/>
                 </a:tc>
+                <a:extLst>
+                  <a:ext uri="{0D108BD9-81ED-4DB2-BD59-A6C34878D82A}">
+                    <a16:rowId xmlns:a16="http://schemas.microsoft.com/office/drawing/2014/main" val="10010"/>
+                  </a:ext>
+                </a:extLst>
               </a:tr>
               <a:tr h="71174">
                 <a:tc vMerge="1">
@@ -24095,6 +26326,11 @@
                   </a:txBody>
                   <a:tcPr marL="553" marR="553" marT="553" marB="0" anchor="ctr"/>
                 </a:tc>
+                <a:extLst>
+                  <a:ext uri="{0D108BD9-81ED-4DB2-BD59-A6C34878D82A}">
+                    <a16:rowId xmlns:a16="http://schemas.microsoft.com/office/drawing/2014/main" val="10011"/>
+                  </a:ext>
+                </a:extLst>
               </a:tr>
               <a:tr h="71174">
                 <a:tc vMerge="1">
@@ -24245,6 +26481,11 @@
                   </a:txBody>
                   <a:tcPr marL="553" marR="553" marT="553" marB="0" anchor="ctr"/>
                 </a:tc>
+                <a:extLst>
+                  <a:ext uri="{0D108BD9-81ED-4DB2-BD59-A6C34878D82A}">
+                    <a16:rowId xmlns:a16="http://schemas.microsoft.com/office/drawing/2014/main" val="10012"/>
+                  </a:ext>
+                </a:extLst>
               </a:tr>
               <a:tr h="59523">
                 <a:tc vMerge="1">
@@ -24395,6 +26636,11 @@
                   </a:txBody>
                   <a:tcPr marL="553" marR="553" marT="553" marB="0" anchor="ctr"/>
                 </a:tc>
+                <a:extLst>
+                  <a:ext uri="{0D108BD9-81ED-4DB2-BD59-A6C34878D82A}">
+                    <a16:rowId xmlns:a16="http://schemas.microsoft.com/office/drawing/2014/main" val="10013"/>
+                  </a:ext>
+                </a:extLst>
               </a:tr>
               <a:tr h="71174">
                 <a:tc vMerge="1">
@@ -24545,6 +26791,11 @@
                   </a:txBody>
                   <a:tcPr marL="553" marR="553" marT="553" marB="0" anchor="ctr"/>
                 </a:tc>
+                <a:extLst>
+                  <a:ext uri="{0D108BD9-81ED-4DB2-BD59-A6C34878D82A}">
+                    <a16:rowId xmlns:a16="http://schemas.microsoft.com/office/drawing/2014/main" val="10014"/>
+                  </a:ext>
+                </a:extLst>
               </a:tr>
               <a:tr h="59523">
                 <a:tc vMerge="1">
@@ -24695,6 +26946,11 @@
                   </a:txBody>
                   <a:tcPr marL="553" marR="553" marT="553" marB="0" anchor="b"/>
                 </a:tc>
+                <a:extLst>
+                  <a:ext uri="{0D108BD9-81ED-4DB2-BD59-A6C34878D82A}">
+                    <a16:rowId xmlns:a16="http://schemas.microsoft.com/office/drawing/2014/main" val="10015"/>
+                  </a:ext>
+                </a:extLst>
               </a:tr>
               <a:tr h="71174">
                 <a:tc rowSpan="7">
@@ -24858,6 +27114,11 @@
                   </a:txBody>
                   <a:tcPr marL="553" marR="553" marT="553" marB="0" anchor="ctr"/>
                 </a:tc>
+                <a:extLst>
+                  <a:ext uri="{0D108BD9-81ED-4DB2-BD59-A6C34878D82A}">
+                    <a16:rowId xmlns:a16="http://schemas.microsoft.com/office/drawing/2014/main" val="10016"/>
+                  </a:ext>
+                </a:extLst>
               </a:tr>
               <a:tr h="59523">
                 <a:tc vMerge="1">
@@ -25008,6 +27269,11 @@
                   </a:txBody>
                   <a:tcPr marL="553" marR="553" marT="553" marB="0" anchor="ctr"/>
                 </a:tc>
+                <a:extLst>
+                  <a:ext uri="{0D108BD9-81ED-4DB2-BD59-A6C34878D82A}">
+                    <a16:rowId xmlns:a16="http://schemas.microsoft.com/office/drawing/2014/main" val="10017"/>
+                  </a:ext>
+                </a:extLst>
               </a:tr>
               <a:tr h="71174">
                 <a:tc vMerge="1">
@@ -25158,6 +27424,11 @@
                   </a:txBody>
                   <a:tcPr marL="553" marR="553" marT="553" marB="0" anchor="ctr"/>
                 </a:tc>
+                <a:extLst>
+                  <a:ext uri="{0D108BD9-81ED-4DB2-BD59-A6C34878D82A}">
+                    <a16:rowId xmlns:a16="http://schemas.microsoft.com/office/drawing/2014/main" val="10018"/>
+                  </a:ext>
+                </a:extLst>
               </a:tr>
               <a:tr h="59523">
                 <a:tc vMerge="1">
@@ -25308,6 +27579,11 @@
                   </a:txBody>
                   <a:tcPr marL="553" marR="553" marT="553" marB="0" anchor="ctr"/>
                 </a:tc>
+                <a:extLst>
+                  <a:ext uri="{0D108BD9-81ED-4DB2-BD59-A6C34878D82A}">
+                    <a16:rowId xmlns:a16="http://schemas.microsoft.com/office/drawing/2014/main" val="10019"/>
+                  </a:ext>
+                </a:extLst>
               </a:tr>
               <a:tr h="71174">
                 <a:tc vMerge="1">
@@ -25458,6 +27734,11 @@
                   </a:txBody>
                   <a:tcPr marL="553" marR="553" marT="553" marB="0" anchor="ctr"/>
                 </a:tc>
+                <a:extLst>
+                  <a:ext uri="{0D108BD9-81ED-4DB2-BD59-A6C34878D82A}">
+                    <a16:rowId xmlns:a16="http://schemas.microsoft.com/office/drawing/2014/main" val="10020"/>
+                  </a:ext>
+                </a:extLst>
               </a:tr>
               <a:tr h="59523">
                 <a:tc vMerge="1">
@@ -25608,6 +27889,11 @@
                   </a:txBody>
                   <a:tcPr marL="553" marR="553" marT="553" marB="0" anchor="ctr"/>
                 </a:tc>
+                <a:extLst>
+                  <a:ext uri="{0D108BD9-81ED-4DB2-BD59-A6C34878D82A}">
+                    <a16:rowId xmlns:a16="http://schemas.microsoft.com/office/drawing/2014/main" val="10021"/>
+                  </a:ext>
+                </a:extLst>
               </a:tr>
               <a:tr h="59523">
                 <a:tc vMerge="1">
@@ -25758,6 +28044,11 @@
                   </a:txBody>
                   <a:tcPr marL="553" marR="553" marT="553" marB="0" anchor="ctr"/>
                 </a:tc>
+                <a:extLst>
+                  <a:ext uri="{0D108BD9-81ED-4DB2-BD59-A6C34878D82A}">
+                    <a16:rowId xmlns:a16="http://schemas.microsoft.com/office/drawing/2014/main" val="10022"/>
+                  </a:ext>
+                </a:extLst>
               </a:tr>
               <a:tr h="59523">
                 <a:tc>
@@ -25915,6 +28206,11 @@
                   </a:txBody>
                   <a:tcPr marL="553" marR="553" marT="553" marB="0" anchor="b"/>
                 </a:tc>
+                <a:extLst>
+                  <a:ext uri="{0D108BD9-81ED-4DB2-BD59-A6C34878D82A}">
+                    <a16:rowId xmlns:a16="http://schemas.microsoft.com/office/drawing/2014/main" val="10023"/>
+                  </a:ext>
+                </a:extLst>
               </a:tr>
             </a:tbl>
           </a:graphicData>
@@ -25967,13 +28263,8 @@
           <a:p>
             <a:r>
               <a:rPr lang="en-US" dirty="0"/>
-              <a:t>FUNCTIONAL </a:t>
-            </a:r>
-            <a:r>
-              <a:rPr lang="en-US" dirty="0" smtClean="0"/>
-              <a:t>DESIGN</a:t>
-            </a:r>
-            <a:endParaRPr lang="en-US" dirty="0"/>
+              <a:t>FUNCTIONAL DESIGN</a:t>
+            </a:r>
           </a:p>
         </p:txBody>
       </p:sp>
@@ -26011,7 +28302,7 @@
           <p:cNvPr id="64" name="Rectangle 65">
             <a:extLst>
               <a:ext uri="{FF2B5EF4-FFF2-40B4-BE49-F238E27FC236}">
-                <a16:creationId xmlns:a16="http://schemas.microsoft.com/office/drawing/2014/main" xmlns="" id="{AA4513F4-801C-4D2A-AB44-CAE5F0B3A8B3}"/>
+                <a16:creationId xmlns:a16="http://schemas.microsoft.com/office/drawing/2014/main" id="{AA4513F4-801C-4D2A-AB44-CAE5F0B3A8B3}"/>
               </a:ext>
             </a:extLst>
           </p:cNvPr>
@@ -26066,7 +28357,7 @@
           <p:cNvPr id="65" name="Rectangle 65">
             <a:extLst>
               <a:ext uri="{FF2B5EF4-FFF2-40B4-BE49-F238E27FC236}">
-                <a16:creationId xmlns:a16="http://schemas.microsoft.com/office/drawing/2014/main" xmlns="" id="{B0A0EC76-636C-42AB-8305-8CC78D5E295D}"/>
+                <a16:creationId xmlns:a16="http://schemas.microsoft.com/office/drawing/2014/main" id="{B0A0EC76-636C-42AB-8305-8CC78D5E295D}"/>
               </a:ext>
             </a:extLst>
           </p:cNvPr>
@@ -26116,64 +28407,442 @@
           </a:p>
         </p:txBody>
       </p:sp>
-      <p:sp>
-        <p:nvSpPr>
-          <p:cNvPr id="72" name="Rectangle 71"/>
-          <p:cNvSpPr/>
+      <p:grpSp>
+        <p:nvGrpSpPr>
+          <p:cNvPr id="23" name="Nhóm 22">
+            <a:extLst>
+              <a:ext uri="{FF2B5EF4-FFF2-40B4-BE49-F238E27FC236}">
+                <a16:creationId xmlns:a16="http://schemas.microsoft.com/office/drawing/2014/main" id="{3EB676D8-BE4D-4514-9B31-10CC3F1DFA86}"/>
+              </a:ext>
+            </a:extLst>
+          </p:cNvPr>
+          <p:cNvGrpSpPr/>
           <p:nvPr/>
-        </p:nvSpPr>
-        <p:spPr>
+        </p:nvGrpSpPr>
+        <p:grpSpPr>
           <a:xfrm>
-            <a:off x="1080000" y="2300270"/>
-            <a:ext cx="6096000" cy="1754326"/>
+            <a:off x="1080000" y="2968511"/>
+            <a:ext cx="7847365" cy="1107996"/>
+            <a:chOff x="1051339" y="3193399"/>
+            <a:chExt cx="7847365" cy="1107996"/>
           </a:xfrm>
-          <a:prstGeom prst="rect">
-            <a:avLst/>
-          </a:prstGeom>
-        </p:spPr>
-        <p:txBody>
-          <a:bodyPr>
-            <a:spAutoFit/>
-          </a:bodyPr>
-          <a:lstStyle/>
-          <a:p>
-            <a:r>
-              <a:rPr lang="en-US" dirty="0"/>
-              <a:t>Create module design specifications</a:t>
-            </a:r>
-          </a:p>
-          <a:p>
-            <a:r>
-              <a:rPr lang="en-US" dirty="0"/>
-              <a:t>Create RTL description</a:t>
-            </a:r>
-          </a:p>
-          <a:p>
-            <a:r>
-              <a:rPr lang="en-US" dirty="0"/>
-              <a:t>Analyze and fix RTL checker (Spyglass)</a:t>
-            </a:r>
-          </a:p>
-          <a:p>
-            <a:r>
-              <a:rPr lang="en-US" dirty="0"/>
-              <a:t>Create top level netlist</a:t>
-            </a:r>
-          </a:p>
-          <a:p>
-            <a:r>
-              <a:rPr lang="en-US" dirty="0"/>
-              <a:t>Determine strategies of evaluation and testing</a:t>
-            </a:r>
-          </a:p>
-          <a:p>
-            <a:r>
-              <a:rPr lang="en-US" dirty="0"/>
-              <a:t>Create timing budget</a:t>
-            </a:r>
-          </a:p>
-        </p:txBody>
-      </p:sp>
+        </p:grpSpPr>
+        <p:pic>
+          <p:nvPicPr>
+            <p:cNvPr id="48" name="Đồ họa 47" descr="Hợp đồng">
+              <a:extLst>
+                <a:ext uri="{FF2B5EF4-FFF2-40B4-BE49-F238E27FC236}">
+                  <a16:creationId xmlns:a16="http://schemas.microsoft.com/office/drawing/2014/main" id="{D68C51FA-239A-4D7D-9E8A-12E0FC70B45F}"/>
+                </a:ext>
+              </a:extLst>
+            </p:cNvPr>
+            <p:cNvPicPr>
+              <a:picLocks noChangeAspect="1"/>
+            </p:cNvPicPr>
+            <p:nvPr/>
+          </p:nvPicPr>
+          <p:blipFill>
+            <a:blip r:embed="rId2">
+              <a:extLst>
+                <a:ext uri="{28A0092B-C50C-407E-A947-70E740481C1C}">
+                  <a14:useLocalDpi xmlns:a14="http://schemas.microsoft.com/office/drawing/2010/main" val="0"/>
+                </a:ext>
+                <a:ext uri="{96DAC541-7B7A-43D3-8B79-37D633B846F1}">
+                  <asvg:svgBlip xmlns:asvg="http://schemas.microsoft.com/office/drawing/2016/SVG/main" r:embed="rId3"/>
+                </a:ext>
+              </a:extLst>
+            </a:blip>
+            <a:stretch>
+              <a:fillRect/>
+            </a:stretch>
+          </p:blipFill>
+          <p:spPr>
+            <a:xfrm>
+              <a:off x="1051339" y="3193399"/>
+              <a:ext cx="457200" cy="457200"/>
+            </a:xfrm>
+            <a:prstGeom prst="rect">
+              <a:avLst/>
+            </a:prstGeom>
+          </p:spPr>
+        </p:pic>
+        <p:sp>
+          <p:nvSpPr>
+            <p:cNvPr id="49" name="Hình chữ nhật 48">
+              <a:extLst>
+                <a:ext uri="{FF2B5EF4-FFF2-40B4-BE49-F238E27FC236}">
+                  <a16:creationId xmlns:a16="http://schemas.microsoft.com/office/drawing/2014/main" id="{AADA52D9-E2A0-414C-B194-9A7F5B94AFF8}"/>
+                </a:ext>
+              </a:extLst>
+            </p:cNvPr>
+            <p:cNvSpPr/>
+            <p:nvPr/>
+          </p:nvSpPr>
+          <p:spPr>
+            <a:xfrm>
+              <a:off x="1508539" y="3193399"/>
+              <a:ext cx="7390165" cy="1107996"/>
+            </a:xfrm>
+            <a:prstGeom prst="rect">
+              <a:avLst/>
+            </a:prstGeom>
+          </p:spPr>
+          <p:txBody>
+            <a:bodyPr wrap="none">
+              <a:spAutoFit/>
+            </a:bodyPr>
+            <a:lstStyle/>
+            <a:p>
+              <a:r>
+                <a:rPr lang="en-US" b="1" dirty="0"/>
+                <a:t>Analyze and fix RTL checker (</a:t>
+              </a:r>
+              <a:r>
+                <a:rPr lang="en-US" b="1" dirty="0" err="1"/>
+                <a:t>SpyGlass</a:t>
+              </a:r>
+              <a:r>
+                <a:rPr lang="en-US" b="1" dirty="0"/>
+                <a:t>)</a:t>
+              </a:r>
+            </a:p>
+            <a:p>
+              <a:r>
+                <a:rPr lang="en-US" sz="1600" dirty="0"/>
+                <a:t>+ </a:t>
+              </a:r>
+              <a:r>
+                <a:rPr lang="en-US" sz="1600" u="sng" dirty="0"/>
+                <a:t>Perform</a:t>
+              </a:r>
+              <a:r>
+                <a:rPr lang="en-US" sz="1600" dirty="0"/>
+                <a:t> </a:t>
+              </a:r>
+              <a:r>
+                <a:rPr lang="en-US" sz="1600" dirty="0" err="1"/>
+                <a:t>SlyGlass</a:t>
+              </a:r>
+              <a:r>
+                <a:rPr lang="en-US" sz="1600" dirty="0"/>
+                <a:t> check and </a:t>
+              </a:r>
+              <a:r>
+                <a:rPr lang="en-US" sz="1600" u="sng" dirty="0"/>
+                <a:t>summary</a:t>
+              </a:r>
+              <a:r>
+                <a:rPr lang="en-US" sz="1600" dirty="0"/>
+                <a:t> the result</a:t>
+              </a:r>
+            </a:p>
+            <a:p>
+              <a:r>
+                <a:rPr lang="en-US" sz="1600" dirty="0"/>
+                <a:t>+ </a:t>
+              </a:r>
+              <a:r>
+                <a:rPr lang="en-US" sz="1600" u="sng" dirty="0"/>
+                <a:t>Judgement</a:t>
+              </a:r>
+              <a:r>
+                <a:rPr lang="en-US" sz="1600" dirty="0"/>
+                <a:t> the result, </a:t>
+              </a:r>
+              <a:r>
+                <a:rPr lang="en-US" sz="1600" u="sng" dirty="0"/>
+                <a:t>propose</a:t>
+              </a:r>
+              <a:r>
+                <a:rPr lang="en-US" sz="1600" dirty="0"/>
+                <a:t> ideal how to fix errors and warnings to the REL</a:t>
+              </a:r>
+            </a:p>
+            <a:p>
+              <a:r>
+                <a:rPr lang="en-US" sz="1600" dirty="0"/>
+                <a:t>+ </a:t>
+              </a:r>
+              <a:r>
+                <a:rPr lang="en-US" sz="1600" u="sng" dirty="0"/>
+                <a:t>Apply</a:t>
+              </a:r>
+              <a:r>
+                <a:rPr lang="en-US" sz="1600" dirty="0"/>
+                <a:t> necessary fixing to the RTL</a:t>
+              </a:r>
+            </a:p>
+          </p:txBody>
+        </p:sp>
+      </p:grpSp>
+      <p:grpSp>
+        <p:nvGrpSpPr>
+          <p:cNvPr id="22" name="Nhóm 21">
+            <a:extLst>
+              <a:ext uri="{FF2B5EF4-FFF2-40B4-BE49-F238E27FC236}">
+                <a16:creationId xmlns:a16="http://schemas.microsoft.com/office/drawing/2014/main" id="{1DAF8C57-8C41-4D6B-A273-BC748C400499}"/>
+              </a:ext>
+            </a:extLst>
+          </p:cNvPr>
+          <p:cNvGrpSpPr/>
+          <p:nvPr/>
+        </p:nvGrpSpPr>
+        <p:grpSpPr>
+          <a:xfrm>
+            <a:off x="1080000" y="1816728"/>
+            <a:ext cx="7026627" cy="861774"/>
+            <a:chOff x="1051339" y="1562444"/>
+            <a:chExt cx="7026627" cy="861774"/>
+          </a:xfrm>
+        </p:grpSpPr>
+        <p:pic>
+          <p:nvPicPr>
+            <p:cNvPr id="56" name="Đồ họa 55" descr="Trò chơi đố">
+              <a:extLst>
+                <a:ext uri="{FF2B5EF4-FFF2-40B4-BE49-F238E27FC236}">
+                  <a16:creationId xmlns:a16="http://schemas.microsoft.com/office/drawing/2014/main" id="{3684E68D-AE01-4229-84E1-EE2EFC883FEE}"/>
+                </a:ext>
+              </a:extLst>
+            </p:cNvPr>
+            <p:cNvPicPr>
+              <a:picLocks noChangeAspect="1"/>
+            </p:cNvPicPr>
+            <p:nvPr/>
+          </p:nvPicPr>
+          <p:blipFill>
+            <a:blip r:embed="rId4">
+              <a:extLst>
+                <a:ext uri="{28A0092B-C50C-407E-A947-70E740481C1C}">
+                  <a14:useLocalDpi xmlns:a14="http://schemas.microsoft.com/office/drawing/2010/main" val="0"/>
+                </a:ext>
+                <a:ext uri="{96DAC541-7B7A-43D3-8B79-37D633B846F1}">
+                  <asvg:svgBlip xmlns:asvg="http://schemas.microsoft.com/office/drawing/2016/SVG/main" r:embed="rId5"/>
+                </a:ext>
+              </a:extLst>
+            </a:blip>
+            <a:stretch>
+              <a:fillRect/>
+            </a:stretch>
+          </p:blipFill>
+          <p:spPr>
+            <a:xfrm>
+              <a:off x="1051339" y="1562444"/>
+              <a:ext cx="457200" cy="457200"/>
+            </a:xfrm>
+            <a:prstGeom prst="rect">
+              <a:avLst/>
+            </a:prstGeom>
+          </p:spPr>
+        </p:pic>
+        <p:sp>
+          <p:nvSpPr>
+            <p:cNvPr id="57" name="Hình chữ nhật 56">
+              <a:extLst>
+                <a:ext uri="{FF2B5EF4-FFF2-40B4-BE49-F238E27FC236}">
+                  <a16:creationId xmlns:a16="http://schemas.microsoft.com/office/drawing/2014/main" id="{264A72E1-5A22-4E0A-87DB-DA9174FF2451}"/>
+                </a:ext>
+              </a:extLst>
+            </p:cNvPr>
+            <p:cNvSpPr/>
+            <p:nvPr/>
+          </p:nvSpPr>
+          <p:spPr>
+            <a:xfrm>
+              <a:off x="1508539" y="1562444"/>
+              <a:ext cx="6569427" cy="861774"/>
+            </a:xfrm>
+            <a:prstGeom prst="rect">
+              <a:avLst/>
+            </a:prstGeom>
+          </p:spPr>
+          <p:txBody>
+            <a:bodyPr wrap="none">
+              <a:spAutoFit/>
+            </a:bodyPr>
+            <a:lstStyle/>
+            <a:p>
+              <a:r>
+                <a:rPr lang="en-US" b="1" dirty="0"/>
+                <a:t>Create RTL description</a:t>
+              </a:r>
+            </a:p>
+            <a:p>
+              <a:r>
+                <a:rPr lang="en-US" sz="1600" dirty="0"/>
+                <a:t>+ </a:t>
+              </a:r>
+              <a:r>
+                <a:rPr lang="en-US" sz="1600" u="sng" dirty="0"/>
+                <a:t>Create new lines of code</a:t>
+              </a:r>
+              <a:r>
+                <a:rPr lang="en-US" sz="1600" dirty="0"/>
+                <a:t> based on new change points specs</a:t>
+              </a:r>
+            </a:p>
+            <a:p>
+              <a:r>
+                <a:rPr lang="en-US" sz="1600" dirty="0"/>
+                <a:t>+ </a:t>
+              </a:r>
+              <a:r>
+                <a:rPr lang="en-US" sz="1600" u="sng" dirty="0"/>
+                <a:t>Feedback</a:t>
+              </a:r>
+              <a:r>
+                <a:rPr lang="en-US" sz="1600" dirty="0"/>
+                <a:t> and </a:t>
+              </a:r>
+              <a:r>
+                <a:rPr lang="en-US" sz="1600" u="sng" dirty="0"/>
+                <a:t>propose</a:t>
+              </a:r>
+              <a:r>
+                <a:rPr lang="en-US" sz="1600" dirty="0"/>
+                <a:t> ideal for lines of code that sent from the REL</a:t>
+              </a:r>
+            </a:p>
+          </p:txBody>
+        </p:sp>
+      </p:grpSp>
+      <p:grpSp>
+        <p:nvGrpSpPr>
+          <p:cNvPr id="24" name="Nhóm 23">
+            <a:extLst>
+              <a:ext uri="{FF2B5EF4-FFF2-40B4-BE49-F238E27FC236}">
+                <a16:creationId xmlns:a16="http://schemas.microsoft.com/office/drawing/2014/main" id="{E3D9409A-60F2-49B7-BBD9-18516E9E17D2}"/>
+              </a:ext>
+            </a:extLst>
+          </p:cNvPr>
+          <p:cNvGrpSpPr/>
+          <p:nvPr/>
+        </p:nvGrpSpPr>
+        <p:grpSpPr>
+          <a:xfrm>
+            <a:off x="1080000" y="4366516"/>
+            <a:ext cx="9155415" cy="861774"/>
+            <a:chOff x="1051339" y="4808519"/>
+            <a:chExt cx="9155415" cy="861774"/>
+          </a:xfrm>
+        </p:grpSpPr>
+        <p:pic>
+          <p:nvPicPr>
+            <p:cNvPr id="66" name="Đồ họa 65" descr="Đầu có bánh răng">
+              <a:extLst>
+                <a:ext uri="{FF2B5EF4-FFF2-40B4-BE49-F238E27FC236}">
+                  <a16:creationId xmlns:a16="http://schemas.microsoft.com/office/drawing/2014/main" id="{3479665A-B91C-40D4-9049-87CF1766C0B6}"/>
+                </a:ext>
+              </a:extLst>
+            </p:cNvPr>
+            <p:cNvPicPr>
+              <a:picLocks noChangeAspect="1"/>
+            </p:cNvPicPr>
+            <p:nvPr/>
+          </p:nvPicPr>
+          <p:blipFill>
+            <a:blip r:embed="rId6">
+              <a:extLst>
+                <a:ext uri="{28A0092B-C50C-407E-A947-70E740481C1C}">
+                  <a14:useLocalDpi xmlns:a14="http://schemas.microsoft.com/office/drawing/2010/main" val="0"/>
+                </a:ext>
+                <a:ext uri="{96DAC541-7B7A-43D3-8B79-37D633B846F1}">
+                  <asvg:svgBlip xmlns:asvg="http://schemas.microsoft.com/office/drawing/2016/SVG/main" r:embed="rId7"/>
+                </a:ext>
+              </a:extLst>
+            </a:blip>
+            <a:stretch>
+              <a:fillRect/>
+            </a:stretch>
+          </p:blipFill>
+          <p:spPr>
+            <a:xfrm>
+              <a:off x="1051339" y="4808519"/>
+              <a:ext cx="457200" cy="457200"/>
+            </a:xfrm>
+            <a:prstGeom prst="rect">
+              <a:avLst/>
+            </a:prstGeom>
+          </p:spPr>
+        </p:pic>
+        <p:sp>
+          <p:nvSpPr>
+            <p:cNvPr id="67" name="Hình chữ nhật 66">
+              <a:extLst>
+                <a:ext uri="{FF2B5EF4-FFF2-40B4-BE49-F238E27FC236}">
+                  <a16:creationId xmlns:a16="http://schemas.microsoft.com/office/drawing/2014/main" id="{8660D22D-6201-41FD-BA32-80A9D4E26B9A}"/>
+                </a:ext>
+              </a:extLst>
+            </p:cNvPr>
+            <p:cNvSpPr/>
+            <p:nvPr/>
+          </p:nvSpPr>
+          <p:spPr>
+            <a:xfrm>
+              <a:off x="1508539" y="4808519"/>
+              <a:ext cx="8698215" cy="861774"/>
+            </a:xfrm>
+            <a:prstGeom prst="rect">
+              <a:avLst/>
+            </a:prstGeom>
+          </p:spPr>
+          <p:txBody>
+            <a:bodyPr wrap="none">
+              <a:spAutoFit/>
+            </a:bodyPr>
+            <a:lstStyle/>
+            <a:p>
+              <a:r>
+                <a:rPr lang="en-US" b="1" dirty="0"/>
+                <a:t>Determine strategies for evaluation and testing</a:t>
+              </a:r>
+            </a:p>
+            <a:p>
+              <a:r>
+                <a:rPr lang="en-US" sz="1600" dirty="0"/>
+                <a:t>+ </a:t>
+              </a:r>
+              <a:r>
+                <a:rPr lang="en-US" sz="1600" u="sng" dirty="0"/>
+                <a:t>Check</a:t>
+              </a:r>
+              <a:r>
+                <a:rPr lang="en-US" sz="1600" dirty="0"/>
+                <a:t> the existing evaluation and testing strategies, </a:t>
+              </a:r>
+              <a:r>
+                <a:rPr lang="en-US" sz="1600" u="sng" dirty="0"/>
+                <a:t>feedback</a:t>
+              </a:r>
+              <a:r>
+                <a:rPr lang="en-US" sz="1600" dirty="0"/>
+                <a:t> and </a:t>
+              </a:r>
+              <a:r>
+                <a:rPr lang="en-US" sz="1600" u="sng" dirty="0"/>
+                <a:t>propose</a:t>
+              </a:r>
+              <a:r>
+                <a:rPr lang="en-US" sz="1600" dirty="0"/>
+                <a:t> ideal to the REL</a:t>
+              </a:r>
+            </a:p>
+            <a:p>
+              <a:r>
+                <a:rPr lang="en-US" sz="1600" dirty="0"/>
+                <a:t>+ </a:t>
+              </a:r>
+              <a:r>
+                <a:rPr lang="en-US" sz="1600" u="sng" dirty="0"/>
+                <a:t>Determine</a:t>
+              </a:r>
+              <a:r>
+                <a:rPr lang="en-US" sz="1600" dirty="0"/>
+                <a:t> the evaluation and testing strategies for new change points</a:t>
+              </a:r>
+            </a:p>
+          </p:txBody>
+        </p:sp>
+      </p:grpSp>
     </p:spTree>
     <p:extLst>
       <p:ext uri="{BB962C8B-B14F-4D97-AF65-F5344CB8AC3E}">
@@ -26220,10 +28889,9 @@
           <a:lstStyle/>
           <a:p>
             <a:r>
-              <a:rPr lang="en-US" dirty="0" smtClean="0"/>
-              <a:t>LOGIC DESIGN</a:t>
-            </a:r>
-            <a:endParaRPr lang="en-US" dirty="0"/>
+              <a:rPr lang="en-US" dirty="0"/>
+              <a:t>FUNCTIONAL DESIGN</a:t>
+            </a:r>
           </a:p>
         </p:txBody>
       </p:sp>
@@ -26251,6 +28919,2132 @@
               <a:rPr lang="de-DE" smtClean="0"/>
               <a:pPr algn="l"/>
               <a:t>6</a:t>
+            </a:fld>
+            <a:endParaRPr lang="de-DE" dirty="0"/>
+          </a:p>
+        </p:txBody>
+      </p:sp>
+      <p:grpSp>
+        <p:nvGrpSpPr>
+          <p:cNvPr id="22" name="Group 60">
+            <a:extLst>
+              <a:ext uri="{FF2B5EF4-FFF2-40B4-BE49-F238E27FC236}">
+                <a16:creationId xmlns:a16="http://schemas.microsoft.com/office/drawing/2014/main" id="{F009B9CC-6097-47B7-8192-19378D99E16A}"/>
+              </a:ext>
+            </a:extLst>
+          </p:cNvPr>
+          <p:cNvGrpSpPr/>
+          <p:nvPr/>
+        </p:nvGrpSpPr>
+        <p:grpSpPr>
+          <a:xfrm>
+            <a:off x="9841595" y="922877"/>
+            <a:ext cx="1050700" cy="738664"/>
+            <a:chOff x="9706827" y="788267"/>
+            <a:chExt cx="1050700" cy="738664"/>
+          </a:xfrm>
+        </p:grpSpPr>
+        <p:sp>
+          <p:nvSpPr>
+            <p:cNvPr id="23" name="Rectangle 57">
+              <a:extLst>
+                <a:ext uri="{FF2B5EF4-FFF2-40B4-BE49-F238E27FC236}">
+                  <a16:creationId xmlns:a16="http://schemas.microsoft.com/office/drawing/2014/main" id="{09275399-827C-4D40-B298-E6CCFA7F4876}"/>
+                </a:ext>
+              </a:extLst>
+            </p:cNvPr>
+            <p:cNvSpPr/>
+            <p:nvPr/>
+          </p:nvSpPr>
+          <p:spPr>
+            <a:xfrm>
+              <a:off x="10300327" y="1164914"/>
+              <a:ext cx="457200" cy="91440"/>
+            </a:xfrm>
+            <a:prstGeom prst="rect">
+              <a:avLst/>
+            </a:prstGeom>
+            <a:solidFill>
+              <a:schemeClr val="tx2"/>
+            </a:solidFill>
+            <a:ln>
+              <a:noFill/>
+            </a:ln>
+          </p:spPr>
+          <p:style>
+            <a:lnRef idx="2">
+              <a:schemeClr val="accent1">
+                <a:shade val="50000"/>
+              </a:schemeClr>
+            </a:lnRef>
+            <a:fillRef idx="1">
+              <a:schemeClr val="accent1"/>
+            </a:fillRef>
+            <a:effectRef idx="0">
+              <a:schemeClr val="accent1"/>
+            </a:effectRef>
+            <a:fontRef idx="minor">
+              <a:schemeClr val="lt1"/>
+            </a:fontRef>
+          </p:style>
+          <p:txBody>
+            <a:bodyPr rtlCol="0" anchor="ctr"/>
+            <a:lstStyle/>
+            <a:p>
+              <a:pPr algn="r"/>
+              <a:endParaRPr lang="en-US" sz="700" dirty="0"/>
+            </a:p>
+          </p:txBody>
+        </p:sp>
+        <p:sp>
+          <p:nvSpPr>
+            <p:cNvPr id="24" name="Rectangle 58">
+              <a:extLst>
+                <a:ext uri="{FF2B5EF4-FFF2-40B4-BE49-F238E27FC236}">
+                  <a16:creationId xmlns:a16="http://schemas.microsoft.com/office/drawing/2014/main" id="{3BCFA52C-30EB-4051-B9D0-2D72F2FE96A6}"/>
+                </a:ext>
+              </a:extLst>
+            </p:cNvPr>
+            <p:cNvSpPr/>
+            <p:nvPr/>
+          </p:nvSpPr>
+          <p:spPr>
+            <a:xfrm>
+              <a:off x="10300327" y="1340793"/>
+              <a:ext cx="457200" cy="91440"/>
+            </a:xfrm>
+            <a:prstGeom prst="rect">
+              <a:avLst/>
+            </a:prstGeom>
+            <a:solidFill>
+              <a:srgbClr val="FF0000"/>
+            </a:solidFill>
+            <a:ln>
+              <a:noFill/>
+            </a:ln>
+          </p:spPr>
+          <p:style>
+            <a:lnRef idx="2">
+              <a:schemeClr val="accent1">
+                <a:shade val="50000"/>
+              </a:schemeClr>
+            </a:lnRef>
+            <a:fillRef idx="1">
+              <a:schemeClr val="accent1"/>
+            </a:fillRef>
+            <a:effectRef idx="0">
+              <a:schemeClr val="accent1"/>
+            </a:effectRef>
+            <a:fontRef idx="minor">
+              <a:schemeClr val="lt1"/>
+            </a:fontRef>
+          </p:style>
+          <p:txBody>
+            <a:bodyPr rtlCol="0" anchor="ctr"/>
+            <a:lstStyle/>
+            <a:p>
+              <a:pPr algn="r"/>
+              <a:endParaRPr lang="en-US" sz="700" dirty="0"/>
+            </a:p>
+          </p:txBody>
+        </p:sp>
+        <p:sp>
+          <p:nvSpPr>
+            <p:cNvPr id="25" name="TextBox 59">
+              <a:extLst>
+                <a:ext uri="{FF2B5EF4-FFF2-40B4-BE49-F238E27FC236}">
+                  <a16:creationId xmlns:a16="http://schemas.microsoft.com/office/drawing/2014/main" id="{59D1C1E6-8E8B-4C9F-A3A7-05F94A7E9AC7}"/>
+                </a:ext>
+              </a:extLst>
+            </p:cNvPr>
+            <p:cNvSpPr txBox="1"/>
+            <p:nvPr/>
+          </p:nvSpPr>
+          <p:spPr>
+            <a:xfrm>
+              <a:off x="9706827" y="788267"/>
+              <a:ext cx="954107" cy="738664"/>
+            </a:xfrm>
+            <a:prstGeom prst="rect">
+              <a:avLst/>
+            </a:prstGeom>
+            <a:noFill/>
+          </p:spPr>
+          <p:txBody>
+            <a:bodyPr wrap="none" rtlCol="0">
+              <a:spAutoFit/>
+            </a:bodyPr>
+            <a:lstStyle/>
+            <a:p>
+              <a:r>
+                <a:rPr lang="en-US" u="sng" dirty="0">
+                  <a:solidFill>
+                    <a:schemeClr val="bg2">
+                      <a:lumMod val="10000"/>
+                    </a:schemeClr>
+                  </a:solidFill>
+                </a:rPr>
+                <a:t>Legend</a:t>
+              </a:r>
+            </a:p>
+            <a:p>
+              <a:r>
+                <a:rPr lang="en-US" sz="1200" dirty="0">
+                  <a:solidFill>
+                    <a:schemeClr val="bg2">
+                      <a:lumMod val="10000"/>
+                    </a:schemeClr>
+                  </a:solidFill>
+                </a:rPr>
+                <a:t>Target</a:t>
+              </a:r>
+            </a:p>
+            <a:p>
+              <a:r>
+                <a:rPr lang="en-US" sz="1200" dirty="0">
+                  <a:solidFill>
+                    <a:schemeClr val="bg2">
+                      <a:lumMod val="10000"/>
+                    </a:schemeClr>
+                  </a:solidFill>
+                </a:rPr>
+                <a:t>Actual</a:t>
+              </a:r>
+            </a:p>
+          </p:txBody>
+        </p:sp>
+      </p:grpSp>
+      <p:grpSp>
+        <p:nvGrpSpPr>
+          <p:cNvPr id="14" name="Nhóm 13">
+            <a:extLst>
+              <a:ext uri="{FF2B5EF4-FFF2-40B4-BE49-F238E27FC236}">
+                <a16:creationId xmlns:a16="http://schemas.microsoft.com/office/drawing/2014/main" id="{9A587707-DE7E-408A-806E-DCA5B6F8F706}"/>
+              </a:ext>
+            </a:extLst>
+          </p:cNvPr>
+          <p:cNvGrpSpPr/>
+          <p:nvPr/>
+        </p:nvGrpSpPr>
+        <p:grpSpPr>
+          <a:xfrm>
+            <a:off x="1080000" y="1617809"/>
+            <a:ext cx="5955582" cy="650597"/>
+            <a:chOff x="1051339" y="1599457"/>
+            <a:chExt cx="5955582" cy="650597"/>
+          </a:xfrm>
+        </p:grpSpPr>
+        <p:pic>
+          <p:nvPicPr>
+            <p:cNvPr id="5" name="Đồ họa 4" descr="Danh sách">
+              <a:extLst>
+                <a:ext uri="{FF2B5EF4-FFF2-40B4-BE49-F238E27FC236}">
+                  <a16:creationId xmlns:a16="http://schemas.microsoft.com/office/drawing/2014/main" id="{56C4B8AF-39A3-458A-B4EF-24F18BA48BA4}"/>
+                </a:ext>
+              </a:extLst>
+            </p:cNvPr>
+            <p:cNvPicPr>
+              <a:picLocks noChangeAspect="1"/>
+            </p:cNvPicPr>
+            <p:nvPr/>
+          </p:nvPicPr>
+          <p:blipFill>
+            <a:blip r:embed="rId2">
+              <a:extLst>
+                <a:ext uri="{28A0092B-C50C-407E-A947-70E740481C1C}">
+                  <a14:useLocalDpi xmlns:a14="http://schemas.microsoft.com/office/drawing/2010/main" val="0"/>
+                </a:ext>
+                <a:ext uri="{96DAC541-7B7A-43D3-8B79-37D633B846F1}">
+                  <asvg:svgBlip xmlns:asvg="http://schemas.microsoft.com/office/drawing/2016/SVG/main" r:embed="rId3"/>
+                </a:ext>
+              </a:extLst>
+            </a:blip>
+            <a:stretch>
+              <a:fillRect/>
+            </a:stretch>
+          </p:blipFill>
+          <p:spPr>
+            <a:xfrm>
+              <a:off x="1051339" y="1599457"/>
+              <a:ext cx="457200" cy="457200"/>
+            </a:xfrm>
+            <a:prstGeom prst="rect">
+              <a:avLst/>
+            </a:prstGeom>
+          </p:spPr>
+        </p:pic>
+        <p:sp>
+          <p:nvSpPr>
+            <p:cNvPr id="16" name="Hình chữ nhật 15">
+              <a:extLst>
+                <a:ext uri="{FF2B5EF4-FFF2-40B4-BE49-F238E27FC236}">
+                  <a16:creationId xmlns:a16="http://schemas.microsoft.com/office/drawing/2014/main" id="{78A041CB-35D8-4F4D-8B81-AD058566D403}"/>
+                </a:ext>
+              </a:extLst>
+            </p:cNvPr>
+            <p:cNvSpPr/>
+            <p:nvPr/>
+          </p:nvSpPr>
+          <p:spPr>
+            <a:xfrm>
+              <a:off x="1508539" y="1599457"/>
+              <a:ext cx="4198585" cy="369332"/>
+            </a:xfrm>
+            <a:prstGeom prst="rect">
+              <a:avLst/>
+            </a:prstGeom>
+          </p:spPr>
+          <p:txBody>
+            <a:bodyPr wrap="none">
+              <a:spAutoFit/>
+            </a:bodyPr>
+            <a:lstStyle/>
+            <a:p>
+              <a:r>
+                <a:rPr lang="en-US" b="1" dirty="0"/>
+                <a:t>Create module design specifications</a:t>
+              </a:r>
+            </a:p>
+          </p:txBody>
+        </p:sp>
+        <p:sp>
+          <p:nvSpPr>
+            <p:cNvPr id="26" name="Rectangle 47">
+              <a:extLst>
+                <a:ext uri="{FF2B5EF4-FFF2-40B4-BE49-F238E27FC236}">
+                  <a16:creationId xmlns:a16="http://schemas.microsoft.com/office/drawing/2014/main" id="{4DB5DAFA-3437-4521-B67C-5AFA6E093998}"/>
+                </a:ext>
+              </a:extLst>
+            </p:cNvPr>
+            <p:cNvSpPr/>
+            <p:nvPr/>
+          </p:nvSpPr>
+          <p:spPr>
+            <a:xfrm>
+              <a:off x="1508539" y="2055024"/>
+              <a:ext cx="2743200" cy="91440"/>
+            </a:xfrm>
+            <a:prstGeom prst="rect">
+              <a:avLst/>
+            </a:prstGeom>
+            <a:solidFill>
+              <a:schemeClr val="tx2"/>
+            </a:solidFill>
+            <a:ln>
+              <a:noFill/>
+            </a:ln>
+          </p:spPr>
+          <p:style>
+            <a:lnRef idx="2">
+              <a:schemeClr val="accent1">
+                <a:shade val="50000"/>
+              </a:schemeClr>
+            </a:lnRef>
+            <a:fillRef idx="1">
+              <a:schemeClr val="accent1"/>
+            </a:fillRef>
+            <a:effectRef idx="0">
+              <a:schemeClr val="accent1"/>
+            </a:effectRef>
+            <a:fontRef idx="minor">
+              <a:schemeClr val="lt1"/>
+            </a:fontRef>
+          </p:style>
+          <p:txBody>
+            <a:bodyPr rtlCol="0" anchor="ctr"/>
+            <a:lstStyle/>
+            <a:p>
+              <a:pPr algn="r"/>
+              <a:r>
+                <a:rPr lang="en-US" sz="700" dirty="0"/>
+                <a:t>1</a:t>
+              </a:r>
+            </a:p>
+          </p:txBody>
+        </p:sp>
+        <p:sp>
+          <p:nvSpPr>
+            <p:cNvPr id="27" name="Rectangle 48">
+              <a:extLst>
+                <a:ext uri="{FF2B5EF4-FFF2-40B4-BE49-F238E27FC236}">
+                  <a16:creationId xmlns:a16="http://schemas.microsoft.com/office/drawing/2014/main" id="{D3AD5E18-F395-407B-A874-FED8FCE9E71F}"/>
+                </a:ext>
+              </a:extLst>
+            </p:cNvPr>
+            <p:cNvSpPr/>
+            <p:nvPr/>
+          </p:nvSpPr>
+          <p:spPr>
+            <a:xfrm>
+              <a:off x="1508539" y="2158614"/>
+              <a:ext cx="2743200" cy="91440"/>
+            </a:xfrm>
+            <a:prstGeom prst="rect">
+              <a:avLst/>
+            </a:prstGeom>
+            <a:solidFill>
+              <a:srgbClr val="FF0000"/>
+            </a:solidFill>
+            <a:ln>
+              <a:noFill/>
+            </a:ln>
+          </p:spPr>
+          <p:style>
+            <a:lnRef idx="2">
+              <a:schemeClr val="accent1">
+                <a:shade val="50000"/>
+              </a:schemeClr>
+            </a:lnRef>
+            <a:fillRef idx="1">
+              <a:schemeClr val="accent1"/>
+            </a:fillRef>
+            <a:effectRef idx="0">
+              <a:schemeClr val="accent1"/>
+            </a:effectRef>
+            <a:fontRef idx="minor">
+              <a:schemeClr val="lt1"/>
+            </a:fontRef>
+          </p:style>
+          <p:txBody>
+            <a:bodyPr rtlCol="0" anchor="ctr"/>
+            <a:lstStyle/>
+            <a:p>
+              <a:pPr algn="r"/>
+              <a:endParaRPr lang="en-US" sz="700" dirty="0"/>
+            </a:p>
+          </p:txBody>
+        </p:sp>
+        <p:sp>
+          <p:nvSpPr>
+            <p:cNvPr id="28" name="Rectangle 49">
+              <a:extLst>
+                <a:ext uri="{FF2B5EF4-FFF2-40B4-BE49-F238E27FC236}">
+                  <a16:creationId xmlns:a16="http://schemas.microsoft.com/office/drawing/2014/main" id="{472058DE-DBD8-46F8-BACB-8B73B45D88D7}"/>
+                </a:ext>
+              </a:extLst>
+            </p:cNvPr>
+            <p:cNvSpPr/>
+            <p:nvPr/>
+          </p:nvSpPr>
+          <p:spPr>
+            <a:xfrm>
+              <a:off x="4263721" y="2055024"/>
+              <a:ext cx="2743200" cy="91440"/>
+            </a:xfrm>
+            <a:prstGeom prst="rect">
+              <a:avLst/>
+            </a:prstGeom>
+            <a:solidFill>
+              <a:schemeClr val="tx2"/>
+            </a:solidFill>
+            <a:ln>
+              <a:noFill/>
+            </a:ln>
+          </p:spPr>
+          <p:style>
+            <a:lnRef idx="2">
+              <a:schemeClr val="accent1">
+                <a:shade val="50000"/>
+              </a:schemeClr>
+            </a:lnRef>
+            <a:fillRef idx="1">
+              <a:schemeClr val="accent1"/>
+            </a:fillRef>
+            <a:effectRef idx="0">
+              <a:schemeClr val="accent1"/>
+            </a:effectRef>
+            <a:fontRef idx="minor">
+              <a:schemeClr val="lt1"/>
+            </a:fontRef>
+          </p:style>
+          <p:txBody>
+            <a:bodyPr rtlCol="0" anchor="ctr"/>
+            <a:lstStyle/>
+            <a:p>
+              <a:pPr algn="r"/>
+              <a:r>
+                <a:rPr lang="en-US" sz="700" dirty="0"/>
+                <a:t>2</a:t>
+              </a:r>
+            </a:p>
+          </p:txBody>
+        </p:sp>
+        <p:sp>
+          <p:nvSpPr>
+            <p:cNvPr id="29" name="Rectangle 61">
+              <a:extLst>
+                <a:ext uri="{FF2B5EF4-FFF2-40B4-BE49-F238E27FC236}">
+                  <a16:creationId xmlns:a16="http://schemas.microsoft.com/office/drawing/2014/main" id="{F255DC2B-80E7-47F3-9C06-028697B7C22E}"/>
+                </a:ext>
+              </a:extLst>
+            </p:cNvPr>
+            <p:cNvSpPr/>
+            <p:nvPr/>
+          </p:nvSpPr>
+          <p:spPr>
+            <a:xfrm>
+              <a:off x="4263721" y="2158614"/>
+              <a:ext cx="1371600" cy="91440"/>
+            </a:xfrm>
+            <a:prstGeom prst="rect">
+              <a:avLst/>
+            </a:prstGeom>
+            <a:solidFill>
+              <a:srgbClr val="FF0000"/>
+            </a:solidFill>
+            <a:ln>
+              <a:noFill/>
+            </a:ln>
+          </p:spPr>
+          <p:style>
+            <a:lnRef idx="2">
+              <a:schemeClr val="accent1">
+                <a:shade val="50000"/>
+              </a:schemeClr>
+            </a:lnRef>
+            <a:fillRef idx="1">
+              <a:schemeClr val="accent1"/>
+            </a:fillRef>
+            <a:effectRef idx="0">
+              <a:schemeClr val="accent1"/>
+            </a:effectRef>
+            <a:fontRef idx="minor">
+              <a:schemeClr val="lt1"/>
+            </a:fontRef>
+          </p:style>
+          <p:txBody>
+            <a:bodyPr rtlCol="0" anchor="ctr"/>
+            <a:lstStyle/>
+            <a:p>
+              <a:pPr algn="r"/>
+              <a:r>
+                <a:rPr lang="en-US" sz="700" dirty="0"/>
+                <a:t>1.5</a:t>
+              </a:r>
+            </a:p>
+          </p:txBody>
+        </p:sp>
+      </p:grpSp>
+      <p:grpSp>
+        <p:nvGrpSpPr>
+          <p:cNvPr id="8" name="Nhóm 7">
+            <a:extLst>
+              <a:ext uri="{FF2B5EF4-FFF2-40B4-BE49-F238E27FC236}">
+                <a16:creationId xmlns:a16="http://schemas.microsoft.com/office/drawing/2014/main" id="{5D05B92F-BE08-4644-A064-11A033A73CF2}"/>
+              </a:ext>
+            </a:extLst>
+          </p:cNvPr>
+          <p:cNvGrpSpPr/>
+          <p:nvPr/>
+        </p:nvGrpSpPr>
+        <p:grpSpPr>
+          <a:xfrm>
+            <a:off x="1080000" y="4017221"/>
+            <a:ext cx="3200400" cy="666749"/>
+            <a:chOff x="1051339" y="4169197"/>
+            <a:chExt cx="3200400" cy="666749"/>
+          </a:xfrm>
+        </p:grpSpPr>
+        <p:pic>
+          <p:nvPicPr>
+            <p:cNvPr id="11" name="Đồ họa 10" descr="Hệ thống phân cấp">
+              <a:extLst>
+                <a:ext uri="{FF2B5EF4-FFF2-40B4-BE49-F238E27FC236}">
+                  <a16:creationId xmlns:a16="http://schemas.microsoft.com/office/drawing/2014/main" id="{85936E65-059E-4F1C-B224-9979CB5B11C7}"/>
+                </a:ext>
+              </a:extLst>
+            </p:cNvPr>
+            <p:cNvPicPr>
+              <a:picLocks noChangeAspect="1"/>
+            </p:cNvPicPr>
+            <p:nvPr/>
+          </p:nvPicPr>
+          <p:blipFill>
+            <a:blip r:embed="rId4">
+              <a:extLst>
+                <a:ext uri="{28A0092B-C50C-407E-A947-70E740481C1C}">
+                  <a14:useLocalDpi xmlns:a14="http://schemas.microsoft.com/office/drawing/2010/main" val="0"/>
+                </a:ext>
+                <a:ext uri="{96DAC541-7B7A-43D3-8B79-37D633B846F1}">
+                  <asvg:svgBlip xmlns:asvg="http://schemas.microsoft.com/office/drawing/2016/SVG/main" r:embed="rId5"/>
+                </a:ext>
+              </a:extLst>
+            </a:blip>
+            <a:stretch>
+              <a:fillRect/>
+            </a:stretch>
+          </p:blipFill>
+          <p:spPr>
+            <a:xfrm>
+              <a:off x="1051339" y="4169197"/>
+              <a:ext cx="457200" cy="457200"/>
+            </a:xfrm>
+            <a:prstGeom prst="rect">
+              <a:avLst/>
+            </a:prstGeom>
+          </p:spPr>
+        </p:pic>
+        <p:sp>
+          <p:nvSpPr>
+            <p:cNvPr id="19" name="Hình chữ nhật 18">
+              <a:extLst>
+                <a:ext uri="{FF2B5EF4-FFF2-40B4-BE49-F238E27FC236}">
+                  <a16:creationId xmlns:a16="http://schemas.microsoft.com/office/drawing/2014/main" id="{88FFDA5E-41CA-4722-A448-DC01BCD849EB}"/>
+                </a:ext>
+              </a:extLst>
+            </p:cNvPr>
+            <p:cNvSpPr/>
+            <p:nvPr/>
+          </p:nvSpPr>
+          <p:spPr>
+            <a:xfrm>
+              <a:off x="1508539" y="4169197"/>
+              <a:ext cx="2646878" cy="369332"/>
+            </a:xfrm>
+            <a:prstGeom prst="rect">
+              <a:avLst/>
+            </a:prstGeom>
+          </p:spPr>
+          <p:txBody>
+            <a:bodyPr wrap="none">
+              <a:spAutoFit/>
+            </a:bodyPr>
+            <a:lstStyle/>
+            <a:p>
+              <a:r>
+                <a:rPr lang="en-US" b="1" dirty="0"/>
+                <a:t>Create top level netlist</a:t>
+              </a:r>
+            </a:p>
+          </p:txBody>
+        </p:sp>
+        <p:sp>
+          <p:nvSpPr>
+            <p:cNvPr id="38" name="Rectangle 47">
+              <a:extLst>
+                <a:ext uri="{FF2B5EF4-FFF2-40B4-BE49-F238E27FC236}">
+                  <a16:creationId xmlns:a16="http://schemas.microsoft.com/office/drawing/2014/main" id="{E4D56A3B-D6F6-4BF1-A466-C5BAC68F8DBE}"/>
+                </a:ext>
+              </a:extLst>
+            </p:cNvPr>
+            <p:cNvSpPr/>
+            <p:nvPr/>
+          </p:nvSpPr>
+          <p:spPr>
+            <a:xfrm>
+              <a:off x="1508539" y="4640916"/>
+              <a:ext cx="2743200" cy="91440"/>
+            </a:xfrm>
+            <a:prstGeom prst="rect">
+              <a:avLst/>
+            </a:prstGeom>
+            <a:solidFill>
+              <a:schemeClr val="tx2"/>
+            </a:solidFill>
+            <a:ln>
+              <a:noFill/>
+            </a:ln>
+          </p:spPr>
+          <p:style>
+            <a:lnRef idx="2">
+              <a:schemeClr val="accent1">
+                <a:shade val="50000"/>
+              </a:schemeClr>
+            </a:lnRef>
+            <a:fillRef idx="1">
+              <a:schemeClr val="accent1"/>
+            </a:fillRef>
+            <a:effectRef idx="0">
+              <a:schemeClr val="accent1"/>
+            </a:effectRef>
+            <a:fontRef idx="minor">
+              <a:schemeClr val="lt1"/>
+            </a:fontRef>
+          </p:style>
+          <p:txBody>
+            <a:bodyPr rtlCol="0" anchor="ctr"/>
+            <a:lstStyle/>
+            <a:p>
+              <a:pPr algn="r"/>
+              <a:r>
+                <a:rPr lang="en-US" sz="700" dirty="0"/>
+                <a:t>1</a:t>
+              </a:r>
+            </a:p>
+          </p:txBody>
+        </p:sp>
+        <p:sp>
+          <p:nvSpPr>
+            <p:cNvPr id="39" name="Rectangle 48">
+              <a:extLst>
+                <a:ext uri="{FF2B5EF4-FFF2-40B4-BE49-F238E27FC236}">
+                  <a16:creationId xmlns:a16="http://schemas.microsoft.com/office/drawing/2014/main" id="{EDC3B671-9D41-4660-A5E1-D57F79CEDA39}"/>
+                </a:ext>
+              </a:extLst>
+            </p:cNvPr>
+            <p:cNvSpPr/>
+            <p:nvPr/>
+          </p:nvSpPr>
+          <p:spPr>
+            <a:xfrm>
+              <a:off x="1508539" y="4744506"/>
+              <a:ext cx="2743200" cy="91440"/>
+            </a:xfrm>
+            <a:prstGeom prst="rect">
+              <a:avLst/>
+            </a:prstGeom>
+            <a:solidFill>
+              <a:srgbClr val="FF0000"/>
+            </a:solidFill>
+            <a:ln>
+              <a:noFill/>
+            </a:ln>
+          </p:spPr>
+          <p:style>
+            <a:lnRef idx="2">
+              <a:schemeClr val="accent1">
+                <a:shade val="50000"/>
+              </a:schemeClr>
+            </a:lnRef>
+            <a:fillRef idx="1">
+              <a:schemeClr val="accent1"/>
+            </a:fillRef>
+            <a:effectRef idx="0">
+              <a:schemeClr val="accent1"/>
+            </a:effectRef>
+            <a:fontRef idx="minor">
+              <a:schemeClr val="lt1"/>
+            </a:fontRef>
+          </p:style>
+          <p:txBody>
+            <a:bodyPr rtlCol="0" anchor="ctr"/>
+            <a:lstStyle/>
+            <a:p>
+              <a:pPr algn="r"/>
+              <a:r>
+                <a:rPr lang="en-US" sz="700" dirty="0"/>
+                <a:t>1</a:t>
+              </a:r>
+            </a:p>
+          </p:txBody>
+        </p:sp>
+      </p:grpSp>
+      <p:grpSp>
+        <p:nvGrpSpPr>
+          <p:cNvPr id="4" name="Nhóm 3">
+            <a:extLst>
+              <a:ext uri="{FF2B5EF4-FFF2-40B4-BE49-F238E27FC236}">
+                <a16:creationId xmlns:a16="http://schemas.microsoft.com/office/drawing/2014/main" id="{5F8DE41E-0DF4-4719-B80D-6394F63BA7EE}"/>
+              </a:ext>
+            </a:extLst>
+          </p:cNvPr>
+          <p:cNvGrpSpPr/>
+          <p:nvPr/>
+        </p:nvGrpSpPr>
+        <p:grpSpPr>
+          <a:xfrm>
+            <a:off x="1080000" y="5636471"/>
+            <a:ext cx="3200400" cy="652511"/>
+            <a:chOff x="1051339" y="5794288"/>
+            <a:chExt cx="3200400" cy="652511"/>
+          </a:xfrm>
+        </p:grpSpPr>
+        <p:pic>
+          <p:nvPicPr>
+            <p:cNvPr id="15" name="Đồ họa 14" descr="Biểu đồ hình tròn">
+              <a:extLst>
+                <a:ext uri="{FF2B5EF4-FFF2-40B4-BE49-F238E27FC236}">
+                  <a16:creationId xmlns:a16="http://schemas.microsoft.com/office/drawing/2014/main" id="{5A477F48-AD05-4411-B21F-1F8661FE3756}"/>
+                </a:ext>
+              </a:extLst>
+            </p:cNvPr>
+            <p:cNvPicPr>
+              <a:picLocks noChangeAspect="1"/>
+            </p:cNvPicPr>
+            <p:nvPr/>
+          </p:nvPicPr>
+          <p:blipFill>
+            <a:blip r:embed="rId6">
+              <a:extLst>
+                <a:ext uri="{28A0092B-C50C-407E-A947-70E740481C1C}">
+                  <a14:useLocalDpi xmlns:a14="http://schemas.microsoft.com/office/drawing/2010/main" val="0"/>
+                </a:ext>
+                <a:ext uri="{96DAC541-7B7A-43D3-8B79-37D633B846F1}">
+                  <asvg:svgBlip xmlns:asvg="http://schemas.microsoft.com/office/drawing/2016/SVG/main" r:embed="rId7"/>
+                </a:ext>
+              </a:extLst>
+            </a:blip>
+            <a:stretch>
+              <a:fillRect/>
+            </a:stretch>
+          </p:blipFill>
+          <p:spPr>
+            <a:xfrm>
+              <a:off x="1051339" y="5794288"/>
+              <a:ext cx="457200" cy="457200"/>
+            </a:xfrm>
+            <a:prstGeom prst="rect">
+              <a:avLst/>
+            </a:prstGeom>
+          </p:spPr>
+        </p:pic>
+        <p:sp>
+          <p:nvSpPr>
+            <p:cNvPr id="21" name="Hình chữ nhật 20">
+              <a:extLst>
+                <a:ext uri="{FF2B5EF4-FFF2-40B4-BE49-F238E27FC236}">
+                  <a16:creationId xmlns:a16="http://schemas.microsoft.com/office/drawing/2014/main" id="{0DFC0BD6-9B2A-4DA2-B49D-AE6FBA58DDE0}"/>
+                </a:ext>
+              </a:extLst>
+            </p:cNvPr>
+            <p:cNvSpPr/>
+            <p:nvPr/>
+          </p:nvSpPr>
+          <p:spPr>
+            <a:xfrm>
+              <a:off x="1508539" y="5794288"/>
+              <a:ext cx="2492990" cy="369332"/>
+            </a:xfrm>
+            <a:prstGeom prst="rect">
+              <a:avLst/>
+            </a:prstGeom>
+          </p:spPr>
+          <p:txBody>
+            <a:bodyPr wrap="none">
+              <a:spAutoFit/>
+            </a:bodyPr>
+            <a:lstStyle/>
+            <a:p>
+              <a:r>
+                <a:rPr lang="en-US" b="1" dirty="0"/>
+                <a:t>Create timing budget</a:t>
+              </a:r>
+            </a:p>
+          </p:txBody>
+        </p:sp>
+        <p:sp>
+          <p:nvSpPr>
+            <p:cNvPr id="46" name="Rectangle 47">
+              <a:extLst>
+                <a:ext uri="{FF2B5EF4-FFF2-40B4-BE49-F238E27FC236}">
+                  <a16:creationId xmlns:a16="http://schemas.microsoft.com/office/drawing/2014/main" id="{C480AB7D-FFB4-4C3A-8CD9-6447A7D1BCFE}"/>
+                </a:ext>
+              </a:extLst>
+            </p:cNvPr>
+            <p:cNvSpPr/>
+            <p:nvPr/>
+          </p:nvSpPr>
+          <p:spPr>
+            <a:xfrm>
+              <a:off x="1508539" y="6251769"/>
+              <a:ext cx="2743200" cy="91440"/>
+            </a:xfrm>
+            <a:prstGeom prst="rect">
+              <a:avLst/>
+            </a:prstGeom>
+            <a:solidFill>
+              <a:schemeClr val="tx2"/>
+            </a:solidFill>
+            <a:ln>
+              <a:noFill/>
+            </a:ln>
+          </p:spPr>
+          <p:style>
+            <a:lnRef idx="2">
+              <a:schemeClr val="accent1">
+                <a:shade val="50000"/>
+              </a:schemeClr>
+            </a:lnRef>
+            <a:fillRef idx="1">
+              <a:schemeClr val="accent1"/>
+            </a:fillRef>
+            <a:effectRef idx="0">
+              <a:schemeClr val="accent1"/>
+            </a:effectRef>
+            <a:fontRef idx="minor">
+              <a:schemeClr val="lt1"/>
+            </a:fontRef>
+          </p:style>
+          <p:txBody>
+            <a:bodyPr rtlCol="0" anchor="ctr"/>
+            <a:lstStyle/>
+            <a:p>
+              <a:pPr algn="r"/>
+              <a:r>
+                <a:rPr lang="en-US" sz="700" dirty="0"/>
+                <a:t>1</a:t>
+              </a:r>
+            </a:p>
+          </p:txBody>
+        </p:sp>
+        <p:sp>
+          <p:nvSpPr>
+            <p:cNvPr id="47" name="Rectangle 48">
+              <a:extLst>
+                <a:ext uri="{FF2B5EF4-FFF2-40B4-BE49-F238E27FC236}">
+                  <a16:creationId xmlns:a16="http://schemas.microsoft.com/office/drawing/2014/main" id="{CAFF18ED-38DE-41E7-873A-192F9D213989}"/>
+                </a:ext>
+              </a:extLst>
+            </p:cNvPr>
+            <p:cNvSpPr/>
+            <p:nvPr/>
+          </p:nvSpPr>
+          <p:spPr>
+            <a:xfrm>
+              <a:off x="1508539" y="6355359"/>
+              <a:ext cx="2743200" cy="91440"/>
+            </a:xfrm>
+            <a:prstGeom prst="rect">
+              <a:avLst/>
+            </a:prstGeom>
+            <a:solidFill>
+              <a:srgbClr val="FF0000"/>
+            </a:solidFill>
+            <a:ln>
+              <a:noFill/>
+            </a:ln>
+          </p:spPr>
+          <p:style>
+            <a:lnRef idx="2">
+              <a:schemeClr val="accent1">
+                <a:shade val="50000"/>
+              </a:schemeClr>
+            </a:lnRef>
+            <a:fillRef idx="1">
+              <a:schemeClr val="accent1"/>
+            </a:fillRef>
+            <a:effectRef idx="0">
+              <a:schemeClr val="accent1"/>
+            </a:effectRef>
+            <a:fontRef idx="minor">
+              <a:schemeClr val="lt1"/>
+            </a:fontRef>
+          </p:style>
+          <p:txBody>
+            <a:bodyPr rtlCol="0" anchor="ctr"/>
+            <a:lstStyle/>
+            <a:p>
+              <a:pPr algn="r"/>
+              <a:r>
+                <a:rPr lang="en-US" sz="700" dirty="0"/>
+                <a:t>1</a:t>
+              </a:r>
+            </a:p>
+          </p:txBody>
+        </p:sp>
+      </p:grpSp>
+      <p:grpSp>
+        <p:nvGrpSpPr>
+          <p:cNvPr id="10" name="Nhóm 9">
+            <a:extLst>
+              <a:ext uri="{FF2B5EF4-FFF2-40B4-BE49-F238E27FC236}">
+                <a16:creationId xmlns:a16="http://schemas.microsoft.com/office/drawing/2014/main" id="{D254204F-B382-4DA7-A52C-2FA0D933737F}"/>
+              </a:ext>
+            </a:extLst>
+          </p:cNvPr>
+          <p:cNvGrpSpPr/>
+          <p:nvPr/>
+        </p:nvGrpSpPr>
+        <p:grpSpPr>
+          <a:xfrm>
+            <a:off x="1080000" y="3211751"/>
+            <a:ext cx="7339164" cy="662569"/>
+            <a:chOff x="1051339" y="3283679"/>
+            <a:chExt cx="7339164" cy="662569"/>
+          </a:xfrm>
+        </p:grpSpPr>
+        <p:pic>
+          <p:nvPicPr>
+            <p:cNvPr id="9" name="Đồ họa 8" descr="Hợp đồng">
+              <a:extLst>
+                <a:ext uri="{FF2B5EF4-FFF2-40B4-BE49-F238E27FC236}">
+                  <a16:creationId xmlns:a16="http://schemas.microsoft.com/office/drawing/2014/main" id="{3B6D3F1D-36F1-4BF5-BF50-DD5A1985DA62}"/>
+                </a:ext>
+              </a:extLst>
+            </p:cNvPr>
+            <p:cNvPicPr>
+              <a:picLocks noChangeAspect="1"/>
+            </p:cNvPicPr>
+            <p:nvPr/>
+          </p:nvPicPr>
+          <p:blipFill>
+            <a:blip r:embed="rId8">
+              <a:extLst>
+                <a:ext uri="{28A0092B-C50C-407E-A947-70E740481C1C}">
+                  <a14:useLocalDpi xmlns:a14="http://schemas.microsoft.com/office/drawing/2010/main" val="0"/>
+                </a:ext>
+                <a:ext uri="{96DAC541-7B7A-43D3-8B79-37D633B846F1}">
+                  <asvg:svgBlip xmlns:asvg="http://schemas.microsoft.com/office/drawing/2016/SVG/main" r:embed="rId9"/>
+                </a:ext>
+              </a:extLst>
+            </a:blip>
+            <a:stretch>
+              <a:fillRect/>
+            </a:stretch>
+          </p:blipFill>
+          <p:spPr>
+            <a:xfrm>
+              <a:off x="1051339" y="3283679"/>
+              <a:ext cx="457200" cy="457200"/>
+            </a:xfrm>
+            <a:prstGeom prst="rect">
+              <a:avLst/>
+            </a:prstGeom>
+          </p:spPr>
+        </p:pic>
+        <p:sp>
+          <p:nvSpPr>
+            <p:cNvPr id="18" name="Hình chữ nhật 17">
+              <a:extLst>
+                <a:ext uri="{FF2B5EF4-FFF2-40B4-BE49-F238E27FC236}">
+                  <a16:creationId xmlns:a16="http://schemas.microsoft.com/office/drawing/2014/main" id="{00F2CB72-FDE2-4399-83E3-6E77BE2192C3}"/>
+                </a:ext>
+              </a:extLst>
+            </p:cNvPr>
+            <p:cNvSpPr/>
+            <p:nvPr/>
+          </p:nvSpPr>
+          <p:spPr>
+            <a:xfrm>
+              <a:off x="1508539" y="3283679"/>
+              <a:ext cx="4544834" cy="369332"/>
+            </a:xfrm>
+            <a:prstGeom prst="rect">
+              <a:avLst/>
+            </a:prstGeom>
+          </p:spPr>
+          <p:txBody>
+            <a:bodyPr wrap="none">
+              <a:spAutoFit/>
+            </a:bodyPr>
+            <a:lstStyle/>
+            <a:p>
+              <a:r>
+                <a:rPr lang="en-US" b="1" dirty="0"/>
+                <a:t>Analyze and fix RTL checker (Spyglass)</a:t>
+              </a:r>
+            </a:p>
+          </p:txBody>
+        </p:sp>
+        <p:sp>
+          <p:nvSpPr>
+            <p:cNvPr id="34" name="Rectangle 47">
+              <a:extLst>
+                <a:ext uri="{FF2B5EF4-FFF2-40B4-BE49-F238E27FC236}">
+                  <a16:creationId xmlns:a16="http://schemas.microsoft.com/office/drawing/2014/main" id="{F29BC213-0EFF-4CE4-A33F-9EE40FAD2BC1}"/>
+                </a:ext>
+              </a:extLst>
+            </p:cNvPr>
+            <p:cNvSpPr/>
+            <p:nvPr/>
+          </p:nvSpPr>
+          <p:spPr>
+            <a:xfrm>
+              <a:off x="1508539" y="3751218"/>
+              <a:ext cx="2743200" cy="91440"/>
+            </a:xfrm>
+            <a:prstGeom prst="rect">
+              <a:avLst/>
+            </a:prstGeom>
+            <a:solidFill>
+              <a:schemeClr val="tx2"/>
+            </a:solidFill>
+            <a:ln>
+              <a:noFill/>
+            </a:ln>
+          </p:spPr>
+          <p:style>
+            <a:lnRef idx="2">
+              <a:schemeClr val="accent1">
+                <a:shade val="50000"/>
+              </a:schemeClr>
+            </a:lnRef>
+            <a:fillRef idx="1">
+              <a:schemeClr val="accent1"/>
+            </a:fillRef>
+            <a:effectRef idx="0">
+              <a:schemeClr val="accent1"/>
+            </a:effectRef>
+            <a:fontRef idx="minor">
+              <a:schemeClr val="lt1"/>
+            </a:fontRef>
+          </p:style>
+          <p:txBody>
+            <a:bodyPr rtlCol="0" anchor="ctr"/>
+            <a:lstStyle/>
+            <a:p>
+              <a:pPr algn="r"/>
+              <a:r>
+                <a:rPr lang="en-US" sz="700" dirty="0"/>
+                <a:t>1</a:t>
+              </a:r>
+            </a:p>
+          </p:txBody>
+        </p:sp>
+        <p:sp>
+          <p:nvSpPr>
+            <p:cNvPr id="35" name="Rectangle 48">
+              <a:extLst>
+                <a:ext uri="{FF2B5EF4-FFF2-40B4-BE49-F238E27FC236}">
+                  <a16:creationId xmlns:a16="http://schemas.microsoft.com/office/drawing/2014/main" id="{B8145376-17E4-4DC2-9F5B-9F504FF48F22}"/>
+                </a:ext>
+              </a:extLst>
+            </p:cNvPr>
+            <p:cNvSpPr/>
+            <p:nvPr/>
+          </p:nvSpPr>
+          <p:spPr>
+            <a:xfrm>
+              <a:off x="1508539" y="3854808"/>
+              <a:ext cx="2743200" cy="91440"/>
+            </a:xfrm>
+            <a:prstGeom prst="rect">
+              <a:avLst/>
+            </a:prstGeom>
+            <a:solidFill>
+              <a:srgbClr val="FF0000"/>
+            </a:solidFill>
+            <a:ln>
+              <a:noFill/>
+            </a:ln>
+          </p:spPr>
+          <p:style>
+            <a:lnRef idx="2">
+              <a:schemeClr val="accent1">
+                <a:shade val="50000"/>
+              </a:schemeClr>
+            </a:lnRef>
+            <a:fillRef idx="1">
+              <a:schemeClr val="accent1"/>
+            </a:fillRef>
+            <a:effectRef idx="0">
+              <a:schemeClr val="accent1"/>
+            </a:effectRef>
+            <a:fontRef idx="minor">
+              <a:schemeClr val="lt1"/>
+            </a:fontRef>
+          </p:style>
+          <p:txBody>
+            <a:bodyPr rtlCol="0" anchor="ctr"/>
+            <a:lstStyle/>
+            <a:p>
+              <a:pPr algn="r"/>
+              <a:endParaRPr lang="en-US" sz="700" dirty="0"/>
+            </a:p>
+          </p:txBody>
+        </p:sp>
+        <p:sp>
+          <p:nvSpPr>
+            <p:cNvPr id="36" name="Rectangle 49">
+              <a:extLst>
+                <a:ext uri="{FF2B5EF4-FFF2-40B4-BE49-F238E27FC236}">
+                  <a16:creationId xmlns:a16="http://schemas.microsoft.com/office/drawing/2014/main" id="{A9AD40CE-CFB4-4838-86C3-60169614DD3B}"/>
+                </a:ext>
+              </a:extLst>
+            </p:cNvPr>
+            <p:cNvSpPr/>
+            <p:nvPr/>
+          </p:nvSpPr>
+          <p:spPr>
+            <a:xfrm>
+              <a:off x="4263721" y="3751218"/>
+              <a:ext cx="2743200" cy="91440"/>
+            </a:xfrm>
+            <a:prstGeom prst="rect">
+              <a:avLst/>
+            </a:prstGeom>
+            <a:solidFill>
+              <a:schemeClr val="tx2"/>
+            </a:solidFill>
+            <a:ln>
+              <a:noFill/>
+            </a:ln>
+          </p:spPr>
+          <p:style>
+            <a:lnRef idx="2">
+              <a:schemeClr val="accent1">
+                <a:shade val="50000"/>
+              </a:schemeClr>
+            </a:lnRef>
+            <a:fillRef idx="1">
+              <a:schemeClr val="accent1"/>
+            </a:fillRef>
+            <a:effectRef idx="0">
+              <a:schemeClr val="accent1"/>
+            </a:effectRef>
+            <a:fontRef idx="minor">
+              <a:schemeClr val="lt1"/>
+            </a:fontRef>
+          </p:style>
+          <p:txBody>
+            <a:bodyPr rtlCol="0" anchor="ctr"/>
+            <a:lstStyle/>
+            <a:p>
+              <a:pPr algn="r"/>
+              <a:r>
+                <a:rPr lang="en-US" sz="700" dirty="0"/>
+                <a:t>2</a:t>
+              </a:r>
+            </a:p>
+          </p:txBody>
+        </p:sp>
+        <p:sp>
+          <p:nvSpPr>
+            <p:cNvPr id="37" name="Rectangle 61">
+              <a:extLst>
+                <a:ext uri="{FF2B5EF4-FFF2-40B4-BE49-F238E27FC236}">
+                  <a16:creationId xmlns:a16="http://schemas.microsoft.com/office/drawing/2014/main" id="{78D2959C-B622-429B-8665-B82060B2A393}"/>
+                </a:ext>
+              </a:extLst>
+            </p:cNvPr>
+            <p:cNvSpPr/>
+            <p:nvPr/>
+          </p:nvSpPr>
+          <p:spPr>
+            <a:xfrm>
+              <a:off x="4263721" y="3854808"/>
+              <a:ext cx="2743200" cy="91440"/>
+            </a:xfrm>
+            <a:prstGeom prst="rect">
+              <a:avLst/>
+            </a:prstGeom>
+            <a:solidFill>
+              <a:srgbClr val="FF0000"/>
+            </a:solidFill>
+            <a:ln>
+              <a:noFill/>
+            </a:ln>
+          </p:spPr>
+          <p:style>
+            <a:lnRef idx="2">
+              <a:schemeClr val="accent1">
+                <a:shade val="50000"/>
+              </a:schemeClr>
+            </a:lnRef>
+            <a:fillRef idx="1">
+              <a:schemeClr val="accent1"/>
+            </a:fillRef>
+            <a:effectRef idx="0">
+              <a:schemeClr val="accent1"/>
+            </a:effectRef>
+            <a:fontRef idx="minor">
+              <a:schemeClr val="lt1"/>
+            </a:fontRef>
+          </p:style>
+          <p:txBody>
+            <a:bodyPr rtlCol="0" anchor="ctr"/>
+            <a:lstStyle/>
+            <a:p>
+              <a:pPr algn="r"/>
+              <a:endParaRPr lang="en-US" sz="700" dirty="0"/>
+            </a:p>
+          </p:txBody>
+        </p:sp>
+        <p:sp>
+          <p:nvSpPr>
+            <p:cNvPr id="50" name="Rectangle 61">
+              <a:extLst>
+                <a:ext uri="{FF2B5EF4-FFF2-40B4-BE49-F238E27FC236}">
+                  <a16:creationId xmlns:a16="http://schemas.microsoft.com/office/drawing/2014/main" id="{24D1F8D7-FE2C-42E4-9759-FB837BE9F7BA}"/>
+                </a:ext>
+              </a:extLst>
+            </p:cNvPr>
+            <p:cNvSpPr/>
+            <p:nvPr/>
+          </p:nvSpPr>
+          <p:spPr>
+            <a:xfrm>
+              <a:off x="7018903" y="3854808"/>
+              <a:ext cx="1371600" cy="91440"/>
+            </a:xfrm>
+            <a:prstGeom prst="rect">
+              <a:avLst/>
+            </a:prstGeom>
+            <a:solidFill>
+              <a:srgbClr val="FF0000"/>
+            </a:solidFill>
+            <a:ln>
+              <a:noFill/>
+            </a:ln>
+          </p:spPr>
+          <p:style>
+            <a:lnRef idx="2">
+              <a:schemeClr val="accent1">
+                <a:shade val="50000"/>
+              </a:schemeClr>
+            </a:lnRef>
+            <a:fillRef idx="1">
+              <a:schemeClr val="accent1"/>
+            </a:fillRef>
+            <a:effectRef idx="0">
+              <a:schemeClr val="accent1"/>
+            </a:effectRef>
+            <a:fontRef idx="minor">
+              <a:schemeClr val="lt1"/>
+            </a:fontRef>
+          </p:style>
+          <p:txBody>
+            <a:bodyPr rtlCol="0" anchor="ctr"/>
+            <a:lstStyle/>
+            <a:p>
+              <a:pPr algn="r"/>
+              <a:r>
+                <a:rPr lang="en-US" sz="700" dirty="0"/>
+                <a:t>2.5</a:t>
+              </a:r>
+            </a:p>
+          </p:txBody>
+        </p:sp>
+      </p:grpSp>
+      <p:grpSp>
+        <p:nvGrpSpPr>
+          <p:cNvPr id="12" name="Nhóm 11">
+            <a:extLst>
+              <a:ext uri="{FF2B5EF4-FFF2-40B4-BE49-F238E27FC236}">
+                <a16:creationId xmlns:a16="http://schemas.microsoft.com/office/drawing/2014/main" id="{FD198FCE-E526-4819-AA2F-C912B06B3326}"/>
+              </a:ext>
+            </a:extLst>
+          </p:cNvPr>
+          <p:cNvGrpSpPr/>
+          <p:nvPr/>
+        </p:nvGrpSpPr>
+        <p:grpSpPr>
+          <a:xfrm>
+            <a:off x="1080000" y="2411307"/>
+            <a:ext cx="7339164" cy="657543"/>
+            <a:chOff x="1051339" y="2441568"/>
+            <a:chExt cx="7339164" cy="657543"/>
+          </a:xfrm>
+        </p:grpSpPr>
+        <p:pic>
+          <p:nvPicPr>
+            <p:cNvPr id="7" name="Đồ họa 6" descr="Trò chơi đố">
+              <a:extLst>
+                <a:ext uri="{FF2B5EF4-FFF2-40B4-BE49-F238E27FC236}">
+                  <a16:creationId xmlns:a16="http://schemas.microsoft.com/office/drawing/2014/main" id="{E6CE28A9-C191-4956-9AA9-8F403711007B}"/>
+                </a:ext>
+              </a:extLst>
+            </p:cNvPr>
+            <p:cNvPicPr>
+              <a:picLocks noChangeAspect="1"/>
+            </p:cNvPicPr>
+            <p:nvPr/>
+          </p:nvPicPr>
+          <p:blipFill>
+            <a:blip r:embed="rId10">
+              <a:extLst>
+                <a:ext uri="{28A0092B-C50C-407E-A947-70E740481C1C}">
+                  <a14:useLocalDpi xmlns:a14="http://schemas.microsoft.com/office/drawing/2010/main" val="0"/>
+                </a:ext>
+                <a:ext uri="{96DAC541-7B7A-43D3-8B79-37D633B846F1}">
+                  <asvg:svgBlip xmlns:asvg="http://schemas.microsoft.com/office/drawing/2016/SVG/main" r:embed="rId11"/>
+                </a:ext>
+              </a:extLst>
+            </a:blip>
+            <a:stretch>
+              <a:fillRect/>
+            </a:stretch>
+          </p:blipFill>
+          <p:spPr>
+            <a:xfrm>
+              <a:off x="1051339" y="2441568"/>
+              <a:ext cx="457200" cy="457200"/>
+            </a:xfrm>
+            <a:prstGeom prst="rect">
+              <a:avLst/>
+            </a:prstGeom>
+          </p:spPr>
+        </p:pic>
+        <p:sp>
+          <p:nvSpPr>
+            <p:cNvPr id="17" name="Hình chữ nhật 16">
+              <a:extLst>
+                <a:ext uri="{FF2B5EF4-FFF2-40B4-BE49-F238E27FC236}">
+                  <a16:creationId xmlns:a16="http://schemas.microsoft.com/office/drawing/2014/main" id="{0ABF7092-221D-4DDF-B72F-B6EE9D2898F6}"/>
+                </a:ext>
+              </a:extLst>
+            </p:cNvPr>
+            <p:cNvSpPr/>
+            <p:nvPr/>
+          </p:nvSpPr>
+          <p:spPr>
+            <a:xfrm>
+              <a:off x="1508539" y="2441568"/>
+              <a:ext cx="2719655" cy="369332"/>
+            </a:xfrm>
+            <a:prstGeom prst="rect">
+              <a:avLst/>
+            </a:prstGeom>
+          </p:spPr>
+          <p:txBody>
+            <a:bodyPr wrap="none">
+              <a:spAutoFit/>
+            </a:bodyPr>
+            <a:lstStyle/>
+            <a:p>
+              <a:r>
+                <a:rPr lang="en-US" b="1" dirty="0"/>
+                <a:t>Create RTL description</a:t>
+              </a:r>
+            </a:p>
+          </p:txBody>
+        </p:sp>
+        <p:sp>
+          <p:nvSpPr>
+            <p:cNvPr id="30" name="Rectangle 47">
+              <a:extLst>
+                <a:ext uri="{FF2B5EF4-FFF2-40B4-BE49-F238E27FC236}">
+                  <a16:creationId xmlns:a16="http://schemas.microsoft.com/office/drawing/2014/main" id="{1ACFA447-C354-431D-A66A-98973CA52645}"/>
+                </a:ext>
+              </a:extLst>
+            </p:cNvPr>
+            <p:cNvSpPr/>
+            <p:nvPr/>
+          </p:nvSpPr>
+          <p:spPr>
+            <a:xfrm>
+              <a:off x="1508539" y="2904081"/>
+              <a:ext cx="2743200" cy="91440"/>
+            </a:xfrm>
+            <a:prstGeom prst="rect">
+              <a:avLst/>
+            </a:prstGeom>
+            <a:solidFill>
+              <a:schemeClr val="tx2"/>
+            </a:solidFill>
+            <a:ln>
+              <a:noFill/>
+            </a:ln>
+          </p:spPr>
+          <p:style>
+            <a:lnRef idx="2">
+              <a:schemeClr val="accent1">
+                <a:shade val="50000"/>
+              </a:schemeClr>
+            </a:lnRef>
+            <a:fillRef idx="1">
+              <a:schemeClr val="accent1"/>
+            </a:fillRef>
+            <a:effectRef idx="0">
+              <a:schemeClr val="accent1"/>
+            </a:effectRef>
+            <a:fontRef idx="minor">
+              <a:schemeClr val="lt1"/>
+            </a:fontRef>
+          </p:style>
+          <p:txBody>
+            <a:bodyPr rtlCol="0" anchor="ctr"/>
+            <a:lstStyle/>
+            <a:p>
+              <a:pPr algn="r"/>
+              <a:r>
+                <a:rPr lang="en-US" sz="700" dirty="0"/>
+                <a:t>1</a:t>
+              </a:r>
+            </a:p>
+          </p:txBody>
+        </p:sp>
+        <p:sp>
+          <p:nvSpPr>
+            <p:cNvPr id="31" name="Rectangle 48">
+              <a:extLst>
+                <a:ext uri="{FF2B5EF4-FFF2-40B4-BE49-F238E27FC236}">
+                  <a16:creationId xmlns:a16="http://schemas.microsoft.com/office/drawing/2014/main" id="{57E7E228-3EDA-487F-A681-980E6D67190D}"/>
+                </a:ext>
+              </a:extLst>
+            </p:cNvPr>
+            <p:cNvSpPr/>
+            <p:nvPr/>
+          </p:nvSpPr>
+          <p:spPr>
+            <a:xfrm>
+              <a:off x="1508539" y="3007671"/>
+              <a:ext cx="2743200" cy="91440"/>
+            </a:xfrm>
+            <a:prstGeom prst="rect">
+              <a:avLst/>
+            </a:prstGeom>
+            <a:solidFill>
+              <a:srgbClr val="FF0000"/>
+            </a:solidFill>
+            <a:ln>
+              <a:noFill/>
+            </a:ln>
+          </p:spPr>
+          <p:style>
+            <a:lnRef idx="2">
+              <a:schemeClr val="accent1">
+                <a:shade val="50000"/>
+              </a:schemeClr>
+            </a:lnRef>
+            <a:fillRef idx="1">
+              <a:schemeClr val="accent1"/>
+            </a:fillRef>
+            <a:effectRef idx="0">
+              <a:schemeClr val="accent1"/>
+            </a:effectRef>
+            <a:fontRef idx="minor">
+              <a:schemeClr val="lt1"/>
+            </a:fontRef>
+          </p:style>
+          <p:txBody>
+            <a:bodyPr rtlCol="0" anchor="ctr"/>
+            <a:lstStyle/>
+            <a:p>
+              <a:pPr algn="r"/>
+              <a:endParaRPr lang="en-US" sz="700" dirty="0"/>
+            </a:p>
+          </p:txBody>
+        </p:sp>
+        <p:sp>
+          <p:nvSpPr>
+            <p:cNvPr id="32" name="Rectangle 49">
+              <a:extLst>
+                <a:ext uri="{FF2B5EF4-FFF2-40B4-BE49-F238E27FC236}">
+                  <a16:creationId xmlns:a16="http://schemas.microsoft.com/office/drawing/2014/main" id="{5079BDF3-2D08-44D3-8A75-124B6F857EA9}"/>
+                </a:ext>
+              </a:extLst>
+            </p:cNvPr>
+            <p:cNvSpPr/>
+            <p:nvPr/>
+          </p:nvSpPr>
+          <p:spPr>
+            <a:xfrm>
+              <a:off x="4263721" y="2904081"/>
+              <a:ext cx="2743200" cy="91440"/>
+            </a:xfrm>
+            <a:prstGeom prst="rect">
+              <a:avLst/>
+            </a:prstGeom>
+            <a:solidFill>
+              <a:schemeClr val="tx2"/>
+            </a:solidFill>
+            <a:ln>
+              <a:noFill/>
+            </a:ln>
+          </p:spPr>
+          <p:style>
+            <a:lnRef idx="2">
+              <a:schemeClr val="accent1">
+                <a:shade val="50000"/>
+              </a:schemeClr>
+            </a:lnRef>
+            <a:fillRef idx="1">
+              <a:schemeClr val="accent1"/>
+            </a:fillRef>
+            <a:effectRef idx="0">
+              <a:schemeClr val="accent1"/>
+            </a:effectRef>
+            <a:fontRef idx="minor">
+              <a:schemeClr val="lt1"/>
+            </a:fontRef>
+          </p:style>
+          <p:txBody>
+            <a:bodyPr rtlCol="0" anchor="ctr"/>
+            <a:lstStyle/>
+            <a:p>
+              <a:pPr algn="r"/>
+              <a:r>
+                <a:rPr lang="en-US" sz="700" dirty="0"/>
+                <a:t>2</a:t>
+              </a:r>
+            </a:p>
+          </p:txBody>
+        </p:sp>
+        <p:sp>
+          <p:nvSpPr>
+            <p:cNvPr id="33" name="Rectangle 61">
+              <a:extLst>
+                <a:ext uri="{FF2B5EF4-FFF2-40B4-BE49-F238E27FC236}">
+                  <a16:creationId xmlns:a16="http://schemas.microsoft.com/office/drawing/2014/main" id="{5D649658-A0EC-4C59-8025-546496445C5B}"/>
+                </a:ext>
+              </a:extLst>
+            </p:cNvPr>
+            <p:cNvSpPr/>
+            <p:nvPr/>
+          </p:nvSpPr>
+          <p:spPr>
+            <a:xfrm>
+              <a:off x="4263721" y="3007671"/>
+              <a:ext cx="2743200" cy="91440"/>
+            </a:xfrm>
+            <a:prstGeom prst="rect">
+              <a:avLst/>
+            </a:prstGeom>
+            <a:solidFill>
+              <a:srgbClr val="FF0000"/>
+            </a:solidFill>
+            <a:ln>
+              <a:noFill/>
+            </a:ln>
+          </p:spPr>
+          <p:style>
+            <a:lnRef idx="2">
+              <a:schemeClr val="accent1">
+                <a:shade val="50000"/>
+              </a:schemeClr>
+            </a:lnRef>
+            <a:fillRef idx="1">
+              <a:schemeClr val="accent1"/>
+            </a:fillRef>
+            <a:effectRef idx="0">
+              <a:schemeClr val="accent1"/>
+            </a:effectRef>
+            <a:fontRef idx="minor">
+              <a:schemeClr val="lt1"/>
+            </a:fontRef>
+          </p:style>
+          <p:txBody>
+            <a:bodyPr rtlCol="0" anchor="ctr"/>
+            <a:lstStyle/>
+            <a:p>
+              <a:pPr algn="r"/>
+              <a:endParaRPr lang="en-US" sz="700" dirty="0"/>
+            </a:p>
+          </p:txBody>
+        </p:sp>
+        <p:sp>
+          <p:nvSpPr>
+            <p:cNvPr id="51" name="Rectangle 61">
+              <a:extLst>
+                <a:ext uri="{FF2B5EF4-FFF2-40B4-BE49-F238E27FC236}">
+                  <a16:creationId xmlns:a16="http://schemas.microsoft.com/office/drawing/2014/main" id="{33E8C527-659A-490C-929B-FAD0E7D00407}"/>
+                </a:ext>
+              </a:extLst>
+            </p:cNvPr>
+            <p:cNvSpPr/>
+            <p:nvPr/>
+          </p:nvSpPr>
+          <p:spPr>
+            <a:xfrm>
+              <a:off x="7018903" y="3007671"/>
+              <a:ext cx="1371600" cy="91440"/>
+            </a:xfrm>
+            <a:prstGeom prst="rect">
+              <a:avLst/>
+            </a:prstGeom>
+            <a:solidFill>
+              <a:srgbClr val="FF0000"/>
+            </a:solidFill>
+            <a:ln>
+              <a:noFill/>
+            </a:ln>
+          </p:spPr>
+          <p:style>
+            <a:lnRef idx="2">
+              <a:schemeClr val="accent1">
+                <a:shade val="50000"/>
+              </a:schemeClr>
+            </a:lnRef>
+            <a:fillRef idx="1">
+              <a:schemeClr val="accent1"/>
+            </a:fillRef>
+            <a:effectRef idx="0">
+              <a:schemeClr val="accent1"/>
+            </a:effectRef>
+            <a:fontRef idx="minor">
+              <a:schemeClr val="lt1"/>
+            </a:fontRef>
+          </p:style>
+          <p:txBody>
+            <a:bodyPr rtlCol="0" anchor="ctr"/>
+            <a:lstStyle/>
+            <a:p>
+              <a:pPr algn="r"/>
+              <a:r>
+                <a:rPr lang="en-US" sz="700" dirty="0"/>
+                <a:t>2.5</a:t>
+              </a:r>
+            </a:p>
+          </p:txBody>
+        </p:sp>
+      </p:grpSp>
+      <p:grpSp>
+        <p:nvGrpSpPr>
+          <p:cNvPr id="6" name="Nhóm 5">
+            <a:extLst>
+              <a:ext uri="{FF2B5EF4-FFF2-40B4-BE49-F238E27FC236}">
+                <a16:creationId xmlns:a16="http://schemas.microsoft.com/office/drawing/2014/main" id="{B8A06B42-43B5-41EB-9C1D-E8D62C6F2786}"/>
+              </a:ext>
+            </a:extLst>
+          </p:cNvPr>
+          <p:cNvGrpSpPr/>
+          <p:nvPr/>
+        </p:nvGrpSpPr>
+        <p:grpSpPr>
+          <a:xfrm>
+            <a:off x="1080000" y="4826871"/>
+            <a:ext cx="7339164" cy="666698"/>
+            <a:chOff x="1051339" y="4984002"/>
+            <a:chExt cx="7339164" cy="666698"/>
+          </a:xfrm>
+        </p:grpSpPr>
+        <p:pic>
+          <p:nvPicPr>
+            <p:cNvPr id="13" name="Đồ họa 12" descr="Đầu có bánh răng">
+              <a:extLst>
+                <a:ext uri="{FF2B5EF4-FFF2-40B4-BE49-F238E27FC236}">
+                  <a16:creationId xmlns:a16="http://schemas.microsoft.com/office/drawing/2014/main" id="{57F2B989-985B-4C5B-8147-5F111A7FD5BE}"/>
+                </a:ext>
+              </a:extLst>
+            </p:cNvPr>
+            <p:cNvPicPr>
+              <a:picLocks noChangeAspect="1"/>
+            </p:cNvPicPr>
+            <p:nvPr/>
+          </p:nvPicPr>
+          <p:blipFill>
+            <a:blip r:embed="rId12">
+              <a:extLst>
+                <a:ext uri="{28A0092B-C50C-407E-A947-70E740481C1C}">
+                  <a14:useLocalDpi xmlns:a14="http://schemas.microsoft.com/office/drawing/2010/main" val="0"/>
+                </a:ext>
+                <a:ext uri="{96DAC541-7B7A-43D3-8B79-37D633B846F1}">
+                  <asvg:svgBlip xmlns:asvg="http://schemas.microsoft.com/office/drawing/2016/SVG/main" r:embed="rId13"/>
+                </a:ext>
+              </a:extLst>
+            </a:blip>
+            <a:stretch>
+              <a:fillRect/>
+            </a:stretch>
+          </p:blipFill>
+          <p:spPr>
+            <a:xfrm>
+              <a:off x="1051339" y="4984002"/>
+              <a:ext cx="457200" cy="457200"/>
+            </a:xfrm>
+            <a:prstGeom prst="rect">
+              <a:avLst/>
+            </a:prstGeom>
+          </p:spPr>
+        </p:pic>
+        <p:sp>
+          <p:nvSpPr>
+            <p:cNvPr id="20" name="Hình chữ nhật 19">
+              <a:extLst>
+                <a:ext uri="{FF2B5EF4-FFF2-40B4-BE49-F238E27FC236}">
+                  <a16:creationId xmlns:a16="http://schemas.microsoft.com/office/drawing/2014/main" id="{12DD35C5-3646-44C2-8F5A-6BBCB4268B40}"/>
+                </a:ext>
+              </a:extLst>
+            </p:cNvPr>
+            <p:cNvSpPr/>
+            <p:nvPr/>
+          </p:nvSpPr>
+          <p:spPr>
+            <a:xfrm>
+              <a:off x="1508539" y="4984002"/>
+              <a:ext cx="5339923" cy="369332"/>
+            </a:xfrm>
+            <a:prstGeom prst="rect">
+              <a:avLst/>
+            </a:prstGeom>
+          </p:spPr>
+          <p:txBody>
+            <a:bodyPr wrap="none">
+              <a:spAutoFit/>
+            </a:bodyPr>
+            <a:lstStyle/>
+            <a:p>
+              <a:r>
+                <a:rPr lang="en-US" b="1" dirty="0"/>
+                <a:t>Determine strategies for evaluation and testing</a:t>
+              </a:r>
+            </a:p>
+          </p:txBody>
+        </p:sp>
+        <p:sp>
+          <p:nvSpPr>
+            <p:cNvPr id="42" name="Rectangle 47">
+              <a:extLst>
+                <a:ext uri="{FF2B5EF4-FFF2-40B4-BE49-F238E27FC236}">
+                  <a16:creationId xmlns:a16="http://schemas.microsoft.com/office/drawing/2014/main" id="{B85E8C1A-E141-4C39-975E-3850753D1EFC}"/>
+                </a:ext>
+              </a:extLst>
+            </p:cNvPr>
+            <p:cNvSpPr/>
+            <p:nvPr/>
+          </p:nvSpPr>
+          <p:spPr>
+            <a:xfrm>
+              <a:off x="1508539" y="5455670"/>
+              <a:ext cx="2743200" cy="91440"/>
+            </a:xfrm>
+            <a:prstGeom prst="rect">
+              <a:avLst/>
+            </a:prstGeom>
+            <a:solidFill>
+              <a:schemeClr val="tx2"/>
+            </a:solidFill>
+            <a:ln>
+              <a:noFill/>
+            </a:ln>
+          </p:spPr>
+          <p:style>
+            <a:lnRef idx="2">
+              <a:schemeClr val="accent1">
+                <a:shade val="50000"/>
+              </a:schemeClr>
+            </a:lnRef>
+            <a:fillRef idx="1">
+              <a:schemeClr val="accent1"/>
+            </a:fillRef>
+            <a:effectRef idx="0">
+              <a:schemeClr val="accent1"/>
+            </a:effectRef>
+            <a:fontRef idx="minor">
+              <a:schemeClr val="lt1"/>
+            </a:fontRef>
+          </p:style>
+          <p:txBody>
+            <a:bodyPr rtlCol="0" anchor="ctr"/>
+            <a:lstStyle/>
+            <a:p>
+              <a:pPr algn="r"/>
+              <a:r>
+                <a:rPr lang="en-US" sz="700" dirty="0"/>
+                <a:t>1</a:t>
+              </a:r>
+            </a:p>
+          </p:txBody>
+        </p:sp>
+        <p:sp>
+          <p:nvSpPr>
+            <p:cNvPr id="43" name="Rectangle 48">
+              <a:extLst>
+                <a:ext uri="{FF2B5EF4-FFF2-40B4-BE49-F238E27FC236}">
+                  <a16:creationId xmlns:a16="http://schemas.microsoft.com/office/drawing/2014/main" id="{763EF37D-ACC7-4B79-A875-A6BB514CF96F}"/>
+                </a:ext>
+              </a:extLst>
+            </p:cNvPr>
+            <p:cNvSpPr/>
+            <p:nvPr/>
+          </p:nvSpPr>
+          <p:spPr>
+            <a:xfrm>
+              <a:off x="1508539" y="5559260"/>
+              <a:ext cx="2743200" cy="91440"/>
+            </a:xfrm>
+            <a:prstGeom prst="rect">
+              <a:avLst/>
+            </a:prstGeom>
+            <a:solidFill>
+              <a:srgbClr val="FF0000"/>
+            </a:solidFill>
+            <a:ln>
+              <a:noFill/>
+            </a:ln>
+          </p:spPr>
+          <p:style>
+            <a:lnRef idx="2">
+              <a:schemeClr val="accent1">
+                <a:shade val="50000"/>
+              </a:schemeClr>
+            </a:lnRef>
+            <a:fillRef idx="1">
+              <a:schemeClr val="accent1"/>
+            </a:fillRef>
+            <a:effectRef idx="0">
+              <a:schemeClr val="accent1"/>
+            </a:effectRef>
+            <a:fontRef idx="minor">
+              <a:schemeClr val="lt1"/>
+            </a:fontRef>
+          </p:style>
+          <p:txBody>
+            <a:bodyPr rtlCol="0" anchor="ctr"/>
+            <a:lstStyle/>
+            <a:p>
+              <a:pPr algn="r"/>
+              <a:endParaRPr lang="en-US" sz="700" dirty="0"/>
+            </a:p>
+          </p:txBody>
+        </p:sp>
+        <p:sp>
+          <p:nvSpPr>
+            <p:cNvPr id="45" name="Rectangle 61">
+              <a:extLst>
+                <a:ext uri="{FF2B5EF4-FFF2-40B4-BE49-F238E27FC236}">
+                  <a16:creationId xmlns:a16="http://schemas.microsoft.com/office/drawing/2014/main" id="{50748B3F-62B9-4EF9-9277-9F73F9825141}"/>
+                </a:ext>
+              </a:extLst>
+            </p:cNvPr>
+            <p:cNvSpPr/>
+            <p:nvPr/>
+          </p:nvSpPr>
+          <p:spPr>
+            <a:xfrm>
+              <a:off x="4263721" y="5559260"/>
+              <a:ext cx="2743200" cy="91440"/>
+            </a:xfrm>
+            <a:prstGeom prst="rect">
+              <a:avLst/>
+            </a:prstGeom>
+            <a:solidFill>
+              <a:srgbClr val="FF0000"/>
+            </a:solidFill>
+            <a:ln>
+              <a:noFill/>
+            </a:ln>
+          </p:spPr>
+          <p:style>
+            <a:lnRef idx="2">
+              <a:schemeClr val="accent1">
+                <a:shade val="50000"/>
+              </a:schemeClr>
+            </a:lnRef>
+            <a:fillRef idx="1">
+              <a:schemeClr val="accent1"/>
+            </a:fillRef>
+            <a:effectRef idx="0">
+              <a:schemeClr val="accent1"/>
+            </a:effectRef>
+            <a:fontRef idx="minor">
+              <a:schemeClr val="lt1"/>
+            </a:fontRef>
+          </p:style>
+          <p:txBody>
+            <a:bodyPr rtlCol="0" anchor="ctr"/>
+            <a:lstStyle/>
+            <a:p>
+              <a:pPr algn="r"/>
+              <a:endParaRPr lang="en-US" sz="700" dirty="0"/>
+            </a:p>
+          </p:txBody>
+        </p:sp>
+        <p:sp>
+          <p:nvSpPr>
+            <p:cNvPr id="52" name="Rectangle 61">
+              <a:extLst>
+                <a:ext uri="{FF2B5EF4-FFF2-40B4-BE49-F238E27FC236}">
+                  <a16:creationId xmlns:a16="http://schemas.microsoft.com/office/drawing/2014/main" id="{9E394A03-12A3-4665-AF75-FFD51C14587E}"/>
+                </a:ext>
+              </a:extLst>
+            </p:cNvPr>
+            <p:cNvSpPr/>
+            <p:nvPr/>
+          </p:nvSpPr>
+          <p:spPr>
+            <a:xfrm>
+              <a:off x="7018903" y="5559260"/>
+              <a:ext cx="1371600" cy="91440"/>
+            </a:xfrm>
+            <a:prstGeom prst="rect">
+              <a:avLst/>
+            </a:prstGeom>
+            <a:solidFill>
+              <a:srgbClr val="FF0000"/>
+            </a:solidFill>
+            <a:ln>
+              <a:noFill/>
+            </a:ln>
+          </p:spPr>
+          <p:style>
+            <a:lnRef idx="2">
+              <a:schemeClr val="accent1">
+                <a:shade val="50000"/>
+              </a:schemeClr>
+            </a:lnRef>
+            <a:fillRef idx="1">
+              <a:schemeClr val="accent1"/>
+            </a:fillRef>
+            <a:effectRef idx="0">
+              <a:schemeClr val="accent1"/>
+            </a:effectRef>
+            <a:fontRef idx="minor">
+              <a:schemeClr val="lt1"/>
+            </a:fontRef>
+          </p:style>
+          <p:txBody>
+            <a:bodyPr rtlCol="0" anchor="ctr"/>
+            <a:lstStyle/>
+            <a:p>
+              <a:pPr algn="r"/>
+              <a:r>
+                <a:rPr lang="en-US" sz="700" dirty="0"/>
+                <a:t>2.5</a:t>
+              </a:r>
+            </a:p>
+          </p:txBody>
+        </p:sp>
+      </p:grpSp>
+      <p:pic>
+        <p:nvPicPr>
+          <p:cNvPr id="54" name="Đồ họa 53" descr="Huy chương">
+            <a:extLst>
+              <a:ext uri="{FF2B5EF4-FFF2-40B4-BE49-F238E27FC236}">
+                <a16:creationId xmlns:a16="http://schemas.microsoft.com/office/drawing/2014/main" id="{2A7EA7CD-AE04-4878-81D2-D63A59A8A544}"/>
+              </a:ext>
+            </a:extLst>
+          </p:cNvPr>
+          <p:cNvPicPr>
+            <a:picLocks noChangeAspect="1"/>
+          </p:cNvPicPr>
+          <p:nvPr/>
+        </p:nvPicPr>
+        <p:blipFill>
+          <a:blip r:embed="rId14">
+            <a:extLst>
+              <a:ext uri="{28A0092B-C50C-407E-A947-70E740481C1C}">
+                <a14:useLocalDpi xmlns:a14="http://schemas.microsoft.com/office/drawing/2010/main" val="0"/>
+              </a:ext>
+              <a:ext uri="{96DAC541-7B7A-43D3-8B79-37D633B846F1}">
+                <asvg:svgBlip xmlns:asvg="http://schemas.microsoft.com/office/drawing/2016/SVG/main" r:embed="rId15"/>
+              </a:ext>
+            </a:extLst>
+          </a:blip>
+          <a:stretch>
+            <a:fillRect/>
+          </a:stretch>
+        </p:blipFill>
+        <p:spPr>
+          <a:xfrm>
+            <a:off x="9063495" y="2370810"/>
+            <a:ext cx="2743200" cy="2743200"/>
+          </a:xfrm>
+          <a:prstGeom prst="rect">
+            <a:avLst/>
+          </a:prstGeom>
+        </p:spPr>
+      </p:pic>
+      <p:sp>
+        <p:nvSpPr>
+          <p:cNvPr id="55" name="Hộp Văn bản 54">
+            <a:extLst>
+              <a:ext uri="{FF2B5EF4-FFF2-40B4-BE49-F238E27FC236}">
+                <a16:creationId xmlns:a16="http://schemas.microsoft.com/office/drawing/2014/main" id="{5F7304E3-1CFE-4910-8F80-43D4F52866E0}"/>
+              </a:ext>
+            </a:extLst>
+          </p:cNvPr>
+          <p:cNvSpPr txBox="1"/>
+          <p:nvPr/>
+        </p:nvSpPr>
+        <p:spPr>
+          <a:xfrm>
+            <a:off x="9746445" y="5028937"/>
+            <a:ext cx="1390124" cy="646331"/>
+          </a:xfrm>
+          <a:prstGeom prst="rect">
+            <a:avLst/>
+          </a:prstGeom>
+          <a:noFill/>
+        </p:spPr>
+        <p:txBody>
+          <a:bodyPr wrap="none" rtlCol="0">
+            <a:spAutoFit/>
+          </a:bodyPr>
+          <a:lstStyle/>
+          <a:p>
+            <a:pPr algn="ctr"/>
+            <a:r>
+              <a:rPr lang="en-US" b="1" dirty="0">
+                <a:solidFill>
+                  <a:schemeClr val="accent4"/>
+                </a:solidFill>
+              </a:rPr>
+              <a:t>ARCHIVED</a:t>
+            </a:r>
+          </a:p>
+          <a:p>
+            <a:pPr algn="ctr"/>
+            <a:r>
+              <a:rPr lang="en-US" b="1" dirty="0">
+                <a:solidFill>
+                  <a:srgbClr val="FF0000"/>
+                </a:solidFill>
+              </a:rPr>
+              <a:t>1.8</a:t>
+            </a:r>
+            <a:r>
+              <a:rPr lang="en-US" b="1" dirty="0"/>
+              <a:t>/</a:t>
+            </a:r>
+            <a:r>
+              <a:rPr lang="en-US" b="1" dirty="0">
+                <a:solidFill>
+                  <a:schemeClr val="tx2"/>
+                </a:solidFill>
+              </a:rPr>
+              <a:t>1.5</a:t>
+            </a:r>
+          </a:p>
+        </p:txBody>
+      </p:sp>
+    </p:spTree>
+    <p:extLst>
+      <p:ext uri="{BB962C8B-B14F-4D97-AF65-F5344CB8AC3E}">
+        <p14:creationId xmlns:p14="http://schemas.microsoft.com/office/powerpoint/2010/main" val="2899879953"/>
+      </p:ext>
+    </p:extLst>
+  </p:cSld>
+  <p:clrMapOvr>
+    <a:masterClrMapping/>
+  </p:clrMapOvr>
+</p:sld>
+</file>
+
+<file path=ppt/slides/slide7.xml><?xml version="1.0" encoding="utf-8"?>
+<p:sld xmlns:a="http://schemas.openxmlformats.org/drawingml/2006/main" xmlns:r="http://schemas.openxmlformats.org/officeDocument/2006/relationships" xmlns:p="http://schemas.openxmlformats.org/presentationml/2006/main">
+  <p:cSld>
+    <p:spTree>
+      <p:nvGrpSpPr>
+        <p:cNvPr id="1" name=""/>
+        <p:cNvGrpSpPr/>
+        <p:nvPr/>
+      </p:nvGrpSpPr>
+      <p:grpSpPr>
+        <a:xfrm>
+          <a:off x="0" y="0"/>
+          <a:ext cx="0" cy="0"/>
+          <a:chOff x="0" y="0"/>
+          <a:chExt cx="0" cy="0"/>
+        </a:xfrm>
+      </p:grpSpPr>
+      <p:sp>
+        <p:nvSpPr>
+          <p:cNvPr id="2" name="Title 1"/>
+          <p:cNvSpPr>
+            <a:spLocks noGrp="1"/>
+          </p:cNvSpPr>
+          <p:nvPr>
+            <p:ph type="title"/>
+          </p:nvPr>
+        </p:nvSpPr>
+        <p:spPr/>
+        <p:txBody>
+          <a:bodyPr/>
+          <a:lstStyle/>
+          <a:p>
+            <a:r>
+              <a:rPr lang="en-US" dirty="0"/>
+              <a:t>LOGIC DESIGN</a:t>
+            </a:r>
+          </a:p>
+        </p:txBody>
+      </p:sp>
+      <p:sp>
+        <p:nvSpPr>
+          <p:cNvPr id="3" name="Slide Number Placeholder 2"/>
+          <p:cNvSpPr>
+            <a:spLocks noGrp="1"/>
+          </p:cNvSpPr>
+          <p:nvPr>
+            <p:ph type="sldNum" sz="quarter" idx="10"/>
+          </p:nvPr>
+        </p:nvSpPr>
+        <p:spPr/>
+        <p:txBody>
+          <a:bodyPr/>
+          <a:lstStyle/>
+          <a:p>
+            <a:pPr algn="l"/>
+            <a:r>
+              <a:rPr lang="de-DE"/>
+              <a:t>Page </a:t>
+            </a:r>
+            <a:fld id="{3FD030EF-7044-4946-962A-5D7D09BD1B34}" type="slidenum">
+              <a:rPr lang="de-DE" smtClean="0"/>
+              <a:pPr algn="l"/>
+              <a:t>7</a:t>
             </a:fld>
             <a:endParaRPr lang="de-DE" dirty="0"/>
           </a:p>
@@ -26359,7 +31153,7 @@
           <p:cNvPr id="10" name="Rectangle 65">
             <a:extLst>
               <a:ext uri="{FF2B5EF4-FFF2-40B4-BE49-F238E27FC236}">
-                <a16:creationId xmlns:a16="http://schemas.microsoft.com/office/drawing/2014/main" xmlns="" id="{86BCF2D7-265B-428E-8E7B-B4770CD5F2D6}"/>
+                <a16:creationId xmlns:a16="http://schemas.microsoft.com/office/drawing/2014/main" id="{86BCF2D7-265B-428E-8E7B-B4770CD5F2D6}"/>
               </a:ext>
             </a:extLst>
           </p:cNvPr>
@@ -26414,7 +31208,7 @@
           <p:cNvPr id="11" name="Rectangle 65">
             <a:extLst>
               <a:ext uri="{FF2B5EF4-FFF2-40B4-BE49-F238E27FC236}">
-                <a16:creationId xmlns:a16="http://schemas.microsoft.com/office/drawing/2014/main" xmlns="" id="{6E428CCA-6A2D-45E1-91D8-D9DF13D3FA8C}"/>
+                <a16:creationId xmlns:a16="http://schemas.microsoft.com/office/drawing/2014/main" id="{6E428CCA-6A2D-45E1-91D8-D9DF13D3FA8C}"/>
               </a:ext>
             </a:extLst>
           </p:cNvPr>
@@ -26458,10 +31252,9 @@
           <a:p>
             <a:pPr algn="ctr"/>
             <a:r>
-              <a:rPr lang="en-US" sz="1400" dirty="0" smtClean="0"/>
+              <a:rPr lang="en-US" sz="1400" dirty="0"/>
               <a:t>TMU</a:t>
             </a:r>
-            <a:endParaRPr lang="en-US" sz="1400" dirty="0"/>
           </a:p>
         </p:txBody>
       </p:sp>
@@ -26470,7 +31263,7 @@
           <p:cNvPr id="12" name="Rectangle 65">
             <a:extLst>
               <a:ext uri="{FF2B5EF4-FFF2-40B4-BE49-F238E27FC236}">
-                <a16:creationId xmlns:a16="http://schemas.microsoft.com/office/drawing/2014/main" xmlns="" id="{4697D502-C568-44DC-93A0-8BD1149D2CBA}"/>
+                <a16:creationId xmlns:a16="http://schemas.microsoft.com/office/drawing/2014/main" id="{4697D502-C568-44DC-93A0-8BD1149D2CBA}"/>
               </a:ext>
             </a:extLst>
           </p:cNvPr>
@@ -26514,10 +31307,9 @@
           <a:p>
             <a:pPr algn="ctr"/>
             <a:r>
-              <a:rPr lang="en-US" sz="1400" dirty="0" smtClean="0"/>
+              <a:rPr lang="en-US" sz="1400" dirty="0"/>
               <a:t>RWDT</a:t>
             </a:r>
-            <a:endParaRPr lang="en-US" sz="1400" dirty="0"/>
           </a:p>
         </p:txBody>
       </p:sp>
@@ -26526,7 +31318,7 @@
           <p:cNvPr id="13" name="Rectangle 65">
             <a:extLst>
               <a:ext uri="{FF2B5EF4-FFF2-40B4-BE49-F238E27FC236}">
-                <a16:creationId xmlns:a16="http://schemas.microsoft.com/office/drawing/2014/main" xmlns="" id="{80551A04-DB34-4F7B-834F-E434D2132175}"/>
+                <a16:creationId xmlns:a16="http://schemas.microsoft.com/office/drawing/2014/main" id="{80551A04-DB34-4F7B-834F-E434D2132175}"/>
               </a:ext>
             </a:extLst>
           </p:cNvPr>
@@ -26581,7 +31373,7 @@
           <p:cNvPr id="14" name="Rectangle 65">
             <a:extLst>
               <a:ext uri="{FF2B5EF4-FFF2-40B4-BE49-F238E27FC236}">
-                <a16:creationId xmlns:a16="http://schemas.microsoft.com/office/drawing/2014/main" xmlns="" id="{AA4513F4-801C-4D2A-AB44-CAE5F0B3A8B3}"/>
+                <a16:creationId xmlns:a16="http://schemas.microsoft.com/office/drawing/2014/main" id="{AA4513F4-801C-4D2A-AB44-CAE5F0B3A8B3}"/>
               </a:ext>
             </a:extLst>
           </p:cNvPr>
@@ -26636,7 +31428,7 @@
           <p:cNvPr id="15" name="Rectangle 65">
             <a:extLst>
               <a:ext uri="{FF2B5EF4-FFF2-40B4-BE49-F238E27FC236}">
-                <a16:creationId xmlns:a16="http://schemas.microsoft.com/office/drawing/2014/main" xmlns="" id="{B0A0EC76-636C-42AB-8305-8CC78D5E295D}"/>
+                <a16:creationId xmlns:a16="http://schemas.microsoft.com/office/drawing/2014/main" id="{B0A0EC76-636C-42AB-8305-8CC78D5E295D}"/>
               </a:ext>
             </a:extLst>
           </p:cNvPr>
@@ -26779,7 +31571,7 @@
 </p:sld>
 </file>
 
-<file path=ppt/slides/slide7.xml><?xml version="1.0" encoding="utf-8"?>
+<file path=ppt/slides/slide8.xml><?xml version="1.0" encoding="utf-8"?>
 <p:sld xmlns:a="http://schemas.openxmlformats.org/drawingml/2006/main" xmlns:r="http://schemas.openxmlformats.org/officeDocument/2006/relationships" xmlns:p="http://schemas.openxmlformats.org/presentationml/2006/main">
   <p:cSld>
     <p:spTree>
@@ -26813,7 +31605,15 @@
           <a:p>
             <a:r>
               <a:rPr lang="en-US" dirty="0"/>
-              <a:t>FUNCTIONAL VERIFICATION</a:t>
+              <a:t>FUNCTIONAL VERIFICATION – 1</a:t>
+            </a:r>
+            <a:r>
+              <a:rPr lang="en-US" baseline="30000" dirty="0"/>
+              <a:t>st</a:t>
+            </a:r>
+            <a:r>
+              <a:rPr lang="en-US" dirty="0"/>
+              <a:t> 6 months</a:t>
             </a:r>
           </a:p>
         </p:txBody>
@@ -26841,7 +31641,7 @@
             <a:fld id="{3FD030EF-7044-4946-962A-5D7D09BD1B34}" type="slidenum">
               <a:rPr lang="de-DE" smtClean="0"/>
               <a:pPr algn="l"/>
-              <a:t>7</a:t>
+              <a:t>8</a:t>
             </a:fld>
             <a:endParaRPr lang="de-DE" dirty="0"/>
           </a:p>
@@ -26950,7 +31750,7 @@
           <p:cNvPr id="7" name="Rectangle 65">
             <a:extLst>
               <a:ext uri="{FF2B5EF4-FFF2-40B4-BE49-F238E27FC236}">
-                <a16:creationId xmlns:a16="http://schemas.microsoft.com/office/drawing/2014/main" xmlns="" id="{86BCF2D7-265B-428E-8E7B-B4770CD5F2D6}"/>
+                <a16:creationId xmlns:a16="http://schemas.microsoft.com/office/drawing/2014/main" id="{86BCF2D7-265B-428E-8E7B-B4770CD5F2D6}"/>
               </a:ext>
             </a:extLst>
           </p:cNvPr>
@@ -27005,7 +31805,7 @@
           <p:cNvPr id="8" name="Rectangle 65">
             <a:extLst>
               <a:ext uri="{FF2B5EF4-FFF2-40B4-BE49-F238E27FC236}">
-                <a16:creationId xmlns:a16="http://schemas.microsoft.com/office/drawing/2014/main" xmlns="" id="{6E428CCA-6A2D-45E1-91D8-D9DF13D3FA8C}"/>
+                <a16:creationId xmlns:a16="http://schemas.microsoft.com/office/drawing/2014/main" id="{6E428CCA-6A2D-45E1-91D8-D9DF13D3FA8C}"/>
               </a:ext>
             </a:extLst>
           </p:cNvPr>
@@ -27049,10 +31849,9 @@
           <a:p>
             <a:pPr algn="ctr"/>
             <a:r>
-              <a:rPr lang="en-US" sz="1400" dirty="0" smtClean="0"/>
+              <a:rPr lang="en-US" sz="1400" dirty="0"/>
               <a:t>TMU</a:t>
             </a:r>
-            <a:endParaRPr lang="en-US" sz="1400" dirty="0"/>
           </a:p>
         </p:txBody>
       </p:sp>
@@ -27061,7 +31860,7 @@
           <p:cNvPr id="9" name="Rectangle 65">
             <a:extLst>
               <a:ext uri="{FF2B5EF4-FFF2-40B4-BE49-F238E27FC236}">
-                <a16:creationId xmlns:a16="http://schemas.microsoft.com/office/drawing/2014/main" xmlns="" id="{4697D502-C568-44DC-93A0-8BD1149D2CBA}"/>
+                <a16:creationId xmlns:a16="http://schemas.microsoft.com/office/drawing/2014/main" id="{4697D502-C568-44DC-93A0-8BD1149D2CBA}"/>
               </a:ext>
             </a:extLst>
           </p:cNvPr>
@@ -27105,10 +31904,9 @@
           <a:p>
             <a:pPr algn="ctr"/>
             <a:r>
-              <a:rPr lang="en-US" sz="1400" dirty="0" smtClean="0"/>
+              <a:rPr lang="en-US" sz="1400" dirty="0"/>
               <a:t>RWDT</a:t>
             </a:r>
-            <a:endParaRPr lang="en-US" sz="1400" dirty="0"/>
           </a:p>
         </p:txBody>
       </p:sp>
@@ -27117,7 +31915,7 @@
           <p:cNvPr id="10" name="Rectangle 65">
             <a:extLst>
               <a:ext uri="{FF2B5EF4-FFF2-40B4-BE49-F238E27FC236}">
-                <a16:creationId xmlns:a16="http://schemas.microsoft.com/office/drawing/2014/main" xmlns="" id="{80551A04-DB34-4F7B-834F-E434D2132175}"/>
+                <a16:creationId xmlns:a16="http://schemas.microsoft.com/office/drawing/2014/main" id="{80551A04-DB34-4F7B-834F-E434D2132175}"/>
               </a:ext>
             </a:extLst>
           </p:cNvPr>
@@ -27172,7 +31970,7 @@
           <p:cNvPr id="12" name="Nhóm 11">
             <a:extLst>
               <a:ext uri="{FF2B5EF4-FFF2-40B4-BE49-F238E27FC236}">
-                <a16:creationId xmlns:a16="http://schemas.microsoft.com/office/drawing/2014/main" xmlns="" id="{E9824CE2-871E-49FD-8B66-EC2EABC88AD6}"/>
+                <a16:creationId xmlns:a16="http://schemas.microsoft.com/office/drawing/2014/main" id="{E9824CE2-871E-49FD-8B66-EC2EABC88AD6}"/>
               </a:ext>
             </a:extLst>
           </p:cNvPr>
@@ -27192,7 +31990,7 @@
             <p:cNvPr id="13" name="Đồ họa 12" descr="Cơ sở dữ liệu">
               <a:extLst>
                 <a:ext uri="{FF2B5EF4-FFF2-40B4-BE49-F238E27FC236}">
-                  <a16:creationId xmlns:a16="http://schemas.microsoft.com/office/drawing/2014/main" xmlns="" id="{ABA56C2A-B7DB-4C66-AF59-C25EDA3F0BA1}"/>
+                  <a16:creationId xmlns:a16="http://schemas.microsoft.com/office/drawing/2014/main" id="{ABA56C2A-B7DB-4C66-AF59-C25EDA3F0BA1}"/>
                 </a:ext>
               </a:extLst>
             </p:cNvPr>
@@ -27208,7 +32006,7 @@
                   <a14:useLocalDpi xmlns:a14="http://schemas.microsoft.com/office/drawing/2010/main" val="0"/>
                 </a:ext>
                 <a:ext uri="{96DAC541-7B7A-43D3-8B79-37D633B846F1}">
-                  <asvg:svgBlip xmlns:asvg="http://schemas.microsoft.com/office/drawing/2016/SVG/main" xmlns="" r:embed="rId3"/>
+                  <asvg:svgBlip xmlns:asvg="http://schemas.microsoft.com/office/drawing/2016/SVG/main" r:embed="rId3"/>
                 </a:ext>
               </a:extLst>
             </a:blip>
@@ -27231,7 +32029,7 @@
             <p:cNvPr id="14" name="Hộp Văn bản 13">
               <a:extLst>
                 <a:ext uri="{FF2B5EF4-FFF2-40B4-BE49-F238E27FC236}">
-                  <a16:creationId xmlns:a16="http://schemas.microsoft.com/office/drawing/2014/main" xmlns="" id="{F9C4A32F-A02E-4F23-9B87-EDF40562F1D1}"/>
+                  <a16:creationId xmlns:a16="http://schemas.microsoft.com/office/drawing/2014/main" id="{F9C4A32F-A02E-4F23-9B87-EDF40562F1D1}"/>
                 </a:ext>
               </a:extLst>
             </p:cNvPr>
@@ -27274,7 +32072,7 @@
           <p:cNvPr id="15" name="Nhóm 14">
             <a:extLst>
               <a:ext uri="{FF2B5EF4-FFF2-40B4-BE49-F238E27FC236}">
-                <a16:creationId xmlns:a16="http://schemas.microsoft.com/office/drawing/2014/main" xmlns="" id="{C3CDC543-7412-4CB3-90F0-C5847D7D2FA0}"/>
+                <a16:creationId xmlns:a16="http://schemas.microsoft.com/office/drawing/2014/main" id="{C3CDC543-7412-4CB3-90F0-C5847D7D2FA0}"/>
               </a:ext>
             </a:extLst>
           </p:cNvPr>
@@ -27294,7 +32092,7 @@
             <p:cNvPr id="16" name="Đồ họa 15" descr="Xe chở bê tông">
               <a:extLst>
                 <a:ext uri="{FF2B5EF4-FFF2-40B4-BE49-F238E27FC236}">
-                  <a16:creationId xmlns:a16="http://schemas.microsoft.com/office/drawing/2014/main" xmlns="" id="{859E4CEA-2B4B-4FFB-A38A-A335DB44BD26}"/>
+                  <a16:creationId xmlns:a16="http://schemas.microsoft.com/office/drawing/2014/main" id="{859E4CEA-2B4B-4FFB-A38A-A335DB44BD26}"/>
                 </a:ext>
               </a:extLst>
             </p:cNvPr>
@@ -27310,7 +32108,7 @@
                   <a14:useLocalDpi xmlns:a14="http://schemas.microsoft.com/office/drawing/2010/main" val="0"/>
                 </a:ext>
                 <a:ext uri="{96DAC541-7B7A-43D3-8B79-37D633B846F1}">
-                  <asvg:svgBlip xmlns:asvg="http://schemas.microsoft.com/office/drawing/2016/SVG/main" xmlns="" r:embed="rId5"/>
+                  <asvg:svgBlip xmlns:asvg="http://schemas.microsoft.com/office/drawing/2016/SVG/main" r:embed="rId5"/>
                 </a:ext>
               </a:extLst>
             </a:blip>
@@ -27333,7 +32131,7 @@
             <p:cNvPr id="17" name="Hộp Văn bản 16">
               <a:extLst>
                 <a:ext uri="{FF2B5EF4-FFF2-40B4-BE49-F238E27FC236}">
-                  <a16:creationId xmlns:a16="http://schemas.microsoft.com/office/drawing/2014/main" xmlns="" id="{11D433E5-6663-4CD0-8F30-FE649F167225}"/>
+                  <a16:creationId xmlns:a16="http://schemas.microsoft.com/office/drawing/2014/main" id="{11D433E5-6663-4CD0-8F30-FE649F167225}"/>
                 </a:ext>
               </a:extLst>
             </p:cNvPr>
@@ -27376,7 +32174,7 @@
           <p:cNvPr id="18" name="Nhóm 17">
             <a:extLst>
               <a:ext uri="{FF2B5EF4-FFF2-40B4-BE49-F238E27FC236}">
-                <a16:creationId xmlns:a16="http://schemas.microsoft.com/office/drawing/2014/main" xmlns="" id="{448CC9C4-2936-44B7-B175-A57AEA2D0D4D}"/>
+                <a16:creationId xmlns:a16="http://schemas.microsoft.com/office/drawing/2014/main" id="{448CC9C4-2936-44B7-B175-A57AEA2D0D4D}"/>
               </a:ext>
             </a:extLst>
           </p:cNvPr>
@@ -27396,7 +32194,7 @@
             <p:cNvPr id="19" name="Đồ họa 18" descr="Kính hiển vi">
               <a:extLst>
                 <a:ext uri="{FF2B5EF4-FFF2-40B4-BE49-F238E27FC236}">
-                  <a16:creationId xmlns:a16="http://schemas.microsoft.com/office/drawing/2014/main" xmlns="" id="{9F48E957-8DA2-415F-96A4-D62D38AE41C1}"/>
+                  <a16:creationId xmlns:a16="http://schemas.microsoft.com/office/drawing/2014/main" id="{9F48E957-8DA2-415F-96A4-D62D38AE41C1}"/>
                 </a:ext>
               </a:extLst>
             </p:cNvPr>
@@ -27412,7 +32210,7 @@
                   <a14:useLocalDpi xmlns:a14="http://schemas.microsoft.com/office/drawing/2010/main" val="0"/>
                 </a:ext>
                 <a:ext uri="{96DAC541-7B7A-43D3-8B79-37D633B846F1}">
-                  <asvg:svgBlip xmlns:asvg="http://schemas.microsoft.com/office/drawing/2016/SVG/main" xmlns="" r:embed="rId7"/>
+                  <asvg:svgBlip xmlns:asvg="http://schemas.microsoft.com/office/drawing/2016/SVG/main" r:embed="rId7"/>
                 </a:ext>
               </a:extLst>
             </a:blip>
@@ -27435,7 +32233,7 @@
             <p:cNvPr id="20" name="Hộp Văn bản 19">
               <a:extLst>
                 <a:ext uri="{FF2B5EF4-FFF2-40B4-BE49-F238E27FC236}">
-                  <a16:creationId xmlns:a16="http://schemas.microsoft.com/office/drawing/2014/main" xmlns="" id="{1EFFA4D1-5A09-4C62-B15B-B087783C0747}"/>
+                  <a16:creationId xmlns:a16="http://schemas.microsoft.com/office/drawing/2014/main" id="{1EFFA4D1-5A09-4C62-B15B-B087783C0747}"/>
                 </a:ext>
               </a:extLst>
             </p:cNvPr>
@@ -27466,13 +32264,13 @@
             <a:p>
               <a:r>
                 <a:rPr lang="en-US" sz="1600" dirty="0"/>
-                <a:t>+ CT verification result</a:t>
+                <a:t>+ Evaluate functional verification result</a:t>
               </a:r>
             </a:p>
             <a:p>
               <a:r>
                 <a:rPr lang="en-US" sz="1600" dirty="0"/>
-                <a:t>+ Coverage</a:t>
+                <a:t>+ Evaluate coverage result</a:t>
               </a:r>
               <a:endParaRPr lang="en-US" dirty="0"/>
             </a:p>
@@ -27492,7 +32290,7 @@
 </p:sld>
 </file>
 
-<file path=ppt/slides/slide8.xml><?xml version="1.0" encoding="utf-8"?>
+<file path=ppt/slides/slide9.xml><?xml version="1.0" encoding="utf-8"?>
 <p:sld xmlns:a="http://schemas.openxmlformats.org/drawingml/2006/main" xmlns:r="http://schemas.openxmlformats.org/officeDocument/2006/relationships" xmlns:p="http://schemas.openxmlformats.org/presentationml/2006/main">
   <p:cSld>
     <p:spTree>
@@ -27526,7 +32324,15 @@
           <a:p>
             <a:r>
               <a:rPr lang="en-US" dirty="0"/>
-              <a:t>FUNCTIONAL VERIFICATION</a:t>
+              <a:t>FUNCTIONAL VERIFICATION – 2</a:t>
+            </a:r>
+            <a:r>
+              <a:rPr lang="en-US" baseline="30000" dirty="0"/>
+              <a:t>nd</a:t>
+            </a:r>
+            <a:r>
+              <a:rPr lang="en-US" dirty="0"/>
+              <a:t> 6 months</a:t>
             </a:r>
           </a:p>
         </p:txBody>
@@ -27554,7 +32360,7 @@
             <a:fld id="{3FD030EF-7044-4946-962A-5D7D09BD1B34}" type="slidenum">
               <a:rPr lang="de-DE" smtClean="0"/>
               <a:pPr algn="l"/>
-              <a:t>8</a:t>
+              <a:t>9</a:t>
             </a:fld>
             <a:endParaRPr lang="de-DE" dirty="0"/>
           </a:p>
@@ -27565,7 +32371,7 @@
           <p:cNvPr id="28" name="Nhóm 27">
             <a:extLst>
               <a:ext uri="{FF2B5EF4-FFF2-40B4-BE49-F238E27FC236}">
-                <a16:creationId xmlns:a16="http://schemas.microsoft.com/office/drawing/2014/main" xmlns="" id="{A22FA561-2E1E-4D0D-9D58-75839BA6075C}"/>
+                <a16:creationId xmlns:a16="http://schemas.microsoft.com/office/drawing/2014/main" id="{A22FA561-2E1E-4D0D-9D58-75839BA6075C}"/>
               </a:ext>
             </a:extLst>
           </p:cNvPr>
@@ -27585,7 +32391,7 @@
             <p:cNvPr id="11" name="Đồ họa 10" descr="Danh sách">
               <a:extLst>
                 <a:ext uri="{FF2B5EF4-FFF2-40B4-BE49-F238E27FC236}">
-                  <a16:creationId xmlns:a16="http://schemas.microsoft.com/office/drawing/2014/main" xmlns="" id="{B9D46646-FACA-4589-BAD1-3CD8D5E3477A}"/>
+                  <a16:creationId xmlns:a16="http://schemas.microsoft.com/office/drawing/2014/main" id="{B9D46646-FACA-4589-BAD1-3CD8D5E3477A}"/>
                 </a:ext>
               </a:extLst>
             </p:cNvPr>
@@ -27601,7 +32407,7 @@
                   <a14:useLocalDpi xmlns:a14="http://schemas.microsoft.com/office/drawing/2010/main" val="0"/>
                 </a:ext>
                 <a:ext uri="{96DAC541-7B7A-43D3-8B79-37D633B846F1}">
-                  <asvg:svgBlip xmlns:asvg="http://schemas.microsoft.com/office/drawing/2016/SVG/main" xmlns="" r:embed="rId3"/>
+                  <asvg:svgBlip xmlns:asvg="http://schemas.microsoft.com/office/drawing/2016/SVG/main" r:embed="rId3"/>
                 </a:ext>
               </a:extLst>
             </a:blip>
@@ -27624,7 +32430,7 @@
             <p:cNvPr id="20" name="Hộp Văn bản 19">
               <a:extLst>
                 <a:ext uri="{FF2B5EF4-FFF2-40B4-BE49-F238E27FC236}">
-                  <a16:creationId xmlns:a16="http://schemas.microsoft.com/office/drawing/2014/main" xmlns="" id="{B7CF234B-BE45-4E9C-A67F-CD4A7B347EAD}"/>
+                  <a16:creationId xmlns:a16="http://schemas.microsoft.com/office/drawing/2014/main" id="{B7CF234B-BE45-4E9C-A67F-CD4A7B347EAD}"/>
                 </a:ext>
               </a:extLst>
             </p:cNvPr>
@@ -27649,34 +32455,7 @@
             <a:p>
               <a:r>
                 <a:rPr lang="en-US" b="1" dirty="0"/>
-                <a:t>Check </a:t>
-              </a:r>
-              <a:r>
-                <a:rPr lang="en-US" b="1" dirty="0" smtClean="0"/>
-                <a:t>specification (I2C)</a:t>
-              </a:r>
-              <a:endParaRPr lang="en-US" b="1" dirty="0"/>
-            </a:p>
-            <a:p>
-              <a:r>
-                <a:rPr lang="en-US" dirty="0"/>
-                <a:t>+ Check the current </a:t>
-              </a:r>
-              <a:r>
-                <a:rPr lang="en-US" dirty="0" smtClean="0"/>
-                <a:t>specs </a:t>
-              </a:r>
-              <a:r>
-                <a:rPr lang="en-US" dirty="0"/>
-                <a:t>and </a:t>
-              </a:r>
-              <a:r>
-                <a:rPr lang="en-US" dirty="0" smtClean="0"/>
-                <a:t>the new </a:t>
-              </a:r>
-              <a:r>
-                <a:rPr lang="en-US" dirty="0"/>
-                <a:t>change points specs</a:t>
+                <a:t>Check specification (I2C)</a:t>
               </a:r>
             </a:p>
             <a:p>
@@ -27685,18 +32464,35 @@
                 <a:t>+ </a:t>
               </a:r>
               <a:r>
-                <a:rPr lang="en-US" dirty="0" smtClean="0"/>
-                <a:t>Feedback problem, </a:t>
+                <a:rPr lang="en-US" u="sng" dirty="0"/>
+                <a:t>Check</a:t>
               </a:r>
               <a:r>
                 <a:rPr lang="en-US" dirty="0"/>
-                <a:t>propose ideal to </a:t>
+                <a:t> the current specs and the new change points specs</a:t>
+              </a:r>
+            </a:p>
+            <a:p>
+              <a:r>
+                <a:rPr lang="en-US" dirty="0"/>
+                <a:t>+ </a:t>
               </a:r>
               <a:r>
-                <a:rPr lang="en-US" dirty="0" smtClean="0"/>
-                <a:t>the REL</a:t>
+                <a:rPr lang="en-US" u="sng" dirty="0"/>
+                <a:t>Feedback</a:t>
               </a:r>
-              <a:endParaRPr lang="en-US" dirty="0"/>
+              <a:r>
+                <a:rPr lang="en-US" dirty="0"/>
+                <a:t> for specs problem, </a:t>
+              </a:r>
+              <a:r>
+                <a:rPr lang="en-US" u="sng" dirty="0"/>
+                <a:t>propose</a:t>
+              </a:r>
+              <a:r>
+                <a:rPr lang="en-US" dirty="0"/>
+                <a:t> ideal to the REL</a:t>
+              </a:r>
             </a:p>
           </p:txBody>
         </p:sp>
@@ -27706,7 +32502,7 @@
           <p:cNvPr id="29" name="Nhóm 28">
             <a:extLst>
               <a:ext uri="{FF2B5EF4-FFF2-40B4-BE49-F238E27FC236}">
-                <a16:creationId xmlns:a16="http://schemas.microsoft.com/office/drawing/2014/main" xmlns="" id="{B509A667-22C3-445E-8ECD-9783ED13AA98}"/>
+                <a16:creationId xmlns:a16="http://schemas.microsoft.com/office/drawing/2014/main" id="{B509A667-22C3-445E-8ECD-9783ED13AA98}"/>
               </a:ext>
             </a:extLst>
           </p:cNvPr>
@@ -27716,9 +32512,9 @@
         <p:grpSpPr>
           <a:xfrm>
             <a:off x="1080000" y="2619336"/>
-            <a:ext cx="7069908" cy="615553"/>
+            <a:ext cx="8028503" cy="615553"/>
             <a:chOff x="506534" y="3426903"/>
-            <a:chExt cx="7069908" cy="615553"/>
+            <a:chExt cx="8028503" cy="615553"/>
           </a:xfrm>
         </p:grpSpPr>
         <p:pic>
@@ -27726,7 +32522,7 @@
             <p:cNvPr id="9" name="Đồ họa 8" descr="Danh sách kiểm tra">
               <a:extLst>
                 <a:ext uri="{FF2B5EF4-FFF2-40B4-BE49-F238E27FC236}">
-                  <a16:creationId xmlns:a16="http://schemas.microsoft.com/office/drawing/2014/main" xmlns="" id="{E2F29AF9-A4F2-4A84-AEFB-4DDDE94500AF}"/>
+                  <a16:creationId xmlns:a16="http://schemas.microsoft.com/office/drawing/2014/main" id="{E2F29AF9-A4F2-4A84-AEFB-4DDDE94500AF}"/>
                 </a:ext>
               </a:extLst>
             </p:cNvPr>
@@ -27742,7 +32538,7 @@
                   <a14:useLocalDpi xmlns:a14="http://schemas.microsoft.com/office/drawing/2010/main" val="0"/>
                 </a:ext>
                 <a:ext uri="{96DAC541-7B7A-43D3-8B79-37D633B846F1}">
-                  <asvg:svgBlip xmlns:asvg="http://schemas.microsoft.com/office/drawing/2016/SVG/main" xmlns="" r:embed="rId5"/>
+                  <asvg:svgBlip xmlns:asvg="http://schemas.microsoft.com/office/drawing/2016/SVG/main" r:embed="rId5"/>
                 </a:ext>
               </a:extLst>
             </a:blip>
@@ -27765,7 +32561,7 @@
             <p:cNvPr id="21" name="Hộp Văn bản 20">
               <a:extLst>
                 <a:ext uri="{FF2B5EF4-FFF2-40B4-BE49-F238E27FC236}">
-                  <a16:creationId xmlns:a16="http://schemas.microsoft.com/office/drawing/2014/main" xmlns="" id="{23A44B04-637F-443B-B249-D55F2E3875A3}"/>
+                  <a16:creationId xmlns:a16="http://schemas.microsoft.com/office/drawing/2014/main" id="{23A44B04-637F-443B-B249-D55F2E3875A3}"/>
                 </a:ext>
               </a:extLst>
             </p:cNvPr>
@@ -27775,7 +32571,7 @@
           <p:spPr>
             <a:xfrm>
               <a:off x="963734" y="3426903"/>
-              <a:ext cx="6612708" cy="615553"/>
+              <a:ext cx="7571303" cy="615553"/>
             </a:xfrm>
             <a:prstGeom prst="rect">
               <a:avLst/>
@@ -27790,17 +32586,21 @@
             <a:p>
               <a:r>
                 <a:rPr lang="en-US" b="1" dirty="0"/>
-                <a:t>Create verification items check </a:t>
-              </a:r>
-              <a:r>
-                <a:rPr lang="en-US" b="1" dirty="0" smtClean="0"/>
-                <a:t>list (I2C)</a:t>
+                <a:t>Create verification items check list (I2C)</a:t>
               </a:r>
             </a:p>
             <a:p>
               <a:r>
-                <a:rPr lang="en-US" sz="1600" dirty="0" smtClean="0"/>
-                <a:t>+ Create a new check list based on the specs and the legacy check list</a:t>
+                <a:rPr lang="en-US" sz="1600" dirty="0"/>
+                <a:t>+ </a:t>
+              </a:r>
+              <a:r>
+                <a:rPr lang="en-US" sz="1600" u="sng" dirty="0"/>
+                <a:t>Determine</a:t>
+              </a:r>
+              <a:r>
+                <a:rPr lang="en-US" sz="1600" dirty="0"/>
+                <a:t> necessary check items based on the specs and the legacy check list</a:t>
               </a:r>
             </a:p>
           </p:txBody>
@@ -27811,7 +32611,7 @@
           <p:cNvPr id="30" name="Nhóm 29">
             <a:extLst>
               <a:ext uri="{FF2B5EF4-FFF2-40B4-BE49-F238E27FC236}">
-                <a16:creationId xmlns:a16="http://schemas.microsoft.com/office/drawing/2014/main" xmlns="" id="{ADD44F73-D7E6-4184-9C5D-80B134FE1311}"/>
+                <a16:creationId xmlns:a16="http://schemas.microsoft.com/office/drawing/2014/main" id="{ADD44F73-D7E6-4184-9C5D-80B134FE1311}"/>
               </a:ext>
             </a:extLst>
           </p:cNvPr>
@@ -27831,7 +32631,7 @@
             <p:cNvPr id="13" name="Đồ họa 12" descr="Cơ sở dữ liệu">
               <a:extLst>
                 <a:ext uri="{FF2B5EF4-FFF2-40B4-BE49-F238E27FC236}">
-                  <a16:creationId xmlns:a16="http://schemas.microsoft.com/office/drawing/2014/main" xmlns="" id="{4FBF62DF-BF53-406D-9929-0B695643BD68}"/>
+                  <a16:creationId xmlns:a16="http://schemas.microsoft.com/office/drawing/2014/main" id="{4FBF62DF-BF53-406D-9929-0B695643BD68}"/>
                 </a:ext>
               </a:extLst>
             </p:cNvPr>
@@ -27847,7 +32647,7 @@
                   <a14:useLocalDpi xmlns:a14="http://schemas.microsoft.com/office/drawing/2010/main" val="0"/>
                 </a:ext>
                 <a:ext uri="{96DAC541-7B7A-43D3-8B79-37D633B846F1}">
-                  <asvg:svgBlip xmlns:asvg="http://schemas.microsoft.com/office/drawing/2016/SVG/main" xmlns="" r:embed="rId7"/>
+                  <asvg:svgBlip xmlns:asvg="http://schemas.microsoft.com/office/drawing/2016/SVG/main" r:embed="rId7"/>
                 </a:ext>
               </a:extLst>
             </a:blip>
@@ -27870,7 +32670,7 @@
             <p:cNvPr id="22" name="Hộp Văn bản 21">
               <a:extLst>
                 <a:ext uri="{FF2B5EF4-FFF2-40B4-BE49-F238E27FC236}">
-                  <a16:creationId xmlns:a16="http://schemas.microsoft.com/office/drawing/2014/main" xmlns="" id="{80318687-91C5-4D9C-8EC5-E227278A1053}"/>
+                  <a16:creationId xmlns:a16="http://schemas.microsoft.com/office/drawing/2014/main" id="{80318687-91C5-4D9C-8EC5-E227278A1053}"/>
                 </a:ext>
               </a:extLst>
             </p:cNvPr>
@@ -27895,31 +32695,62 @@
             <a:p>
               <a:r>
                 <a:rPr lang="en-US" b="1" dirty="0"/>
-                <a:t>Create test patterns for functional </a:t>
-              </a:r>
-              <a:r>
-                <a:rPr lang="en-US" b="1" dirty="0" smtClean="0"/>
-                <a:t>verification</a:t>
+                <a:t>Create test patterns for functional verification</a:t>
               </a:r>
             </a:p>
             <a:p>
               <a:r>
-                <a:rPr lang="en-US" sz="1600" dirty="0" smtClean="0"/>
-                <a:t>+ Create new 336 patterns in C for I2C and new 24 patterns in C for DMAC</a:t>
+                <a:rPr lang="en-US" sz="1600" dirty="0"/>
+                <a:t>+ Create new </a:t>
+              </a:r>
+              <a:r>
+                <a:rPr lang="en-US" sz="1600" u="sng" dirty="0"/>
+                <a:t>336 patterns in C</a:t>
+              </a:r>
+              <a:r>
+                <a:rPr lang="en-US" sz="1600" dirty="0"/>
+                <a:t> for I2C and new </a:t>
+              </a:r>
+              <a:r>
+                <a:rPr lang="en-US" sz="1600" u="sng" dirty="0"/>
+                <a:t>24 patterns in C</a:t>
+              </a:r>
+              <a:r>
+                <a:rPr lang="en-US" sz="1600" dirty="0"/>
+                <a:t> for DMAC</a:t>
               </a:r>
             </a:p>
             <a:p>
               <a:r>
-                <a:rPr lang="en-US" sz="1600" dirty="0" smtClean="0"/>
-                <a:t>+ Create a software drivers package for I2C and some common modules (GIC, DMAC, PFC, CPG)</a:t>
+                <a:rPr lang="en-US" sz="1600" dirty="0"/>
+                <a:t>+ Create a </a:t>
+              </a:r>
+              <a:r>
+                <a:rPr lang="en-US" sz="1600" u="sng" dirty="0"/>
+                <a:t>software drivers package</a:t>
+              </a:r>
+              <a:r>
+                <a:rPr lang="en-US" sz="1600" dirty="0"/>
+                <a:t> for I2C and some common modules (GIC, DMAC, PFC, CPG)</a:t>
               </a:r>
             </a:p>
             <a:p>
               <a:r>
-                <a:rPr lang="en-US" sz="1600" dirty="0" smtClean="0"/>
-                <a:t>+ Create a compilation tool (CT Pattern Builder) that reduces a lot of work load</a:t>
+                <a:rPr lang="en-US" sz="1600" dirty="0"/>
+                <a:t>+ Create a </a:t>
               </a:r>
-              <a:endParaRPr lang="en-US" sz="1600" dirty="0"/>
+              <a:r>
+                <a:rPr lang="en-US" sz="1600" u="sng" dirty="0"/>
+                <a:t>compilation tool</a:t>
+              </a:r>
+              <a:r>
+                <a:rPr lang="en-US" sz="1600" dirty="0"/>
+                <a:t> (CT Pattern Builder) that </a:t>
+              </a:r>
+              <a:r>
+                <a:rPr lang="en-US" sz="1600" u="sng" dirty="0"/>
+                <a:t>reduces a lot of work load</a:t>
+              </a:r>
             </a:p>
           </p:txBody>
         </p:sp>
@@ -27929,7 +32760,7 @@
           <p:cNvPr id="31" name="Nhóm 30">
             <a:extLst>
               <a:ext uri="{FF2B5EF4-FFF2-40B4-BE49-F238E27FC236}">
-                <a16:creationId xmlns:a16="http://schemas.microsoft.com/office/drawing/2014/main" xmlns="" id="{22BF9D0B-136C-408B-B280-6963B306BB83}"/>
+                <a16:creationId xmlns:a16="http://schemas.microsoft.com/office/drawing/2014/main" id="{22BF9D0B-136C-408B-B280-6963B306BB83}"/>
               </a:ext>
             </a:extLst>
           </p:cNvPr>
@@ -27949,7 +32780,7 @@
             <p:cNvPr id="15" name="Đồ họa 14" descr="Xe chở bê tông">
               <a:extLst>
                 <a:ext uri="{FF2B5EF4-FFF2-40B4-BE49-F238E27FC236}">
-                  <a16:creationId xmlns:a16="http://schemas.microsoft.com/office/drawing/2014/main" xmlns="" id="{AC7D20A8-684D-4D88-9B22-11B0C258E6BA}"/>
+                  <a16:creationId xmlns:a16="http://schemas.microsoft.com/office/drawing/2014/main" id="{AC7D20A8-684D-4D88-9B22-11B0C258E6BA}"/>
                 </a:ext>
               </a:extLst>
             </p:cNvPr>
@@ -27965,7 +32796,7 @@
                   <a14:useLocalDpi xmlns:a14="http://schemas.microsoft.com/office/drawing/2010/main" val="0"/>
                 </a:ext>
                 <a:ext uri="{96DAC541-7B7A-43D3-8B79-37D633B846F1}">
-                  <asvg:svgBlip xmlns:asvg="http://schemas.microsoft.com/office/drawing/2016/SVG/main" xmlns="" r:embed="rId9"/>
+                  <asvg:svgBlip xmlns:asvg="http://schemas.microsoft.com/office/drawing/2016/SVG/main" r:embed="rId9"/>
                 </a:ext>
               </a:extLst>
             </a:blip>
@@ -27988,7 +32819,7 @@
             <p:cNvPr id="23" name="Hộp Văn bản 22">
               <a:extLst>
                 <a:ext uri="{FF2B5EF4-FFF2-40B4-BE49-F238E27FC236}">
-                  <a16:creationId xmlns:a16="http://schemas.microsoft.com/office/drawing/2014/main" xmlns="" id="{6108A849-1640-4BDF-A81C-732BD39F495A}"/>
+                  <a16:creationId xmlns:a16="http://schemas.microsoft.com/office/drawing/2014/main" id="{6108A849-1640-4BDF-A81C-732BD39F495A}"/>
                 </a:ext>
               </a:extLst>
             </p:cNvPr>
@@ -28013,25 +32844,44 @@
             <a:p>
               <a:r>
                 <a:rPr lang="en-US" b="1" dirty="0"/>
-                <a:t>Conduct functional verification at RTL </a:t>
-              </a:r>
-              <a:r>
-                <a:rPr lang="en-US" b="1" dirty="0" smtClean="0"/>
-                <a:t>level</a:t>
+                <a:t>Conduct functional verification at RTL level</a:t>
               </a:r>
             </a:p>
             <a:p>
               <a:r>
-                <a:rPr lang="en-US" sz="1600" dirty="0" smtClean="0"/>
-                <a:t>+ Verify 336 patterns for I2C and 24 patterns for DMAC</a:t>
+                <a:rPr lang="en-US" sz="1600" dirty="0"/>
+                <a:t>+ Verify </a:t>
+              </a:r>
+              <a:r>
+                <a:rPr lang="en-US" sz="1600" u="sng" dirty="0"/>
+                <a:t>336 patterns</a:t>
+              </a:r>
+              <a:r>
+                <a:rPr lang="en-US" sz="1600" dirty="0"/>
+                <a:t> for I2C and </a:t>
+              </a:r>
+              <a:r>
+                <a:rPr lang="en-US" sz="1600" u="sng" dirty="0"/>
+                <a:t>30 patterns</a:t>
+              </a:r>
+              <a:r>
+                <a:rPr lang="en-US" sz="1600" dirty="0"/>
+                <a:t> for DMAC</a:t>
               </a:r>
             </a:p>
             <a:p>
               <a:r>
-                <a:rPr lang="en-US" sz="1600" dirty="0" smtClean="0"/>
-                <a:t>+ Debugging support to other engineers</a:t>
+                <a:rPr lang="en-US" sz="1600" dirty="0"/>
+                <a:t>+ </a:t>
               </a:r>
-              <a:endParaRPr lang="en-US" sz="1600" dirty="0"/>
+              <a:r>
+                <a:rPr lang="en-US" sz="1600" u="sng" dirty="0"/>
+                <a:t>Debugging support</a:t>
+              </a:r>
+              <a:r>
+                <a:rPr lang="en-US" sz="1600" dirty="0"/>
+                <a:t> to other engineers</a:t>
+              </a:r>
             </a:p>
           </p:txBody>
         </p:sp>
@@ -28041,7 +32891,7 @@
           <p:cNvPr id="32" name="Nhóm 31">
             <a:extLst>
               <a:ext uri="{FF2B5EF4-FFF2-40B4-BE49-F238E27FC236}">
-                <a16:creationId xmlns:a16="http://schemas.microsoft.com/office/drawing/2014/main" xmlns="" id="{DD9360C9-B1EB-45B1-BEA4-C2DDA8E4FEF5}"/>
+                <a16:creationId xmlns:a16="http://schemas.microsoft.com/office/drawing/2014/main" id="{DD9360C9-B1EB-45B1-BEA4-C2DDA8E4FEF5}"/>
               </a:ext>
             </a:extLst>
           </p:cNvPr>
@@ -28061,7 +32911,7 @@
             <p:cNvPr id="17" name="Đồ họa 16" descr="Kính hiển vi">
               <a:extLst>
                 <a:ext uri="{FF2B5EF4-FFF2-40B4-BE49-F238E27FC236}">
-                  <a16:creationId xmlns:a16="http://schemas.microsoft.com/office/drawing/2014/main" xmlns="" id="{E43F761C-1B61-4311-9BB3-B7173F547F55}"/>
+                  <a16:creationId xmlns:a16="http://schemas.microsoft.com/office/drawing/2014/main" id="{E43F761C-1B61-4311-9BB3-B7173F547F55}"/>
                 </a:ext>
               </a:extLst>
             </p:cNvPr>
@@ -28077,7 +32927,7 @@
                   <a14:useLocalDpi xmlns:a14="http://schemas.microsoft.com/office/drawing/2010/main" val="0"/>
                 </a:ext>
                 <a:ext uri="{96DAC541-7B7A-43D3-8B79-37D633B846F1}">
-                  <asvg:svgBlip xmlns:asvg="http://schemas.microsoft.com/office/drawing/2016/SVG/main" xmlns="" r:embed="rId11"/>
+                  <asvg:svgBlip xmlns:asvg="http://schemas.microsoft.com/office/drawing/2016/SVG/main" r:embed="rId11"/>
                 </a:ext>
               </a:extLst>
             </a:blip>
@@ -28100,7 +32950,7 @@
             <p:cNvPr id="24" name="Hộp Văn bản 23">
               <a:extLst>
                 <a:ext uri="{FF2B5EF4-FFF2-40B4-BE49-F238E27FC236}">
-                  <a16:creationId xmlns:a16="http://schemas.microsoft.com/office/drawing/2014/main" xmlns="" id="{B9CB2816-9F0C-4F34-98C6-7DD180E361F9}"/>
+                  <a16:creationId xmlns:a16="http://schemas.microsoft.com/office/drawing/2014/main" id="{B9CB2816-9F0C-4F34-98C6-7DD180E361F9}"/>
                 </a:ext>
               </a:extLst>
             </p:cNvPr>
@@ -28125,25 +32975,36 @@
             <a:p>
               <a:r>
                 <a:rPr lang="en-US" b="1" dirty="0"/>
-                <a:t>Evaluate functional verification </a:t>
-              </a:r>
-              <a:r>
-                <a:rPr lang="en-US" b="1" dirty="0" smtClean="0"/>
-                <a:t>result</a:t>
+                <a:t>Evaluate functional verification result</a:t>
               </a:r>
             </a:p>
             <a:p>
               <a:r>
-                <a:rPr lang="en-US" sz="1600" dirty="0" smtClean="0"/>
-                <a:t>+ Evaluate functional verification result for I2C and DMAC</a:t>
+                <a:rPr lang="en-US" sz="1600" dirty="0"/>
+                <a:t>+ Evaluate </a:t>
+              </a:r>
+              <a:r>
+                <a:rPr lang="en-US" sz="1600" u="sng" dirty="0"/>
+                <a:t>functional verification result</a:t>
+              </a:r>
+              <a:r>
+                <a:rPr lang="en-US" sz="1600" dirty="0"/>
+                <a:t> for I2C and DMAC</a:t>
               </a:r>
             </a:p>
             <a:p>
               <a:r>
-                <a:rPr lang="en-US" sz="1600" dirty="0" smtClean="0"/>
-                <a:t>+ Evaluate coverage result for I2C</a:t>
+                <a:rPr lang="en-US" sz="1600" dirty="0"/>
+                <a:t>+ Evaluate </a:t>
               </a:r>
-              <a:endParaRPr lang="en-US" sz="1600" dirty="0"/>
+              <a:r>
+                <a:rPr lang="en-US" sz="1600" u="sng" dirty="0"/>
+                <a:t>coverage result</a:t>
+              </a:r>
+              <a:r>
+                <a:rPr lang="en-US" sz="1600" dirty="0"/>
+                <a:t> for I2C</a:t>
+              </a:r>
             </a:p>
           </p:txBody>
         </p:sp>
@@ -28153,7 +33014,7 @@
           <p:cNvPr id="34" name="Rectangle 65">
             <a:extLst>
               <a:ext uri="{FF2B5EF4-FFF2-40B4-BE49-F238E27FC236}">
-                <a16:creationId xmlns:a16="http://schemas.microsoft.com/office/drawing/2014/main" xmlns="" id="{AA4513F4-801C-4D2A-AB44-CAE5F0B3A8B3}"/>
+                <a16:creationId xmlns:a16="http://schemas.microsoft.com/office/drawing/2014/main" id="{AA4513F4-801C-4D2A-AB44-CAE5F0B3A8B3}"/>
               </a:ext>
             </a:extLst>
           </p:cNvPr>
@@ -28208,7 +33069,7 @@
           <p:cNvPr id="35" name="Rectangle 65">
             <a:extLst>
               <a:ext uri="{FF2B5EF4-FFF2-40B4-BE49-F238E27FC236}">
-                <a16:creationId xmlns:a16="http://schemas.microsoft.com/office/drawing/2014/main" xmlns="" id="{B0A0EC76-636C-42AB-8305-8CC78D5E295D}"/>
+                <a16:creationId xmlns:a16="http://schemas.microsoft.com/office/drawing/2014/main" id="{B0A0EC76-636C-42AB-8305-8CC78D5E295D}"/>
               </a:ext>
             </a:extLst>
           </p:cNvPr>
@@ -28263,7 +33124,7 @@
           <p:cNvPr id="25" name="Rectangle 65">
             <a:extLst>
               <a:ext uri="{FF2B5EF4-FFF2-40B4-BE49-F238E27FC236}">
-                <a16:creationId xmlns:a16="http://schemas.microsoft.com/office/drawing/2014/main" xmlns="" id="{B0A0EC76-636C-42AB-8305-8CC78D5E295D}"/>
+                <a16:creationId xmlns:a16="http://schemas.microsoft.com/office/drawing/2014/main" id="{B0A0EC76-636C-42AB-8305-8CC78D5E295D}"/>
               </a:ext>
             </a:extLst>
           </p:cNvPr>
@@ -28307,10 +33168,9 @@
           <a:p>
             <a:pPr algn="ctr"/>
             <a:r>
-              <a:rPr lang="en-US" sz="1400" dirty="0" smtClean="0"/>
+              <a:rPr lang="en-US" sz="1400" dirty="0"/>
               <a:t>DMAC</a:t>
             </a:r>
-            <a:endParaRPr lang="en-US" sz="1400" dirty="0"/>
           </a:p>
         </p:txBody>
       </p:sp>
@@ -28318,2277 +33178,6 @@
     <p:extLst>
       <p:ext uri="{BB962C8B-B14F-4D97-AF65-F5344CB8AC3E}">
         <p14:creationId xmlns:p14="http://schemas.microsoft.com/office/powerpoint/2010/main" val="4229289576"/>
-      </p:ext>
-    </p:extLst>
-  </p:cSld>
-  <p:clrMapOvr>
-    <a:masterClrMapping/>
-  </p:clrMapOvr>
-</p:sld>
-</file>
-
-<file path=ppt/slides/slide9.xml><?xml version="1.0" encoding="utf-8"?>
-<p:sld xmlns:a="http://schemas.openxmlformats.org/drawingml/2006/main" xmlns:r="http://schemas.openxmlformats.org/officeDocument/2006/relationships" xmlns:p="http://schemas.openxmlformats.org/presentationml/2006/main">
-  <p:cSld>
-    <p:spTree>
-      <p:nvGrpSpPr>
-        <p:cNvPr id="1" name=""/>
-        <p:cNvGrpSpPr/>
-        <p:nvPr/>
-      </p:nvGrpSpPr>
-      <p:grpSpPr>
-        <a:xfrm>
-          <a:off x="0" y="0"/>
-          <a:ext cx="0" cy="0"/>
-          <a:chOff x="0" y="0"/>
-          <a:chExt cx="0" cy="0"/>
-        </a:xfrm>
-      </p:grpSpPr>
-      <p:sp>
-        <p:nvSpPr>
-          <p:cNvPr id="2" name="Title 1"/>
-          <p:cNvSpPr>
-            <a:spLocks noGrp="1"/>
-          </p:cNvSpPr>
-          <p:nvPr>
-            <p:ph type="title"/>
-          </p:nvPr>
-        </p:nvSpPr>
-        <p:spPr/>
-        <p:txBody>
-          <a:bodyPr/>
-          <a:lstStyle/>
-          <a:p>
-            <a:r>
-              <a:rPr lang="en-US" dirty="0"/>
-              <a:t>FUNCTIONAL VERIFICATION</a:t>
-            </a:r>
-          </a:p>
-        </p:txBody>
-      </p:sp>
-      <p:sp>
-        <p:nvSpPr>
-          <p:cNvPr id="3" name="Slide Number Placeholder 2"/>
-          <p:cNvSpPr>
-            <a:spLocks noGrp="1"/>
-          </p:cNvSpPr>
-          <p:nvPr>
-            <p:ph type="sldNum" sz="quarter" idx="10"/>
-          </p:nvPr>
-        </p:nvSpPr>
-        <p:spPr/>
-        <p:txBody>
-          <a:bodyPr/>
-          <a:lstStyle/>
-          <a:p>
-            <a:pPr algn="l"/>
-            <a:r>
-              <a:rPr lang="de-DE"/>
-              <a:t>Page </a:t>
-            </a:r>
-            <a:fld id="{3FD030EF-7044-4946-962A-5D7D09BD1B34}" type="slidenum">
-              <a:rPr lang="de-DE" smtClean="0"/>
-              <a:pPr algn="l"/>
-              <a:t>9</a:t>
-            </a:fld>
-            <a:endParaRPr lang="de-DE" dirty="0"/>
-          </a:p>
-        </p:txBody>
-      </p:sp>
-      <p:grpSp>
-        <p:nvGrpSpPr>
-          <p:cNvPr id="53" name="Group 52"/>
-          <p:cNvGrpSpPr/>
-          <p:nvPr/>
-        </p:nvGrpSpPr>
-        <p:grpSpPr>
-          <a:xfrm>
-            <a:off x="1080000" y="2388150"/>
-            <a:ext cx="5955581" cy="562576"/>
-            <a:chOff x="1080000" y="2272267"/>
-            <a:chExt cx="5955581" cy="562576"/>
-          </a:xfrm>
-        </p:grpSpPr>
-        <p:grpSp>
-          <p:nvGrpSpPr>
-            <p:cNvPr id="4" name="Nhóm 27">
-              <a:extLst>
-                <a:ext uri="{FF2B5EF4-FFF2-40B4-BE49-F238E27FC236}">
-                  <a16:creationId xmlns:a16="http://schemas.microsoft.com/office/drawing/2014/main" xmlns="" id="{A22FA561-2E1E-4D0D-9D58-75839BA6075C}"/>
-                </a:ext>
-              </a:extLst>
-            </p:cNvPr>
-            <p:cNvGrpSpPr/>
-            <p:nvPr/>
-          </p:nvGrpSpPr>
-          <p:grpSpPr>
-            <a:xfrm>
-              <a:off x="1080000" y="2272267"/>
-              <a:ext cx="2873246" cy="457200"/>
-              <a:chOff x="506534" y="2939553"/>
-              <a:chExt cx="2873246" cy="457200"/>
-            </a:xfrm>
-          </p:grpSpPr>
-          <p:pic>
-            <p:nvPicPr>
-              <p:cNvPr id="5" name="Đồ họa 10" descr="Danh sách">
-                <a:extLst>
-                  <a:ext uri="{FF2B5EF4-FFF2-40B4-BE49-F238E27FC236}">
-                    <a16:creationId xmlns:a16="http://schemas.microsoft.com/office/drawing/2014/main" xmlns="" id="{B9D46646-FACA-4589-BAD1-3CD8D5E3477A}"/>
-                  </a:ext>
-                </a:extLst>
-              </p:cNvPr>
-              <p:cNvPicPr>
-                <a:picLocks noChangeAspect="1"/>
-              </p:cNvPicPr>
-              <p:nvPr/>
-            </p:nvPicPr>
-            <p:blipFill>
-              <a:blip r:embed="rId2" cstate="print">
-                <a:extLst>
-                  <a:ext uri="{28A0092B-C50C-407E-A947-70E740481C1C}">
-                    <a14:useLocalDpi xmlns:a14="http://schemas.microsoft.com/office/drawing/2010/main" val="0"/>
-                  </a:ext>
-                  <a:ext uri="{96DAC541-7B7A-43D3-8B79-37D633B846F1}">
-                    <asvg:svgBlip xmlns:asvg="http://schemas.microsoft.com/office/drawing/2016/SVG/main" xmlns="" r:embed="rId3"/>
-                  </a:ext>
-                </a:extLst>
-              </a:blip>
-              <a:stretch>
-                <a:fillRect/>
-              </a:stretch>
-            </p:blipFill>
-            <p:spPr>
-              <a:xfrm>
-                <a:off x="506534" y="2939553"/>
-                <a:ext cx="457200" cy="457200"/>
-              </a:xfrm>
-              <a:prstGeom prst="rect">
-                <a:avLst/>
-              </a:prstGeom>
-            </p:spPr>
-          </p:pic>
-          <p:sp>
-            <p:nvSpPr>
-              <p:cNvPr id="6" name="Hộp Văn bản 19">
-                <a:extLst>
-                  <a:ext uri="{FF2B5EF4-FFF2-40B4-BE49-F238E27FC236}">
-                    <a16:creationId xmlns:a16="http://schemas.microsoft.com/office/drawing/2014/main" xmlns="" id="{B7CF234B-BE45-4E9C-A67F-CD4A7B347EAD}"/>
-                  </a:ext>
-                </a:extLst>
-              </p:cNvPr>
-              <p:cNvSpPr txBox="1"/>
-              <p:nvPr/>
-            </p:nvSpPr>
-            <p:spPr>
-              <a:xfrm>
-                <a:off x="963734" y="2939553"/>
-                <a:ext cx="2416046" cy="369332"/>
-              </a:xfrm>
-              <a:prstGeom prst="rect">
-                <a:avLst/>
-              </a:prstGeom>
-              <a:noFill/>
-            </p:spPr>
-            <p:txBody>
-              <a:bodyPr wrap="none" rtlCol="0">
-                <a:spAutoFit/>
-              </a:bodyPr>
-              <a:lstStyle/>
-              <a:p>
-                <a:r>
-                  <a:rPr lang="en-US" b="1" dirty="0"/>
-                  <a:t>Check </a:t>
-                </a:r>
-                <a:r>
-                  <a:rPr lang="en-US" b="1" dirty="0" smtClean="0"/>
-                  <a:t>specification</a:t>
-                </a:r>
-                <a:endParaRPr lang="en-US" dirty="0"/>
-              </a:p>
-            </p:txBody>
-          </p:sp>
-        </p:grpSp>
-        <p:sp>
-          <p:nvSpPr>
-            <p:cNvPr id="19" name="Rectangle 18"/>
-            <p:cNvSpPr/>
-            <p:nvPr/>
-          </p:nvSpPr>
-          <p:spPr>
-            <a:xfrm>
-              <a:off x="1537199" y="2639813"/>
-              <a:ext cx="2743200" cy="91440"/>
-            </a:xfrm>
-            <a:prstGeom prst="rect">
-              <a:avLst/>
-            </a:prstGeom>
-            <a:solidFill>
-              <a:schemeClr val="tx2"/>
-            </a:solidFill>
-            <a:ln>
-              <a:noFill/>
-            </a:ln>
-          </p:spPr>
-          <p:style>
-            <a:lnRef idx="2">
-              <a:schemeClr val="accent1">
-                <a:shade val="50000"/>
-              </a:schemeClr>
-            </a:lnRef>
-            <a:fillRef idx="1">
-              <a:schemeClr val="accent1"/>
-            </a:fillRef>
-            <a:effectRef idx="0">
-              <a:schemeClr val="accent1"/>
-            </a:effectRef>
-            <a:fontRef idx="minor">
-              <a:schemeClr val="lt1"/>
-            </a:fontRef>
-          </p:style>
-          <p:txBody>
-            <a:bodyPr rtlCol="0" anchor="ctr"/>
-            <a:lstStyle/>
-            <a:p>
-              <a:pPr algn="r"/>
-              <a:r>
-                <a:rPr lang="en-US" sz="700" dirty="0" smtClean="0"/>
-                <a:t>1</a:t>
-              </a:r>
-              <a:endParaRPr lang="en-US" sz="700" dirty="0"/>
-            </a:p>
-          </p:txBody>
-        </p:sp>
-        <p:sp>
-          <p:nvSpPr>
-            <p:cNvPr id="22" name="Rectangle 21"/>
-            <p:cNvSpPr/>
-            <p:nvPr/>
-          </p:nvSpPr>
-          <p:spPr>
-            <a:xfrm>
-              <a:off x="1537199" y="2743403"/>
-              <a:ext cx="2743200" cy="91440"/>
-            </a:xfrm>
-            <a:prstGeom prst="rect">
-              <a:avLst/>
-            </a:prstGeom>
-            <a:solidFill>
-              <a:srgbClr val="FF0000"/>
-            </a:solidFill>
-            <a:ln>
-              <a:noFill/>
-            </a:ln>
-          </p:spPr>
-          <p:style>
-            <a:lnRef idx="2">
-              <a:schemeClr val="accent1">
-                <a:shade val="50000"/>
-              </a:schemeClr>
-            </a:lnRef>
-            <a:fillRef idx="1">
-              <a:schemeClr val="accent1"/>
-            </a:fillRef>
-            <a:effectRef idx="0">
-              <a:schemeClr val="accent1"/>
-            </a:effectRef>
-            <a:fontRef idx="minor">
-              <a:schemeClr val="lt1"/>
-            </a:fontRef>
-          </p:style>
-          <p:txBody>
-            <a:bodyPr rtlCol="0" anchor="ctr"/>
-            <a:lstStyle/>
-            <a:p>
-              <a:pPr algn="r"/>
-              <a:endParaRPr lang="en-US" sz="700" dirty="0"/>
-            </a:p>
-          </p:txBody>
-        </p:sp>
-        <p:sp>
-          <p:nvSpPr>
-            <p:cNvPr id="31" name="Rectangle 30"/>
-            <p:cNvSpPr/>
-            <p:nvPr/>
-          </p:nvSpPr>
-          <p:spPr>
-            <a:xfrm>
-              <a:off x="4292381" y="2639813"/>
-              <a:ext cx="2743200" cy="91440"/>
-            </a:xfrm>
-            <a:prstGeom prst="rect">
-              <a:avLst/>
-            </a:prstGeom>
-            <a:solidFill>
-              <a:schemeClr val="tx2"/>
-            </a:solidFill>
-            <a:ln>
-              <a:noFill/>
-            </a:ln>
-          </p:spPr>
-          <p:style>
-            <a:lnRef idx="2">
-              <a:schemeClr val="accent1">
-                <a:shade val="50000"/>
-              </a:schemeClr>
-            </a:lnRef>
-            <a:fillRef idx="1">
-              <a:schemeClr val="accent1"/>
-            </a:fillRef>
-            <a:effectRef idx="0">
-              <a:schemeClr val="accent1"/>
-            </a:effectRef>
-            <a:fontRef idx="minor">
-              <a:schemeClr val="lt1"/>
-            </a:fontRef>
-          </p:style>
-          <p:txBody>
-            <a:bodyPr rtlCol="0" anchor="ctr"/>
-            <a:lstStyle/>
-            <a:p>
-              <a:pPr algn="r"/>
-              <a:r>
-                <a:rPr lang="en-US" sz="700" dirty="0"/>
-                <a:t>2</a:t>
-              </a:r>
-            </a:p>
-          </p:txBody>
-        </p:sp>
-        <p:sp>
-          <p:nvSpPr>
-            <p:cNvPr id="32" name="Rectangle 31"/>
-            <p:cNvSpPr/>
-            <p:nvPr/>
-          </p:nvSpPr>
-          <p:spPr>
-            <a:xfrm>
-              <a:off x="4292381" y="2743403"/>
-              <a:ext cx="2743200" cy="91440"/>
-            </a:xfrm>
-            <a:prstGeom prst="rect">
-              <a:avLst/>
-            </a:prstGeom>
-            <a:solidFill>
-              <a:srgbClr val="FF0000"/>
-            </a:solidFill>
-            <a:ln>
-              <a:noFill/>
-            </a:ln>
-          </p:spPr>
-          <p:style>
-            <a:lnRef idx="2">
-              <a:schemeClr val="accent1">
-                <a:shade val="50000"/>
-              </a:schemeClr>
-            </a:lnRef>
-            <a:fillRef idx="1">
-              <a:schemeClr val="accent1"/>
-            </a:fillRef>
-            <a:effectRef idx="0">
-              <a:schemeClr val="accent1"/>
-            </a:effectRef>
-            <a:fontRef idx="minor">
-              <a:schemeClr val="lt1"/>
-            </a:fontRef>
-          </p:style>
-          <p:txBody>
-            <a:bodyPr rtlCol="0" anchor="ctr"/>
-            <a:lstStyle/>
-            <a:p>
-              <a:pPr algn="r"/>
-              <a:r>
-                <a:rPr lang="en-US" sz="700" dirty="0" smtClean="0"/>
-                <a:t>2</a:t>
-              </a:r>
-              <a:endParaRPr lang="en-US" sz="700" dirty="0"/>
-            </a:p>
-          </p:txBody>
-        </p:sp>
-      </p:grpSp>
-      <p:grpSp>
-        <p:nvGrpSpPr>
-          <p:cNvPr id="54" name="Group 53"/>
-          <p:cNvGrpSpPr/>
-          <p:nvPr/>
-        </p:nvGrpSpPr>
-        <p:grpSpPr>
-          <a:xfrm>
-            <a:off x="1080000" y="3114759"/>
-            <a:ext cx="7346478" cy="659818"/>
-            <a:chOff x="1080000" y="2864715"/>
-            <a:chExt cx="7346478" cy="659818"/>
-          </a:xfrm>
-        </p:grpSpPr>
-        <p:grpSp>
-          <p:nvGrpSpPr>
-            <p:cNvPr id="7" name="Nhóm 28">
-              <a:extLst>
-                <a:ext uri="{FF2B5EF4-FFF2-40B4-BE49-F238E27FC236}">
-                  <a16:creationId xmlns:a16="http://schemas.microsoft.com/office/drawing/2014/main" xmlns="" id="{B509A667-22C3-445E-8ECD-9783ED13AA98}"/>
-                </a:ext>
-              </a:extLst>
-            </p:cNvPr>
-            <p:cNvGrpSpPr/>
-            <p:nvPr/>
-          </p:nvGrpSpPr>
-          <p:grpSpPr>
-            <a:xfrm>
-              <a:off x="1080000" y="2864715"/>
-              <a:ext cx="4578841" cy="457200"/>
-              <a:chOff x="506534" y="3426903"/>
-              <a:chExt cx="4578841" cy="457200"/>
-            </a:xfrm>
-          </p:grpSpPr>
-          <p:pic>
-            <p:nvPicPr>
-              <p:cNvPr id="8" name="Đồ họa 8" descr="Danh sách kiểm tra">
-                <a:extLst>
-                  <a:ext uri="{FF2B5EF4-FFF2-40B4-BE49-F238E27FC236}">
-                    <a16:creationId xmlns:a16="http://schemas.microsoft.com/office/drawing/2014/main" xmlns="" id="{E2F29AF9-A4F2-4A84-AEFB-4DDDE94500AF}"/>
-                  </a:ext>
-                </a:extLst>
-              </p:cNvPr>
-              <p:cNvPicPr>
-                <a:picLocks noChangeAspect="1"/>
-              </p:cNvPicPr>
-              <p:nvPr/>
-            </p:nvPicPr>
-            <p:blipFill>
-              <a:blip r:embed="rId4" cstate="print">
-                <a:extLst>
-                  <a:ext uri="{28A0092B-C50C-407E-A947-70E740481C1C}">
-                    <a14:useLocalDpi xmlns:a14="http://schemas.microsoft.com/office/drawing/2010/main" val="0"/>
-                  </a:ext>
-                  <a:ext uri="{96DAC541-7B7A-43D3-8B79-37D633B846F1}">
-                    <asvg:svgBlip xmlns:asvg="http://schemas.microsoft.com/office/drawing/2016/SVG/main" xmlns="" r:embed="rId5"/>
-                  </a:ext>
-                </a:extLst>
-              </a:blip>
-              <a:stretch>
-                <a:fillRect/>
-              </a:stretch>
-            </p:blipFill>
-            <p:spPr>
-              <a:xfrm>
-                <a:off x="506534" y="3426903"/>
-                <a:ext cx="457200" cy="457200"/>
-              </a:xfrm>
-              <a:prstGeom prst="rect">
-                <a:avLst/>
-              </a:prstGeom>
-            </p:spPr>
-          </p:pic>
-          <p:sp>
-            <p:nvSpPr>
-              <p:cNvPr id="9" name="Hộp Văn bản 20">
-                <a:extLst>
-                  <a:ext uri="{FF2B5EF4-FFF2-40B4-BE49-F238E27FC236}">
-                    <a16:creationId xmlns:a16="http://schemas.microsoft.com/office/drawing/2014/main" xmlns="" id="{23A44B04-637F-443B-B249-D55F2E3875A3}"/>
-                  </a:ext>
-                </a:extLst>
-              </p:cNvPr>
-              <p:cNvSpPr txBox="1"/>
-              <p:nvPr/>
-            </p:nvSpPr>
-            <p:spPr>
-              <a:xfrm>
-                <a:off x="963734" y="3426903"/>
-                <a:ext cx="4121641" cy="369332"/>
-              </a:xfrm>
-              <a:prstGeom prst="rect">
-                <a:avLst/>
-              </a:prstGeom>
-              <a:noFill/>
-            </p:spPr>
-            <p:txBody>
-              <a:bodyPr wrap="none" rtlCol="0">
-                <a:spAutoFit/>
-              </a:bodyPr>
-              <a:lstStyle/>
-              <a:p>
-                <a:r>
-                  <a:rPr lang="en-US" b="1" dirty="0"/>
-                  <a:t>Create verification items check </a:t>
-                </a:r>
-                <a:r>
-                  <a:rPr lang="en-US" b="1" dirty="0" smtClean="0"/>
-                  <a:t>list</a:t>
-                </a:r>
-                <a:endParaRPr lang="en-US" sz="1600" dirty="0" smtClean="0"/>
-              </a:p>
-            </p:txBody>
-          </p:sp>
-        </p:grpSp>
-        <p:sp>
-          <p:nvSpPr>
-            <p:cNvPr id="23" name="Rectangle 22"/>
-            <p:cNvSpPr/>
-            <p:nvPr/>
-          </p:nvSpPr>
-          <p:spPr>
-            <a:xfrm>
-              <a:off x="1537199" y="3322188"/>
-              <a:ext cx="2743200" cy="91440"/>
-            </a:xfrm>
-            <a:prstGeom prst="rect">
-              <a:avLst/>
-            </a:prstGeom>
-            <a:solidFill>
-              <a:schemeClr val="tx2"/>
-            </a:solidFill>
-            <a:ln>
-              <a:noFill/>
-            </a:ln>
-          </p:spPr>
-          <p:style>
-            <a:lnRef idx="2">
-              <a:schemeClr val="accent1">
-                <a:shade val="50000"/>
-              </a:schemeClr>
-            </a:lnRef>
-            <a:fillRef idx="1">
-              <a:schemeClr val="accent1"/>
-            </a:fillRef>
-            <a:effectRef idx="0">
-              <a:schemeClr val="accent1"/>
-            </a:effectRef>
-            <a:fontRef idx="minor">
-              <a:schemeClr val="lt1"/>
-            </a:fontRef>
-          </p:style>
-          <p:txBody>
-            <a:bodyPr rtlCol="0" anchor="ctr"/>
-            <a:lstStyle/>
-            <a:p>
-              <a:pPr algn="r"/>
-              <a:r>
-                <a:rPr lang="en-US" sz="700" dirty="0" smtClean="0"/>
-                <a:t>1</a:t>
-              </a:r>
-              <a:endParaRPr lang="en-US" sz="700" dirty="0"/>
-            </a:p>
-          </p:txBody>
-        </p:sp>
-        <p:sp>
-          <p:nvSpPr>
-            <p:cNvPr id="24" name="Rectangle 23"/>
-            <p:cNvSpPr/>
-            <p:nvPr/>
-          </p:nvSpPr>
-          <p:spPr>
-            <a:xfrm>
-              <a:off x="1537199" y="3433093"/>
-              <a:ext cx="2743200" cy="91440"/>
-            </a:xfrm>
-            <a:prstGeom prst="rect">
-              <a:avLst/>
-            </a:prstGeom>
-            <a:solidFill>
-              <a:srgbClr val="FF0000"/>
-            </a:solidFill>
-            <a:ln>
-              <a:noFill/>
-            </a:ln>
-          </p:spPr>
-          <p:style>
-            <a:lnRef idx="2">
-              <a:schemeClr val="accent1">
-                <a:shade val="50000"/>
-              </a:schemeClr>
-            </a:lnRef>
-            <a:fillRef idx="1">
-              <a:schemeClr val="accent1"/>
-            </a:fillRef>
-            <a:effectRef idx="0">
-              <a:schemeClr val="accent1"/>
-            </a:effectRef>
-            <a:fontRef idx="minor">
-              <a:schemeClr val="lt1"/>
-            </a:fontRef>
-          </p:style>
-          <p:txBody>
-            <a:bodyPr rtlCol="0" anchor="ctr"/>
-            <a:lstStyle/>
-            <a:p>
-              <a:pPr algn="r"/>
-              <a:endParaRPr lang="en-US" sz="700" dirty="0"/>
-            </a:p>
-          </p:txBody>
-        </p:sp>
-        <p:sp>
-          <p:nvSpPr>
-            <p:cNvPr id="33" name="Rectangle 32"/>
-            <p:cNvSpPr/>
-            <p:nvPr/>
-          </p:nvSpPr>
-          <p:spPr>
-            <a:xfrm>
-              <a:off x="4292381" y="3322188"/>
-              <a:ext cx="2743200" cy="91440"/>
-            </a:xfrm>
-            <a:prstGeom prst="rect">
-              <a:avLst/>
-            </a:prstGeom>
-            <a:solidFill>
-              <a:schemeClr val="tx2"/>
-            </a:solidFill>
-            <a:ln>
-              <a:noFill/>
-            </a:ln>
-          </p:spPr>
-          <p:style>
-            <a:lnRef idx="2">
-              <a:schemeClr val="accent1">
-                <a:shade val="50000"/>
-              </a:schemeClr>
-            </a:lnRef>
-            <a:fillRef idx="1">
-              <a:schemeClr val="accent1"/>
-            </a:fillRef>
-            <a:effectRef idx="0">
-              <a:schemeClr val="accent1"/>
-            </a:effectRef>
-            <a:fontRef idx="minor">
-              <a:schemeClr val="lt1"/>
-            </a:fontRef>
-          </p:style>
-          <p:txBody>
-            <a:bodyPr rtlCol="0" anchor="ctr"/>
-            <a:lstStyle/>
-            <a:p>
-              <a:pPr algn="r"/>
-              <a:r>
-                <a:rPr lang="en-US" sz="700" dirty="0"/>
-                <a:t>2</a:t>
-              </a:r>
-            </a:p>
-          </p:txBody>
-        </p:sp>
-        <p:sp>
-          <p:nvSpPr>
-            <p:cNvPr id="34" name="Rectangle 33"/>
-            <p:cNvSpPr/>
-            <p:nvPr/>
-          </p:nvSpPr>
-          <p:spPr>
-            <a:xfrm>
-              <a:off x="4292381" y="3433093"/>
-              <a:ext cx="2743200" cy="91440"/>
-            </a:xfrm>
-            <a:prstGeom prst="rect">
-              <a:avLst/>
-            </a:prstGeom>
-            <a:solidFill>
-              <a:srgbClr val="FF0000"/>
-            </a:solidFill>
-            <a:ln>
-              <a:noFill/>
-            </a:ln>
-          </p:spPr>
-          <p:style>
-            <a:lnRef idx="2">
-              <a:schemeClr val="accent1">
-                <a:shade val="50000"/>
-              </a:schemeClr>
-            </a:lnRef>
-            <a:fillRef idx="1">
-              <a:schemeClr val="accent1"/>
-            </a:fillRef>
-            <a:effectRef idx="0">
-              <a:schemeClr val="accent1"/>
-            </a:effectRef>
-            <a:fontRef idx="minor">
-              <a:schemeClr val="lt1"/>
-            </a:fontRef>
-          </p:style>
-          <p:txBody>
-            <a:bodyPr rtlCol="0" anchor="ctr"/>
-            <a:lstStyle/>
-            <a:p>
-              <a:pPr algn="r"/>
-              <a:endParaRPr lang="en-US" sz="700" dirty="0"/>
-            </a:p>
-          </p:txBody>
-        </p:sp>
-        <p:sp>
-          <p:nvSpPr>
-            <p:cNvPr id="41" name="Rectangle 40"/>
-            <p:cNvSpPr/>
-            <p:nvPr/>
-          </p:nvSpPr>
-          <p:spPr>
-            <a:xfrm>
-              <a:off x="7054878" y="3432483"/>
-              <a:ext cx="1371600" cy="91440"/>
-            </a:xfrm>
-            <a:prstGeom prst="rect">
-              <a:avLst/>
-            </a:prstGeom>
-            <a:solidFill>
-              <a:srgbClr val="FF0000"/>
-            </a:solidFill>
-            <a:ln>
-              <a:noFill/>
-            </a:ln>
-          </p:spPr>
-          <p:style>
-            <a:lnRef idx="2">
-              <a:schemeClr val="accent1">
-                <a:shade val="50000"/>
-              </a:schemeClr>
-            </a:lnRef>
-            <a:fillRef idx="1">
-              <a:schemeClr val="accent1"/>
-            </a:fillRef>
-            <a:effectRef idx="0">
-              <a:schemeClr val="accent1"/>
-            </a:effectRef>
-            <a:fontRef idx="minor">
-              <a:schemeClr val="lt1"/>
-            </a:fontRef>
-          </p:style>
-          <p:txBody>
-            <a:bodyPr rtlCol="0" anchor="ctr"/>
-            <a:lstStyle/>
-            <a:p>
-              <a:pPr algn="r"/>
-              <a:r>
-                <a:rPr lang="en-US" sz="700" dirty="0" smtClean="0"/>
-                <a:t>2.5</a:t>
-              </a:r>
-              <a:endParaRPr lang="en-US" sz="700" dirty="0"/>
-            </a:p>
-          </p:txBody>
-        </p:sp>
-      </p:grpSp>
-      <p:grpSp>
-        <p:nvGrpSpPr>
-          <p:cNvPr id="55" name="Group 54"/>
-          <p:cNvGrpSpPr/>
-          <p:nvPr/>
-        </p:nvGrpSpPr>
-        <p:grpSpPr>
-          <a:xfrm>
-            <a:off x="1080000" y="3938610"/>
-            <a:ext cx="8718078" cy="659483"/>
-            <a:chOff x="1080000" y="3771712"/>
-            <a:chExt cx="8718078" cy="659483"/>
-          </a:xfrm>
-        </p:grpSpPr>
-        <p:grpSp>
-          <p:nvGrpSpPr>
-            <p:cNvPr id="10" name="Nhóm 29">
-              <a:extLst>
-                <a:ext uri="{FF2B5EF4-FFF2-40B4-BE49-F238E27FC236}">
-                  <a16:creationId xmlns:a16="http://schemas.microsoft.com/office/drawing/2014/main" xmlns="" id="{ADD44F73-D7E6-4184-9C5D-80B134FE1311}"/>
-                </a:ext>
-              </a:extLst>
-            </p:cNvPr>
-            <p:cNvGrpSpPr/>
-            <p:nvPr/>
-          </p:nvGrpSpPr>
-          <p:grpSpPr>
-            <a:xfrm>
-              <a:off x="1080000" y="3771712"/>
-              <a:ext cx="5643235" cy="457200"/>
-              <a:chOff x="506534" y="4095924"/>
-              <a:chExt cx="5643235" cy="457200"/>
-            </a:xfrm>
-          </p:grpSpPr>
-          <p:pic>
-            <p:nvPicPr>
-              <p:cNvPr id="11" name="Đồ họa 12" descr="Cơ sở dữ liệu">
-                <a:extLst>
-                  <a:ext uri="{FF2B5EF4-FFF2-40B4-BE49-F238E27FC236}">
-                    <a16:creationId xmlns:a16="http://schemas.microsoft.com/office/drawing/2014/main" xmlns="" id="{4FBF62DF-BF53-406D-9929-0B695643BD68}"/>
-                  </a:ext>
-                </a:extLst>
-              </p:cNvPr>
-              <p:cNvPicPr>
-                <a:picLocks noChangeAspect="1"/>
-              </p:cNvPicPr>
-              <p:nvPr/>
-            </p:nvPicPr>
-            <p:blipFill>
-              <a:blip r:embed="rId6" cstate="print">
-                <a:extLst>
-                  <a:ext uri="{28A0092B-C50C-407E-A947-70E740481C1C}">
-                    <a14:useLocalDpi xmlns:a14="http://schemas.microsoft.com/office/drawing/2010/main" val="0"/>
-                  </a:ext>
-                  <a:ext uri="{96DAC541-7B7A-43D3-8B79-37D633B846F1}">
-                    <asvg:svgBlip xmlns:asvg="http://schemas.microsoft.com/office/drawing/2016/SVG/main" xmlns="" r:embed="rId7"/>
-                  </a:ext>
-                </a:extLst>
-              </a:blip>
-              <a:stretch>
-                <a:fillRect/>
-              </a:stretch>
-            </p:blipFill>
-            <p:spPr>
-              <a:xfrm>
-                <a:off x="506534" y="4095924"/>
-                <a:ext cx="457200" cy="457200"/>
-              </a:xfrm>
-              <a:prstGeom prst="rect">
-                <a:avLst/>
-              </a:prstGeom>
-            </p:spPr>
-          </p:pic>
-          <p:sp>
-            <p:nvSpPr>
-              <p:cNvPr id="12" name="Hộp Văn bản 21">
-                <a:extLst>
-                  <a:ext uri="{FF2B5EF4-FFF2-40B4-BE49-F238E27FC236}">
-                    <a16:creationId xmlns:a16="http://schemas.microsoft.com/office/drawing/2014/main" xmlns="" id="{80318687-91C5-4D9C-8EC5-E227278A1053}"/>
-                  </a:ext>
-                </a:extLst>
-              </p:cNvPr>
-              <p:cNvSpPr txBox="1"/>
-              <p:nvPr/>
-            </p:nvSpPr>
-            <p:spPr>
-              <a:xfrm>
-                <a:off x="963734" y="4095924"/>
-                <a:ext cx="5186035" cy="369332"/>
-              </a:xfrm>
-              <a:prstGeom prst="rect">
-                <a:avLst/>
-              </a:prstGeom>
-              <a:noFill/>
-            </p:spPr>
-            <p:txBody>
-              <a:bodyPr wrap="none" rtlCol="0">
-                <a:spAutoFit/>
-              </a:bodyPr>
-              <a:lstStyle/>
-              <a:p>
-                <a:r>
-                  <a:rPr lang="en-US" b="1" dirty="0"/>
-                  <a:t>Create test patterns for functional </a:t>
-                </a:r>
-                <a:r>
-                  <a:rPr lang="en-US" b="1" dirty="0" smtClean="0"/>
-                  <a:t>verification</a:t>
-                </a:r>
-                <a:endParaRPr lang="en-US" sz="1600" dirty="0"/>
-              </a:p>
-            </p:txBody>
-          </p:sp>
-        </p:grpSp>
-        <p:sp>
-          <p:nvSpPr>
-            <p:cNvPr id="25" name="Rectangle 24"/>
-            <p:cNvSpPr/>
-            <p:nvPr/>
-          </p:nvSpPr>
-          <p:spPr>
-            <a:xfrm>
-              <a:off x="1537199" y="4228850"/>
-              <a:ext cx="2743200" cy="91440"/>
-            </a:xfrm>
-            <a:prstGeom prst="rect">
-              <a:avLst/>
-            </a:prstGeom>
-            <a:solidFill>
-              <a:schemeClr val="tx2"/>
-            </a:solidFill>
-            <a:ln>
-              <a:noFill/>
-            </a:ln>
-          </p:spPr>
-          <p:style>
-            <a:lnRef idx="2">
-              <a:schemeClr val="accent1">
-                <a:shade val="50000"/>
-              </a:schemeClr>
-            </a:lnRef>
-            <a:fillRef idx="1">
-              <a:schemeClr val="accent1"/>
-            </a:fillRef>
-            <a:effectRef idx="0">
-              <a:schemeClr val="accent1"/>
-            </a:effectRef>
-            <a:fontRef idx="minor">
-              <a:schemeClr val="lt1"/>
-            </a:fontRef>
-          </p:style>
-          <p:txBody>
-            <a:bodyPr rtlCol="0" anchor="ctr"/>
-            <a:lstStyle/>
-            <a:p>
-              <a:pPr algn="r"/>
-              <a:r>
-                <a:rPr lang="en-US" sz="700" dirty="0" smtClean="0"/>
-                <a:t>1</a:t>
-              </a:r>
-              <a:endParaRPr lang="en-US" sz="700" dirty="0"/>
-            </a:p>
-          </p:txBody>
-        </p:sp>
-        <p:sp>
-          <p:nvSpPr>
-            <p:cNvPr id="26" name="Rectangle 25"/>
-            <p:cNvSpPr/>
-            <p:nvPr/>
-          </p:nvSpPr>
-          <p:spPr>
-            <a:xfrm>
-              <a:off x="1537199" y="4339755"/>
-              <a:ext cx="2743200" cy="91440"/>
-            </a:xfrm>
-            <a:prstGeom prst="rect">
-              <a:avLst/>
-            </a:prstGeom>
-            <a:solidFill>
-              <a:srgbClr val="FF0000"/>
-            </a:solidFill>
-            <a:ln>
-              <a:noFill/>
-            </a:ln>
-          </p:spPr>
-          <p:style>
-            <a:lnRef idx="2">
-              <a:schemeClr val="accent1">
-                <a:shade val="50000"/>
-              </a:schemeClr>
-            </a:lnRef>
-            <a:fillRef idx="1">
-              <a:schemeClr val="accent1"/>
-            </a:fillRef>
-            <a:effectRef idx="0">
-              <a:schemeClr val="accent1"/>
-            </a:effectRef>
-            <a:fontRef idx="minor">
-              <a:schemeClr val="lt1"/>
-            </a:fontRef>
-          </p:style>
-          <p:txBody>
-            <a:bodyPr rtlCol="0" anchor="ctr"/>
-            <a:lstStyle/>
-            <a:p>
-              <a:pPr algn="r"/>
-              <a:endParaRPr lang="en-US" sz="700" dirty="0"/>
-            </a:p>
-          </p:txBody>
-        </p:sp>
-        <p:sp>
-          <p:nvSpPr>
-            <p:cNvPr id="35" name="Rectangle 34"/>
-            <p:cNvSpPr/>
-            <p:nvPr/>
-          </p:nvSpPr>
-          <p:spPr>
-            <a:xfrm>
-              <a:off x="4292381" y="4228850"/>
-              <a:ext cx="2743200" cy="91440"/>
-            </a:xfrm>
-            <a:prstGeom prst="rect">
-              <a:avLst/>
-            </a:prstGeom>
-            <a:solidFill>
-              <a:schemeClr val="tx2"/>
-            </a:solidFill>
-            <a:ln>
-              <a:noFill/>
-            </a:ln>
-          </p:spPr>
-          <p:style>
-            <a:lnRef idx="2">
-              <a:schemeClr val="accent1">
-                <a:shade val="50000"/>
-              </a:schemeClr>
-            </a:lnRef>
-            <a:fillRef idx="1">
-              <a:schemeClr val="accent1"/>
-            </a:fillRef>
-            <a:effectRef idx="0">
-              <a:schemeClr val="accent1"/>
-            </a:effectRef>
-            <a:fontRef idx="minor">
-              <a:schemeClr val="lt1"/>
-            </a:fontRef>
-          </p:style>
-          <p:txBody>
-            <a:bodyPr rtlCol="0" anchor="ctr"/>
-            <a:lstStyle/>
-            <a:p>
-              <a:pPr algn="r"/>
-              <a:r>
-                <a:rPr lang="en-US" sz="700" dirty="0"/>
-                <a:t>2</a:t>
-              </a:r>
-            </a:p>
-          </p:txBody>
-        </p:sp>
-        <p:sp>
-          <p:nvSpPr>
-            <p:cNvPr id="36" name="Rectangle 35"/>
-            <p:cNvSpPr/>
-            <p:nvPr/>
-          </p:nvSpPr>
-          <p:spPr>
-            <a:xfrm>
-              <a:off x="4292381" y="4339755"/>
-              <a:ext cx="2743200" cy="91440"/>
-            </a:xfrm>
-            <a:prstGeom prst="rect">
-              <a:avLst/>
-            </a:prstGeom>
-            <a:solidFill>
-              <a:srgbClr val="FF0000"/>
-            </a:solidFill>
-            <a:ln>
-              <a:noFill/>
-            </a:ln>
-          </p:spPr>
-          <p:style>
-            <a:lnRef idx="2">
-              <a:schemeClr val="accent1">
-                <a:shade val="50000"/>
-              </a:schemeClr>
-            </a:lnRef>
-            <a:fillRef idx="1">
-              <a:schemeClr val="accent1"/>
-            </a:fillRef>
-            <a:effectRef idx="0">
-              <a:schemeClr val="accent1"/>
-            </a:effectRef>
-            <a:fontRef idx="minor">
-              <a:schemeClr val="lt1"/>
-            </a:fontRef>
-          </p:style>
-          <p:txBody>
-            <a:bodyPr rtlCol="0" anchor="ctr"/>
-            <a:lstStyle/>
-            <a:p>
-              <a:pPr algn="r"/>
-              <a:endParaRPr lang="en-US" sz="700" dirty="0"/>
-            </a:p>
-          </p:txBody>
-        </p:sp>
-        <p:sp>
-          <p:nvSpPr>
-            <p:cNvPr id="42" name="Rectangle 41"/>
-            <p:cNvSpPr/>
-            <p:nvPr/>
-          </p:nvSpPr>
-          <p:spPr>
-            <a:xfrm>
-              <a:off x="7054878" y="4339755"/>
-              <a:ext cx="2743200" cy="91440"/>
-            </a:xfrm>
-            <a:prstGeom prst="rect">
-              <a:avLst/>
-            </a:prstGeom>
-            <a:solidFill>
-              <a:srgbClr val="FF0000"/>
-            </a:solidFill>
-            <a:ln>
-              <a:noFill/>
-            </a:ln>
-          </p:spPr>
-          <p:style>
-            <a:lnRef idx="2">
-              <a:schemeClr val="accent1">
-                <a:shade val="50000"/>
-              </a:schemeClr>
-            </a:lnRef>
-            <a:fillRef idx="1">
-              <a:schemeClr val="accent1"/>
-            </a:fillRef>
-            <a:effectRef idx="0">
-              <a:schemeClr val="accent1"/>
-            </a:effectRef>
-            <a:fontRef idx="minor">
-              <a:schemeClr val="lt1"/>
-            </a:fontRef>
-          </p:style>
-          <p:txBody>
-            <a:bodyPr rtlCol="0" anchor="ctr"/>
-            <a:lstStyle/>
-            <a:p>
-              <a:pPr algn="r"/>
-              <a:r>
-                <a:rPr lang="en-US" sz="700" dirty="0"/>
-                <a:t>3</a:t>
-              </a:r>
-            </a:p>
-          </p:txBody>
-        </p:sp>
-      </p:grpSp>
-      <p:grpSp>
-        <p:nvGrpSpPr>
-          <p:cNvPr id="56" name="Group 55"/>
-          <p:cNvGrpSpPr/>
-          <p:nvPr/>
-        </p:nvGrpSpPr>
-        <p:grpSpPr>
-          <a:xfrm>
-            <a:off x="1080000" y="4762126"/>
-            <a:ext cx="8718078" cy="659545"/>
-            <a:chOff x="1080000" y="4678709"/>
-            <a:chExt cx="8718078" cy="659545"/>
-          </a:xfrm>
-        </p:grpSpPr>
-        <p:grpSp>
-          <p:nvGrpSpPr>
-            <p:cNvPr id="13" name="Nhóm 30">
-              <a:extLst>
-                <a:ext uri="{FF2B5EF4-FFF2-40B4-BE49-F238E27FC236}">
-                  <a16:creationId xmlns:a16="http://schemas.microsoft.com/office/drawing/2014/main" xmlns="" id="{22BF9D0B-136C-408B-B280-6963B306BB83}"/>
-                </a:ext>
-              </a:extLst>
-            </p:cNvPr>
-            <p:cNvGrpSpPr/>
-            <p:nvPr/>
-          </p:nvGrpSpPr>
-          <p:grpSpPr>
-            <a:xfrm>
-              <a:off x="1080000" y="4678709"/>
-              <a:ext cx="5395411" cy="457200"/>
-              <a:chOff x="506534" y="4764945"/>
-              <a:chExt cx="5395411" cy="457200"/>
-            </a:xfrm>
-          </p:grpSpPr>
-          <p:pic>
-            <p:nvPicPr>
-              <p:cNvPr id="14" name="Đồ họa 14" descr="Xe chở bê tông">
-                <a:extLst>
-                  <a:ext uri="{FF2B5EF4-FFF2-40B4-BE49-F238E27FC236}">
-                    <a16:creationId xmlns:a16="http://schemas.microsoft.com/office/drawing/2014/main" xmlns="" id="{AC7D20A8-684D-4D88-9B22-11B0C258E6BA}"/>
-                  </a:ext>
-                </a:extLst>
-              </p:cNvPr>
-              <p:cNvPicPr>
-                <a:picLocks noChangeAspect="1"/>
-              </p:cNvPicPr>
-              <p:nvPr/>
-            </p:nvPicPr>
-            <p:blipFill>
-              <a:blip r:embed="rId8" cstate="print">
-                <a:extLst>
-                  <a:ext uri="{28A0092B-C50C-407E-A947-70E740481C1C}">
-                    <a14:useLocalDpi xmlns:a14="http://schemas.microsoft.com/office/drawing/2010/main" val="0"/>
-                  </a:ext>
-                  <a:ext uri="{96DAC541-7B7A-43D3-8B79-37D633B846F1}">
-                    <asvg:svgBlip xmlns:asvg="http://schemas.microsoft.com/office/drawing/2016/SVG/main" xmlns="" r:embed="rId9"/>
-                  </a:ext>
-                </a:extLst>
-              </a:blip>
-              <a:stretch>
-                <a:fillRect/>
-              </a:stretch>
-            </p:blipFill>
-            <p:spPr>
-              <a:xfrm>
-                <a:off x="506534" y="4764945"/>
-                <a:ext cx="457200" cy="457200"/>
-              </a:xfrm>
-              <a:prstGeom prst="rect">
-                <a:avLst/>
-              </a:prstGeom>
-            </p:spPr>
-          </p:pic>
-          <p:sp>
-            <p:nvSpPr>
-              <p:cNvPr id="15" name="Hộp Văn bản 22">
-                <a:extLst>
-                  <a:ext uri="{FF2B5EF4-FFF2-40B4-BE49-F238E27FC236}">
-                    <a16:creationId xmlns:a16="http://schemas.microsoft.com/office/drawing/2014/main" xmlns="" id="{6108A849-1640-4BDF-A81C-732BD39F495A}"/>
-                  </a:ext>
-                </a:extLst>
-              </p:cNvPr>
-              <p:cNvSpPr txBox="1"/>
-              <p:nvPr/>
-            </p:nvSpPr>
-            <p:spPr>
-              <a:xfrm>
-                <a:off x="963734" y="4764945"/>
-                <a:ext cx="4938211" cy="369332"/>
-              </a:xfrm>
-              <a:prstGeom prst="rect">
-                <a:avLst/>
-              </a:prstGeom>
-              <a:noFill/>
-            </p:spPr>
-            <p:txBody>
-              <a:bodyPr wrap="none" rtlCol="0">
-                <a:spAutoFit/>
-              </a:bodyPr>
-              <a:lstStyle/>
-              <a:p>
-                <a:r>
-                  <a:rPr lang="en-US" b="1" dirty="0"/>
-                  <a:t>Conduct functional verification at RTL </a:t>
-                </a:r>
-                <a:r>
-                  <a:rPr lang="en-US" b="1" dirty="0" smtClean="0"/>
-                  <a:t>level</a:t>
-                </a:r>
-                <a:endParaRPr lang="en-US" sz="1600" dirty="0"/>
-              </a:p>
-            </p:txBody>
-          </p:sp>
-        </p:grpSp>
-        <p:sp>
-          <p:nvSpPr>
-            <p:cNvPr id="27" name="Rectangle 26"/>
-            <p:cNvSpPr/>
-            <p:nvPr/>
-          </p:nvSpPr>
-          <p:spPr>
-            <a:xfrm>
-              <a:off x="1537199" y="5135909"/>
-              <a:ext cx="2743200" cy="91440"/>
-            </a:xfrm>
-            <a:prstGeom prst="rect">
-              <a:avLst/>
-            </a:prstGeom>
-            <a:solidFill>
-              <a:schemeClr val="tx2"/>
-            </a:solidFill>
-            <a:ln>
-              <a:noFill/>
-            </a:ln>
-          </p:spPr>
-          <p:style>
-            <a:lnRef idx="2">
-              <a:schemeClr val="accent1">
-                <a:shade val="50000"/>
-              </a:schemeClr>
-            </a:lnRef>
-            <a:fillRef idx="1">
-              <a:schemeClr val="accent1"/>
-            </a:fillRef>
-            <a:effectRef idx="0">
-              <a:schemeClr val="accent1"/>
-            </a:effectRef>
-            <a:fontRef idx="minor">
-              <a:schemeClr val="lt1"/>
-            </a:fontRef>
-          </p:style>
-          <p:txBody>
-            <a:bodyPr rtlCol="0" anchor="ctr"/>
-            <a:lstStyle/>
-            <a:p>
-              <a:pPr algn="r"/>
-              <a:r>
-                <a:rPr lang="en-US" sz="700" dirty="0" smtClean="0"/>
-                <a:t>1</a:t>
-              </a:r>
-              <a:endParaRPr lang="en-US" sz="700" dirty="0"/>
-            </a:p>
-          </p:txBody>
-        </p:sp>
-        <p:sp>
-          <p:nvSpPr>
-            <p:cNvPr id="28" name="Rectangle 27"/>
-            <p:cNvSpPr/>
-            <p:nvPr/>
-          </p:nvSpPr>
-          <p:spPr>
-            <a:xfrm>
-              <a:off x="1537199" y="5246814"/>
-              <a:ext cx="2743200" cy="91440"/>
-            </a:xfrm>
-            <a:prstGeom prst="rect">
-              <a:avLst/>
-            </a:prstGeom>
-            <a:solidFill>
-              <a:srgbClr val="FF0000"/>
-            </a:solidFill>
-            <a:ln>
-              <a:noFill/>
-            </a:ln>
-          </p:spPr>
-          <p:style>
-            <a:lnRef idx="2">
-              <a:schemeClr val="accent1">
-                <a:shade val="50000"/>
-              </a:schemeClr>
-            </a:lnRef>
-            <a:fillRef idx="1">
-              <a:schemeClr val="accent1"/>
-            </a:fillRef>
-            <a:effectRef idx="0">
-              <a:schemeClr val="accent1"/>
-            </a:effectRef>
-            <a:fontRef idx="minor">
-              <a:schemeClr val="lt1"/>
-            </a:fontRef>
-          </p:style>
-          <p:txBody>
-            <a:bodyPr rtlCol="0" anchor="ctr"/>
-            <a:lstStyle/>
-            <a:p>
-              <a:pPr algn="r"/>
-              <a:endParaRPr lang="en-US" sz="700" dirty="0"/>
-            </a:p>
-          </p:txBody>
-        </p:sp>
-        <p:sp>
-          <p:nvSpPr>
-            <p:cNvPr id="37" name="Rectangle 36"/>
-            <p:cNvSpPr/>
-            <p:nvPr/>
-          </p:nvSpPr>
-          <p:spPr>
-            <a:xfrm>
-              <a:off x="4292381" y="5135909"/>
-              <a:ext cx="2743200" cy="91440"/>
-            </a:xfrm>
-            <a:prstGeom prst="rect">
-              <a:avLst/>
-            </a:prstGeom>
-            <a:solidFill>
-              <a:schemeClr val="tx2"/>
-            </a:solidFill>
-            <a:ln>
-              <a:noFill/>
-            </a:ln>
-          </p:spPr>
-          <p:style>
-            <a:lnRef idx="2">
-              <a:schemeClr val="accent1">
-                <a:shade val="50000"/>
-              </a:schemeClr>
-            </a:lnRef>
-            <a:fillRef idx="1">
-              <a:schemeClr val="accent1"/>
-            </a:fillRef>
-            <a:effectRef idx="0">
-              <a:schemeClr val="accent1"/>
-            </a:effectRef>
-            <a:fontRef idx="minor">
-              <a:schemeClr val="lt1"/>
-            </a:fontRef>
-          </p:style>
-          <p:txBody>
-            <a:bodyPr rtlCol="0" anchor="ctr"/>
-            <a:lstStyle/>
-            <a:p>
-              <a:pPr algn="r"/>
-              <a:r>
-                <a:rPr lang="en-US" sz="700" dirty="0"/>
-                <a:t>2</a:t>
-              </a:r>
-            </a:p>
-          </p:txBody>
-        </p:sp>
-        <p:sp>
-          <p:nvSpPr>
-            <p:cNvPr id="38" name="Rectangle 37"/>
-            <p:cNvSpPr/>
-            <p:nvPr/>
-          </p:nvSpPr>
-          <p:spPr>
-            <a:xfrm>
-              <a:off x="4292381" y="5246814"/>
-              <a:ext cx="2743200" cy="91440"/>
-            </a:xfrm>
-            <a:prstGeom prst="rect">
-              <a:avLst/>
-            </a:prstGeom>
-            <a:solidFill>
-              <a:srgbClr val="FF0000"/>
-            </a:solidFill>
-            <a:ln>
-              <a:noFill/>
-            </a:ln>
-          </p:spPr>
-          <p:style>
-            <a:lnRef idx="2">
-              <a:schemeClr val="accent1">
-                <a:shade val="50000"/>
-              </a:schemeClr>
-            </a:lnRef>
-            <a:fillRef idx="1">
-              <a:schemeClr val="accent1"/>
-            </a:fillRef>
-            <a:effectRef idx="0">
-              <a:schemeClr val="accent1"/>
-            </a:effectRef>
-            <a:fontRef idx="minor">
-              <a:schemeClr val="lt1"/>
-            </a:fontRef>
-          </p:style>
-          <p:txBody>
-            <a:bodyPr rtlCol="0" anchor="ctr"/>
-            <a:lstStyle/>
-            <a:p>
-              <a:pPr algn="r"/>
-              <a:endParaRPr lang="en-US" sz="700" dirty="0"/>
-            </a:p>
-          </p:txBody>
-        </p:sp>
-        <p:sp>
-          <p:nvSpPr>
-            <p:cNvPr id="43" name="Rectangle 42"/>
-            <p:cNvSpPr/>
-            <p:nvPr/>
-          </p:nvSpPr>
-          <p:spPr>
-            <a:xfrm>
-              <a:off x="7054878" y="5246199"/>
-              <a:ext cx="2743200" cy="91440"/>
-            </a:xfrm>
-            <a:prstGeom prst="rect">
-              <a:avLst/>
-            </a:prstGeom>
-            <a:solidFill>
-              <a:srgbClr val="FF0000"/>
-            </a:solidFill>
-            <a:ln>
-              <a:noFill/>
-            </a:ln>
-          </p:spPr>
-          <p:style>
-            <a:lnRef idx="2">
-              <a:schemeClr val="accent1">
-                <a:shade val="50000"/>
-              </a:schemeClr>
-            </a:lnRef>
-            <a:fillRef idx="1">
-              <a:schemeClr val="accent1"/>
-            </a:fillRef>
-            <a:effectRef idx="0">
-              <a:schemeClr val="accent1"/>
-            </a:effectRef>
-            <a:fontRef idx="minor">
-              <a:schemeClr val="lt1"/>
-            </a:fontRef>
-          </p:style>
-          <p:txBody>
-            <a:bodyPr rtlCol="0" anchor="ctr"/>
-            <a:lstStyle/>
-            <a:p>
-              <a:pPr algn="r"/>
-              <a:r>
-                <a:rPr lang="en-US" sz="700" dirty="0"/>
-                <a:t>3</a:t>
-              </a:r>
-            </a:p>
-          </p:txBody>
-        </p:sp>
-      </p:grpSp>
-      <p:grpSp>
-        <p:nvGrpSpPr>
-          <p:cNvPr id="57" name="Group 56"/>
-          <p:cNvGrpSpPr/>
-          <p:nvPr/>
-        </p:nvGrpSpPr>
-        <p:grpSpPr>
-          <a:xfrm>
-            <a:off x="1080000" y="5585706"/>
-            <a:ext cx="7346478" cy="659545"/>
-            <a:chOff x="1080000" y="5585706"/>
-            <a:chExt cx="7346478" cy="659545"/>
-          </a:xfrm>
-        </p:grpSpPr>
-        <p:grpSp>
-          <p:nvGrpSpPr>
-            <p:cNvPr id="16" name="Nhóm 31">
-              <a:extLst>
-                <a:ext uri="{FF2B5EF4-FFF2-40B4-BE49-F238E27FC236}">
-                  <a16:creationId xmlns:a16="http://schemas.microsoft.com/office/drawing/2014/main" xmlns="" id="{DD9360C9-B1EB-45B1-BEA4-C2DDA8E4FEF5}"/>
-                </a:ext>
-              </a:extLst>
-            </p:cNvPr>
-            <p:cNvGrpSpPr/>
-            <p:nvPr/>
-          </p:nvGrpSpPr>
-          <p:grpSpPr>
-            <a:xfrm>
-              <a:off x="1080000" y="5585706"/>
-              <a:ext cx="4745552" cy="457200"/>
-              <a:chOff x="506534" y="5328765"/>
-              <a:chExt cx="4745552" cy="457200"/>
-            </a:xfrm>
-          </p:grpSpPr>
-          <p:pic>
-            <p:nvPicPr>
-              <p:cNvPr id="17" name="Đồ họa 16" descr="Kính hiển vi">
-                <a:extLst>
-                  <a:ext uri="{FF2B5EF4-FFF2-40B4-BE49-F238E27FC236}">
-                    <a16:creationId xmlns:a16="http://schemas.microsoft.com/office/drawing/2014/main" xmlns="" id="{E43F761C-1B61-4311-9BB3-B7173F547F55}"/>
-                  </a:ext>
-                </a:extLst>
-              </p:cNvPr>
-              <p:cNvPicPr>
-                <a:picLocks noChangeAspect="1"/>
-              </p:cNvPicPr>
-              <p:nvPr/>
-            </p:nvPicPr>
-            <p:blipFill>
-              <a:blip r:embed="rId10" cstate="print">
-                <a:extLst>
-                  <a:ext uri="{28A0092B-C50C-407E-A947-70E740481C1C}">
-                    <a14:useLocalDpi xmlns:a14="http://schemas.microsoft.com/office/drawing/2010/main" val="0"/>
-                  </a:ext>
-                  <a:ext uri="{96DAC541-7B7A-43D3-8B79-37D633B846F1}">
-                    <asvg:svgBlip xmlns:asvg="http://schemas.microsoft.com/office/drawing/2016/SVG/main" xmlns="" r:embed="rId11"/>
-                  </a:ext>
-                </a:extLst>
-              </a:blip>
-              <a:stretch>
-                <a:fillRect/>
-              </a:stretch>
-            </p:blipFill>
-            <p:spPr>
-              <a:xfrm>
-                <a:off x="506534" y="5328765"/>
-                <a:ext cx="457200" cy="457200"/>
-              </a:xfrm>
-              <a:prstGeom prst="rect">
-                <a:avLst/>
-              </a:prstGeom>
-            </p:spPr>
-          </p:pic>
-          <p:sp>
-            <p:nvSpPr>
-              <p:cNvPr id="18" name="Hộp Văn bản 23">
-                <a:extLst>
-                  <a:ext uri="{FF2B5EF4-FFF2-40B4-BE49-F238E27FC236}">
-                    <a16:creationId xmlns:a16="http://schemas.microsoft.com/office/drawing/2014/main" xmlns="" id="{B9CB2816-9F0C-4F34-98C6-7DD180E361F9}"/>
-                  </a:ext>
-                </a:extLst>
-              </p:cNvPr>
-              <p:cNvSpPr txBox="1"/>
-              <p:nvPr/>
-            </p:nvSpPr>
-            <p:spPr>
-              <a:xfrm>
-                <a:off x="963733" y="5328765"/>
-                <a:ext cx="4288353" cy="369332"/>
-              </a:xfrm>
-              <a:prstGeom prst="rect">
-                <a:avLst/>
-              </a:prstGeom>
-              <a:noFill/>
-            </p:spPr>
-            <p:txBody>
-              <a:bodyPr wrap="none" rtlCol="0">
-                <a:spAutoFit/>
-              </a:bodyPr>
-              <a:lstStyle/>
-              <a:p>
-                <a:r>
-                  <a:rPr lang="en-US" b="1" dirty="0"/>
-                  <a:t>Evaluate functional verification </a:t>
-                </a:r>
-                <a:r>
-                  <a:rPr lang="en-US" b="1" dirty="0" smtClean="0"/>
-                  <a:t>result</a:t>
-                </a:r>
-                <a:endParaRPr lang="en-US" sz="1600" dirty="0"/>
-              </a:p>
-            </p:txBody>
-          </p:sp>
-        </p:grpSp>
-        <p:sp>
-          <p:nvSpPr>
-            <p:cNvPr id="29" name="Rectangle 28"/>
-            <p:cNvSpPr/>
-            <p:nvPr/>
-          </p:nvSpPr>
-          <p:spPr>
-            <a:xfrm>
-              <a:off x="1537199" y="6042906"/>
-              <a:ext cx="2743200" cy="91440"/>
-            </a:xfrm>
-            <a:prstGeom prst="rect">
-              <a:avLst/>
-            </a:prstGeom>
-            <a:solidFill>
-              <a:schemeClr val="tx2"/>
-            </a:solidFill>
-            <a:ln>
-              <a:noFill/>
-            </a:ln>
-          </p:spPr>
-          <p:style>
-            <a:lnRef idx="2">
-              <a:schemeClr val="accent1">
-                <a:shade val="50000"/>
-              </a:schemeClr>
-            </a:lnRef>
-            <a:fillRef idx="1">
-              <a:schemeClr val="accent1"/>
-            </a:fillRef>
-            <a:effectRef idx="0">
-              <a:schemeClr val="accent1"/>
-            </a:effectRef>
-            <a:fontRef idx="minor">
-              <a:schemeClr val="lt1"/>
-            </a:fontRef>
-          </p:style>
-          <p:txBody>
-            <a:bodyPr rtlCol="0" anchor="ctr"/>
-            <a:lstStyle/>
-            <a:p>
-              <a:pPr algn="r"/>
-              <a:r>
-                <a:rPr lang="en-US" sz="700" dirty="0"/>
-                <a:t>1</a:t>
-              </a:r>
-            </a:p>
-          </p:txBody>
-        </p:sp>
-        <p:sp>
-          <p:nvSpPr>
-            <p:cNvPr id="30" name="Rectangle 29"/>
-            <p:cNvSpPr/>
-            <p:nvPr/>
-          </p:nvSpPr>
-          <p:spPr>
-            <a:xfrm>
-              <a:off x="1537199" y="6153811"/>
-              <a:ext cx="2743200" cy="91440"/>
-            </a:xfrm>
-            <a:prstGeom prst="rect">
-              <a:avLst/>
-            </a:prstGeom>
-            <a:solidFill>
-              <a:srgbClr val="FF0000"/>
-            </a:solidFill>
-            <a:ln>
-              <a:noFill/>
-            </a:ln>
-          </p:spPr>
-          <p:style>
-            <a:lnRef idx="2">
-              <a:schemeClr val="accent1">
-                <a:shade val="50000"/>
-              </a:schemeClr>
-            </a:lnRef>
-            <a:fillRef idx="1">
-              <a:schemeClr val="accent1"/>
-            </a:fillRef>
-            <a:effectRef idx="0">
-              <a:schemeClr val="accent1"/>
-            </a:effectRef>
-            <a:fontRef idx="minor">
-              <a:schemeClr val="lt1"/>
-            </a:fontRef>
-          </p:style>
-          <p:txBody>
-            <a:bodyPr rtlCol="0" anchor="ctr"/>
-            <a:lstStyle/>
-            <a:p>
-              <a:pPr algn="r"/>
-              <a:endParaRPr lang="en-US" sz="700" dirty="0"/>
-            </a:p>
-          </p:txBody>
-        </p:sp>
-        <p:sp>
-          <p:nvSpPr>
-            <p:cNvPr id="39" name="Rectangle 38"/>
-            <p:cNvSpPr/>
-            <p:nvPr/>
-          </p:nvSpPr>
-          <p:spPr>
-            <a:xfrm>
-              <a:off x="4292381" y="6042906"/>
-              <a:ext cx="2743200" cy="91440"/>
-            </a:xfrm>
-            <a:prstGeom prst="rect">
-              <a:avLst/>
-            </a:prstGeom>
-            <a:solidFill>
-              <a:schemeClr val="tx2"/>
-            </a:solidFill>
-            <a:ln>
-              <a:noFill/>
-            </a:ln>
-          </p:spPr>
-          <p:style>
-            <a:lnRef idx="2">
-              <a:schemeClr val="accent1">
-                <a:shade val="50000"/>
-              </a:schemeClr>
-            </a:lnRef>
-            <a:fillRef idx="1">
-              <a:schemeClr val="accent1"/>
-            </a:fillRef>
-            <a:effectRef idx="0">
-              <a:schemeClr val="accent1"/>
-            </a:effectRef>
-            <a:fontRef idx="minor">
-              <a:schemeClr val="lt1"/>
-            </a:fontRef>
-          </p:style>
-          <p:txBody>
-            <a:bodyPr rtlCol="0" anchor="ctr"/>
-            <a:lstStyle/>
-            <a:p>
-              <a:pPr algn="r"/>
-              <a:r>
-                <a:rPr lang="en-US" sz="700" dirty="0"/>
-                <a:t>2</a:t>
-              </a:r>
-            </a:p>
-          </p:txBody>
-        </p:sp>
-        <p:sp>
-          <p:nvSpPr>
-            <p:cNvPr id="40" name="Rectangle 39"/>
-            <p:cNvSpPr/>
-            <p:nvPr/>
-          </p:nvSpPr>
-          <p:spPr>
-            <a:xfrm>
-              <a:off x="4292381" y="6153811"/>
-              <a:ext cx="2743200" cy="91440"/>
-            </a:xfrm>
-            <a:prstGeom prst="rect">
-              <a:avLst/>
-            </a:prstGeom>
-            <a:solidFill>
-              <a:srgbClr val="FF0000"/>
-            </a:solidFill>
-            <a:ln>
-              <a:noFill/>
-            </a:ln>
-          </p:spPr>
-          <p:style>
-            <a:lnRef idx="2">
-              <a:schemeClr val="accent1">
-                <a:shade val="50000"/>
-              </a:schemeClr>
-            </a:lnRef>
-            <a:fillRef idx="1">
-              <a:schemeClr val="accent1"/>
-            </a:fillRef>
-            <a:effectRef idx="0">
-              <a:schemeClr val="accent1"/>
-            </a:effectRef>
-            <a:fontRef idx="minor">
-              <a:schemeClr val="lt1"/>
-            </a:fontRef>
-          </p:style>
-          <p:txBody>
-            <a:bodyPr rtlCol="0" anchor="ctr"/>
-            <a:lstStyle/>
-            <a:p>
-              <a:pPr algn="r"/>
-              <a:endParaRPr lang="en-US" sz="700" dirty="0"/>
-            </a:p>
-          </p:txBody>
-        </p:sp>
-        <p:sp>
-          <p:nvSpPr>
-            <p:cNvPr id="44" name="Rectangle 43"/>
-            <p:cNvSpPr/>
-            <p:nvPr/>
-          </p:nvSpPr>
-          <p:spPr>
-            <a:xfrm>
-              <a:off x="7054878" y="6152643"/>
-              <a:ext cx="1371600" cy="91440"/>
-            </a:xfrm>
-            <a:prstGeom prst="rect">
-              <a:avLst/>
-            </a:prstGeom>
-            <a:solidFill>
-              <a:srgbClr val="FF0000"/>
-            </a:solidFill>
-            <a:ln>
-              <a:noFill/>
-            </a:ln>
-          </p:spPr>
-          <p:style>
-            <a:lnRef idx="2">
-              <a:schemeClr val="accent1">
-                <a:shade val="50000"/>
-              </a:schemeClr>
-            </a:lnRef>
-            <a:fillRef idx="1">
-              <a:schemeClr val="accent1"/>
-            </a:fillRef>
-            <a:effectRef idx="0">
-              <a:schemeClr val="accent1"/>
-            </a:effectRef>
-            <a:fontRef idx="minor">
-              <a:schemeClr val="lt1"/>
-            </a:fontRef>
-          </p:style>
-          <p:txBody>
-            <a:bodyPr rtlCol="0" anchor="ctr"/>
-            <a:lstStyle/>
-            <a:p>
-              <a:pPr algn="r"/>
-              <a:r>
-                <a:rPr lang="en-US" sz="700" dirty="0" smtClean="0"/>
-                <a:t>2.5</a:t>
-              </a:r>
-              <a:endParaRPr lang="en-US" sz="700" dirty="0"/>
-            </a:p>
-          </p:txBody>
-        </p:sp>
-      </p:grpSp>
-      <p:grpSp>
-        <p:nvGrpSpPr>
-          <p:cNvPr id="61" name="Group 60"/>
-          <p:cNvGrpSpPr/>
-          <p:nvPr/>
-        </p:nvGrpSpPr>
-        <p:grpSpPr>
-          <a:xfrm>
-            <a:off x="9841595" y="922877"/>
-            <a:ext cx="1444983" cy="738664"/>
-            <a:chOff x="9706827" y="788267"/>
-            <a:chExt cx="1444983" cy="738664"/>
-          </a:xfrm>
-        </p:grpSpPr>
-        <p:sp>
-          <p:nvSpPr>
-            <p:cNvPr id="58" name="Rectangle 57"/>
-            <p:cNvSpPr/>
-            <p:nvPr/>
-          </p:nvSpPr>
-          <p:spPr>
-            <a:xfrm>
-              <a:off x="10694610" y="1164914"/>
-              <a:ext cx="457200" cy="91440"/>
-            </a:xfrm>
-            <a:prstGeom prst="rect">
-              <a:avLst/>
-            </a:prstGeom>
-            <a:solidFill>
-              <a:schemeClr val="tx2"/>
-            </a:solidFill>
-            <a:ln>
-              <a:noFill/>
-            </a:ln>
-          </p:spPr>
-          <p:style>
-            <a:lnRef idx="2">
-              <a:schemeClr val="accent1">
-                <a:shade val="50000"/>
-              </a:schemeClr>
-            </a:lnRef>
-            <a:fillRef idx="1">
-              <a:schemeClr val="accent1"/>
-            </a:fillRef>
-            <a:effectRef idx="0">
-              <a:schemeClr val="accent1"/>
-            </a:effectRef>
-            <a:fontRef idx="minor">
-              <a:schemeClr val="lt1"/>
-            </a:fontRef>
-          </p:style>
-          <p:txBody>
-            <a:bodyPr rtlCol="0" anchor="ctr"/>
-            <a:lstStyle/>
-            <a:p>
-              <a:pPr algn="r"/>
-              <a:endParaRPr lang="en-US" sz="700" dirty="0"/>
-            </a:p>
-          </p:txBody>
-        </p:sp>
-        <p:sp>
-          <p:nvSpPr>
-            <p:cNvPr id="59" name="Rectangle 58"/>
-            <p:cNvSpPr/>
-            <p:nvPr/>
-          </p:nvSpPr>
-          <p:spPr>
-            <a:xfrm>
-              <a:off x="10694610" y="1340793"/>
-              <a:ext cx="457200" cy="91440"/>
-            </a:xfrm>
-            <a:prstGeom prst="rect">
-              <a:avLst/>
-            </a:prstGeom>
-            <a:solidFill>
-              <a:srgbClr val="FF0000"/>
-            </a:solidFill>
-            <a:ln>
-              <a:noFill/>
-            </a:ln>
-          </p:spPr>
-          <p:style>
-            <a:lnRef idx="2">
-              <a:schemeClr val="accent1">
-                <a:shade val="50000"/>
-              </a:schemeClr>
-            </a:lnRef>
-            <a:fillRef idx="1">
-              <a:schemeClr val="accent1"/>
-            </a:fillRef>
-            <a:effectRef idx="0">
-              <a:schemeClr val="accent1"/>
-            </a:effectRef>
-            <a:fontRef idx="minor">
-              <a:schemeClr val="lt1"/>
-            </a:fontRef>
-          </p:style>
-          <p:txBody>
-            <a:bodyPr rtlCol="0" anchor="ctr"/>
-            <a:lstStyle/>
-            <a:p>
-              <a:pPr algn="r"/>
-              <a:endParaRPr lang="en-US" sz="700" dirty="0"/>
-            </a:p>
-          </p:txBody>
-        </p:sp>
-        <p:sp>
-          <p:nvSpPr>
-            <p:cNvPr id="60" name="TextBox 59"/>
-            <p:cNvSpPr txBox="1"/>
-            <p:nvPr/>
-          </p:nvSpPr>
-          <p:spPr>
-            <a:xfrm>
-              <a:off x="9706827" y="788267"/>
-              <a:ext cx="954107" cy="738664"/>
-            </a:xfrm>
-            <a:prstGeom prst="rect">
-              <a:avLst/>
-            </a:prstGeom>
-            <a:noFill/>
-          </p:spPr>
-          <p:txBody>
-            <a:bodyPr wrap="none" rtlCol="0">
-              <a:spAutoFit/>
-            </a:bodyPr>
-            <a:lstStyle/>
-            <a:p>
-              <a:pPr algn="r"/>
-              <a:r>
-                <a:rPr lang="en-US" u="sng" dirty="0" smtClean="0"/>
-                <a:t>Legend</a:t>
-              </a:r>
-              <a:endParaRPr lang="en-US" u="sng" dirty="0"/>
-            </a:p>
-            <a:p>
-              <a:pPr algn="r"/>
-              <a:r>
-                <a:rPr lang="en-US" sz="1200" dirty="0" smtClean="0"/>
-                <a:t>Target</a:t>
-              </a:r>
-            </a:p>
-            <a:p>
-              <a:pPr algn="r"/>
-              <a:r>
-                <a:rPr lang="en-US" sz="1200" dirty="0" smtClean="0"/>
-                <a:t>Actual</a:t>
-              </a:r>
-              <a:endParaRPr lang="en-US" sz="1200" dirty="0"/>
-            </a:p>
-          </p:txBody>
-        </p:sp>
-      </p:grpSp>
-      <p:grpSp>
-        <p:nvGrpSpPr>
-          <p:cNvPr id="63" name="Group 62"/>
-          <p:cNvGrpSpPr/>
-          <p:nvPr/>
-        </p:nvGrpSpPr>
-        <p:grpSpPr>
-          <a:xfrm>
-            <a:off x="1080000" y="1661541"/>
-            <a:ext cx="5955581" cy="562576"/>
-            <a:chOff x="1080000" y="1661541"/>
-            <a:chExt cx="5955581" cy="562576"/>
-          </a:xfrm>
-        </p:grpSpPr>
-        <p:grpSp>
-          <p:nvGrpSpPr>
-            <p:cNvPr id="45" name="Nhóm 27">
-              <a:extLst>
-                <a:ext uri="{FF2B5EF4-FFF2-40B4-BE49-F238E27FC236}">
-                  <a16:creationId xmlns:a16="http://schemas.microsoft.com/office/drawing/2014/main" xmlns="" id="{A22FA561-2E1E-4D0D-9D58-75839BA6075C}"/>
-                </a:ext>
-              </a:extLst>
-            </p:cNvPr>
-            <p:cNvGrpSpPr/>
-            <p:nvPr/>
-          </p:nvGrpSpPr>
-          <p:grpSpPr>
-            <a:xfrm>
-              <a:off x="1080000" y="1661541"/>
-              <a:ext cx="4027408" cy="457200"/>
-              <a:chOff x="506534" y="2939553"/>
-              <a:chExt cx="4027408" cy="457200"/>
-            </a:xfrm>
-          </p:grpSpPr>
-          <p:pic>
-            <p:nvPicPr>
-              <p:cNvPr id="46" name="Đồ họa 10" descr="Danh sách">
-                <a:extLst>
-                  <a:ext uri="{FF2B5EF4-FFF2-40B4-BE49-F238E27FC236}">
-                    <a16:creationId xmlns:a16="http://schemas.microsoft.com/office/drawing/2014/main" xmlns="" id="{B9D46646-FACA-4589-BAD1-3CD8D5E3477A}"/>
-                  </a:ext>
-                </a:extLst>
-              </p:cNvPr>
-              <p:cNvPicPr>
-                <a:picLocks noChangeAspect="1"/>
-              </p:cNvPicPr>
-              <p:nvPr/>
-            </p:nvPicPr>
-            <p:blipFill>
-              <a:blip r:embed="rId2" cstate="print">
-                <a:extLst>
-                  <a:ext uri="{28A0092B-C50C-407E-A947-70E740481C1C}">
-                    <a14:useLocalDpi xmlns:a14="http://schemas.microsoft.com/office/drawing/2010/main" val="0"/>
-                  </a:ext>
-                  <a:ext uri="{96DAC541-7B7A-43D3-8B79-37D633B846F1}">
-                    <asvg:svgBlip xmlns:asvg="http://schemas.microsoft.com/office/drawing/2016/SVG/main" xmlns="" r:embed="rId3"/>
-                  </a:ext>
-                </a:extLst>
-              </a:blip>
-              <a:stretch>
-                <a:fillRect/>
-              </a:stretch>
-            </p:blipFill>
-            <p:spPr>
-              <a:xfrm>
-                <a:off x="506534" y="2939553"/>
-                <a:ext cx="457200" cy="457200"/>
-              </a:xfrm>
-              <a:prstGeom prst="rect">
-                <a:avLst/>
-              </a:prstGeom>
-            </p:spPr>
-          </p:pic>
-          <p:sp>
-            <p:nvSpPr>
-              <p:cNvPr id="47" name="Hộp Văn bản 19">
-                <a:extLst>
-                  <a:ext uri="{FF2B5EF4-FFF2-40B4-BE49-F238E27FC236}">
-                    <a16:creationId xmlns:a16="http://schemas.microsoft.com/office/drawing/2014/main" xmlns="" id="{B7CF234B-BE45-4E9C-A67F-CD4A7B347EAD}"/>
-                  </a:ext>
-                </a:extLst>
-              </p:cNvPr>
-              <p:cNvSpPr txBox="1"/>
-              <p:nvPr/>
-            </p:nvSpPr>
-            <p:spPr>
-              <a:xfrm>
-                <a:off x="963734" y="2939553"/>
-                <a:ext cx="3570208" cy="369332"/>
-              </a:xfrm>
-              <a:prstGeom prst="rect">
-                <a:avLst/>
-              </a:prstGeom>
-              <a:noFill/>
-            </p:spPr>
-            <p:txBody>
-              <a:bodyPr wrap="none" rtlCol="0">
-                <a:spAutoFit/>
-              </a:bodyPr>
-              <a:lstStyle/>
-              <a:p>
-                <a:r>
-                  <a:rPr lang="en-US" b="1" dirty="0" smtClean="0"/>
-                  <a:t>Determine verification strategy</a:t>
-                </a:r>
-                <a:endParaRPr lang="en-US" dirty="0"/>
-              </a:p>
-            </p:txBody>
-          </p:sp>
-        </p:grpSp>
-        <p:sp>
-          <p:nvSpPr>
-            <p:cNvPr id="48" name="Rectangle 47"/>
-            <p:cNvSpPr/>
-            <p:nvPr/>
-          </p:nvSpPr>
-          <p:spPr>
-            <a:xfrm>
-              <a:off x="1537199" y="2029087"/>
-              <a:ext cx="2743200" cy="91440"/>
-            </a:xfrm>
-            <a:prstGeom prst="rect">
-              <a:avLst/>
-            </a:prstGeom>
-            <a:solidFill>
-              <a:schemeClr val="tx2"/>
-            </a:solidFill>
-            <a:ln>
-              <a:noFill/>
-            </a:ln>
-          </p:spPr>
-          <p:style>
-            <a:lnRef idx="2">
-              <a:schemeClr val="accent1">
-                <a:shade val="50000"/>
-              </a:schemeClr>
-            </a:lnRef>
-            <a:fillRef idx="1">
-              <a:schemeClr val="accent1"/>
-            </a:fillRef>
-            <a:effectRef idx="0">
-              <a:schemeClr val="accent1"/>
-            </a:effectRef>
-            <a:fontRef idx="minor">
-              <a:schemeClr val="lt1"/>
-            </a:fontRef>
-          </p:style>
-          <p:txBody>
-            <a:bodyPr rtlCol="0" anchor="ctr"/>
-            <a:lstStyle/>
-            <a:p>
-              <a:pPr algn="r"/>
-              <a:r>
-                <a:rPr lang="en-US" sz="700" dirty="0" smtClean="0"/>
-                <a:t>1</a:t>
-              </a:r>
-              <a:endParaRPr lang="en-US" sz="700" dirty="0"/>
-            </a:p>
-          </p:txBody>
-        </p:sp>
-        <p:sp>
-          <p:nvSpPr>
-            <p:cNvPr id="49" name="Rectangle 48"/>
-            <p:cNvSpPr/>
-            <p:nvPr/>
-          </p:nvSpPr>
-          <p:spPr>
-            <a:xfrm>
-              <a:off x="1537199" y="2132677"/>
-              <a:ext cx="2743200" cy="91440"/>
-            </a:xfrm>
-            <a:prstGeom prst="rect">
-              <a:avLst/>
-            </a:prstGeom>
-            <a:solidFill>
-              <a:srgbClr val="FF0000"/>
-            </a:solidFill>
-            <a:ln>
-              <a:noFill/>
-            </a:ln>
-          </p:spPr>
-          <p:style>
-            <a:lnRef idx="2">
-              <a:schemeClr val="accent1">
-                <a:shade val="50000"/>
-              </a:schemeClr>
-            </a:lnRef>
-            <a:fillRef idx="1">
-              <a:schemeClr val="accent1"/>
-            </a:fillRef>
-            <a:effectRef idx="0">
-              <a:schemeClr val="accent1"/>
-            </a:effectRef>
-            <a:fontRef idx="minor">
-              <a:schemeClr val="lt1"/>
-            </a:fontRef>
-          </p:style>
-          <p:txBody>
-            <a:bodyPr rtlCol="0" anchor="ctr"/>
-            <a:lstStyle/>
-            <a:p>
-              <a:pPr algn="r"/>
-              <a:endParaRPr lang="en-US" sz="700" dirty="0"/>
-            </a:p>
-          </p:txBody>
-        </p:sp>
-        <p:sp>
-          <p:nvSpPr>
-            <p:cNvPr id="50" name="Rectangle 49"/>
-            <p:cNvSpPr/>
-            <p:nvPr/>
-          </p:nvSpPr>
-          <p:spPr>
-            <a:xfrm>
-              <a:off x="4292381" y="2029087"/>
-              <a:ext cx="2743200" cy="91440"/>
-            </a:xfrm>
-            <a:prstGeom prst="rect">
-              <a:avLst/>
-            </a:prstGeom>
-            <a:solidFill>
-              <a:schemeClr val="tx2"/>
-            </a:solidFill>
-            <a:ln>
-              <a:noFill/>
-            </a:ln>
-          </p:spPr>
-          <p:style>
-            <a:lnRef idx="2">
-              <a:schemeClr val="accent1">
-                <a:shade val="50000"/>
-              </a:schemeClr>
-            </a:lnRef>
-            <a:fillRef idx="1">
-              <a:schemeClr val="accent1"/>
-            </a:fillRef>
-            <a:effectRef idx="0">
-              <a:schemeClr val="accent1"/>
-            </a:effectRef>
-            <a:fontRef idx="minor">
-              <a:schemeClr val="lt1"/>
-            </a:fontRef>
-          </p:style>
-          <p:txBody>
-            <a:bodyPr rtlCol="0" anchor="ctr"/>
-            <a:lstStyle/>
-            <a:p>
-              <a:pPr algn="r"/>
-              <a:r>
-                <a:rPr lang="en-US" sz="700" dirty="0"/>
-                <a:t>2</a:t>
-              </a:r>
-            </a:p>
-          </p:txBody>
-        </p:sp>
-        <p:sp>
-          <p:nvSpPr>
-            <p:cNvPr id="62" name="Rectangle 61"/>
-            <p:cNvSpPr/>
-            <p:nvPr/>
-          </p:nvSpPr>
-          <p:spPr>
-            <a:xfrm>
-              <a:off x="4292381" y="2132677"/>
-              <a:ext cx="1371600" cy="91440"/>
-            </a:xfrm>
-            <a:prstGeom prst="rect">
-              <a:avLst/>
-            </a:prstGeom>
-            <a:solidFill>
-              <a:srgbClr val="FF0000"/>
-            </a:solidFill>
-            <a:ln>
-              <a:noFill/>
-            </a:ln>
-          </p:spPr>
-          <p:style>
-            <a:lnRef idx="2">
-              <a:schemeClr val="accent1">
-                <a:shade val="50000"/>
-              </a:schemeClr>
-            </a:lnRef>
-            <a:fillRef idx="1">
-              <a:schemeClr val="accent1"/>
-            </a:fillRef>
-            <a:effectRef idx="0">
-              <a:schemeClr val="accent1"/>
-            </a:effectRef>
-            <a:fontRef idx="minor">
-              <a:schemeClr val="lt1"/>
-            </a:fontRef>
-          </p:style>
-          <p:txBody>
-            <a:bodyPr rtlCol="0" anchor="ctr"/>
-            <a:lstStyle/>
-            <a:p>
-              <a:pPr algn="r"/>
-              <a:r>
-                <a:rPr lang="en-US" sz="700" dirty="0" smtClean="0"/>
-                <a:t>1.5</a:t>
-              </a:r>
-              <a:endParaRPr lang="en-US" sz="700" dirty="0"/>
-            </a:p>
-          </p:txBody>
-        </p:sp>
-      </p:grpSp>
-    </p:spTree>
-    <p:extLst>
-      <p:ext uri="{BB962C8B-B14F-4D97-AF65-F5344CB8AC3E}">
-        <p14:creationId xmlns:p14="http://schemas.microsoft.com/office/powerpoint/2010/main" val="2670962905"/>
       </p:ext>
     </p:extLst>
   </p:cSld>

--- a/mms.pptx
+++ b/mms.pptx
@@ -7,7 +7,7 @@
     <p:sldMasterId id="2147483697" r:id="rId3"/>
   </p:sldMasterIdLst>
   <p:notesMasterIdLst>
-    <p:notesMasterId r:id="rId16"/>
+    <p:notesMasterId r:id="rId18"/>
   </p:notesMasterIdLst>
   <p:sldIdLst>
     <p:sldId id="256" r:id="rId4"/>
@@ -17,11 +17,13 @@
     <p:sldId id="282" r:id="rId8"/>
     <p:sldId id="285" r:id="rId9"/>
     <p:sldId id="283" r:id="rId10"/>
-    <p:sldId id="279" r:id="rId11"/>
-    <p:sldId id="280" r:id="rId12"/>
-    <p:sldId id="281" r:id="rId13"/>
-    <p:sldId id="278" r:id="rId14"/>
-    <p:sldId id="277" r:id="rId15"/>
+    <p:sldId id="286" r:id="rId11"/>
+    <p:sldId id="279" r:id="rId12"/>
+    <p:sldId id="280" r:id="rId13"/>
+    <p:sldId id="281" r:id="rId14"/>
+    <p:sldId id="287" r:id="rId15"/>
+    <p:sldId id="278" r:id="rId16"/>
+    <p:sldId id="277" r:id="rId17"/>
   </p:sldIdLst>
   <p:sldSz cx="12192000" cy="6858000"/>
   <p:notesSz cx="6858000" cy="9144000"/>
@@ -140,9 +142,11 @@
             <p14:sldId id="282"/>
             <p14:sldId id="285"/>
             <p14:sldId id="283"/>
+            <p14:sldId id="286"/>
             <p14:sldId id="279"/>
             <p14:sldId id="280"/>
             <p14:sldId id="281"/>
+            <p14:sldId id="287"/>
             <p14:sldId id="278"/>
           </p14:sldIdLst>
         </p14:section>
@@ -257,7 +261,7 @@
           <a:p>
             <a:fld id="{FF3BB0D2-B4AB-46DD-8353-5863A644691C}" type="datetimeFigureOut">
               <a:rPr lang="en-US" smtClean="0"/>
-              <a:t>12/8/2018</a:t>
+              <a:t>12/9/2018</a:t>
             </a:fld>
             <a:endParaRPr lang="en-US"/>
           </a:p>
@@ -953,7 +957,7 @@
           <a:p>
             <a:fld id="{F9E0AC63-8529-4852-8793-AD37C1250E4D}" type="slidenum">
               <a:rPr lang="en-US" smtClean="0"/>
-              <a:t>11</a:t>
+              <a:t>13</a:t>
             </a:fld>
             <a:endParaRPr lang="en-US"/>
           </a:p>
@@ -2900,7 +2904,7 @@
           <a:p>
             <a:fld id="{E3E9F078-88ED-41ED-832F-7AC4AFAA4DE4}" type="datetimeFigureOut">
               <a:rPr lang="en-US" smtClean="0"/>
-              <a:t>12/8/2018</a:t>
+              <a:t>12/9/2018</a:t>
             </a:fld>
             <a:endParaRPr lang="en-US"/>
           </a:p>
@@ -18846,7 +18850,15 @@
           <a:p>
             <a:r>
               <a:rPr lang="en-US" dirty="0"/>
-              <a:t>FUNCTIONAL VERIFICATION – Result</a:t>
+              <a:t>FUNCTIONAL VERIFICATION – 2</a:t>
+            </a:r>
+            <a:r>
+              <a:rPr lang="en-US" baseline="30000" dirty="0"/>
+              <a:t>nd</a:t>
+            </a:r>
+            <a:r>
+              <a:rPr lang="en-US" dirty="0"/>
+              <a:t> 6 months</a:t>
             </a:r>
           </a:p>
         </p:txBody>
@@ -18875,6 +18887,895 @@
               <a:rPr lang="de-DE" smtClean="0"/>
               <a:pPr algn="l"/>
               <a:t>10</a:t>
+            </a:fld>
+            <a:endParaRPr lang="de-DE" dirty="0"/>
+          </a:p>
+        </p:txBody>
+      </p:sp>
+      <p:grpSp>
+        <p:nvGrpSpPr>
+          <p:cNvPr id="28" name="Nhóm 27">
+            <a:extLst>
+              <a:ext uri="{FF2B5EF4-FFF2-40B4-BE49-F238E27FC236}">
+                <a16:creationId xmlns:a16="http://schemas.microsoft.com/office/drawing/2014/main" id="{A22FA561-2E1E-4D0D-9D58-75839BA6075C}"/>
+              </a:ext>
+            </a:extLst>
+          </p:cNvPr>
+          <p:cNvGrpSpPr/>
+          <p:nvPr/>
+        </p:nvGrpSpPr>
+        <p:grpSpPr>
+          <a:xfrm>
+            <a:off x="1080000" y="1672429"/>
+            <a:ext cx="6880753" cy="923330"/>
+            <a:chOff x="506534" y="2939553"/>
+            <a:chExt cx="6880753" cy="923330"/>
+          </a:xfrm>
+        </p:grpSpPr>
+        <p:pic>
+          <p:nvPicPr>
+            <p:cNvPr id="11" name="Đồ họa 10" descr="Danh sách">
+              <a:extLst>
+                <a:ext uri="{FF2B5EF4-FFF2-40B4-BE49-F238E27FC236}">
+                  <a16:creationId xmlns:a16="http://schemas.microsoft.com/office/drawing/2014/main" id="{B9D46646-FACA-4589-BAD1-3CD8D5E3477A}"/>
+                </a:ext>
+              </a:extLst>
+            </p:cNvPr>
+            <p:cNvPicPr>
+              <a:picLocks noChangeAspect="1"/>
+            </p:cNvPicPr>
+            <p:nvPr/>
+          </p:nvPicPr>
+          <p:blipFill>
+            <a:blip r:embed="rId2" cstate="print">
+              <a:extLst>
+                <a:ext uri="{28A0092B-C50C-407E-A947-70E740481C1C}">
+                  <a14:useLocalDpi xmlns:a14="http://schemas.microsoft.com/office/drawing/2010/main" val="0"/>
+                </a:ext>
+                <a:ext uri="{96DAC541-7B7A-43D3-8B79-37D633B846F1}">
+                  <asvg:svgBlip xmlns:asvg="http://schemas.microsoft.com/office/drawing/2016/SVG/main" r:embed="rId3"/>
+                </a:ext>
+              </a:extLst>
+            </a:blip>
+            <a:stretch>
+              <a:fillRect/>
+            </a:stretch>
+          </p:blipFill>
+          <p:spPr>
+            <a:xfrm>
+              <a:off x="506534" y="2939553"/>
+              <a:ext cx="457200" cy="457200"/>
+            </a:xfrm>
+            <a:prstGeom prst="rect">
+              <a:avLst/>
+            </a:prstGeom>
+          </p:spPr>
+        </p:pic>
+        <p:sp>
+          <p:nvSpPr>
+            <p:cNvPr id="20" name="Hộp Văn bản 19">
+              <a:extLst>
+                <a:ext uri="{FF2B5EF4-FFF2-40B4-BE49-F238E27FC236}">
+                  <a16:creationId xmlns:a16="http://schemas.microsoft.com/office/drawing/2014/main" id="{B7CF234B-BE45-4E9C-A67F-CD4A7B347EAD}"/>
+                </a:ext>
+              </a:extLst>
+            </p:cNvPr>
+            <p:cNvSpPr txBox="1"/>
+            <p:nvPr/>
+          </p:nvSpPr>
+          <p:spPr>
+            <a:xfrm>
+              <a:off x="963734" y="2939553"/>
+              <a:ext cx="6423553" cy="923330"/>
+            </a:xfrm>
+            <a:prstGeom prst="rect">
+              <a:avLst/>
+            </a:prstGeom>
+            <a:noFill/>
+          </p:spPr>
+          <p:txBody>
+            <a:bodyPr wrap="none" rtlCol="0">
+              <a:spAutoFit/>
+            </a:bodyPr>
+            <a:lstStyle/>
+            <a:p>
+              <a:r>
+                <a:rPr lang="en-US" b="1" dirty="0"/>
+                <a:t>Check specification (I2C)</a:t>
+              </a:r>
+            </a:p>
+            <a:p>
+              <a:r>
+                <a:rPr lang="en-US" dirty="0"/>
+                <a:t>+ </a:t>
+              </a:r>
+              <a:r>
+                <a:rPr lang="en-US" u="sng" dirty="0"/>
+                <a:t>Check</a:t>
+              </a:r>
+              <a:r>
+                <a:rPr lang="en-US" dirty="0"/>
+                <a:t> the current specs and the new change points specs</a:t>
+              </a:r>
+            </a:p>
+            <a:p>
+              <a:r>
+                <a:rPr lang="en-US" dirty="0"/>
+                <a:t>+ </a:t>
+              </a:r>
+              <a:r>
+                <a:rPr lang="en-US" u="sng" dirty="0"/>
+                <a:t>Feedback</a:t>
+              </a:r>
+              <a:r>
+                <a:rPr lang="en-US" dirty="0"/>
+                <a:t> for specs problem, </a:t>
+              </a:r>
+              <a:r>
+                <a:rPr lang="en-US" u="sng" dirty="0"/>
+                <a:t>propose</a:t>
+              </a:r>
+              <a:r>
+                <a:rPr lang="en-US" dirty="0"/>
+                <a:t> ideal to the REL</a:t>
+              </a:r>
+            </a:p>
+          </p:txBody>
+        </p:sp>
+      </p:grpSp>
+      <p:grpSp>
+        <p:nvGrpSpPr>
+          <p:cNvPr id="29" name="Nhóm 28">
+            <a:extLst>
+              <a:ext uri="{FF2B5EF4-FFF2-40B4-BE49-F238E27FC236}">
+                <a16:creationId xmlns:a16="http://schemas.microsoft.com/office/drawing/2014/main" id="{B509A667-22C3-445E-8ECD-9783ED13AA98}"/>
+              </a:ext>
+            </a:extLst>
+          </p:cNvPr>
+          <p:cNvGrpSpPr/>
+          <p:nvPr/>
+        </p:nvGrpSpPr>
+        <p:grpSpPr>
+          <a:xfrm>
+            <a:off x="1080000" y="2619336"/>
+            <a:ext cx="8028503" cy="615553"/>
+            <a:chOff x="506534" y="3426903"/>
+            <a:chExt cx="8028503" cy="615553"/>
+          </a:xfrm>
+        </p:grpSpPr>
+        <p:pic>
+          <p:nvPicPr>
+            <p:cNvPr id="9" name="Đồ họa 8" descr="Danh sách kiểm tra">
+              <a:extLst>
+                <a:ext uri="{FF2B5EF4-FFF2-40B4-BE49-F238E27FC236}">
+                  <a16:creationId xmlns:a16="http://schemas.microsoft.com/office/drawing/2014/main" id="{E2F29AF9-A4F2-4A84-AEFB-4DDDE94500AF}"/>
+                </a:ext>
+              </a:extLst>
+            </p:cNvPr>
+            <p:cNvPicPr>
+              <a:picLocks noChangeAspect="1"/>
+            </p:cNvPicPr>
+            <p:nvPr/>
+          </p:nvPicPr>
+          <p:blipFill>
+            <a:blip r:embed="rId4" cstate="print">
+              <a:extLst>
+                <a:ext uri="{28A0092B-C50C-407E-A947-70E740481C1C}">
+                  <a14:useLocalDpi xmlns:a14="http://schemas.microsoft.com/office/drawing/2010/main" val="0"/>
+                </a:ext>
+                <a:ext uri="{96DAC541-7B7A-43D3-8B79-37D633B846F1}">
+                  <asvg:svgBlip xmlns:asvg="http://schemas.microsoft.com/office/drawing/2016/SVG/main" r:embed="rId5"/>
+                </a:ext>
+              </a:extLst>
+            </a:blip>
+            <a:stretch>
+              <a:fillRect/>
+            </a:stretch>
+          </p:blipFill>
+          <p:spPr>
+            <a:xfrm>
+              <a:off x="506534" y="3426903"/>
+              <a:ext cx="457200" cy="457200"/>
+            </a:xfrm>
+            <a:prstGeom prst="rect">
+              <a:avLst/>
+            </a:prstGeom>
+          </p:spPr>
+        </p:pic>
+        <p:sp>
+          <p:nvSpPr>
+            <p:cNvPr id="21" name="Hộp Văn bản 20">
+              <a:extLst>
+                <a:ext uri="{FF2B5EF4-FFF2-40B4-BE49-F238E27FC236}">
+                  <a16:creationId xmlns:a16="http://schemas.microsoft.com/office/drawing/2014/main" id="{23A44B04-637F-443B-B249-D55F2E3875A3}"/>
+                </a:ext>
+              </a:extLst>
+            </p:cNvPr>
+            <p:cNvSpPr txBox="1"/>
+            <p:nvPr/>
+          </p:nvSpPr>
+          <p:spPr>
+            <a:xfrm>
+              <a:off x="963734" y="3426903"/>
+              <a:ext cx="7571303" cy="615553"/>
+            </a:xfrm>
+            <a:prstGeom prst="rect">
+              <a:avLst/>
+            </a:prstGeom>
+            <a:noFill/>
+          </p:spPr>
+          <p:txBody>
+            <a:bodyPr wrap="none" rtlCol="0">
+              <a:spAutoFit/>
+            </a:bodyPr>
+            <a:lstStyle/>
+            <a:p>
+              <a:r>
+                <a:rPr lang="en-US" b="1" dirty="0"/>
+                <a:t>Create verification items check list (I2C)</a:t>
+              </a:r>
+            </a:p>
+            <a:p>
+              <a:r>
+                <a:rPr lang="en-US" sz="1600" dirty="0"/>
+                <a:t>+ </a:t>
+              </a:r>
+              <a:r>
+                <a:rPr lang="en-US" sz="1600" u="sng" dirty="0"/>
+                <a:t>Determine</a:t>
+              </a:r>
+              <a:r>
+                <a:rPr lang="en-US" sz="1600" dirty="0"/>
+                <a:t> necessary check items based on the specs and the legacy check list</a:t>
+              </a:r>
+            </a:p>
+          </p:txBody>
+        </p:sp>
+      </p:grpSp>
+      <p:grpSp>
+        <p:nvGrpSpPr>
+          <p:cNvPr id="30" name="Nhóm 29">
+            <a:extLst>
+              <a:ext uri="{FF2B5EF4-FFF2-40B4-BE49-F238E27FC236}">
+                <a16:creationId xmlns:a16="http://schemas.microsoft.com/office/drawing/2014/main" id="{ADD44F73-D7E6-4184-9C5D-80B134FE1311}"/>
+              </a:ext>
+            </a:extLst>
+          </p:cNvPr>
+          <p:cNvGrpSpPr/>
+          <p:nvPr/>
+        </p:nvGrpSpPr>
+        <p:grpSpPr>
+          <a:xfrm>
+            <a:off x="1080000" y="3260013"/>
+            <a:ext cx="9871444" cy="1107996"/>
+            <a:chOff x="506534" y="4095924"/>
+            <a:chExt cx="9871444" cy="1107996"/>
+          </a:xfrm>
+        </p:grpSpPr>
+        <p:pic>
+          <p:nvPicPr>
+            <p:cNvPr id="13" name="Đồ họa 12" descr="Cơ sở dữ liệu">
+              <a:extLst>
+                <a:ext uri="{FF2B5EF4-FFF2-40B4-BE49-F238E27FC236}">
+                  <a16:creationId xmlns:a16="http://schemas.microsoft.com/office/drawing/2014/main" id="{4FBF62DF-BF53-406D-9929-0B695643BD68}"/>
+                </a:ext>
+              </a:extLst>
+            </p:cNvPr>
+            <p:cNvPicPr>
+              <a:picLocks noChangeAspect="1"/>
+            </p:cNvPicPr>
+            <p:nvPr/>
+          </p:nvPicPr>
+          <p:blipFill>
+            <a:blip r:embed="rId6" cstate="print">
+              <a:extLst>
+                <a:ext uri="{28A0092B-C50C-407E-A947-70E740481C1C}">
+                  <a14:useLocalDpi xmlns:a14="http://schemas.microsoft.com/office/drawing/2010/main" val="0"/>
+                </a:ext>
+                <a:ext uri="{96DAC541-7B7A-43D3-8B79-37D633B846F1}">
+                  <asvg:svgBlip xmlns:asvg="http://schemas.microsoft.com/office/drawing/2016/SVG/main" r:embed="rId7"/>
+                </a:ext>
+              </a:extLst>
+            </a:blip>
+            <a:stretch>
+              <a:fillRect/>
+            </a:stretch>
+          </p:blipFill>
+          <p:spPr>
+            <a:xfrm>
+              <a:off x="506534" y="4095924"/>
+              <a:ext cx="457200" cy="457200"/>
+            </a:xfrm>
+            <a:prstGeom prst="rect">
+              <a:avLst/>
+            </a:prstGeom>
+          </p:spPr>
+        </p:pic>
+        <p:sp>
+          <p:nvSpPr>
+            <p:cNvPr id="22" name="Hộp Văn bản 21">
+              <a:extLst>
+                <a:ext uri="{FF2B5EF4-FFF2-40B4-BE49-F238E27FC236}">
+                  <a16:creationId xmlns:a16="http://schemas.microsoft.com/office/drawing/2014/main" id="{80318687-91C5-4D9C-8EC5-E227278A1053}"/>
+                </a:ext>
+              </a:extLst>
+            </p:cNvPr>
+            <p:cNvSpPr txBox="1"/>
+            <p:nvPr/>
+          </p:nvSpPr>
+          <p:spPr>
+            <a:xfrm>
+              <a:off x="963734" y="4095924"/>
+              <a:ext cx="9414244" cy="1107996"/>
+            </a:xfrm>
+            <a:prstGeom prst="rect">
+              <a:avLst/>
+            </a:prstGeom>
+            <a:noFill/>
+          </p:spPr>
+          <p:txBody>
+            <a:bodyPr wrap="none" rtlCol="0">
+              <a:spAutoFit/>
+            </a:bodyPr>
+            <a:lstStyle/>
+            <a:p>
+              <a:r>
+                <a:rPr lang="en-US" b="1" dirty="0"/>
+                <a:t>Create test patterns for functional verification</a:t>
+              </a:r>
+            </a:p>
+            <a:p>
+              <a:r>
+                <a:rPr lang="en-US" sz="1600" dirty="0"/>
+                <a:t>+ Create new </a:t>
+              </a:r>
+              <a:r>
+                <a:rPr lang="en-US" sz="1600" u="sng" dirty="0"/>
+                <a:t>336 patterns in C</a:t>
+              </a:r>
+              <a:r>
+                <a:rPr lang="en-US" sz="1600" dirty="0"/>
+                <a:t> for I2C and new </a:t>
+              </a:r>
+              <a:r>
+                <a:rPr lang="en-US" sz="1600" u="sng" dirty="0"/>
+                <a:t>24 patterns in C</a:t>
+              </a:r>
+              <a:r>
+                <a:rPr lang="en-US" sz="1600" dirty="0"/>
+                <a:t> for DMAC</a:t>
+              </a:r>
+            </a:p>
+            <a:p>
+              <a:r>
+                <a:rPr lang="en-US" sz="1600" dirty="0"/>
+                <a:t>+ Create a </a:t>
+              </a:r>
+              <a:r>
+                <a:rPr lang="en-US" sz="1600" u="sng" dirty="0"/>
+                <a:t>software drivers package</a:t>
+              </a:r>
+              <a:r>
+                <a:rPr lang="en-US" sz="1600" dirty="0"/>
+                <a:t> for I2C and some common modules (GIC, DMAC, PFC, CPG)</a:t>
+              </a:r>
+            </a:p>
+            <a:p>
+              <a:r>
+                <a:rPr lang="en-US" sz="1600" dirty="0"/>
+                <a:t>+ Create a </a:t>
+              </a:r>
+              <a:r>
+                <a:rPr lang="en-US" sz="1600" u="sng" dirty="0"/>
+                <a:t>compilation tool</a:t>
+              </a:r>
+              <a:r>
+                <a:rPr lang="en-US" sz="1600" dirty="0"/>
+                <a:t> (CT Pattern Builder) that </a:t>
+              </a:r>
+              <a:r>
+                <a:rPr lang="en-US" sz="1600" u="sng" dirty="0"/>
+                <a:t>reduces a lot of work load</a:t>
+              </a:r>
+            </a:p>
+          </p:txBody>
+        </p:sp>
+      </p:grpSp>
+      <p:grpSp>
+        <p:nvGrpSpPr>
+          <p:cNvPr id="31" name="Nhóm 30">
+            <a:extLst>
+              <a:ext uri="{FF2B5EF4-FFF2-40B4-BE49-F238E27FC236}">
+                <a16:creationId xmlns:a16="http://schemas.microsoft.com/office/drawing/2014/main" id="{22BF9D0B-136C-408B-B280-6963B306BB83}"/>
+              </a:ext>
+            </a:extLst>
+          </p:cNvPr>
+          <p:cNvGrpSpPr/>
+          <p:nvPr/>
+        </p:nvGrpSpPr>
+        <p:grpSpPr>
+          <a:xfrm>
+            <a:off x="1080000" y="4394515"/>
+            <a:ext cx="5649519" cy="861774"/>
+            <a:chOff x="506534" y="4764945"/>
+            <a:chExt cx="5649519" cy="861774"/>
+          </a:xfrm>
+        </p:grpSpPr>
+        <p:pic>
+          <p:nvPicPr>
+            <p:cNvPr id="15" name="Đồ họa 14" descr="Xe chở bê tông">
+              <a:extLst>
+                <a:ext uri="{FF2B5EF4-FFF2-40B4-BE49-F238E27FC236}">
+                  <a16:creationId xmlns:a16="http://schemas.microsoft.com/office/drawing/2014/main" id="{AC7D20A8-684D-4D88-9B22-11B0C258E6BA}"/>
+                </a:ext>
+              </a:extLst>
+            </p:cNvPr>
+            <p:cNvPicPr>
+              <a:picLocks noChangeAspect="1"/>
+            </p:cNvPicPr>
+            <p:nvPr/>
+          </p:nvPicPr>
+          <p:blipFill>
+            <a:blip r:embed="rId8" cstate="print">
+              <a:extLst>
+                <a:ext uri="{28A0092B-C50C-407E-A947-70E740481C1C}">
+                  <a14:useLocalDpi xmlns:a14="http://schemas.microsoft.com/office/drawing/2010/main" val="0"/>
+                </a:ext>
+                <a:ext uri="{96DAC541-7B7A-43D3-8B79-37D633B846F1}">
+                  <asvg:svgBlip xmlns:asvg="http://schemas.microsoft.com/office/drawing/2016/SVG/main" r:embed="rId9"/>
+                </a:ext>
+              </a:extLst>
+            </a:blip>
+            <a:stretch>
+              <a:fillRect/>
+            </a:stretch>
+          </p:blipFill>
+          <p:spPr>
+            <a:xfrm>
+              <a:off x="506534" y="4764945"/>
+              <a:ext cx="457200" cy="457200"/>
+            </a:xfrm>
+            <a:prstGeom prst="rect">
+              <a:avLst/>
+            </a:prstGeom>
+          </p:spPr>
+        </p:pic>
+        <p:sp>
+          <p:nvSpPr>
+            <p:cNvPr id="23" name="Hộp Văn bản 22">
+              <a:extLst>
+                <a:ext uri="{FF2B5EF4-FFF2-40B4-BE49-F238E27FC236}">
+                  <a16:creationId xmlns:a16="http://schemas.microsoft.com/office/drawing/2014/main" id="{6108A849-1640-4BDF-A81C-732BD39F495A}"/>
+                </a:ext>
+              </a:extLst>
+            </p:cNvPr>
+            <p:cNvSpPr txBox="1"/>
+            <p:nvPr/>
+          </p:nvSpPr>
+          <p:spPr>
+            <a:xfrm>
+              <a:off x="963734" y="4764945"/>
+              <a:ext cx="5192319" cy="861774"/>
+            </a:xfrm>
+            <a:prstGeom prst="rect">
+              <a:avLst/>
+            </a:prstGeom>
+            <a:noFill/>
+          </p:spPr>
+          <p:txBody>
+            <a:bodyPr wrap="none" rtlCol="0">
+              <a:spAutoFit/>
+            </a:bodyPr>
+            <a:lstStyle/>
+            <a:p>
+              <a:r>
+                <a:rPr lang="en-US" b="1" dirty="0"/>
+                <a:t>Conduct functional verification at RTL level</a:t>
+              </a:r>
+            </a:p>
+            <a:p>
+              <a:r>
+                <a:rPr lang="en-US" sz="1600" dirty="0"/>
+                <a:t>+ Verify </a:t>
+              </a:r>
+              <a:r>
+                <a:rPr lang="en-US" sz="1600" u="sng" dirty="0"/>
+                <a:t>336 patterns</a:t>
+              </a:r>
+              <a:r>
+                <a:rPr lang="en-US" sz="1600" dirty="0"/>
+                <a:t> for I2C and </a:t>
+              </a:r>
+              <a:r>
+                <a:rPr lang="en-US" sz="1600" u="sng" dirty="0"/>
+                <a:t>30 patterns</a:t>
+              </a:r>
+              <a:r>
+                <a:rPr lang="en-US" sz="1600" dirty="0"/>
+                <a:t> for DMAC</a:t>
+              </a:r>
+            </a:p>
+            <a:p>
+              <a:r>
+                <a:rPr lang="en-US" sz="1600" dirty="0"/>
+                <a:t>+ </a:t>
+              </a:r>
+              <a:r>
+                <a:rPr lang="en-US" sz="1600" u="sng" dirty="0"/>
+                <a:t>Debugging support</a:t>
+              </a:r>
+              <a:r>
+                <a:rPr lang="en-US" sz="1600" dirty="0"/>
+                <a:t> to other engineers</a:t>
+              </a:r>
+            </a:p>
+          </p:txBody>
+        </p:sp>
+      </p:grpSp>
+      <p:grpSp>
+        <p:nvGrpSpPr>
+          <p:cNvPr id="32" name="Nhóm 31">
+            <a:extLst>
+              <a:ext uri="{FF2B5EF4-FFF2-40B4-BE49-F238E27FC236}">
+                <a16:creationId xmlns:a16="http://schemas.microsoft.com/office/drawing/2014/main" id="{DD9360C9-B1EB-45B1-BEA4-C2DDA8E4FEF5}"/>
+              </a:ext>
+            </a:extLst>
+          </p:cNvPr>
+          <p:cNvGrpSpPr/>
+          <p:nvPr/>
+        </p:nvGrpSpPr>
+        <p:grpSpPr>
+          <a:xfrm>
+            <a:off x="1080000" y="5300417"/>
+            <a:ext cx="5882082" cy="861774"/>
+            <a:chOff x="506534" y="5328765"/>
+            <a:chExt cx="5882082" cy="861774"/>
+          </a:xfrm>
+        </p:grpSpPr>
+        <p:pic>
+          <p:nvPicPr>
+            <p:cNvPr id="17" name="Đồ họa 16" descr="Kính hiển vi">
+              <a:extLst>
+                <a:ext uri="{FF2B5EF4-FFF2-40B4-BE49-F238E27FC236}">
+                  <a16:creationId xmlns:a16="http://schemas.microsoft.com/office/drawing/2014/main" id="{E43F761C-1B61-4311-9BB3-B7173F547F55}"/>
+                </a:ext>
+              </a:extLst>
+            </p:cNvPr>
+            <p:cNvPicPr>
+              <a:picLocks noChangeAspect="1"/>
+            </p:cNvPicPr>
+            <p:nvPr/>
+          </p:nvPicPr>
+          <p:blipFill>
+            <a:blip r:embed="rId10" cstate="print">
+              <a:extLst>
+                <a:ext uri="{28A0092B-C50C-407E-A947-70E740481C1C}">
+                  <a14:useLocalDpi xmlns:a14="http://schemas.microsoft.com/office/drawing/2010/main" val="0"/>
+                </a:ext>
+                <a:ext uri="{96DAC541-7B7A-43D3-8B79-37D633B846F1}">
+                  <asvg:svgBlip xmlns:asvg="http://schemas.microsoft.com/office/drawing/2016/SVG/main" r:embed="rId11"/>
+                </a:ext>
+              </a:extLst>
+            </a:blip>
+            <a:stretch>
+              <a:fillRect/>
+            </a:stretch>
+          </p:blipFill>
+          <p:spPr>
+            <a:xfrm>
+              <a:off x="506534" y="5328765"/>
+              <a:ext cx="457200" cy="457200"/>
+            </a:xfrm>
+            <a:prstGeom prst="rect">
+              <a:avLst/>
+            </a:prstGeom>
+          </p:spPr>
+        </p:pic>
+        <p:sp>
+          <p:nvSpPr>
+            <p:cNvPr id="24" name="Hộp Văn bản 23">
+              <a:extLst>
+                <a:ext uri="{FF2B5EF4-FFF2-40B4-BE49-F238E27FC236}">
+                  <a16:creationId xmlns:a16="http://schemas.microsoft.com/office/drawing/2014/main" id="{B9CB2816-9F0C-4F34-98C6-7DD180E361F9}"/>
+                </a:ext>
+              </a:extLst>
+            </p:cNvPr>
+            <p:cNvSpPr txBox="1"/>
+            <p:nvPr/>
+          </p:nvSpPr>
+          <p:spPr>
+            <a:xfrm>
+              <a:off x="963733" y="5328765"/>
+              <a:ext cx="5424883" cy="861774"/>
+            </a:xfrm>
+            <a:prstGeom prst="rect">
+              <a:avLst/>
+            </a:prstGeom>
+            <a:noFill/>
+          </p:spPr>
+          <p:txBody>
+            <a:bodyPr wrap="none" rtlCol="0">
+              <a:spAutoFit/>
+            </a:bodyPr>
+            <a:lstStyle/>
+            <a:p>
+              <a:r>
+                <a:rPr lang="en-US" b="1" dirty="0"/>
+                <a:t>Evaluate functional verification result</a:t>
+              </a:r>
+            </a:p>
+            <a:p>
+              <a:r>
+                <a:rPr lang="en-US" sz="1600" dirty="0"/>
+                <a:t>+ Evaluate </a:t>
+              </a:r>
+              <a:r>
+                <a:rPr lang="en-US" sz="1600" u="sng" dirty="0"/>
+                <a:t>functional verification result</a:t>
+              </a:r>
+              <a:r>
+                <a:rPr lang="en-US" sz="1600" dirty="0"/>
+                <a:t> for I2C and DMAC</a:t>
+              </a:r>
+            </a:p>
+            <a:p>
+              <a:r>
+                <a:rPr lang="en-US" sz="1600" dirty="0"/>
+                <a:t>+ Evaluate </a:t>
+              </a:r>
+              <a:r>
+                <a:rPr lang="en-US" sz="1600" u="sng" dirty="0"/>
+                <a:t>coverage result</a:t>
+              </a:r>
+              <a:r>
+                <a:rPr lang="en-US" sz="1600" dirty="0"/>
+                <a:t> for I2C</a:t>
+              </a:r>
+            </a:p>
+          </p:txBody>
+        </p:sp>
+      </p:grpSp>
+      <p:sp>
+        <p:nvSpPr>
+          <p:cNvPr id="34" name="Rectangle 65">
+            <a:extLst>
+              <a:ext uri="{FF2B5EF4-FFF2-40B4-BE49-F238E27FC236}">
+                <a16:creationId xmlns:a16="http://schemas.microsoft.com/office/drawing/2014/main" id="{AA4513F4-801C-4D2A-AB44-CAE5F0B3A8B3}"/>
+              </a:ext>
+            </a:extLst>
+          </p:cNvPr>
+          <p:cNvSpPr/>
+          <p:nvPr/>
+        </p:nvSpPr>
+        <p:spPr>
+          <a:xfrm>
+            <a:off x="9497588" y="1379198"/>
+            <a:ext cx="1188720" cy="274320"/>
+          </a:xfrm>
+          <a:prstGeom prst="rect">
+            <a:avLst/>
+          </a:prstGeom>
+          <a:solidFill>
+            <a:schemeClr val="tx1"/>
+          </a:solidFill>
+          <a:ln>
+            <a:noFill/>
+          </a:ln>
+        </p:spPr>
+        <p:style>
+          <a:lnRef idx="2">
+            <a:schemeClr val="accent1">
+              <a:shade val="50000"/>
+            </a:schemeClr>
+          </a:lnRef>
+          <a:fillRef idx="1">
+            <a:schemeClr val="accent1"/>
+          </a:fillRef>
+          <a:effectRef idx="0">
+            <a:schemeClr val="accent1"/>
+          </a:effectRef>
+          <a:fontRef idx="minor">
+            <a:schemeClr val="lt1"/>
+          </a:fontRef>
+        </p:style>
+        <p:txBody>
+          <a:bodyPr rtlCol="0" anchor="ctr"/>
+          <a:lstStyle/>
+          <a:p>
+            <a:pPr algn="ctr"/>
+            <a:r>
+              <a:rPr lang="en-US" sz="1400" dirty="0"/>
+              <a:t>V3U-AD</a:t>
+            </a:r>
+          </a:p>
+        </p:txBody>
+      </p:sp>
+      <p:sp>
+        <p:nvSpPr>
+          <p:cNvPr id="35" name="Rectangle 65">
+            <a:extLst>
+              <a:ext uri="{FF2B5EF4-FFF2-40B4-BE49-F238E27FC236}">
+                <a16:creationId xmlns:a16="http://schemas.microsoft.com/office/drawing/2014/main" id="{B0A0EC76-636C-42AB-8305-8CC78D5E295D}"/>
+              </a:ext>
+            </a:extLst>
+          </p:cNvPr>
+          <p:cNvSpPr/>
+          <p:nvPr/>
+        </p:nvSpPr>
+        <p:spPr>
+          <a:xfrm>
+            <a:off x="10741761" y="1379198"/>
+            <a:ext cx="731520" cy="274320"/>
+          </a:xfrm>
+          <a:prstGeom prst="rect">
+            <a:avLst/>
+          </a:prstGeom>
+          <a:solidFill>
+            <a:schemeClr val="tx2"/>
+          </a:solidFill>
+          <a:ln>
+            <a:noFill/>
+          </a:ln>
+        </p:spPr>
+        <p:style>
+          <a:lnRef idx="2">
+            <a:schemeClr val="accent1">
+              <a:shade val="50000"/>
+            </a:schemeClr>
+          </a:lnRef>
+          <a:fillRef idx="1">
+            <a:schemeClr val="accent1"/>
+          </a:fillRef>
+          <a:effectRef idx="0">
+            <a:schemeClr val="accent1"/>
+          </a:effectRef>
+          <a:fontRef idx="minor">
+            <a:schemeClr val="lt1"/>
+          </a:fontRef>
+        </p:style>
+        <p:txBody>
+          <a:bodyPr rtlCol="0" anchor="ctr"/>
+          <a:lstStyle/>
+          <a:p>
+            <a:pPr algn="ctr"/>
+            <a:r>
+              <a:rPr lang="en-US" sz="1400" dirty="0"/>
+              <a:t>I2C</a:t>
+            </a:r>
+          </a:p>
+        </p:txBody>
+      </p:sp>
+      <p:sp>
+        <p:nvSpPr>
+          <p:cNvPr id="25" name="Rectangle 65">
+            <a:extLst>
+              <a:ext uri="{FF2B5EF4-FFF2-40B4-BE49-F238E27FC236}">
+                <a16:creationId xmlns:a16="http://schemas.microsoft.com/office/drawing/2014/main" id="{B0A0EC76-636C-42AB-8305-8CC78D5E295D}"/>
+              </a:ext>
+            </a:extLst>
+          </p:cNvPr>
+          <p:cNvSpPr/>
+          <p:nvPr/>
+        </p:nvSpPr>
+        <p:spPr>
+          <a:xfrm>
+            <a:off x="10741761" y="1708242"/>
+            <a:ext cx="731520" cy="274320"/>
+          </a:xfrm>
+          <a:prstGeom prst="rect">
+            <a:avLst/>
+          </a:prstGeom>
+          <a:solidFill>
+            <a:schemeClr val="tx2"/>
+          </a:solidFill>
+          <a:ln>
+            <a:noFill/>
+          </a:ln>
+        </p:spPr>
+        <p:style>
+          <a:lnRef idx="2">
+            <a:schemeClr val="accent1">
+              <a:shade val="50000"/>
+            </a:schemeClr>
+          </a:lnRef>
+          <a:fillRef idx="1">
+            <a:schemeClr val="accent1"/>
+          </a:fillRef>
+          <a:effectRef idx="0">
+            <a:schemeClr val="accent1"/>
+          </a:effectRef>
+          <a:fontRef idx="minor">
+            <a:schemeClr val="lt1"/>
+          </a:fontRef>
+        </p:style>
+        <p:txBody>
+          <a:bodyPr rtlCol="0" anchor="ctr"/>
+          <a:lstStyle/>
+          <a:p>
+            <a:pPr algn="ctr"/>
+            <a:r>
+              <a:rPr lang="en-US" sz="1400" dirty="0"/>
+              <a:t>DMAC</a:t>
+            </a:r>
+          </a:p>
+        </p:txBody>
+      </p:sp>
+    </p:spTree>
+    <p:extLst>
+      <p:ext uri="{BB962C8B-B14F-4D97-AF65-F5344CB8AC3E}">
+        <p14:creationId xmlns:p14="http://schemas.microsoft.com/office/powerpoint/2010/main" val="4229289576"/>
+      </p:ext>
+    </p:extLst>
+  </p:cSld>
+  <p:clrMapOvr>
+    <a:masterClrMapping/>
+  </p:clrMapOvr>
+</p:sld>
+</file>
+
+<file path=ppt/slides/slide11.xml><?xml version="1.0" encoding="utf-8"?>
+<p:sld xmlns:a="http://schemas.openxmlformats.org/drawingml/2006/main" xmlns:r="http://schemas.openxmlformats.org/officeDocument/2006/relationships" xmlns:p="http://schemas.openxmlformats.org/presentationml/2006/main">
+  <p:cSld>
+    <p:spTree>
+      <p:nvGrpSpPr>
+        <p:cNvPr id="1" name=""/>
+        <p:cNvGrpSpPr/>
+        <p:nvPr/>
+      </p:nvGrpSpPr>
+      <p:grpSpPr>
+        <a:xfrm>
+          <a:off x="0" y="0"/>
+          <a:ext cx="0" cy="0"/>
+          <a:chOff x="0" y="0"/>
+          <a:chExt cx="0" cy="0"/>
+        </a:xfrm>
+      </p:grpSpPr>
+      <p:sp>
+        <p:nvSpPr>
+          <p:cNvPr id="2" name="Title 1"/>
+          <p:cNvSpPr>
+            <a:spLocks noGrp="1"/>
+          </p:cNvSpPr>
+          <p:nvPr>
+            <p:ph type="title"/>
+          </p:nvPr>
+        </p:nvSpPr>
+        <p:spPr/>
+        <p:txBody>
+          <a:bodyPr/>
+          <a:lstStyle/>
+          <a:p>
+            <a:r>
+              <a:rPr lang="en-US" dirty="0"/>
+              <a:t>FUNCTIONAL VERIFICATION – Result</a:t>
+            </a:r>
+          </a:p>
+        </p:txBody>
+      </p:sp>
+      <p:sp>
+        <p:nvSpPr>
+          <p:cNvPr id="3" name="Slide Number Placeholder 2"/>
+          <p:cNvSpPr>
+            <a:spLocks noGrp="1"/>
+          </p:cNvSpPr>
+          <p:nvPr>
+            <p:ph type="sldNum" sz="quarter" idx="10"/>
+          </p:nvPr>
+        </p:nvSpPr>
+        <p:spPr/>
+        <p:txBody>
+          <a:bodyPr/>
+          <a:lstStyle/>
+          <a:p>
+            <a:pPr algn="l"/>
+            <a:r>
+              <a:rPr lang="de-DE"/>
+              <a:t>Page </a:t>
+            </a:r>
+            <a:fld id="{3FD030EF-7044-4946-962A-5D7D09BD1B34}" type="slidenum">
+              <a:rPr lang="de-DE" smtClean="0"/>
+              <a:pPr algn="l"/>
+              <a:t>11</a:t>
             </a:fld>
             <a:endParaRPr lang="de-DE" dirty="0"/>
           </a:p>
@@ -21175,7 +22076,7 @@
 </p:sld>
 </file>
 
-<file path=ppt/slides/slide11.xml><?xml version="1.0" encoding="utf-8"?>
+<file path=ppt/slides/slide12.xml><?xml version="1.0" encoding="utf-8"?>
 <p:sld xmlns:a="http://schemas.openxmlformats.org/drawingml/2006/main" xmlns:r="http://schemas.openxmlformats.org/officeDocument/2006/relationships" xmlns:p="http://schemas.openxmlformats.org/presentationml/2006/main">
   <p:cSld>
     <p:spTree>
@@ -21209,7 +22110,7 @@
           <a:p>
             <a:r>
               <a:rPr lang="en-US" dirty="0"/>
-              <a:t>SCHEDULE</a:t>
+              <a:t>TESTER</a:t>
             </a:r>
           </a:p>
         </p:txBody>
@@ -21237,7 +22138,773 @@
             <a:fld id="{3FD030EF-7044-4946-962A-5D7D09BD1B34}" type="slidenum">
               <a:rPr lang="de-DE" smtClean="0"/>
               <a:pPr algn="l"/>
-              <a:t>11</a:t>
+              <a:t>12</a:t>
+            </a:fld>
+            <a:endParaRPr lang="de-DE" dirty="0"/>
+          </a:p>
+        </p:txBody>
+      </p:sp>
+      <p:sp>
+        <p:nvSpPr>
+          <p:cNvPr id="65" name="Rectangle 64"/>
+          <p:cNvSpPr/>
+          <p:nvPr/>
+        </p:nvSpPr>
+        <p:spPr>
+          <a:xfrm>
+            <a:off x="9600000" y="1379198"/>
+            <a:ext cx="1188720" cy="274320"/>
+          </a:xfrm>
+          <a:prstGeom prst="rect">
+            <a:avLst/>
+          </a:prstGeom>
+          <a:solidFill>
+            <a:schemeClr val="tx1"/>
+          </a:solidFill>
+          <a:ln>
+            <a:noFill/>
+          </a:ln>
+        </p:spPr>
+        <p:style>
+          <a:lnRef idx="2">
+            <a:schemeClr val="accent1">
+              <a:shade val="50000"/>
+            </a:schemeClr>
+          </a:lnRef>
+          <a:fillRef idx="1">
+            <a:schemeClr val="accent1"/>
+          </a:fillRef>
+          <a:effectRef idx="0">
+            <a:schemeClr val="accent1"/>
+          </a:effectRef>
+          <a:fontRef idx="minor">
+            <a:schemeClr val="lt1"/>
+          </a:fontRef>
+        </p:style>
+        <p:txBody>
+          <a:bodyPr rtlCol="0" anchor="ctr"/>
+          <a:lstStyle/>
+          <a:p>
+            <a:pPr algn="ctr"/>
+            <a:r>
+              <a:rPr lang="en-US" sz="1400" dirty="0"/>
+              <a:t>M3W-ES3.0</a:t>
+            </a:r>
+          </a:p>
+        </p:txBody>
+      </p:sp>
+      <p:sp>
+        <p:nvSpPr>
+          <p:cNvPr id="66" name="Rectangle 65"/>
+          <p:cNvSpPr/>
+          <p:nvPr/>
+        </p:nvSpPr>
+        <p:spPr>
+          <a:xfrm>
+            <a:off x="9600000" y="1698123"/>
+            <a:ext cx="1188720" cy="274320"/>
+          </a:xfrm>
+          <a:prstGeom prst="rect">
+            <a:avLst/>
+          </a:prstGeom>
+          <a:solidFill>
+            <a:schemeClr val="tx1"/>
+          </a:solidFill>
+          <a:ln>
+            <a:noFill/>
+          </a:ln>
+        </p:spPr>
+        <p:style>
+          <a:lnRef idx="2">
+            <a:schemeClr val="accent1">
+              <a:shade val="50000"/>
+            </a:schemeClr>
+          </a:lnRef>
+          <a:fillRef idx="1">
+            <a:schemeClr val="accent1"/>
+          </a:fillRef>
+          <a:effectRef idx="0">
+            <a:schemeClr val="accent1"/>
+          </a:effectRef>
+          <a:fontRef idx="minor">
+            <a:schemeClr val="lt1"/>
+          </a:fontRef>
+        </p:style>
+        <p:txBody>
+          <a:bodyPr rtlCol="0" anchor="ctr"/>
+          <a:lstStyle/>
+          <a:p>
+            <a:pPr algn="ctr"/>
+            <a:r>
+              <a:rPr lang="en-US" sz="1400" dirty="0"/>
+              <a:t>V3H-ES1.1</a:t>
+            </a:r>
+          </a:p>
+        </p:txBody>
+      </p:sp>
+      <p:sp>
+        <p:nvSpPr>
+          <p:cNvPr id="7" name="Rectangle 65">
+            <a:extLst>
+              <a:ext uri="{FF2B5EF4-FFF2-40B4-BE49-F238E27FC236}">
+                <a16:creationId xmlns:a16="http://schemas.microsoft.com/office/drawing/2014/main" id="{86BCF2D7-265B-428E-8E7B-B4770CD5F2D6}"/>
+              </a:ext>
+            </a:extLst>
+          </p:cNvPr>
+          <p:cNvSpPr/>
+          <p:nvPr/>
+        </p:nvSpPr>
+        <p:spPr>
+          <a:xfrm>
+            <a:off x="10842735" y="1379198"/>
+            <a:ext cx="731520" cy="274320"/>
+          </a:xfrm>
+          <a:prstGeom prst="rect">
+            <a:avLst/>
+          </a:prstGeom>
+          <a:solidFill>
+            <a:schemeClr val="tx2"/>
+          </a:solidFill>
+          <a:ln>
+            <a:noFill/>
+          </a:ln>
+        </p:spPr>
+        <p:style>
+          <a:lnRef idx="2">
+            <a:schemeClr val="accent1">
+              <a:shade val="50000"/>
+            </a:schemeClr>
+          </a:lnRef>
+          <a:fillRef idx="1">
+            <a:schemeClr val="accent1"/>
+          </a:fillRef>
+          <a:effectRef idx="0">
+            <a:schemeClr val="accent1"/>
+          </a:effectRef>
+          <a:fontRef idx="minor">
+            <a:schemeClr val="lt1"/>
+          </a:fontRef>
+        </p:style>
+        <p:txBody>
+          <a:bodyPr rtlCol="0" anchor="ctr"/>
+          <a:lstStyle/>
+          <a:p>
+            <a:pPr algn="ctr"/>
+            <a:r>
+              <a:rPr lang="en-US" sz="1400" dirty="0"/>
+              <a:t>SWDT</a:t>
+            </a:r>
+          </a:p>
+        </p:txBody>
+      </p:sp>
+      <p:sp>
+        <p:nvSpPr>
+          <p:cNvPr id="8" name="Rectangle 65">
+            <a:extLst>
+              <a:ext uri="{FF2B5EF4-FFF2-40B4-BE49-F238E27FC236}">
+                <a16:creationId xmlns:a16="http://schemas.microsoft.com/office/drawing/2014/main" id="{6E428CCA-6A2D-45E1-91D8-D9DF13D3FA8C}"/>
+              </a:ext>
+            </a:extLst>
+          </p:cNvPr>
+          <p:cNvSpPr/>
+          <p:nvPr/>
+        </p:nvSpPr>
+        <p:spPr>
+          <a:xfrm>
+            <a:off x="10842735" y="2025950"/>
+            <a:ext cx="731520" cy="274320"/>
+          </a:xfrm>
+          <a:prstGeom prst="rect">
+            <a:avLst/>
+          </a:prstGeom>
+          <a:solidFill>
+            <a:schemeClr val="tx2"/>
+          </a:solidFill>
+          <a:ln>
+            <a:noFill/>
+          </a:ln>
+        </p:spPr>
+        <p:style>
+          <a:lnRef idx="2">
+            <a:schemeClr val="accent1">
+              <a:shade val="50000"/>
+            </a:schemeClr>
+          </a:lnRef>
+          <a:fillRef idx="1">
+            <a:schemeClr val="accent1"/>
+          </a:fillRef>
+          <a:effectRef idx="0">
+            <a:schemeClr val="accent1"/>
+          </a:effectRef>
+          <a:fontRef idx="minor">
+            <a:schemeClr val="lt1"/>
+          </a:fontRef>
+        </p:style>
+        <p:txBody>
+          <a:bodyPr rtlCol="0" anchor="ctr"/>
+          <a:lstStyle/>
+          <a:p>
+            <a:pPr algn="ctr"/>
+            <a:r>
+              <a:rPr lang="en-US" sz="1400" dirty="0"/>
+              <a:t>TMU</a:t>
+            </a:r>
+          </a:p>
+        </p:txBody>
+      </p:sp>
+      <p:sp>
+        <p:nvSpPr>
+          <p:cNvPr id="9" name="Rectangle 65">
+            <a:extLst>
+              <a:ext uri="{FF2B5EF4-FFF2-40B4-BE49-F238E27FC236}">
+                <a16:creationId xmlns:a16="http://schemas.microsoft.com/office/drawing/2014/main" id="{4697D502-C568-44DC-93A0-8BD1149D2CBA}"/>
+              </a:ext>
+            </a:extLst>
+          </p:cNvPr>
+          <p:cNvSpPr/>
+          <p:nvPr/>
+        </p:nvSpPr>
+        <p:spPr>
+          <a:xfrm>
+            <a:off x="10842735" y="1702574"/>
+            <a:ext cx="731520" cy="274320"/>
+          </a:xfrm>
+          <a:prstGeom prst="rect">
+            <a:avLst/>
+          </a:prstGeom>
+          <a:solidFill>
+            <a:schemeClr val="tx2"/>
+          </a:solidFill>
+          <a:ln>
+            <a:noFill/>
+          </a:ln>
+        </p:spPr>
+        <p:style>
+          <a:lnRef idx="2">
+            <a:schemeClr val="accent1">
+              <a:shade val="50000"/>
+            </a:schemeClr>
+          </a:lnRef>
+          <a:fillRef idx="1">
+            <a:schemeClr val="accent1"/>
+          </a:fillRef>
+          <a:effectRef idx="0">
+            <a:schemeClr val="accent1"/>
+          </a:effectRef>
+          <a:fontRef idx="minor">
+            <a:schemeClr val="lt1"/>
+          </a:fontRef>
+        </p:style>
+        <p:txBody>
+          <a:bodyPr rtlCol="0" anchor="ctr"/>
+          <a:lstStyle/>
+          <a:p>
+            <a:pPr algn="ctr"/>
+            <a:r>
+              <a:rPr lang="en-US" sz="1400" dirty="0"/>
+              <a:t>RWDT</a:t>
+            </a:r>
+          </a:p>
+        </p:txBody>
+      </p:sp>
+      <p:sp>
+        <p:nvSpPr>
+          <p:cNvPr id="10" name="Rectangle 65">
+            <a:extLst>
+              <a:ext uri="{FF2B5EF4-FFF2-40B4-BE49-F238E27FC236}">
+                <a16:creationId xmlns:a16="http://schemas.microsoft.com/office/drawing/2014/main" id="{80551A04-DB34-4F7B-834F-E434D2132175}"/>
+              </a:ext>
+            </a:extLst>
+          </p:cNvPr>
+          <p:cNvSpPr/>
+          <p:nvPr/>
+        </p:nvSpPr>
+        <p:spPr>
+          <a:xfrm>
+            <a:off x="10842735" y="2349326"/>
+            <a:ext cx="731520" cy="274320"/>
+          </a:xfrm>
+          <a:prstGeom prst="rect">
+            <a:avLst/>
+          </a:prstGeom>
+          <a:solidFill>
+            <a:schemeClr val="tx2"/>
+          </a:solidFill>
+          <a:ln>
+            <a:noFill/>
+          </a:ln>
+        </p:spPr>
+        <p:style>
+          <a:lnRef idx="2">
+            <a:schemeClr val="accent1">
+              <a:shade val="50000"/>
+            </a:schemeClr>
+          </a:lnRef>
+          <a:fillRef idx="1">
+            <a:schemeClr val="accent1"/>
+          </a:fillRef>
+          <a:effectRef idx="0">
+            <a:schemeClr val="accent1"/>
+          </a:effectRef>
+          <a:fontRef idx="minor">
+            <a:schemeClr val="lt1"/>
+          </a:fontRef>
+        </p:style>
+        <p:txBody>
+          <a:bodyPr rtlCol="0" anchor="ctr"/>
+          <a:lstStyle/>
+          <a:p>
+            <a:pPr algn="ctr"/>
+            <a:r>
+              <a:rPr lang="en-US" sz="1400" dirty="0"/>
+              <a:t>TPU</a:t>
+            </a:r>
+          </a:p>
+        </p:txBody>
+      </p:sp>
+      <p:grpSp>
+        <p:nvGrpSpPr>
+          <p:cNvPr id="12" name="Nhóm 11">
+            <a:extLst>
+              <a:ext uri="{FF2B5EF4-FFF2-40B4-BE49-F238E27FC236}">
+                <a16:creationId xmlns:a16="http://schemas.microsoft.com/office/drawing/2014/main" id="{E9824CE2-871E-49FD-8B66-EC2EABC88AD6}"/>
+              </a:ext>
+            </a:extLst>
+          </p:cNvPr>
+          <p:cNvGrpSpPr/>
+          <p:nvPr/>
+        </p:nvGrpSpPr>
+        <p:grpSpPr>
+          <a:xfrm>
+            <a:off x="1140486" y="1685476"/>
+            <a:ext cx="5643235" cy="615553"/>
+            <a:chOff x="506534" y="4095924"/>
+            <a:chExt cx="5643235" cy="615553"/>
+          </a:xfrm>
+        </p:grpSpPr>
+        <p:pic>
+          <p:nvPicPr>
+            <p:cNvPr id="13" name="Đồ họa 12" descr="Cơ sở dữ liệu">
+              <a:extLst>
+                <a:ext uri="{FF2B5EF4-FFF2-40B4-BE49-F238E27FC236}">
+                  <a16:creationId xmlns:a16="http://schemas.microsoft.com/office/drawing/2014/main" id="{ABA56C2A-B7DB-4C66-AF59-C25EDA3F0BA1}"/>
+                </a:ext>
+              </a:extLst>
+            </p:cNvPr>
+            <p:cNvPicPr>
+              <a:picLocks noChangeAspect="1"/>
+            </p:cNvPicPr>
+            <p:nvPr/>
+          </p:nvPicPr>
+          <p:blipFill>
+            <a:blip r:embed="rId2" cstate="print">
+              <a:extLst>
+                <a:ext uri="{28A0092B-C50C-407E-A947-70E740481C1C}">
+                  <a14:useLocalDpi xmlns:a14="http://schemas.microsoft.com/office/drawing/2010/main" val="0"/>
+                </a:ext>
+                <a:ext uri="{96DAC541-7B7A-43D3-8B79-37D633B846F1}">
+                  <asvg:svgBlip xmlns:asvg="http://schemas.microsoft.com/office/drawing/2016/SVG/main" r:embed="rId3"/>
+                </a:ext>
+              </a:extLst>
+            </a:blip>
+            <a:stretch>
+              <a:fillRect/>
+            </a:stretch>
+          </p:blipFill>
+          <p:spPr>
+            <a:xfrm>
+              <a:off x="506534" y="4095924"/>
+              <a:ext cx="457200" cy="457200"/>
+            </a:xfrm>
+            <a:prstGeom prst="rect">
+              <a:avLst/>
+            </a:prstGeom>
+          </p:spPr>
+        </p:pic>
+        <p:sp>
+          <p:nvSpPr>
+            <p:cNvPr id="14" name="Hộp Văn bản 13">
+              <a:extLst>
+                <a:ext uri="{FF2B5EF4-FFF2-40B4-BE49-F238E27FC236}">
+                  <a16:creationId xmlns:a16="http://schemas.microsoft.com/office/drawing/2014/main" id="{F9C4A32F-A02E-4F23-9B87-EDF40562F1D1}"/>
+                </a:ext>
+              </a:extLst>
+            </p:cNvPr>
+            <p:cNvSpPr txBox="1"/>
+            <p:nvPr/>
+          </p:nvSpPr>
+          <p:spPr>
+            <a:xfrm>
+              <a:off x="963734" y="4095924"/>
+              <a:ext cx="5186035" cy="615553"/>
+            </a:xfrm>
+            <a:prstGeom prst="rect">
+              <a:avLst/>
+            </a:prstGeom>
+            <a:noFill/>
+          </p:spPr>
+          <p:txBody>
+            <a:bodyPr wrap="none" rtlCol="0">
+              <a:spAutoFit/>
+            </a:bodyPr>
+            <a:lstStyle/>
+            <a:p>
+              <a:r>
+                <a:rPr lang="en-US" b="1" dirty="0"/>
+                <a:t>Create test patterns for functional verification</a:t>
+              </a:r>
+            </a:p>
+            <a:p>
+              <a:r>
+                <a:rPr lang="en-US" sz="1600" dirty="0"/>
+                <a:t>+ SWDT(27), RWDT(27), TMU(145), TPU(8)</a:t>
+              </a:r>
+              <a:endParaRPr lang="en-US" dirty="0"/>
+            </a:p>
+          </p:txBody>
+        </p:sp>
+      </p:grpSp>
+      <p:grpSp>
+        <p:nvGrpSpPr>
+          <p:cNvPr id="15" name="Nhóm 14">
+            <a:extLst>
+              <a:ext uri="{FF2B5EF4-FFF2-40B4-BE49-F238E27FC236}">
+                <a16:creationId xmlns:a16="http://schemas.microsoft.com/office/drawing/2014/main" id="{C3CDC543-7412-4CB3-90F0-C5847D7D2FA0}"/>
+              </a:ext>
+            </a:extLst>
+          </p:cNvPr>
+          <p:cNvGrpSpPr/>
+          <p:nvPr/>
+        </p:nvGrpSpPr>
+        <p:grpSpPr>
+          <a:xfrm>
+            <a:off x="1140486" y="2567393"/>
+            <a:ext cx="5399579" cy="615553"/>
+            <a:chOff x="506534" y="4764945"/>
+            <a:chExt cx="5399579" cy="615553"/>
+          </a:xfrm>
+        </p:grpSpPr>
+        <p:pic>
+          <p:nvPicPr>
+            <p:cNvPr id="16" name="Đồ họa 15" descr="Xe chở bê tông">
+              <a:extLst>
+                <a:ext uri="{FF2B5EF4-FFF2-40B4-BE49-F238E27FC236}">
+                  <a16:creationId xmlns:a16="http://schemas.microsoft.com/office/drawing/2014/main" id="{859E4CEA-2B4B-4FFB-A38A-A335DB44BD26}"/>
+                </a:ext>
+              </a:extLst>
+            </p:cNvPr>
+            <p:cNvPicPr>
+              <a:picLocks noChangeAspect="1"/>
+            </p:cNvPicPr>
+            <p:nvPr/>
+          </p:nvPicPr>
+          <p:blipFill>
+            <a:blip r:embed="rId4" cstate="print">
+              <a:extLst>
+                <a:ext uri="{28A0092B-C50C-407E-A947-70E740481C1C}">
+                  <a14:useLocalDpi xmlns:a14="http://schemas.microsoft.com/office/drawing/2010/main" val="0"/>
+                </a:ext>
+                <a:ext uri="{96DAC541-7B7A-43D3-8B79-37D633B846F1}">
+                  <asvg:svgBlip xmlns:asvg="http://schemas.microsoft.com/office/drawing/2016/SVG/main" r:embed="rId5"/>
+                </a:ext>
+              </a:extLst>
+            </a:blip>
+            <a:stretch>
+              <a:fillRect/>
+            </a:stretch>
+          </p:blipFill>
+          <p:spPr>
+            <a:xfrm>
+              <a:off x="506534" y="4764945"/>
+              <a:ext cx="457200" cy="457200"/>
+            </a:xfrm>
+            <a:prstGeom prst="rect">
+              <a:avLst/>
+            </a:prstGeom>
+          </p:spPr>
+        </p:pic>
+        <p:sp>
+          <p:nvSpPr>
+            <p:cNvPr id="17" name="Hộp Văn bản 16">
+              <a:extLst>
+                <a:ext uri="{FF2B5EF4-FFF2-40B4-BE49-F238E27FC236}">
+                  <a16:creationId xmlns:a16="http://schemas.microsoft.com/office/drawing/2014/main" id="{11D433E5-6663-4CD0-8F30-FE649F167225}"/>
+                </a:ext>
+              </a:extLst>
+            </p:cNvPr>
+            <p:cNvSpPr txBox="1"/>
+            <p:nvPr/>
+          </p:nvSpPr>
+          <p:spPr>
+            <a:xfrm>
+              <a:off x="963734" y="4764945"/>
+              <a:ext cx="4942379" cy="615553"/>
+            </a:xfrm>
+            <a:prstGeom prst="rect">
+              <a:avLst/>
+            </a:prstGeom>
+            <a:noFill/>
+          </p:spPr>
+          <p:txBody>
+            <a:bodyPr wrap="none" rtlCol="0">
+              <a:spAutoFit/>
+            </a:bodyPr>
+            <a:lstStyle/>
+            <a:p>
+              <a:r>
+                <a:rPr lang="en-US" b="1" dirty="0"/>
+                <a:t>Conduct functional verification at RTL level</a:t>
+              </a:r>
+            </a:p>
+            <a:p>
+              <a:r>
+                <a:rPr lang="en-US" sz="1600" dirty="0"/>
+                <a:t>+ SWDT(35), RWDT(35), TMU(210), TPU(47)</a:t>
+              </a:r>
+              <a:endParaRPr lang="en-US" dirty="0"/>
+            </a:p>
+          </p:txBody>
+        </p:sp>
+      </p:grpSp>
+      <p:grpSp>
+        <p:nvGrpSpPr>
+          <p:cNvPr id="18" name="Nhóm 17">
+            <a:extLst>
+              <a:ext uri="{FF2B5EF4-FFF2-40B4-BE49-F238E27FC236}">
+                <a16:creationId xmlns:a16="http://schemas.microsoft.com/office/drawing/2014/main" id="{448CC9C4-2936-44B7-B175-A57AEA2D0D4D}"/>
+              </a:ext>
+            </a:extLst>
+          </p:cNvPr>
+          <p:cNvGrpSpPr/>
+          <p:nvPr/>
+        </p:nvGrpSpPr>
+        <p:grpSpPr>
+          <a:xfrm>
+            <a:off x="1140486" y="3384113"/>
+            <a:ext cx="4745552" cy="861774"/>
+            <a:chOff x="506534" y="5328765"/>
+            <a:chExt cx="4745552" cy="861774"/>
+          </a:xfrm>
+        </p:grpSpPr>
+        <p:pic>
+          <p:nvPicPr>
+            <p:cNvPr id="19" name="Đồ họa 18" descr="Kính hiển vi">
+              <a:extLst>
+                <a:ext uri="{FF2B5EF4-FFF2-40B4-BE49-F238E27FC236}">
+                  <a16:creationId xmlns:a16="http://schemas.microsoft.com/office/drawing/2014/main" id="{9F48E957-8DA2-415F-96A4-D62D38AE41C1}"/>
+                </a:ext>
+              </a:extLst>
+            </p:cNvPr>
+            <p:cNvPicPr>
+              <a:picLocks noChangeAspect="1"/>
+            </p:cNvPicPr>
+            <p:nvPr/>
+          </p:nvPicPr>
+          <p:blipFill>
+            <a:blip r:embed="rId6" cstate="print">
+              <a:extLst>
+                <a:ext uri="{28A0092B-C50C-407E-A947-70E740481C1C}">
+                  <a14:useLocalDpi xmlns:a14="http://schemas.microsoft.com/office/drawing/2010/main" val="0"/>
+                </a:ext>
+                <a:ext uri="{96DAC541-7B7A-43D3-8B79-37D633B846F1}">
+                  <asvg:svgBlip xmlns:asvg="http://schemas.microsoft.com/office/drawing/2016/SVG/main" r:embed="rId7"/>
+                </a:ext>
+              </a:extLst>
+            </a:blip>
+            <a:stretch>
+              <a:fillRect/>
+            </a:stretch>
+          </p:blipFill>
+          <p:spPr>
+            <a:xfrm>
+              <a:off x="506534" y="5328765"/>
+              <a:ext cx="457200" cy="457200"/>
+            </a:xfrm>
+            <a:prstGeom prst="rect">
+              <a:avLst/>
+            </a:prstGeom>
+          </p:spPr>
+        </p:pic>
+        <p:sp>
+          <p:nvSpPr>
+            <p:cNvPr id="20" name="Hộp Văn bản 19">
+              <a:extLst>
+                <a:ext uri="{FF2B5EF4-FFF2-40B4-BE49-F238E27FC236}">
+                  <a16:creationId xmlns:a16="http://schemas.microsoft.com/office/drawing/2014/main" id="{1EFFA4D1-5A09-4C62-B15B-B087783C0747}"/>
+                </a:ext>
+              </a:extLst>
+            </p:cNvPr>
+            <p:cNvSpPr txBox="1"/>
+            <p:nvPr/>
+          </p:nvSpPr>
+          <p:spPr>
+            <a:xfrm>
+              <a:off x="963733" y="5328765"/>
+              <a:ext cx="4288353" cy="861774"/>
+            </a:xfrm>
+            <a:prstGeom prst="rect">
+              <a:avLst/>
+            </a:prstGeom>
+            <a:noFill/>
+          </p:spPr>
+          <p:txBody>
+            <a:bodyPr wrap="none" rtlCol="0">
+              <a:spAutoFit/>
+            </a:bodyPr>
+            <a:lstStyle/>
+            <a:p>
+              <a:r>
+                <a:rPr lang="en-US" b="1" dirty="0"/>
+                <a:t>Evaluate functional verification result</a:t>
+              </a:r>
+            </a:p>
+            <a:p>
+              <a:r>
+                <a:rPr lang="en-US" sz="1600" dirty="0"/>
+                <a:t>+ Evaluate functional verification result</a:t>
+              </a:r>
+            </a:p>
+            <a:p>
+              <a:r>
+                <a:rPr lang="en-US" sz="1600" dirty="0"/>
+                <a:t>+ Evaluate coverage result</a:t>
+              </a:r>
+              <a:endParaRPr lang="en-US" dirty="0"/>
+            </a:p>
+          </p:txBody>
+        </p:sp>
+      </p:grpSp>
+      <p:sp>
+        <p:nvSpPr>
+          <p:cNvPr id="21" name="Rectangle 65">
+            <a:extLst>
+              <a:ext uri="{FF2B5EF4-FFF2-40B4-BE49-F238E27FC236}">
+                <a16:creationId xmlns:a16="http://schemas.microsoft.com/office/drawing/2014/main" id="{2B58DE32-7D3E-4F9A-8C74-23FF0005A39A}"/>
+              </a:ext>
+            </a:extLst>
+          </p:cNvPr>
+          <p:cNvSpPr/>
+          <p:nvPr/>
+        </p:nvSpPr>
+        <p:spPr>
+          <a:xfrm>
+            <a:off x="9600000" y="2017048"/>
+            <a:ext cx="1188720" cy="274320"/>
+          </a:xfrm>
+          <a:prstGeom prst="rect">
+            <a:avLst/>
+          </a:prstGeom>
+          <a:solidFill>
+            <a:schemeClr val="tx1"/>
+          </a:solidFill>
+          <a:ln>
+            <a:noFill/>
+          </a:ln>
+        </p:spPr>
+        <p:style>
+          <a:lnRef idx="2">
+            <a:schemeClr val="accent1">
+              <a:shade val="50000"/>
+            </a:schemeClr>
+          </a:lnRef>
+          <a:fillRef idx="1">
+            <a:schemeClr val="accent1"/>
+          </a:fillRef>
+          <a:effectRef idx="0">
+            <a:schemeClr val="accent1"/>
+          </a:effectRef>
+          <a:fontRef idx="minor">
+            <a:schemeClr val="lt1"/>
+          </a:fontRef>
+        </p:style>
+        <p:txBody>
+          <a:bodyPr rtlCol="0" anchor="ctr"/>
+          <a:lstStyle/>
+          <a:p>
+            <a:pPr algn="ctr"/>
+            <a:r>
+              <a:rPr lang="en-US" sz="1400" dirty="0"/>
+              <a:t>E3-ES1.0</a:t>
+            </a:r>
+          </a:p>
+        </p:txBody>
+      </p:sp>
+    </p:spTree>
+    <p:extLst>
+      <p:ext uri="{BB962C8B-B14F-4D97-AF65-F5344CB8AC3E}">
+        <p14:creationId xmlns:p14="http://schemas.microsoft.com/office/powerpoint/2010/main" val="1428333172"/>
+      </p:ext>
+    </p:extLst>
+  </p:cSld>
+  <p:clrMapOvr>
+    <a:masterClrMapping/>
+  </p:clrMapOvr>
+</p:sld>
+</file>
+
+<file path=ppt/slides/slide13.xml><?xml version="1.0" encoding="utf-8"?>
+<p:sld xmlns:a="http://schemas.openxmlformats.org/drawingml/2006/main" xmlns:r="http://schemas.openxmlformats.org/officeDocument/2006/relationships" xmlns:p="http://schemas.openxmlformats.org/presentationml/2006/main">
+  <p:cSld>
+    <p:spTree>
+      <p:nvGrpSpPr>
+        <p:cNvPr id="1" name=""/>
+        <p:cNvGrpSpPr/>
+        <p:nvPr/>
+      </p:nvGrpSpPr>
+      <p:grpSpPr>
+        <a:xfrm>
+          <a:off x="0" y="0"/>
+          <a:ext cx="0" cy="0"/>
+          <a:chOff x="0" y="0"/>
+          <a:chExt cx="0" cy="0"/>
+        </a:xfrm>
+      </p:grpSpPr>
+      <p:sp>
+        <p:nvSpPr>
+          <p:cNvPr id="2" name="Title 1"/>
+          <p:cNvSpPr>
+            <a:spLocks noGrp="1"/>
+          </p:cNvSpPr>
+          <p:nvPr>
+            <p:ph type="title"/>
+          </p:nvPr>
+        </p:nvSpPr>
+        <p:spPr/>
+        <p:txBody>
+          <a:bodyPr/>
+          <a:lstStyle/>
+          <a:p>
+            <a:r>
+              <a:rPr lang="en-US" dirty="0"/>
+              <a:t>SCHEDULE</a:t>
+            </a:r>
+          </a:p>
+        </p:txBody>
+      </p:sp>
+      <p:sp>
+        <p:nvSpPr>
+          <p:cNvPr id="3" name="Slide Number Placeholder 2"/>
+          <p:cNvSpPr>
+            <a:spLocks noGrp="1"/>
+          </p:cNvSpPr>
+          <p:nvPr>
+            <p:ph type="sldNum" sz="quarter" idx="10"/>
+          </p:nvPr>
+        </p:nvSpPr>
+        <p:spPr/>
+        <p:txBody>
+          <a:bodyPr/>
+          <a:lstStyle/>
+          <a:p>
+            <a:pPr algn="l"/>
+            <a:r>
+              <a:rPr lang="de-DE"/>
+              <a:t>Page </a:t>
+            </a:r>
+            <a:fld id="{3FD030EF-7044-4946-962A-5D7D09BD1B34}" type="slidenum">
+              <a:rPr lang="de-DE" smtClean="0"/>
+              <a:pPr algn="l"/>
+              <a:t>13</a:t>
             </a:fld>
             <a:endParaRPr lang="de-DE" dirty="0"/>
           </a:p>
@@ -23439,7 +25106,7 @@
 </p:sld>
 </file>
 
-<file path=ppt/slides/slide12.xml><?xml version="1.0" encoding="utf-8"?>
+<file path=ppt/slides/slide14.xml><?xml version="1.0" encoding="utf-8"?>
 <p:sld xmlns:a="http://schemas.openxmlformats.org/drawingml/2006/main" xmlns:r="http://schemas.openxmlformats.org/officeDocument/2006/relationships" xmlns:p="http://schemas.openxmlformats.org/presentationml/2006/main">
   <p:cSld>
     <p:spTree>
@@ -23540,7 +25207,7 @@
             <a:fld id="{3FD030EF-7044-4946-962A-5D7D09BD1B34}" type="slidenum">
               <a:rPr lang="de-DE" smtClean="0"/>
               <a:pPr algn="l"/>
-              <a:t>12</a:t>
+              <a:t>14</a:t>
             </a:fld>
             <a:endParaRPr lang="de-DE" dirty="0"/>
           </a:p>
@@ -31478,86 +33145,328 @@
           </a:p>
         </p:txBody>
       </p:sp>
-      <p:sp>
-        <p:nvSpPr>
-          <p:cNvPr id="16" name="Rectangle 15"/>
-          <p:cNvSpPr/>
+      <p:grpSp>
+        <p:nvGrpSpPr>
+          <p:cNvPr id="50" name="Nhóm 49">
+            <a:extLst>
+              <a:ext uri="{FF2B5EF4-FFF2-40B4-BE49-F238E27FC236}">
+                <a16:creationId xmlns:a16="http://schemas.microsoft.com/office/drawing/2014/main" id="{1B0EFE30-AC2D-49F5-AB79-FAF99575C4D9}"/>
+              </a:ext>
+            </a:extLst>
+          </p:cNvPr>
+          <p:cNvGrpSpPr/>
           <p:nvPr/>
-        </p:nvSpPr>
-        <p:spPr>
+        </p:nvGrpSpPr>
+        <p:grpSpPr>
+          <a:xfrm>
+            <a:off x="1080000" y="1698123"/>
+            <a:ext cx="4772740" cy="615553"/>
+            <a:chOff x="1080000" y="1698123"/>
+            <a:chExt cx="4772740" cy="615553"/>
+          </a:xfrm>
+        </p:grpSpPr>
+        <p:sp>
+          <p:nvSpPr>
+            <p:cNvPr id="4" name="Hình chữ nhật 3">
+              <a:extLst>
+                <a:ext uri="{FF2B5EF4-FFF2-40B4-BE49-F238E27FC236}">
+                  <a16:creationId xmlns:a16="http://schemas.microsoft.com/office/drawing/2014/main" id="{580BD9E0-5CE5-415F-9BE2-DDF968E527B5}"/>
+                </a:ext>
+              </a:extLst>
+            </p:cNvPr>
+            <p:cNvSpPr/>
+            <p:nvPr/>
+          </p:nvSpPr>
+          <p:spPr>
+            <a:xfrm>
+              <a:off x="1537200" y="1698123"/>
+              <a:ext cx="4315540" cy="615553"/>
+            </a:xfrm>
+            <a:prstGeom prst="rect">
+              <a:avLst/>
+            </a:prstGeom>
+          </p:spPr>
+          <p:txBody>
+            <a:bodyPr wrap="none">
+              <a:spAutoFit/>
+            </a:bodyPr>
+            <a:lstStyle/>
+            <a:p>
+              <a:r>
+                <a:rPr lang="en-US" b="1" dirty="0"/>
+                <a:t>Synthesis and do formal verification</a:t>
+              </a:r>
+            </a:p>
+            <a:p>
+              <a:r>
+                <a:rPr lang="en-US" sz="1600" dirty="0"/>
+                <a:t>+ Perform synthesis task</a:t>
+              </a:r>
+            </a:p>
+          </p:txBody>
+        </p:sp>
+        <p:pic>
+          <p:nvPicPr>
+            <p:cNvPr id="29" name="Đồ họa 28" descr="Nguyên tử">
+              <a:extLst>
+                <a:ext uri="{FF2B5EF4-FFF2-40B4-BE49-F238E27FC236}">
+                  <a16:creationId xmlns:a16="http://schemas.microsoft.com/office/drawing/2014/main" id="{6310B9CD-AABA-4968-A05A-F0955D6BF0B9}"/>
+                </a:ext>
+              </a:extLst>
+            </p:cNvPr>
+            <p:cNvPicPr>
+              <a:picLocks noChangeAspect="1"/>
+            </p:cNvPicPr>
+            <p:nvPr/>
+          </p:nvPicPr>
+          <p:blipFill>
+            <a:blip r:embed="rId2">
+              <a:extLst>
+                <a:ext uri="{28A0092B-C50C-407E-A947-70E740481C1C}">
+                  <a14:useLocalDpi xmlns:a14="http://schemas.microsoft.com/office/drawing/2010/main" val="0"/>
+                </a:ext>
+                <a:ext uri="{96DAC541-7B7A-43D3-8B79-37D633B846F1}">
+                  <asvg:svgBlip xmlns:asvg="http://schemas.microsoft.com/office/drawing/2016/SVG/main" r:embed="rId3"/>
+                </a:ext>
+              </a:extLst>
+            </a:blip>
+            <a:stretch>
+              <a:fillRect/>
+            </a:stretch>
+          </p:blipFill>
+          <p:spPr>
+            <a:xfrm>
+              <a:off x="1080000" y="1698123"/>
+              <a:ext cx="457200" cy="457200"/>
+            </a:xfrm>
+            <a:prstGeom prst="rect">
+              <a:avLst/>
+            </a:prstGeom>
+          </p:spPr>
+        </p:pic>
+      </p:grpSp>
+      <p:grpSp>
+        <p:nvGrpSpPr>
+          <p:cNvPr id="52" name="Nhóm 51">
+            <a:extLst>
+              <a:ext uri="{FF2B5EF4-FFF2-40B4-BE49-F238E27FC236}">
+                <a16:creationId xmlns:a16="http://schemas.microsoft.com/office/drawing/2014/main" id="{3F652C54-8AC5-45E3-B477-E36FC2444B26}"/>
+              </a:ext>
+            </a:extLst>
+          </p:cNvPr>
+          <p:cNvGrpSpPr/>
+          <p:nvPr/>
+        </p:nvGrpSpPr>
+        <p:grpSpPr>
           <a:xfrm>
             <a:off x="1080000" y="2486486"/>
-            <a:ext cx="6096000" cy="2031325"/>
+            <a:ext cx="7454628" cy="615553"/>
+            <a:chOff x="1080000" y="3540561"/>
+            <a:chExt cx="7454628" cy="615553"/>
           </a:xfrm>
-          <a:prstGeom prst="rect">
-            <a:avLst/>
-          </a:prstGeom>
-        </p:spPr>
-        <p:txBody>
-          <a:bodyPr>
-            <a:spAutoFit/>
-          </a:bodyPr>
-          <a:lstStyle/>
-          <a:p>
-            <a:r>
-              <a:rPr lang="en-US" dirty="0"/>
-              <a:t>Synthesis and do formal verification</a:t>
-            </a:r>
-          </a:p>
-          <a:p>
-            <a:r>
-              <a:rPr lang="en-US" dirty="0"/>
-              <a:t>Determine checker strategy</a:t>
-            </a:r>
-          </a:p>
-          <a:p>
-            <a:r>
-              <a:rPr lang="en-US" dirty="0"/>
-              <a:t>Analyze and fix checker errors (HLDRC)</a:t>
-            </a:r>
-          </a:p>
-          <a:p>
-            <a:r>
-              <a:rPr lang="en-US" dirty="0"/>
-              <a:t>Analyze and fix checker errors (</a:t>
-            </a:r>
-            <a:r>
-              <a:rPr lang="en-US" dirty="0" err="1"/>
-              <a:t>DFTcheck</a:t>
-            </a:r>
-            <a:r>
-              <a:rPr lang="en-US" dirty="0"/>
-              <a:t>)</a:t>
-            </a:r>
-          </a:p>
-          <a:p>
-            <a:r>
-              <a:rPr lang="en-US" dirty="0"/>
-              <a:t>Analyze and fix checker errors (</a:t>
-            </a:r>
-            <a:r>
-              <a:rPr lang="en-US" dirty="0" err="1"/>
-              <a:t>STAcheck</a:t>
-            </a:r>
-            <a:r>
-              <a:rPr lang="en-US" dirty="0"/>
-              <a:t>)</a:t>
-            </a:r>
-          </a:p>
-          <a:p>
-            <a:r>
-              <a:rPr lang="en-US" dirty="0"/>
-              <a:t>Analyze and do ECO</a:t>
-            </a:r>
-          </a:p>
-          <a:p>
-            <a:r>
-              <a:rPr lang="en-US" dirty="0"/>
-              <a:t>Analyze timing report and optimize timing</a:t>
-            </a:r>
-          </a:p>
-        </p:txBody>
-      </p:sp>
+        </p:grpSpPr>
+        <p:sp>
+          <p:nvSpPr>
+            <p:cNvPr id="6" name="Hình chữ nhật 5">
+              <a:extLst>
+                <a:ext uri="{FF2B5EF4-FFF2-40B4-BE49-F238E27FC236}">
+                  <a16:creationId xmlns:a16="http://schemas.microsoft.com/office/drawing/2014/main" id="{57759738-7D01-4F69-B8D2-A30F5FDA6869}"/>
+                </a:ext>
+              </a:extLst>
+            </p:cNvPr>
+            <p:cNvSpPr/>
+            <p:nvPr/>
+          </p:nvSpPr>
+          <p:spPr>
+            <a:xfrm>
+              <a:off x="1537200" y="3540561"/>
+              <a:ext cx="6997428" cy="615553"/>
+            </a:xfrm>
+            <a:prstGeom prst="rect">
+              <a:avLst/>
+            </a:prstGeom>
+          </p:spPr>
+          <p:txBody>
+            <a:bodyPr wrap="none">
+              <a:spAutoFit/>
+            </a:bodyPr>
+            <a:lstStyle/>
+            <a:p>
+              <a:r>
+                <a:rPr lang="en-US" b="1" dirty="0"/>
+                <a:t>Analyze and fix checker errors (HLDRC, </a:t>
+              </a:r>
+              <a:r>
+                <a:rPr lang="en-US" b="1" dirty="0" err="1"/>
+                <a:t>DFTcheck</a:t>
+              </a:r>
+              <a:r>
+                <a:rPr lang="en-US" b="1" dirty="0"/>
+                <a:t>, </a:t>
+              </a:r>
+              <a:r>
+                <a:rPr lang="en-US" b="1" dirty="0" err="1"/>
+                <a:t>STAcheck</a:t>
+              </a:r>
+              <a:r>
+                <a:rPr lang="en-US" b="1" dirty="0"/>
+                <a:t>)</a:t>
+              </a:r>
+            </a:p>
+            <a:p>
+              <a:r>
+                <a:rPr lang="en-US" sz="1600" dirty="0"/>
+                <a:t>+ Analyze and judge checker errors</a:t>
+              </a:r>
+            </a:p>
+          </p:txBody>
+        </p:sp>
+        <p:pic>
+          <p:nvPicPr>
+            <p:cNvPr id="23" name="Đồ họa 22" descr="Kính hiển vi">
+              <a:extLst>
+                <a:ext uri="{FF2B5EF4-FFF2-40B4-BE49-F238E27FC236}">
+                  <a16:creationId xmlns:a16="http://schemas.microsoft.com/office/drawing/2014/main" id="{8B188B42-B678-4CAF-8EFF-739E91F1D45A}"/>
+                </a:ext>
+              </a:extLst>
+            </p:cNvPr>
+            <p:cNvPicPr>
+              <a:picLocks noChangeAspect="1"/>
+            </p:cNvPicPr>
+            <p:nvPr/>
+          </p:nvPicPr>
+          <p:blipFill>
+            <a:blip r:embed="rId4">
+              <a:extLst>
+                <a:ext uri="{28A0092B-C50C-407E-A947-70E740481C1C}">
+                  <a14:useLocalDpi xmlns:a14="http://schemas.microsoft.com/office/drawing/2010/main" val="0"/>
+                </a:ext>
+                <a:ext uri="{96DAC541-7B7A-43D3-8B79-37D633B846F1}">
+                  <asvg:svgBlip xmlns:asvg="http://schemas.microsoft.com/office/drawing/2016/SVG/main" r:embed="rId5"/>
+                </a:ext>
+              </a:extLst>
+            </a:blip>
+            <a:stretch>
+              <a:fillRect/>
+            </a:stretch>
+          </p:blipFill>
+          <p:spPr>
+            <a:xfrm>
+              <a:off x="1080000" y="3540561"/>
+              <a:ext cx="457200" cy="457200"/>
+            </a:xfrm>
+            <a:prstGeom prst="rect">
+              <a:avLst/>
+            </a:prstGeom>
+          </p:spPr>
+        </p:pic>
+      </p:grpSp>
+      <p:grpSp>
+        <p:nvGrpSpPr>
+          <p:cNvPr id="54" name="Nhóm 53">
+            <a:extLst>
+              <a:ext uri="{FF2B5EF4-FFF2-40B4-BE49-F238E27FC236}">
+                <a16:creationId xmlns:a16="http://schemas.microsoft.com/office/drawing/2014/main" id="{E40F9E7B-CF15-4C10-B27B-569051C0EA79}"/>
+              </a:ext>
+            </a:extLst>
+          </p:cNvPr>
+          <p:cNvGrpSpPr/>
+          <p:nvPr/>
+        </p:nvGrpSpPr>
+        <p:grpSpPr>
+          <a:xfrm>
+            <a:off x="1078537" y="3262611"/>
+            <a:ext cx="5348283" cy="861774"/>
+            <a:chOff x="1080000" y="5382998"/>
+            <a:chExt cx="5348283" cy="861774"/>
+          </a:xfrm>
+        </p:grpSpPr>
+        <p:sp>
+          <p:nvSpPr>
+            <p:cNvPr id="19" name="Hình chữ nhật 18">
+              <a:extLst>
+                <a:ext uri="{FF2B5EF4-FFF2-40B4-BE49-F238E27FC236}">
+                  <a16:creationId xmlns:a16="http://schemas.microsoft.com/office/drawing/2014/main" id="{97364090-DE67-4E3B-AAAF-EC55E7401851}"/>
+                </a:ext>
+              </a:extLst>
+            </p:cNvPr>
+            <p:cNvSpPr/>
+            <p:nvPr/>
+          </p:nvSpPr>
+          <p:spPr>
+            <a:xfrm>
+              <a:off x="1537200" y="5382998"/>
+              <a:ext cx="4891083" cy="861774"/>
+            </a:xfrm>
+            <a:prstGeom prst="rect">
+              <a:avLst/>
+            </a:prstGeom>
+          </p:spPr>
+          <p:txBody>
+            <a:bodyPr wrap="none">
+              <a:spAutoFit/>
+            </a:bodyPr>
+            <a:lstStyle/>
+            <a:p>
+              <a:r>
+                <a:rPr lang="en-US" b="1" dirty="0"/>
+                <a:t>Analyze timing report and optimize timing</a:t>
+              </a:r>
+            </a:p>
+            <a:p>
+              <a:r>
+                <a:rPr lang="en-US" sz="1600" dirty="0"/>
+                <a:t>+ Summarize, analyze and judge timing report result</a:t>
+              </a:r>
+            </a:p>
+            <a:p>
+              <a:r>
+                <a:rPr lang="en-US" sz="1600" dirty="0"/>
+                <a:t>+ Do timing ECO to fix violation</a:t>
+              </a:r>
+            </a:p>
+          </p:txBody>
+        </p:sp>
+        <p:pic>
+          <p:nvPicPr>
+            <p:cNvPr id="25" name="Đồ họa 24" descr="Đồng hồ bấm giờ">
+              <a:extLst>
+                <a:ext uri="{FF2B5EF4-FFF2-40B4-BE49-F238E27FC236}">
+                  <a16:creationId xmlns:a16="http://schemas.microsoft.com/office/drawing/2014/main" id="{1201AC68-A082-4EDF-87AB-36FF654D230D}"/>
+                </a:ext>
+              </a:extLst>
+            </p:cNvPr>
+            <p:cNvPicPr>
+              <a:picLocks noChangeAspect="1"/>
+            </p:cNvPicPr>
+            <p:nvPr/>
+          </p:nvPicPr>
+          <p:blipFill>
+            <a:blip r:embed="rId6">
+              <a:extLst>
+                <a:ext uri="{28A0092B-C50C-407E-A947-70E740481C1C}">
+                  <a14:useLocalDpi xmlns:a14="http://schemas.microsoft.com/office/drawing/2010/main" val="0"/>
+                </a:ext>
+                <a:ext uri="{96DAC541-7B7A-43D3-8B79-37D633B846F1}">
+                  <asvg:svgBlip xmlns:asvg="http://schemas.microsoft.com/office/drawing/2016/SVG/main" r:embed="rId7"/>
+                </a:ext>
+              </a:extLst>
+            </a:blip>
+            <a:stretch>
+              <a:fillRect/>
+            </a:stretch>
+          </p:blipFill>
+          <p:spPr>
+            <a:xfrm>
+              <a:off x="1080000" y="5382998"/>
+              <a:ext cx="457200" cy="457200"/>
+            </a:xfrm>
+            <a:prstGeom prst="rect">
+              <a:avLst/>
+            </a:prstGeom>
+          </p:spPr>
+        </p:pic>
+      </p:grpSp>
     </p:spTree>
     <p:extLst>
       <p:ext uri="{BB962C8B-B14F-4D97-AF65-F5344CB8AC3E}">
@@ -31598,22 +33507,19 @@
             <p:ph type="title"/>
           </p:nvPr>
         </p:nvSpPr>
-        <p:spPr/>
+        <p:spPr>
+          <a:xfrm>
+            <a:off x="1080000" y="936000"/>
+            <a:ext cx="8520000" cy="443198"/>
+          </a:xfrm>
+        </p:spPr>
         <p:txBody>
           <a:bodyPr/>
           <a:lstStyle/>
           <a:p>
             <a:r>
               <a:rPr lang="en-US" dirty="0"/>
-              <a:t>FUNCTIONAL VERIFICATION – 1</a:t>
-            </a:r>
-            <a:r>
-              <a:rPr lang="en-US" baseline="30000" dirty="0"/>
-              <a:t>st</a:t>
-            </a:r>
-            <a:r>
-              <a:rPr lang="en-US" dirty="0"/>
-              <a:t> 6 months</a:t>
+              <a:t>LOGIC DESIGN</a:t>
             </a:r>
           </a:p>
         </p:txBody>
@@ -31642,6 +33548,1882 @@
               <a:rPr lang="de-DE" smtClean="0"/>
               <a:pPr algn="l"/>
               <a:t>8</a:t>
+            </a:fld>
+            <a:endParaRPr lang="de-DE" dirty="0"/>
+          </a:p>
+        </p:txBody>
+      </p:sp>
+      <p:sp>
+        <p:nvSpPr>
+          <p:cNvPr id="4" name="Hình chữ nhật 3">
+            <a:extLst>
+              <a:ext uri="{FF2B5EF4-FFF2-40B4-BE49-F238E27FC236}">
+                <a16:creationId xmlns:a16="http://schemas.microsoft.com/office/drawing/2014/main" id="{580BD9E0-5CE5-415F-9BE2-DDF968E527B5}"/>
+              </a:ext>
+            </a:extLst>
+          </p:cNvPr>
+          <p:cNvSpPr/>
+          <p:nvPr/>
+        </p:nvSpPr>
+        <p:spPr>
+          <a:xfrm>
+            <a:off x="1537200" y="1698123"/>
+            <a:ext cx="4160113" cy="369332"/>
+          </a:xfrm>
+          <a:prstGeom prst="rect">
+            <a:avLst/>
+          </a:prstGeom>
+        </p:spPr>
+        <p:txBody>
+          <a:bodyPr wrap="none">
+            <a:spAutoFit/>
+          </a:bodyPr>
+          <a:lstStyle/>
+          <a:p>
+            <a:r>
+              <a:rPr lang="en-US" b="1" dirty="0"/>
+              <a:t>Synthesis and do formal verification</a:t>
+            </a:r>
+          </a:p>
+        </p:txBody>
+      </p:sp>
+      <p:pic>
+        <p:nvPicPr>
+          <p:cNvPr id="29" name="Đồ họa 28" descr="Nguyên tử">
+            <a:extLst>
+              <a:ext uri="{FF2B5EF4-FFF2-40B4-BE49-F238E27FC236}">
+                <a16:creationId xmlns:a16="http://schemas.microsoft.com/office/drawing/2014/main" id="{6310B9CD-AABA-4968-A05A-F0955D6BF0B9}"/>
+              </a:ext>
+            </a:extLst>
+          </p:cNvPr>
+          <p:cNvPicPr>
+            <a:picLocks noChangeAspect="1"/>
+          </p:cNvPicPr>
+          <p:nvPr/>
+        </p:nvPicPr>
+        <p:blipFill>
+          <a:blip r:embed="rId2">
+            <a:extLst>
+              <a:ext uri="{28A0092B-C50C-407E-A947-70E740481C1C}">
+                <a14:useLocalDpi xmlns:a14="http://schemas.microsoft.com/office/drawing/2010/main" val="0"/>
+              </a:ext>
+              <a:ext uri="{96DAC541-7B7A-43D3-8B79-37D633B846F1}">
+                <asvg:svgBlip xmlns:asvg="http://schemas.microsoft.com/office/drawing/2016/SVG/main" r:embed="rId3"/>
+              </a:ext>
+            </a:extLst>
+          </a:blip>
+          <a:stretch>
+            <a:fillRect/>
+          </a:stretch>
+        </p:blipFill>
+        <p:spPr>
+          <a:xfrm>
+            <a:off x="1080000" y="1698123"/>
+            <a:ext cx="457200" cy="457200"/>
+          </a:xfrm>
+          <a:prstGeom prst="rect">
+            <a:avLst/>
+          </a:prstGeom>
+        </p:spPr>
+      </p:pic>
+      <p:sp>
+        <p:nvSpPr>
+          <p:cNvPr id="30" name="Rectangle 47">
+            <a:extLst>
+              <a:ext uri="{FF2B5EF4-FFF2-40B4-BE49-F238E27FC236}">
+                <a16:creationId xmlns:a16="http://schemas.microsoft.com/office/drawing/2014/main" id="{69BA1A2C-DF2C-4345-BA96-D0C78BC382D6}"/>
+              </a:ext>
+            </a:extLst>
+          </p:cNvPr>
+          <p:cNvSpPr/>
+          <p:nvPr/>
+        </p:nvSpPr>
+        <p:spPr>
+          <a:xfrm>
+            <a:off x="1537200" y="2154462"/>
+            <a:ext cx="2743200" cy="91440"/>
+          </a:xfrm>
+          <a:prstGeom prst="rect">
+            <a:avLst/>
+          </a:prstGeom>
+          <a:solidFill>
+            <a:schemeClr val="tx2"/>
+          </a:solidFill>
+          <a:ln>
+            <a:noFill/>
+          </a:ln>
+        </p:spPr>
+        <p:style>
+          <a:lnRef idx="2">
+            <a:schemeClr val="accent1">
+              <a:shade val="50000"/>
+            </a:schemeClr>
+          </a:lnRef>
+          <a:fillRef idx="1">
+            <a:schemeClr val="accent1"/>
+          </a:fillRef>
+          <a:effectRef idx="0">
+            <a:schemeClr val="accent1"/>
+          </a:effectRef>
+          <a:fontRef idx="minor">
+            <a:schemeClr val="lt1"/>
+          </a:fontRef>
+        </p:style>
+        <p:txBody>
+          <a:bodyPr rtlCol="0" anchor="ctr"/>
+          <a:lstStyle/>
+          <a:p>
+            <a:pPr algn="r"/>
+            <a:r>
+              <a:rPr lang="en-US" sz="700" dirty="0"/>
+              <a:t>1</a:t>
+            </a:r>
+          </a:p>
+        </p:txBody>
+      </p:sp>
+      <p:sp>
+        <p:nvSpPr>
+          <p:cNvPr id="31" name="Rectangle 48">
+            <a:extLst>
+              <a:ext uri="{FF2B5EF4-FFF2-40B4-BE49-F238E27FC236}">
+                <a16:creationId xmlns:a16="http://schemas.microsoft.com/office/drawing/2014/main" id="{C57CCD74-FB83-4332-9BB0-778D0D186CBD}"/>
+              </a:ext>
+            </a:extLst>
+          </p:cNvPr>
+          <p:cNvSpPr/>
+          <p:nvPr/>
+        </p:nvSpPr>
+        <p:spPr>
+          <a:xfrm>
+            <a:off x="1537200" y="2258052"/>
+            <a:ext cx="2743200" cy="91440"/>
+          </a:xfrm>
+          <a:prstGeom prst="rect">
+            <a:avLst/>
+          </a:prstGeom>
+          <a:solidFill>
+            <a:srgbClr val="FF0000"/>
+          </a:solidFill>
+          <a:ln>
+            <a:noFill/>
+          </a:ln>
+        </p:spPr>
+        <p:style>
+          <a:lnRef idx="2">
+            <a:schemeClr val="accent1">
+              <a:shade val="50000"/>
+            </a:schemeClr>
+          </a:lnRef>
+          <a:fillRef idx="1">
+            <a:schemeClr val="accent1"/>
+          </a:fillRef>
+          <a:effectRef idx="0">
+            <a:schemeClr val="accent1"/>
+          </a:effectRef>
+          <a:fontRef idx="minor">
+            <a:schemeClr val="lt1"/>
+          </a:fontRef>
+        </p:style>
+        <p:txBody>
+          <a:bodyPr rtlCol="0" anchor="ctr"/>
+          <a:lstStyle/>
+          <a:p>
+            <a:pPr algn="r"/>
+            <a:endParaRPr lang="en-US" sz="700" dirty="0"/>
+          </a:p>
+        </p:txBody>
+      </p:sp>
+      <p:sp>
+        <p:nvSpPr>
+          <p:cNvPr id="32" name="Rectangle 49">
+            <a:extLst>
+              <a:ext uri="{FF2B5EF4-FFF2-40B4-BE49-F238E27FC236}">
+                <a16:creationId xmlns:a16="http://schemas.microsoft.com/office/drawing/2014/main" id="{F575F433-2A64-43FC-8409-1CEE1CEE0E4A}"/>
+              </a:ext>
+            </a:extLst>
+          </p:cNvPr>
+          <p:cNvSpPr/>
+          <p:nvPr/>
+        </p:nvSpPr>
+        <p:spPr>
+          <a:xfrm>
+            <a:off x="4292382" y="2154462"/>
+            <a:ext cx="2743200" cy="91440"/>
+          </a:xfrm>
+          <a:prstGeom prst="rect">
+            <a:avLst/>
+          </a:prstGeom>
+          <a:solidFill>
+            <a:schemeClr val="tx2"/>
+          </a:solidFill>
+          <a:ln>
+            <a:noFill/>
+          </a:ln>
+        </p:spPr>
+        <p:style>
+          <a:lnRef idx="2">
+            <a:schemeClr val="accent1">
+              <a:shade val="50000"/>
+            </a:schemeClr>
+          </a:lnRef>
+          <a:fillRef idx="1">
+            <a:schemeClr val="accent1"/>
+          </a:fillRef>
+          <a:effectRef idx="0">
+            <a:schemeClr val="accent1"/>
+          </a:effectRef>
+          <a:fontRef idx="minor">
+            <a:schemeClr val="lt1"/>
+          </a:fontRef>
+        </p:style>
+        <p:txBody>
+          <a:bodyPr rtlCol="0" anchor="ctr"/>
+          <a:lstStyle/>
+          <a:p>
+            <a:pPr algn="r"/>
+            <a:r>
+              <a:rPr lang="en-US" sz="700" dirty="0"/>
+              <a:t>2</a:t>
+            </a:r>
+          </a:p>
+        </p:txBody>
+      </p:sp>
+      <p:sp>
+        <p:nvSpPr>
+          <p:cNvPr id="33" name="Rectangle 61">
+            <a:extLst>
+              <a:ext uri="{FF2B5EF4-FFF2-40B4-BE49-F238E27FC236}">
+                <a16:creationId xmlns:a16="http://schemas.microsoft.com/office/drawing/2014/main" id="{238710A1-86CF-456E-AF00-ACD3E352C17F}"/>
+              </a:ext>
+            </a:extLst>
+          </p:cNvPr>
+          <p:cNvSpPr/>
+          <p:nvPr/>
+        </p:nvSpPr>
+        <p:spPr>
+          <a:xfrm>
+            <a:off x="4292382" y="2258052"/>
+            <a:ext cx="2743200" cy="91440"/>
+          </a:xfrm>
+          <a:prstGeom prst="rect">
+            <a:avLst/>
+          </a:prstGeom>
+          <a:solidFill>
+            <a:srgbClr val="FF0000"/>
+          </a:solidFill>
+          <a:ln>
+            <a:noFill/>
+          </a:ln>
+        </p:spPr>
+        <p:style>
+          <a:lnRef idx="2">
+            <a:schemeClr val="accent1">
+              <a:shade val="50000"/>
+            </a:schemeClr>
+          </a:lnRef>
+          <a:fillRef idx="1">
+            <a:schemeClr val="accent1"/>
+          </a:fillRef>
+          <a:effectRef idx="0">
+            <a:schemeClr val="accent1"/>
+          </a:effectRef>
+          <a:fontRef idx="minor">
+            <a:schemeClr val="lt1"/>
+          </a:fontRef>
+        </p:style>
+        <p:txBody>
+          <a:bodyPr rtlCol="0" anchor="ctr"/>
+          <a:lstStyle/>
+          <a:p>
+            <a:pPr algn="r"/>
+            <a:endParaRPr lang="en-US" sz="700" dirty="0"/>
+          </a:p>
+        </p:txBody>
+      </p:sp>
+      <p:grpSp>
+        <p:nvGrpSpPr>
+          <p:cNvPr id="51" name="Nhóm 50">
+            <a:extLst>
+              <a:ext uri="{FF2B5EF4-FFF2-40B4-BE49-F238E27FC236}">
+                <a16:creationId xmlns:a16="http://schemas.microsoft.com/office/drawing/2014/main" id="{2923B97B-E995-436B-AA18-5AADAAF4B210}"/>
+              </a:ext>
+            </a:extLst>
+          </p:cNvPr>
+          <p:cNvGrpSpPr/>
+          <p:nvPr/>
+        </p:nvGrpSpPr>
+        <p:grpSpPr>
+          <a:xfrm>
+            <a:off x="1080000" y="2614661"/>
+            <a:ext cx="3668335" cy="653136"/>
+            <a:chOff x="1080000" y="2619342"/>
+            <a:chExt cx="3668335" cy="653136"/>
+          </a:xfrm>
+        </p:grpSpPr>
+        <p:sp>
+          <p:nvSpPr>
+            <p:cNvPr id="5" name="Hình chữ nhật 4">
+              <a:extLst>
+                <a:ext uri="{FF2B5EF4-FFF2-40B4-BE49-F238E27FC236}">
+                  <a16:creationId xmlns:a16="http://schemas.microsoft.com/office/drawing/2014/main" id="{1F4D487E-0314-47C8-951E-C3F6A782C77C}"/>
+                </a:ext>
+              </a:extLst>
+            </p:cNvPr>
+            <p:cNvSpPr/>
+            <p:nvPr/>
+          </p:nvSpPr>
+          <p:spPr>
+            <a:xfrm>
+              <a:off x="1537200" y="2619342"/>
+              <a:ext cx="3211135" cy="369332"/>
+            </a:xfrm>
+            <a:prstGeom prst="rect">
+              <a:avLst/>
+            </a:prstGeom>
+          </p:spPr>
+          <p:txBody>
+            <a:bodyPr wrap="none">
+              <a:spAutoFit/>
+            </a:bodyPr>
+            <a:lstStyle/>
+            <a:p>
+              <a:r>
+                <a:rPr lang="en-US" b="1" dirty="0"/>
+                <a:t>Determine checker strategy</a:t>
+              </a:r>
+            </a:p>
+          </p:txBody>
+        </p:sp>
+        <p:pic>
+          <p:nvPicPr>
+            <p:cNvPr id="21" name="Đồ họa 20" descr="Đầu có bánh răng">
+              <a:extLst>
+                <a:ext uri="{FF2B5EF4-FFF2-40B4-BE49-F238E27FC236}">
+                  <a16:creationId xmlns:a16="http://schemas.microsoft.com/office/drawing/2014/main" id="{D751909A-D5E2-4D40-B40B-21B88D4A077F}"/>
+                </a:ext>
+              </a:extLst>
+            </p:cNvPr>
+            <p:cNvPicPr>
+              <a:picLocks noChangeAspect="1"/>
+            </p:cNvPicPr>
+            <p:nvPr/>
+          </p:nvPicPr>
+          <p:blipFill>
+            <a:blip r:embed="rId4">
+              <a:extLst>
+                <a:ext uri="{28A0092B-C50C-407E-A947-70E740481C1C}">
+                  <a14:useLocalDpi xmlns:a14="http://schemas.microsoft.com/office/drawing/2010/main" val="0"/>
+                </a:ext>
+                <a:ext uri="{96DAC541-7B7A-43D3-8B79-37D633B846F1}">
+                  <asvg:svgBlip xmlns:asvg="http://schemas.microsoft.com/office/drawing/2016/SVG/main" r:embed="rId5"/>
+                </a:ext>
+              </a:extLst>
+            </a:blip>
+            <a:stretch>
+              <a:fillRect/>
+            </a:stretch>
+          </p:blipFill>
+          <p:spPr>
+            <a:xfrm>
+              <a:off x="1080000" y="2619342"/>
+              <a:ext cx="457200" cy="457200"/>
+            </a:xfrm>
+            <a:prstGeom prst="rect">
+              <a:avLst/>
+            </a:prstGeom>
+          </p:spPr>
+        </p:pic>
+        <p:sp>
+          <p:nvSpPr>
+            <p:cNvPr id="34" name="Rectangle 47">
+              <a:extLst>
+                <a:ext uri="{FF2B5EF4-FFF2-40B4-BE49-F238E27FC236}">
+                  <a16:creationId xmlns:a16="http://schemas.microsoft.com/office/drawing/2014/main" id="{2FC8FA4B-D933-4403-B85E-CB1659D1E95E}"/>
+                </a:ext>
+              </a:extLst>
+            </p:cNvPr>
+            <p:cNvSpPr/>
+            <p:nvPr/>
+          </p:nvSpPr>
+          <p:spPr>
+            <a:xfrm>
+              <a:off x="1537200" y="3077448"/>
+              <a:ext cx="2743200" cy="91440"/>
+            </a:xfrm>
+            <a:prstGeom prst="rect">
+              <a:avLst/>
+            </a:prstGeom>
+            <a:solidFill>
+              <a:schemeClr val="tx2"/>
+            </a:solidFill>
+            <a:ln>
+              <a:noFill/>
+            </a:ln>
+          </p:spPr>
+          <p:style>
+            <a:lnRef idx="2">
+              <a:schemeClr val="accent1">
+                <a:shade val="50000"/>
+              </a:schemeClr>
+            </a:lnRef>
+            <a:fillRef idx="1">
+              <a:schemeClr val="accent1"/>
+            </a:fillRef>
+            <a:effectRef idx="0">
+              <a:schemeClr val="accent1"/>
+            </a:effectRef>
+            <a:fontRef idx="minor">
+              <a:schemeClr val="lt1"/>
+            </a:fontRef>
+          </p:style>
+          <p:txBody>
+            <a:bodyPr rtlCol="0" anchor="ctr"/>
+            <a:lstStyle/>
+            <a:p>
+              <a:pPr algn="r"/>
+              <a:r>
+                <a:rPr lang="en-US" sz="700" dirty="0"/>
+                <a:t>1</a:t>
+              </a:r>
+            </a:p>
+          </p:txBody>
+        </p:sp>
+        <p:sp>
+          <p:nvSpPr>
+            <p:cNvPr id="35" name="Rectangle 48">
+              <a:extLst>
+                <a:ext uri="{FF2B5EF4-FFF2-40B4-BE49-F238E27FC236}">
+                  <a16:creationId xmlns:a16="http://schemas.microsoft.com/office/drawing/2014/main" id="{A84DC45F-C553-4129-8D30-B2E48F7FF3D1}"/>
+                </a:ext>
+              </a:extLst>
+            </p:cNvPr>
+            <p:cNvSpPr/>
+            <p:nvPr/>
+          </p:nvSpPr>
+          <p:spPr>
+            <a:xfrm>
+              <a:off x="1537200" y="3181038"/>
+              <a:ext cx="2743200" cy="91440"/>
+            </a:xfrm>
+            <a:prstGeom prst="rect">
+              <a:avLst/>
+            </a:prstGeom>
+            <a:solidFill>
+              <a:srgbClr val="FF0000"/>
+            </a:solidFill>
+            <a:ln>
+              <a:noFill/>
+            </a:ln>
+          </p:spPr>
+          <p:style>
+            <a:lnRef idx="2">
+              <a:schemeClr val="accent1">
+                <a:shade val="50000"/>
+              </a:schemeClr>
+            </a:lnRef>
+            <a:fillRef idx="1">
+              <a:schemeClr val="accent1"/>
+            </a:fillRef>
+            <a:effectRef idx="0">
+              <a:schemeClr val="accent1"/>
+            </a:effectRef>
+            <a:fontRef idx="minor">
+              <a:schemeClr val="lt1"/>
+            </a:fontRef>
+          </p:style>
+          <p:txBody>
+            <a:bodyPr rtlCol="0" anchor="ctr"/>
+            <a:lstStyle/>
+            <a:p>
+              <a:pPr algn="r"/>
+              <a:r>
+                <a:rPr lang="en-US" sz="700" dirty="0"/>
+                <a:t>1</a:t>
+              </a:r>
+            </a:p>
+          </p:txBody>
+        </p:sp>
+      </p:grpSp>
+      <p:grpSp>
+        <p:nvGrpSpPr>
+          <p:cNvPr id="52" name="Nhóm 51">
+            <a:extLst>
+              <a:ext uri="{FF2B5EF4-FFF2-40B4-BE49-F238E27FC236}">
+                <a16:creationId xmlns:a16="http://schemas.microsoft.com/office/drawing/2014/main" id="{3F652C54-8AC5-45E3-B477-E36FC2444B26}"/>
+              </a:ext>
+            </a:extLst>
+          </p:cNvPr>
+          <p:cNvGrpSpPr/>
+          <p:nvPr/>
+        </p:nvGrpSpPr>
+        <p:grpSpPr>
+          <a:xfrm>
+            <a:off x="1080000" y="3532966"/>
+            <a:ext cx="7455654" cy="659846"/>
+            <a:chOff x="1080000" y="3540561"/>
+            <a:chExt cx="7455654" cy="659846"/>
+          </a:xfrm>
+        </p:grpSpPr>
+        <p:sp>
+          <p:nvSpPr>
+            <p:cNvPr id="6" name="Hình chữ nhật 5">
+              <a:extLst>
+                <a:ext uri="{FF2B5EF4-FFF2-40B4-BE49-F238E27FC236}">
+                  <a16:creationId xmlns:a16="http://schemas.microsoft.com/office/drawing/2014/main" id="{57759738-7D01-4F69-B8D2-A30F5FDA6869}"/>
+                </a:ext>
+              </a:extLst>
+            </p:cNvPr>
+            <p:cNvSpPr/>
+            <p:nvPr/>
+          </p:nvSpPr>
+          <p:spPr>
+            <a:xfrm>
+              <a:off x="1537200" y="3540561"/>
+              <a:ext cx="6998454" cy="369332"/>
+            </a:xfrm>
+            <a:prstGeom prst="rect">
+              <a:avLst/>
+            </a:prstGeom>
+          </p:spPr>
+          <p:txBody>
+            <a:bodyPr wrap="none">
+              <a:spAutoFit/>
+            </a:bodyPr>
+            <a:lstStyle/>
+            <a:p>
+              <a:r>
+                <a:rPr lang="en-US" b="1" dirty="0"/>
+                <a:t>Analyze and fix checker errors (HLDRC, </a:t>
+              </a:r>
+              <a:r>
+                <a:rPr lang="en-US" b="1" dirty="0" err="1"/>
+                <a:t>DFTcheck</a:t>
+              </a:r>
+              <a:r>
+                <a:rPr lang="en-US" b="1" dirty="0"/>
+                <a:t>, </a:t>
+              </a:r>
+              <a:r>
+                <a:rPr lang="en-US" b="1" dirty="0" err="1"/>
+                <a:t>STAcheck</a:t>
+              </a:r>
+              <a:r>
+                <a:rPr lang="en-US" b="1" dirty="0"/>
+                <a:t>)</a:t>
+              </a:r>
+            </a:p>
+          </p:txBody>
+        </p:sp>
+        <p:pic>
+          <p:nvPicPr>
+            <p:cNvPr id="23" name="Đồ họa 22" descr="Kính hiển vi">
+              <a:extLst>
+                <a:ext uri="{FF2B5EF4-FFF2-40B4-BE49-F238E27FC236}">
+                  <a16:creationId xmlns:a16="http://schemas.microsoft.com/office/drawing/2014/main" id="{8B188B42-B678-4CAF-8EFF-739E91F1D45A}"/>
+                </a:ext>
+              </a:extLst>
+            </p:cNvPr>
+            <p:cNvPicPr>
+              <a:picLocks noChangeAspect="1"/>
+            </p:cNvPicPr>
+            <p:nvPr/>
+          </p:nvPicPr>
+          <p:blipFill>
+            <a:blip r:embed="rId6">
+              <a:extLst>
+                <a:ext uri="{28A0092B-C50C-407E-A947-70E740481C1C}">
+                  <a14:useLocalDpi xmlns:a14="http://schemas.microsoft.com/office/drawing/2010/main" val="0"/>
+                </a:ext>
+                <a:ext uri="{96DAC541-7B7A-43D3-8B79-37D633B846F1}">
+                  <asvg:svgBlip xmlns:asvg="http://schemas.microsoft.com/office/drawing/2016/SVG/main" r:embed="rId7"/>
+                </a:ext>
+              </a:extLst>
+            </a:blip>
+            <a:stretch>
+              <a:fillRect/>
+            </a:stretch>
+          </p:blipFill>
+          <p:spPr>
+            <a:xfrm>
+              <a:off x="1080000" y="3540561"/>
+              <a:ext cx="457200" cy="457200"/>
+            </a:xfrm>
+            <a:prstGeom prst="rect">
+              <a:avLst/>
+            </a:prstGeom>
+          </p:spPr>
+        </p:pic>
+        <p:sp>
+          <p:nvSpPr>
+            <p:cNvPr id="38" name="Rectangle 47">
+              <a:extLst>
+                <a:ext uri="{FF2B5EF4-FFF2-40B4-BE49-F238E27FC236}">
+                  <a16:creationId xmlns:a16="http://schemas.microsoft.com/office/drawing/2014/main" id="{A69C4A59-9DBF-4B9A-AD30-674DB14877C9}"/>
+                </a:ext>
+              </a:extLst>
+            </p:cNvPr>
+            <p:cNvSpPr/>
+            <p:nvPr/>
+          </p:nvSpPr>
+          <p:spPr>
+            <a:xfrm>
+              <a:off x="1537200" y="4005377"/>
+              <a:ext cx="2743200" cy="91440"/>
+            </a:xfrm>
+            <a:prstGeom prst="rect">
+              <a:avLst/>
+            </a:prstGeom>
+            <a:solidFill>
+              <a:schemeClr val="tx2"/>
+            </a:solidFill>
+            <a:ln>
+              <a:noFill/>
+            </a:ln>
+          </p:spPr>
+          <p:style>
+            <a:lnRef idx="2">
+              <a:schemeClr val="accent1">
+                <a:shade val="50000"/>
+              </a:schemeClr>
+            </a:lnRef>
+            <a:fillRef idx="1">
+              <a:schemeClr val="accent1"/>
+            </a:fillRef>
+            <a:effectRef idx="0">
+              <a:schemeClr val="accent1"/>
+            </a:effectRef>
+            <a:fontRef idx="minor">
+              <a:schemeClr val="lt1"/>
+            </a:fontRef>
+          </p:style>
+          <p:txBody>
+            <a:bodyPr rtlCol="0" anchor="ctr"/>
+            <a:lstStyle/>
+            <a:p>
+              <a:pPr algn="r"/>
+              <a:r>
+                <a:rPr lang="en-US" sz="700" dirty="0"/>
+                <a:t>1</a:t>
+              </a:r>
+            </a:p>
+          </p:txBody>
+        </p:sp>
+        <p:sp>
+          <p:nvSpPr>
+            <p:cNvPr id="39" name="Rectangle 48">
+              <a:extLst>
+                <a:ext uri="{FF2B5EF4-FFF2-40B4-BE49-F238E27FC236}">
+                  <a16:creationId xmlns:a16="http://schemas.microsoft.com/office/drawing/2014/main" id="{DE60A8CA-3C69-4094-9A3B-78685E6A721B}"/>
+                </a:ext>
+              </a:extLst>
+            </p:cNvPr>
+            <p:cNvSpPr/>
+            <p:nvPr/>
+          </p:nvSpPr>
+          <p:spPr>
+            <a:xfrm>
+              <a:off x="1537200" y="4108967"/>
+              <a:ext cx="2743200" cy="91440"/>
+            </a:xfrm>
+            <a:prstGeom prst="rect">
+              <a:avLst/>
+            </a:prstGeom>
+            <a:solidFill>
+              <a:srgbClr val="FF0000"/>
+            </a:solidFill>
+            <a:ln>
+              <a:noFill/>
+            </a:ln>
+          </p:spPr>
+          <p:style>
+            <a:lnRef idx="2">
+              <a:schemeClr val="accent1">
+                <a:shade val="50000"/>
+              </a:schemeClr>
+            </a:lnRef>
+            <a:fillRef idx="1">
+              <a:schemeClr val="accent1"/>
+            </a:fillRef>
+            <a:effectRef idx="0">
+              <a:schemeClr val="accent1"/>
+            </a:effectRef>
+            <a:fontRef idx="minor">
+              <a:schemeClr val="lt1"/>
+            </a:fontRef>
+          </p:style>
+          <p:txBody>
+            <a:bodyPr rtlCol="0" anchor="ctr"/>
+            <a:lstStyle/>
+            <a:p>
+              <a:pPr algn="r"/>
+              <a:endParaRPr lang="en-US" sz="700" dirty="0"/>
+            </a:p>
+          </p:txBody>
+        </p:sp>
+        <p:sp>
+          <p:nvSpPr>
+            <p:cNvPr id="40" name="Rectangle 49">
+              <a:extLst>
+                <a:ext uri="{FF2B5EF4-FFF2-40B4-BE49-F238E27FC236}">
+                  <a16:creationId xmlns:a16="http://schemas.microsoft.com/office/drawing/2014/main" id="{2FA48EF8-0028-45F6-A926-BB7B8F6DE9E8}"/>
+                </a:ext>
+              </a:extLst>
+            </p:cNvPr>
+            <p:cNvSpPr/>
+            <p:nvPr/>
+          </p:nvSpPr>
+          <p:spPr>
+            <a:xfrm>
+              <a:off x="4292382" y="4005377"/>
+              <a:ext cx="2743200" cy="91440"/>
+            </a:xfrm>
+            <a:prstGeom prst="rect">
+              <a:avLst/>
+            </a:prstGeom>
+            <a:solidFill>
+              <a:schemeClr val="tx2"/>
+            </a:solidFill>
+            <a:ln>
+              <a:noFill/>
+            </a:ln>
+          </p:spPr>
+          <p:style>
+            <a:lnRef idx="2">
+              <a:schemeClr val="accent1">
+                <a:shade val="50000"/>
+              </a:schemeClr>
+            </a:lnRef>
+            <a:fillRef idx="1">
+              <a:schemeClr val="accent1"/>
+            </a:fillRef>
+            <a:effectRef idx="0">
+              <a:schemeClr val="accent1"/>
+            </a:effectRef>
+            <a:fontRef idx="minor">
+              <a:schemeClr val="lt1"/>
+            </a:fontRef>
+          </p:style>
+          <p:txBody>
+            <a:bodyPr rtlCol="0" anchor="ctr"/>
+            <a:lstStyle/>
+            <a:p>
+              <a:pPr algn="r"/>
+              <a:r>
+                <a:rPr lang="en-US" sz="700" dirty="0"/>
+                <a:t>2</a:t>
+              </a:r>
+            </a:p>
+          </p:txBody>
+        </p:sp>
+        <p:sp>
+          <p:nvSpPr>
+            <p:cNvPr id="41" name="Rectangle 61">
+              <a:extLst>
+                <a:ext uri="{FF2B5EF4-FFF2-40B4-BE49-F238E27FC236}">
+                  <a16:creationId xmlns:a16="http://schemas.microsoft.com/office/drawing/2014/main" id="{ADE15F59-FD03-4E70-BE9B-AF52F9C3EFA7}"/>
+                </a:ext>
+              </a:extLst>
+            </p:cNvPr>
+            <p:cNvSpPr/>
+            <p:nvPr/>
+          </p:nvSpPr>
+          <p:spPr>
+            <a:xfrm>
+              <a:off x="4292382" y="4108967"/>
+              <a:ext cx="2743200" cy="91440"/>
+            </a:xfrm>
+            <a:prstGeom prst="rect">
+              <a:avLst/>
+            </a:prstGeom>
+            <a:solidFill>
+              <a:srgbClr val="FF0000"/>
+            </a:solidFill>
+            <a:ln>
+              <a:noFill/>
+            </a:ln>
+          </p:spPr>
+          <p:style>
+            <a:lnRef idx="2">
+              <a:schemeClr val="accent1">
+                <a:shade val="50000"/>
+              </a:schemeClr>
+            </a:lnRef>
+            <a:fillRef idx="1">
+              <a:schemeClr val="accent1"/>
+            </a:fillRef>
+            <a:effectRef idx="0">
+              <a:schemeClr val="accent1"/>
+            </a:effectRef>
+            <a:fontRef idx="minor">
+              <a:schemeClr val="lt1"/>
+            </a:fontRef>
+          </p:style>
+          <p:txBody>
+            <a:bodyPr rtlCol="0" anchor="ctr"/>
+            <a:lstStyle/>
+            <a:p>
+              <a:pPr algn="r"/>
+              <a:r>
+                <a:rPr lang="en-US" sz="700" dirty="0"/>
+                <a:t>2</a:t>
+              </a:r>
+            </a:p>
+          </p:txBody>
+        </p:sp>
+      </p:grpSp>
+      <p:grpSp>
+        <p:nvGrpSpPr>
+          <p:cNvPr id="53" name="Nhóm 52">
+            <a:extLst>
+              <a:ext uri="{FF2B5EF4-FFF2-40B4-BE49-F238E27FC236}">
+                <a16:creationId xmlns:a16="http://schemas.microsoft.com/office/drawing/2014/main" id="{848B22C0-4F57-4F9A-82D1-CC0040D325B5}"/>
+              </a:ext>
+            </a:extLst>
+          </p:cNvPr>
+          <p:cNvGrpSpPr/>
+          <p:nvPr/>
+        </p:nvGrpSpPr>
+        <p:grpSpPr>
+          <a:xfrm>
+            <a:off x="1080000" y="4457981"/>
+            <a:ext cx="5955582" cy="659846"/>
+            <a:chOff x="1080000" y="4461780"/>
+            <a:chExt cx="5955582" cy="659846"/>
+          </a:xfrm>
+        </p:grpSpPr>
+        <p:sp>
+          <p:nvSpPr>
+            <p:cNvPr id="18" name="Hình chữ nhật 17">
+              <a:extLst>
+                <a:ext uri="{FF2B5EF4-FFF2-40B4-BE49-F238E27FC236}">
+                  <a16:creationId xmlns:a16="http://schemas.microsoft.com/office/drawing/2014/main" id="{BE8D4154-1C0F-4747-9893-070764159330}"/>
+                </a:ext>
+              </a:extLst>
+            </p:cNvPr>
+            <p:cNvSpPr/>
+            <p:nvPr/>
+          </p:nvSpPr>
+          <p:spPr>
+            <a:xfrm>
+              <a:off x="1537200" y="4461780"/>
+              <a:ext cx="2441694" cy="369332"/>
+            </a:xfrm>
+            <a:prstGeom prst="rect">
+              <a:avLst/>
+            </a:prstGeom>
+          </p:spPr>
+          <p:txBody>
+            <a:bodyPr wrap="none">
+              <a:spAutoFit/>
+            </a:bodyPr>
+            <a:lstStyle/>
+            <a:p>
+              <a:r>
+                <a:rPr lang="en-US" b="1" dirty="0"/>
+                <a:t>Analyze and do ECO</a:t>
+              </a:r>
+            </a:p>
+          </p:txBody>
+        </p:sp>
+        <p:pic>
+          <p:nvPicPr>
+            <p:cNvPr id="27" name="Đồ họa 26" descr="Sách giải trí">
+              <a:extLst>
+                <a:ext uri="{FF2B5EF4-FFF2-40B4-BE49-F238E27FC236}">
+                  <a16:creationId xmlns:a16="http://schemas.microsoft.com/office/drawing/2014/main" id="{5DEE01D2-E3A2-45A6-B4C3-0EFEF852F09A}"/>
+                </a:ext>
+              </a:extLst>
+            </p:cNvPr>
+            <p:cNvPicPr>
+              <a:picLocks noChangeAspect="1"/>
+            </p:cNvPicPr>
+            <p:nvPr/>
+          </p:nvPicPr>
+          <p:blipFill>
+            <a:blip r:embed="rId8">
+              <a:extLst>
+                <a:ext uri="{28A0092B-C50C-407E-A947-70E740481C1C}">
+                  <a14:useLocalDpi xmlns:a14="http://schemas.microsoft.com/office/drawing/2010/main" val="0"/>
+                </a:ext>
+                <a:ext uri="{96DAC541-7B7A-43D3-8B79-37D633B846F1}">
+                  <asvg:svgBlip xmlns:asvg="http://schemas.microsoft.com/office/drawing/2016/SVG/main" r:embed="rId9"/>
+                </a:ext>
+              </a:extLst>
+            </a:blip>
+            <a:stretch>
+              <a:fillRect/>
+            </a:stretch>
+          </p:blipFill>
+          <p:spPr>
+            <a:xfrm>
+              <a:off x="1080000" y="4461780"/>
+              <a:ext cx="457200" cy="457200"/>
+            </a:xfrm>
+            <a:prstGeom prst="rect">
+              <a:avLst/>
+            </a:prstGeom>
+          </p:spPr>
+        </p:pic>
+        <p:sp>
+          <p:nvSpPr>
+            <p:cNvPr id="42" name="Rectangle 47">
+              <a:extLst>
+                <a:ext uri="{FF2B5EF4-FFF2-40B4-BE49-F238E27FC236}">
+                  <a16:creationId xmlns:a16="http://schemas.microsoft.com/office/drawing/2014/main" id="{0B6271FD-AE5B-4856-9845-2251AD66D77E}"/>
+                </a:ext>
+              </a:extLst>
+            </p:cNvPr>
+            <p:cNvSpPr/>
+            <p:nvPr/>
+          </p:nvSpPr>
+          <p:spPr>
+            <a:xfrm>
+              <a:off x="1537200" y="4926596"/>
+              <a:ext cx="2743200" cy="91440"/>
+            </a:xfrm>
+            <a:prstGeom prst="rect">
+              <a:avLst/>
+            </a:prstGeom>
+            <a:solidFill>
+              <a:schemeClr val="tx2"/>
+            </a:solidFill>
+            <a:ln>
+              <a:noFill/>
+            </a:ln>
+          </p:spPr>
+          <p:style>
+            <a:lnRef idx="2">
+              <a:schemeClr val="accent1">
+                <a:shade val="50000"/>
+              </a:schemeClr>
+            </a:lnRef>
+            <a:fillRef idx="1">
+              <a:schemeClr val="accent1"/>
+            </a:fillRef>
+            <a:effectRef idx="0">
+              <a:schemeClr val="accent1"/>
+            </a:effectRef>
+            <a:fontRef idx="minor">
+              <a:schemeClr val="lt1"/>
+            </a:fontRef>
+          </p:style>
+          <p:txBody>
+            <a:bodyPr rtlCol="0" anchor="ctr"/>
+            <a:lstStyle/>
+            <a:p>
+              <a:pPr algn="r"/>
+              <a:r>
+                <a:rPr lang="en-US" sz="700" dirty="0"/>
+                <a:t>1</a:t>
+              </a:r>
+            </a:p>
+          </p:txBody>
+        </p:sp>
+        <p:sp>
+          <p:nvSpPr>
+            <p:cNvPr id="43" name="Rectangle 48">
+              <a:extLst>
+                <a:ext uri="{FF2B5EF4-FFF2-40B4-BE49-F238E27FC236}">
+                  <a16:creationId xmlns:a16="http://schemas.microsoft.com/office/drawing/2014/main" id="{657B739E-6B60-4F7A-A763-FCBAE123C3AF}"/>
+                </a:ext>
+              </a:extLst>
+            </p:cNvPr>
+            <p:cNvSpPr/>
+            <p:nvPr/>
+          </p:nvSpPr>
+          <p:spPr>
+            <a:xfrm>
+              <a:off x="1537200" y="5030186"/>
+              <a:ext cx="2743200" cy="91440"/>
+            </a:xfrm>
+            <a:prstGeom prst="rect">
+              <a:avLst/>
+            </a:prstGeom>
+            <a:solidFill>
+              <a:srgbClr val="FF0000"/>
+            </a:solidFill>
+            <a:ln>
+              <a:noFill/>
+            </a:ln>
+          </p:spPr>
+          <p:style>
+            <a:lnRef idx="2">
+              <a:schemeClr val="accent1">
+                <a:shade val="50000"/>
+              </a:schemeClr>
+            </a:lnRef>
+            <a:fillRef idx="1">
+              <a:schemeClr val="accent1"/>
+            </a:fillRef>
+            <a:effectRef idx="0">
+              <a:schemeClr val="accent1"/>
+            </a:effectRef>
+            <a:fontRef idx="minor">
+              <a:schemeClr val="lt1"/>
+            </a:fontRef>
+          </p:style>
+          <p:txBody>
+            <a:bodyPr rtlCol="0" anchor="ctr"/>
+            <a:lstStyle/>
+            <a:p>
+              <a:pPr algn="r"/>
+              <a:endParaRPr lang="en-US" sz="700" dirty="0"/>
+            </a:p>
+          </p:txBody>
+        </p:sp>
+        <p:sp>
+          <p:nvSpPr>
+            <p:cNvPr id="44" name="Rectangle 49">
+              <a:extLst>
+                <a:ext uri="{FF2B5EF4-FFF2-40B4-BE49-F238E27FC236}">
+                  <a16:creationId xmlns:a16="http://schemas.microsoft.com/office/drawing/2014/main" id="{06E53E6A-4138-440D-A8C2-F20CFCAB0DA5}"/>
+                </a:ext>
+              </a:extLst>
+            </p:cNvPr>
+            <p:cNvSpPr/>
+            <p:nvPr/>
+          </p:nvSpPr>
+          <p:spPr>
+            <a:xfrm>
+              <a:off x="4292382" y="4926596"/>
+              <a:ext cx="2743200" cy="91440"/>
+            </a:xfrm>
+            <a:prstGeom prst="rect">
+              <a:avLst/>
+            </a:prstGeom>
+            <a:solidFill>
+              <a:schemeClr val="tx2"/>
+            </a:solidFill>
+            <a:ln>
+              <a:noFill/>
+            </a:ln>
+          </p:spPr>
+          <p:style>
+            <a:lnRef idx="2">
+              <a:schemeClr val="accent1">
+                <a:shade val="50000"/>
+              </a:schemeClr>
+            </a:lnRef>
+            <a:fillRef idx="1">
+              <a:schemeClr val="accent1"/>
+            </a:fillRef>
+            <a:effectRef idx="0">
+              <a:schemeClr val="accent1"/>
+            </a:effectRef>
+            <a:fontRef idx="minor">
+              <a:schemeClr val="lt1"/>
+            </a:fontRef>
+          </p:style>
+          <p:txBody>
+            <a:bodyPr rtlCol="0" anchor="ctr"/>
+            <a:lstStyle/>
+            <a:p>
+              <a:pPr algn="r"/>
+              <a:r>
+                <a:rPr lang="en-US" sz="700" dirty="0"/>
+                <a:t>2</a:t>
+              </a:r>
+            </a:p>
+          </p:txBody>
+        </p:sp>
+        <p:sp>
+          <p:nvSpPr>
+            <p:cNvPr id="45" name="Rectangle 61">
+              <a:extLst>
+                <a:ext uri="{FF2B5EF4-FFF2-40B4-BE49-F238E27FC236}">
+                  <a16:creationId xmlns:a16="http://schemas.microsoft.com/office/drawing/2014/main" id="{507C6DEA-48AA-415F-A2A5-374767E05937}"/>
+                </a:ext>
+              </a:extLst>
+            </p:cNvPr>
+            <p:cNvSpPr/>
+            <p:nvPr/>
+          </p:nvSpPr>
+          <p:spPr>
+            <a:xfrm>
+              <a:off x="4292382" y="5030186"/>
+              <a:ext cx="1371600" cy="91440"/>
+            </a:xfrm>
+            <a:prstGeom prst="rect">
+              <a:avLst/>
+            </a:prstGeom>
+            <a:solidFill>
+              <a:srgbClr val="FF0000"/>
+            </a:solidFill>
+            <a:ln>
+              <a:noFill/>
+            </a:ln>
+          </p:spPr>
+          <p:style>
+            <a:lnRef idx="2">
+              <a:schemeClr val="accent1">
+                <a:shade val="50000"/>
+              </a:schemeClr>
+            </a:lnRef>
+            <a:fillRef idx="1">
+              <a:schemeClr val="accent1"/>
+            </a:fillRef>
+            <a:effectRef idx="0">
+              <a:schemeClr val="accent1"/>
+            </a:effectRef>
+            <a:fontRef idx="minor">
+              <a:schemeClr val="lt1"/>
+            </a:fontRef>
+          </p:style>
+          <p:txBody>
+            <a:bodyPr rtlCol="0" anchor="ctr"/>
+            <a:lstStyle/>
+            <a:p>
+              <a:pPr algn="r"/>
+              <a:r>
+                <a:rPr lang="en-US" sz="700" dirty="0"/>
+                <a:t>1.5</a:t>
+              </a:r>
+            </a:p>
+          </p:txBody>
+        </p:sp>
+      </p:grpSp>
+      <p:grpSp>
+        <p:nvGrpSpPr>
+          <p:cNvPr id="54" name="Nhóm 53">
+            <a:extLst>
+              <a:ext uri="{FF2B5EF4-FFF2-40B4-BE49-F238E27FC236}">
+                <a16:creationId xmlns:a16="http://schemas.microsoft.com/office/drawing/2014/main" id="{E40F9E7B-CF15-4C10-B27B-569051C0EA79}"/>
+              </a:ext>
+            </a:extLst>
+          </p:cNvPr>
+          <p:cNvGrpSpPr/>
+          <p:nvPr/>
+        </p:nvGrpSpPr>
+        <p:grpSpPr>
+          <a:xfrm>
+            <a:off x="1080000" y="5382998"/>
+            <a:ext cx="5955582" cy="659449"/>
+            <a:chOff x="1080000" y="5382998"/>
+            <a:chExt cx="5955582" cy="659449"/>
+          </a:xfrm>
+        </p:grpSpPr>
+        <p:sp>
+          <p:nvSpPr>
+            <p:cNvPr id="19" name="Hình chữ nhật 18">
+              <a:extLst>
+                <a:ext uri="{FF2B5EF4-FFF2-40B4-BE49-F238E27FC236}">
+                  <a16:creationId xmlns:a16="http://schemas.microsoft.com/office/drawing/2014/main" id="{97364090-DE67-4E3B-AAAF-EC55E7401851}"/>
+                </a:ext>
+              </a:extLst>
+            </p:cNvPr>
+            <p:cNvSpPr/>
+            <p:nvPr/>
+          </p:nvSpPr>
+          <p:spPr>
+            <a:xfrm>
+              <a:off x="1537200" y="5382998"/>
+              <a:ext cx="4775666" cy="369332"/>
+            </a:xfrm>
+            <a:prstGeom prst="rect">
+              <a:avLst/>
+            </a:prstGeom>
+          </p:spPr>
+          <p:txBody>
+            <a:bodyPr wrap="none">
+              <a:spAutoFit/>
+            </a:bodyPr>
+            <a:lstStyle/>
+            <a:p>
+              <a:r>
+                <a:rPr lang="en-US" b="1" dirty="0"/>
+                <a:t>Analyze timing report and optimize timing</a:t>
+              </a:r>
+            </a:p>
+          </p:txBody>
+        </p:sp>
+        <p:pic>
+          <p:nvPicPr>
+            <p:cNvPr id="25" name="Đồ họa 24" descr="Đồng hồ bấm giờ">
+              <a:extLst>
+                <a:ext uri="{FF2B5EF4-FFF2-40B4-BE49-F238E27FC236}">
+                  <a16:creationId xmlns:a16="http://schemas.microsoft.com/office/drawing/2014/main" id="{1201AC68-A082-4EDF-87AB-36FF654D230D}"/>
+                </a:ext>
+              </a:extLst>
+            </p:cNvPr>
+            <p:cNvPicPr>
+              <a:picLocks noChangeAspect="1"/>
+            </p:cNvPicPr>
+            <p:nvPr/>
+          </p:nvPicPr>
+          <p:blipFill>
+            <a:blip r:embed="rId10">
+              <a:extLst>
+                <a:ext uri="{28A0092B-C50C-407E-A947-70E740481C1C}">
+                  <a14:useLocalDpi xmlns:a14="http://schemas.microsoft.com/office/drawing/2010/main" val="0"/>
+                </a:ext>
+                <a:ext uri="{96DAC541-7B7A-43D3-8B79-37D633B846F1}">
+                  <asvg:svgBlip xmlns:asvg="http://schemas.microsoft.com/office/drawing/2016/SVG/main" r:embed="rId11"/>
+                </a:ext>
+              </a:extLst>
+            </a:blip>
+            <a:stretch>
+              <a:fillRect/>
+            </a:stretch>
+          </p:blipFill>
+          <p:spPr>
+            <a:xfrm>
+              <a:off x="1080000" y="5382998"/>
+              <a:ext cx="457200" cy="457200"/>
+            </a:xfrm>
+            <a:prstGeom prst="rect">
+              <a:avLst/>
+            </a:prstGeom>
+          </p:spPr>
+        </p:pic>
+        <p:sp>
+          <p:nvSpPr>
+            <p:cNvPr id="46" name="Rectangle 47">
+              <a:extLst>
+                <a:ext uri="{FF2B5EF4-FFF2-40B4-BE49-F238E27FC236}">
+                  <a16:creationId xmlns:a16="http://schemas.microsoft.com/office/drawing/2014/main" id="{4F26E2CC-842D-4662-893F-B59910A03D9A}"/>
+                </a:ext>
+              </a:extLst>
+            </p:cNvPr>
+            <p:cNvSpPr/>
+            <p:nvPr/>
+          </p:nvSpPr>
+          <p:spPr>
+            <a:xfrm>
+              <a:off x="1537200" y="5847417"/>
+              <a:ext cx="2743200" cy="91440"/>
+            </a:xfrm>
+            <a:prstGeom prst="rect">
+              <a:avLst/>
+            </a:prstGeom>
+            <a:solidFill>
+              <a:schemeClr val="tx2"/>
+            </a:solidFill>
+            <a:ln>
+              <a:noFill/>
+            </a:ln>
+          </p:spPr>
+          <p:style>
+            <a:lnRef idx="2">
+              <a:schemeClr val="accent1">
+                <a:shade val="50000"/>
+              </a:schemeClr>
+            </a:lnRef>
+            <a:fillRef idx="1">
+              <a:schemeClr val="accent1"/>
+            </a:fillRef>
+            <a:effectRef idx="0">
+              <a:schemeClr val="accent1"/>
+            </a:effectRef>
+            <a:fontRef idx="minor">
+              <a:schemeClr val="lt1"/>
+            </a:fontRef>
+          </p:style>
+          <p:txBody>
+            <a:bodyPr rtlCol="0" anchor="ctr"/>
+            <a:lstStyle/>
+            <a:p>
+              <a:pPr algn="r"/>
+              <a:r>
+                <a:rPr lang="en-US" sz="700" dirty="0"/>
+                <a:t>1</a:t>
+              </a:r>
+            </a:p>
+          </p:txBody>
+        </p:sp>
+        <p:sp>
+          <p:nvSpPr>
+            <p:cNvPr id="47" name="Rectangle 48">
+              <a:extLst>
+                <a:ext uri="{FF2B5EF4-FFF2-40B4-BE49-F238E27FC236}">
+                  <a16:creationId xmlns:a16="http://schemas.microsoft.com/office/drawing/2014/main" id="{27BF60EC-3C8C-4B85-BD62-397329966B78}"/>
+                </a:ext>
+              </a:extLst>
+            </p:cNvPr>
+            <p:cNvSpPr/>
+            <p:nvPr/>
+          </p:nvSpPr>
+          <p:spPr>
+            <a:xfrm>
+              <a:off x="1537200" y="5951007"/>
+              <a:ext cx="2743200" cy="91440"/>
+            </a:xfrm>
+            <a:prstGeom prst="rect">
+              <a:avLst/>
+            </a:prstGeom>
+            <a:solidFill>
+              <a:srgbClr val="FF0000"/>
+            </a:solidFill>
+            <a:ln>
+              <a:noFill/>
+            </a:ln>
+          </p:spPr>
+          <p:style>
+            <a:lnRef idx="2">
+              <a:schemeClr val="accent1">
+                <a:shade val="50000"/>
+              </a:schemeClr>
+            </a:lnRef>
+            <a:fillRef idx="1">
+              <a:schemeClr val="accent1"/>
+            </a:fillRef>
+            <a:effectRef idx="0">
+              <a:schemeClr val="accent1"/>
+            </a:effectRef>
+            <a:fontRef idx="minor">
+              <a:schemeClr val="lt1"/>
+            </a:fontRef>
+          </p:style>
+          <p:txBody>
+            <a:bodyPr rtlCol="0" anchor="ctr"/>
+            <a:lstStyle/>
+            <a:p>
+              <a:pPr algn="r"/>
+              <a:endParaRPr lang="en-US" sz="700" dirty="0"/>
+            </a:p>
+          </p:txBody>
+        </p:sp>
+        <p:sp>
+          <p:nvSpPr>
+            <p:cNvPr id="48" name="Rectangle 49">
+              <a:extLst>
+                <a:ext uri="{FF2B5EF4-FFF2-40B4-BE49-F238E27FC236}">
+                  <a16:creationId xmlns:a16="http://schemas.microsoft.com/office/drawing/2014/main" id="{02C4C8CC-EE9D-45E7-A4AF-4304A528E692}"/>
+                </a:ext>
+              </a:extLst>
+            </p:cNvPr>
+            <p:cNvSpPr/>
+            <p:nvPr/>
+          </p:nvSpPr>
+          <p:spPr>
+            <a:xfrm>
+              <a:off x="4292382" y="5847417"/>
+              <a:ext cx="2743200" cy="91440"/>
+            </a:xfrm>
+            <a:prstGeom prst="rect">
+              <a:avLst/>
+            </a:prstGeom>
+            <a:solidFill>
+              <a:schemeClr val="tx2"/>
+            </a:solidFill>
+            <a:ln>
+              <a:noFill/>
+            </a:ln>
+          </p:spPr>
+          <p:style>
+            <a:lnRef idx="2">
+              <a:schemeClr val="accent1">
+                <a:shade val="50000"/>
+              </a:schemeClr>
+            </a:lnRef>
+            <a:fillRef idx="1">
+              <a:schemeClr val="accent1"/>
+            </a:fillRef>
+            <a:effectRef idx="0">
+              <a:schemeClr val="accent1"/>
+            </a:effectRef>
+            <a:fontRef idx="minor">
+              <a:schemeClr val="lt1"/>
+            </a:fontRef>
+          </p:style>
+          <p:txBody>
+            <a:bodyPr rtlCol="0" anchor="ctr"/>
+            <a:lstStyle/>
+            <a:p>
+              <a:pPr algn="r"/>
+              <a:r>
+                <a:rPr lang="en-US" sz="700" dirty="0"/>
+                <a:t>2</a:t>
+              </a:r>
+            </a:p>
+          </p:txBody>
+        </p:sp>
+        <p:sp>
+          <p:nvSpPr>
+            <p:cNvPr id="49" name="Rectangle 61">
+              <a:extLst>
+                <a:ext uri="{FF2B5EF4-FFF2-40B4-BE49-F238E27FC236}">
+                  <a16:creationId xmlns:a16="http://schemas.microsoft.com/office/drawing/2014/main" id="{3291EB03-4322-4F37-BB17-2CF57C1BDB0C}"/>
+                </a:ext>
+              </a:extLst>
+            </p:cNvPr>
+            <p:cNvSpPr/>
+            <p:nvPr/>
+          </p:nvSpPr>
+          <p:spPr>
+            <a:xfrm>
+              <a:off x="4292382" y="5951007"/>
+              <a:ext cx="2743200" cy="91440"/>
+            </a:xfrm>
+            <a:prstGeom prst="rect">
+              <a:avLst/>
+            </a:prstGeom>
+            <a:solidFill>
+              <a:srgbClr val="FF0000"/>
+            </a:solidFill>
+            <a:ln>
+              <a:noFill/>
+            </a:ln>
+          </p:spPr>
+          <p:style>
+            <a:lnRef idx="2">
+              <a:schemeClr val="accent1">
+                <a:shade val="50000"/>
+              </a:schemeClr>
+            </a:lnRef>
+            <a:fillRef idx="1">
+              <a:schemeClr val="accent1"/>
+            </a:fillRef>
+            <a:effectRef idx="0">
+              <a:schemeClr val="accent1"/>
+            </a:effectRef>
+            <a:fontRef idx="minor">
+              <a:schemeClr val="lt1"/>
+            </a:fontRef>
+          </p:style>
+          <p:txBody>
+            <a:bodyPr rtlCol="0" anchor="ctr"/>
+            <a:lstStyle/>
+            <a:p>
+              <a:pPr algn="r"/>
+              <a:r>
+                <a:rPr lang="en-US" sz="700" dirty="0"/>
+                <a:t>2</a:t>
+              </a:r>
+            </a:p>
+          </p:txBody>
+        </p:sp>
+      </p:grpSp>
+      <p:grpSp>
+        <p:nvGrpSpPr>
+          <p:cNvPr id="55" name="Group 60">
+            <a:extLst>
+              <a:ext uri="{FF2B5EF4-FFF2-40B4-BE49-F238E27FC236}">
+                <a16:creationId xmlns:a16="http://schemas.microsoft.com/office/drawing/2014/main" id="{DFE0BE01-D343-400B-A6C5-47D355B6BF0C}"/>
+              </a:ext>
+            </a:extLst>
+          </p:cNvPr>
+          <p:cNvGrpSpPr/>
+          <p:nvPr/>
+        </p:nvGrpSpPr>
+        <p:grpSpPr>
+          <a:xfrm>
+            <a:off x="9841595" y="922877"/>
+            <a:ext cx="1050700" cy="738664"/>
+            <a:chOff x="9706827" y="788267"/>
+            <a:chExt cx="1050700" cy="738664"/>
+          </a:xfrm>
+        </p:grpSpPr>
+        <p:sp>
+          <p:nvSpPr>
+            <p:cNvPr id="56" name="Rectangle 57">
+              <a:extLst>
+                <a:ext uri="{FF2B5EF4-FFF2-40B4-BE49-F238E27FC236}">
+                  <a16:creationId xmlns:a16="http://schemas.microsoft.com/office/drawing/2014/main" id="{C7D496F0-D932-41E5-95E7-2331F77CB1A4}"/>
+                </a:ext>
+              </a:extLst>
+            </p:cNvPr>
+            <p:cNvSpPr/>
+            <p:nvPr/>
+          </p:nvSpPr>
+          <p:spPr>
+            <a:xfrm>
+              <a:off x="10300327" y="1164914"/>
+              <a:ext cx="457200" cy="91440"/>
+            </a:xfrm>
+            <a:prstGeom prst="rect">
+              <a:avLst/>
+            </a:prstGeom>
+            <a:solidFill>
+              <a:schemeClr val="tx2"/>
+            </a:solidFill>
+            <a:ln>
+              <a:noFill/>
+            </a:ln>
+          </p:spPr>
+          <p:style>
+            <a:lnRef idx="2">
+              <a:schemeClr val="accent1">
+                <a:shade val="50000"/>
+              </a:schemeClr>
+            </a:lnRef>
+            <a:fillRef idx="1">
+              <a:schemeClr val="accent1"/>
+            </a:fillRef>
+            <a:effectRef idx="0">
+              <a:schemeClr val="accent1"/>
+            </a:effectRef>
+            <a:fontRef idx="minor">
+              <a:schemeClr val="lt1"/>
+            </a:fontRef>
+          </p:style>
+          <p:txBody>
+            <a:bodyPr rtlCol="0" anchor="ctr"/>
+            <a:lstStyle/>
+            <a:p>
+              <a:pPr algn="r"/>
+              <a:endParaRPr lang="en-US" sz="700" dirty="0"/>
+            </a:p>
+          </p:txBody>
+        </p:sp>
+        <p:sp>
+          <p:nvSpPr>
+            <p:cNvPr id="57" name="Rectangle 58">
+              <a:extLst>
+                <a:ext uri="{FF2B5EF4-FFF2-40B4-BE49-F238E27FC236}">
+                  <a16:creationId xmlns:a16="http://schemas.microsoft.com/office/drawing/2014/main" id="{1180C9E0-BAE4-4A0D-96D1-68199A6962EE}"/>
+                </a:ext>
+              </a:extLst>
+            </p:cNvPr>
+            <p:cNvSpPr/>
+            <p:nvPr/>
+          </p:nvSpPr>
+          <p:spPr>
+            <a:xfrm>
+              <a:off x="10300327" y="1340793"/>
+              <a:ext cx="457200" cy="91440"/>
+            </a:xfrm>
+            <a:prstGeom prst="rect">
+              <a:avLst/>
+            </a:prstGeom>
+            <a:solidFill>
+              <a:srgbClr val="FF0000"/>
+            </a:solidFill>
+            <a:ln>
+              <a:noFill/>
+            </a:ln>
+          </p:spPr>
+          <p:style>
+            <a:lnRef idx="2">
+              <a:schemeClr val="accent1">
+                <a:shade val="50000"/>
+              </a:schemeClr>
+            </a:lnRef>
+            <a:fillRef idx="1">
+              <a:schemeClr val="accent1"/>
+            </a:fillRef>
+            <a:effectRef idx="0">
+              <a:schemeClr val="accent1"/>
+            </a:effectRef>
+            <a:fontRef idx="minor">
+              <a:schemeClr val="lt1"/>
+            </a:fontRef>
+          </p:style>
+          <p:txBody>
+            <a:bodyPr rtlCol="0" anchor="ctr"/>
+            <a:lstStyle/>
+            <a:p>
+              <a:pPr algn="r"/>
+              <a:endParaRPr lang="en-US" sz="700" dirty="0"/>
+            </a:p>
+          </p:txBody>
+        </p:sp>
+        <p:sp>
+          <p:nvSpPr>
+            <p:cNvPr id="58" name="TextBox 59">
+              <a:extLst>
+                <a:ext uri="{FF2B5EF4-FFF2-40B4-BE49-F238E27FC236}">
+                  <a16:creationId xmlns:a16="http://schemas.microsoft.com/office/drawing/2014/main" id="{9C2C465C-C377-41E5-A193-53388A15A08C}"/>
+                </a:ext>
+              </a:extLst>
+            </p:cNvPr>
+            <p:cNvSpPr txBox="1"/>
+            <p:nvPr/>
+          </p:nvSpPr>
+          <p:spPr>
+            <a:xfrm>
+              <a:off x="9706827" y="788267"/>
+              <a:ext cx="954107" cy="738664"/>
+            </a:xfrm>
+            <a:prstGeom prst="rect">
+              <a:avLst/>
+            </a:prstGeom>
+            <a:noFill/>
+          </p:spPr>
+          <p:txBody>
+            <a:bodyPr wrap="none" rtlCol="0">
+              <a:spAutoFit/>
+            </a:bodyPr>
+            <a:lstStyle/>
+            <a:p>
+              <a:r>
+                <a:rPr lang="en-US" u="sng" dirty="0">
+                  <a:solidFill>
+                    <a:schemeClr val="bg2">
+                      <a:lumMod val="10000"/>
+                    </a:schemeClr>
+                  </a:solidFill>
+                </a:rPr>
+                <a:t>Legend</a:t>
+              </a:r>
+            </a:p>
+            <a:p>
+              <a:r>
+                <a:rPr lang="en-US" sz="1200" dirty="0">
+                  <a:solidFill>
+                    <a:schemeClr val="bg2">
+                      <a:lumMod val="10000"/>
+                    </a:schemeClr>
+                  </a:solidFill>
+                </a:rPr>
+                <a:t>Target</a:t>
+              </a:r>
+            </a:p>
+            <a:p>
+              <a:r>
+                <a:rPr lang="en-US" sz="1200" dirty="0">
+                  <a:solidFill>
+                    <a:schemeClr val="bg2">
+                      <a:lumMod val="10000"/>
+                    </a:schemeClr>
+                  </a:solidFill>
+                </a:rPr>
+                <a:t>Actual</a:t>
+              </a:r>
+            </a:p>
+          </p:txBody>
+        </p:sp>
+      </p:grpSp>
+      <p:pic>
+        <p:nvPicPr>
+          <p:cNvPr id="59" name="Đồ họa 58" descr="Huy chương">
+            <a:extLst>
+              <a:ext uri="{FF2B5EF4-FFF2-40B4-BE49-F238E27FC236}">
+                <a16:creationId xmlns:a16="http://schemas.microsoft.com/office/drawing/2014/main" id="{0AC97CAB-2513-4956-AF57-454130754E5D}"/>
+              </a:ext>
+            </a:extLst>
+          </p:cNvPr>
+          <p:cNvPicPr>
+            <a:picLocks noChangeAspect="1"/>
+          </p:cNvPicPr>
+          <p:nvPr/>
+        </p:nvPicPr>
+        <p:blipFill>
+          <a:blip r:embed="rId12">
+            <a:extLst>
+              <a:ext uri="{28A0092B-C50C-407E-A947-70E740481C1C}">
+                <a14:useLocalDpi xmlns:a14="http://schemas.microsoft.com/office/drawing/2010/main" val="0"/>
+              </a:ext>
+              <a:ext uri="{96DAC541-7B7A-43D3-8B79-37D633B846F1}">
+                <asvg:svgBlip xmlns:asvg="http://schemas.microsoft.com/office/drawing/2016/SVG/main" r:embed="rId13"/>
+              </a:ext>
+            </a:extLst>
+          </a:blip>
+          <a:stretch>
+            <a:fillRect/>
+          </a:stretch>
+        </p:blipFill>
+        <p:spPr>
+          <a:xfrm>
+            <a:off x="9063495" y="2370810"/>
+            <a:ext cx="2743200" cy="2743200"/>
+          </a:xfrm>
+          <a:prstGeom prst="rect">
+            <a:avLst/>
+          </a:prstGeom>
+        </p:spPr>
+      </p:pic>
+      <p:sp>
+        <p:nvSpPr>
+          <p:cNvPr id="60" name="Hộp Văn bản 59">
+            <a:extLst>
+              <a:ext uri="{FF2B5EF4-FFF2-40B4-BE49-F238E27FC236}">
+                <a16:creationId xmlns:a16="http://schemas.microsoft.com/office/drawing/2014/main" id="{AB61F6C4-0D8C-445A-ABC7-A6F301DB5689}"/>
+              </a:ext>
+            </a:extLst>
+          </p:cNvPr>
+          <p:cNvSpPr txBox="1"/>
+          <p:nvPr/>
+        </p:nvSpPr>
+        <p:spPr>
+          <a:xfrm>
+            <a:off x="9746445" y="5028937"/>
+            <a:ext cx="1390124" cy="646331"/>
+          </a:xfrm>
+          <a:prstGeom prst="rect">
+            <a:avLst/>
+          </a:prstGeom>
+          <a:noFill/>
+        </p:spPr>
+        <p:txBody>
+          <a:bodyPr wrap="none" rtlCol="0">
+            <a:spAutoFit/>
+          </a:bodyPr>
+          <a:lstStyle/>
+          <a:p>
+            <a:pPr algn="ctr"/>
+            <a:r>
+              <a:rPr lang="en-US" b="1" dirty="0">
+                <a:solidFill>
+                  <a:schemeClr val="accent4"/>
+                </a:solidFill>
+              </a:rPr>
+              <a:t>ARCHIVED</a:t>
+            </a:r>
+          </a:p>
+          <a:p>
+            <a:pPr algn="ctr"/>
+            <a:r>
+              <a:rPr lang="en-US" b="1" dirty="0">
+                <a:solidFill>
+                  <a:srgbClr val="FF0000"/>
+                </a:solidFill>
+              </a:rPr>
+              <a:t>1.9</a:t>
+            </a:r>
+            <a:r>
+              <a:rPr lang="en-US" b="1" dirty="0"/>
+              <a:t>/</a:t>
+            </a:r>
+            <a:r>
+              <a:rPr lang="en-US" b="1" dirty="0">
+                <a:solidFill>
+                  <a:schemeClr val="tx2"/>
+                </a:solidFill>
+              </a:rPr>
+              <a:t>1.9</a:t>
+            </a:r>
+          </a:p>
+        </p:txBody>
+      </p:sp>
+      <p:sp>
+        <p:nvSpPr>
+          <p:cNvPr id="61" name="Rectangle 61">
+            <a:extLst>
+              <a:ext uri="{FF2B5EF4-FFF2-40B4-BE49-F238E27FC236}">
+                <a16:creationId xmlns:a16="http://schemas.microsoft.com/office/drawing/2014/main" id="{D3F9E258-8CFF-40E2-BF57-1ACB69FD21CA}"/>
+              </a:ext>
+            </a:extLst>
+          </p:cNvPr>
+          <p:cNvSpPr/>
+          <p:nvPr/>
+        </p:nvSpPr>
+        <p:spPr>
+          <a:xfrm>
+            <a:off x="7055953" y="2258052"/>
+            <a:ext cx="1371600" cy="91440"/>
+          </a:xfrm>
+          <a:prstGeom prst="rect">
+            <a:avLst/>
+          </a:prstGeom>
+          <a:solidFill>
+            <a:srgbClr val="FF0000"/>
+          </a:solidFill>
+          <a:ln>
+            <a:noFill/>
+          </a:ln>
+        </p:spPr>
+        <p:style>
+          <a:lnRef idx="2">
+            <a:schemeClr val="accent1">
+              <a:shade val="50000"/>
+            </a:schemeClr>
+          </a:lnRef>
+          <a:fillRef idx="1">
+            <a:schemeClr val="accent1"/>
+          </a:fillRef>
+          <a:effectRef idx="0">
+            <a:schemeClr val="accent1"/>
+          </a:effectRef>
+          <a:fontRef idx="minor">
+            <a:schemeClr val="lt1"/>
+          </a:fontRef>
+        </p:style>
+        <p:txBody>
+          <a:bodyPr rtlCol="0" anchor="ctr"/>
+          <a:lstStyle/>
+          <a:p>
+            <a:pPr algn="r"/>
+            <a:r>
+              <a:rPr lang="en-US" sz="700" dirty="0"/>
+              <a:t>2.5</a:t>
+            </a:r>
+          </a:p>
+        </p:txBody>
+      </p:sp>
+    </p:spTree>
+    <p:extLst>
+      <p:ext uri="{BB962C8B-B14F-4D97-AF65-F5344CB8AC3E}">
+        <p14:creationId xmlns:p14="http://schemas.microsoft.com/office/powerpoint/2010/main" val="1939341795"/>
+      </p:ext>
+    </p:extLst>
+  </p:cSld>
+  <p:clrMapOvr>
+    <a:masterClrMapping/>
+  </p:clrMapOvr>
+</p:sld>
+</file>
+
+<file path=ppt/slides/slide9.xml><?xml version="1.0" encoding="utf-8"?>
+<p:sld xmlns:a="http://schemas.openxmlformats.org/drawingml/2006/main" xmlns:r="http://schemas.openxmlformats.org/officeDocument/2006/relationships" xmlns:p="http://schemas.openxmlformats.org/presentationml/2006/main">
+  <p:cSld>
+    <p:spTree>
+      <p:nvGrpSpPr>
+        <p:cNvPr id="1" name=""/>
+        <p:cNvGrpSpPr/>
+        <p:nvPr/>
+      </p:nvGrpSpPr>
+      <p:grpSpPr>
+        <a:xfrm>
+          <a:off x="0" y="0"/>
+          <a:ext cx="0" cy="0"/>
+          <a:chOff x="0" y="0"/>
+          <a:chExt cx="0" cy="0"/>
+        </a:xfrm>
+      </p:grpSpPr>
+      <p:sp>
+        <p:nvSpPr>
+          <p:cNvPr id="2" name="Title 1"/>
+          <p:cNvSpPr>
+            <a:spLocks noGrp="1"/>
+          </p:cNvSpPr>
+          <p:nvPr>
+            <p:ph type="title"/>
+          </p:nvPr>
+        </p:nvSpPr>
+        <p:spPr/>
+        <p:txBody>
+          <a:bodyPr/>
+          <a:lstStyle/>
+          <a:p>
+            <a:r>
+              <a:rPr lang="en-US" dirty="0"/>
+              <a:t>FUNCTIONAL VERIFICATION – 1</a:t>
+            </a:r>
+            <a:r>
+              <a:rPr lang="en-US" baseline="30000" dirty="0"/>
+              <a:t>st</a:t>
+            </a:r>
+            <a:r>
+              <a:rPr lang="en-US" dirty="0"/>
+              <a:t> 6 months</a:t>
+            </a:r>
+          </a:p>
+        </p:txBody>
+      </p:sp>
+      <p:sp>
+        <p:nvSpPr>
+          <p:cNvPr id="3" name="Slide Number Placeholder 2"/>
+          <p:cNvSpPr>
+            <a:spLocks noGrp="1"/>
+          </p:cNvSpPr>
+          <p:nvPr>
+            <p:ph type="sldNum" sz="quarter" idx="10"/>
+          </p:nvPr>
+        </p:nvSpPr>
+        <p:spPr/>
+        <p:txBody>
+          <a:bodyPr/>
+          <a:lstStyle/>
+          <a:p>
+            <a:pPr algn="l"/>
+            <a:r>
+              <a:rPr lang="de-DE"/>
+              <a:t>Page </a:t>
+            </a:r>
+            <a:fld id="{3FD030EF-7044-4946-962A-5D7D09BD1B34}" type="slidenum">
+              <a:rPr lang="de-DE" smtClean="0"/>
+              <a:pPr algn="l"/>
+              <a:t>9</a:t>
             </a:fld>
             <a:endParaRPr lang="de-DE" dirty="0"/>
           </a:p>
@@ -32281,903 +36063,6 @@
     <p:extLst>
       <p:ext uri="{BB962C8B-B14F-4D97-AF65-F5344CB8AC3E}">
         <p14:creationId xmlns:p14="http://schemas.microsoft.com/office/powerpoint/2010/main" val="1954927421"/>
-      </p:ext>
-    </p:extLst>
-  </p:cSld>
-  <p:clrMapOvr>
-    <a:masterClrMapping/>
-  </p:clrMapOvr>
-</p:sld>
-</file>
-
-<file path=ppt/slides/slide9.xml><?xml version="1.0" encoding="utf-8"?>
-<p:sld xmlns:a="http://schemas.openxmlformats.org/drawingml/2006/main" xmlns:r="http://schemas.openxmlformats.org/officeDocument/2006/relationships" xmlns:p="http://schemas.openxmlformats.org/presentationml/2006/main">
-  <p:cSld>
-    <p:spTree>
-      <p:nvGrpSpPr>
-        <p:cNvPr id="1" name=""/>
-        <p:cNvGrpSpPr/>
-        <p:nvPr/>
-      </p:nvGrpSpPr>
-      <p:grpSpPr>
-        <a:xfrm>
-          <a:off x="0" y="0"/>
-          <a:ext cx="0" cy="0"/>
-          <a:chOff x="0" y="0"/>
-          <a:chExt cx="0" cy="0"/>
-        </a:xfrm>
-      </p:grpSpPr>
-      <p:sp>
-        <p:nvSpPr>
-          <p:cNvPr id="2" name="Title 1"/>
-          <p:cNvSpPr>
-            <a:spLocks noGrp="1"/>
-          </p:cNvSpPr>
-          <p:nvPr>
-            <p:ph type="title"/>
-          </p:nvPr>
-        </p:nvSpPr>
-        <p:spPr/>
-        <p:txBody>
-          <a:bodyPr/>
-          <a:lstStyle/>
-          <a:p>
-            <a:r>
-              <a:rPr lang="en-US" dirty="0"/>
-              <a:t>FUNCTIONAL VERIFICATION – 2</a:t>
-            </a:r>
-            <a:r>
-              <a:rPr lang="en-US" baseline="30000" dirty="0"/>
-              <a:t>nd</a:t>
-            </a:r>
-            <a:r>
-              <a:rPr lang="en-US" dirty="0"/>
-              <a:t> 6 months</a:t>
-            </a:r>
-          </a:p>
-        </p:txBody>
-      </p:sp>
-      <p:sp>
-        <p:nvSpPr>
-          <p:cNvPr id="3" name="Slide Number Placeholder 2"/>
-          <p:cNvSpPr>
-            <a:spLocks noGrp="1"/>
-          </p:cNvSpPr>
-          <p:nvPr>
-            <p:ph type="sldNum" sz="quarter" idx="10"/>
-          </p:nvPr>
-        </p:nvSpPr>
-        <p:spPr/>
-        <p:txBody>
-          <a:bodyPr/>
-          <a:lstStyle/>
-          <a:p>
-            <a:pPr algn="l"/>
-            <a:r>
-              <a:rPr lang="de-DE"/>
-              <a:t>Page </a:t>
-            </a:r>
-            <a:fld id="{3FD030EF-7044-4946-962A-5D7D09BD1B34}" type="slidenum">
-              <a:rPr lang="de-DE" smtClean="0"/>
-              <a:pPr algn="l"/>
-              <a:t>9</a:t>
-            </a:fld>
-            <a:endParaRPr lang="de-DE" dirty="0"/>
-          </a:p>
-        </p:txBody>
-      </p:sp>
-      <p:grpSp>
-        <p:nvGrpSpPr>
-          <p:cNvPr id="28" name="Nhóm 27">
-            <a:extLst>
-              <a:ext uri="{FF2B5EF4-FFF2-40B4-BE49-F238E27FC236}">
-                <a16:creationId xmlns:a16="http://schemas.microsoft.com/office/drawing/2014/main" id="{A22FA561-2E1E-4D0D-9D58-75839BA6075C}"/>
-              </a:ext>
-            </a:extLst>
-          </p:cNvPr>
-          <p:cNvGrpSpPr/>
-          <p:nvPr/>
-        </p:nvGrpSpPr>
-        <p:grpSpPr>
-          <a:xfrm>
-            <a:off x="1080000" y="1672429"/>
-            <a:ext cx="6880753" cy="923330"/>
-            <a:chOff x="506534" y="2939553"/>
-            <a:chExt cx="6880753" cy="923330"/>
-          </a:xfrm>
-        </p:grpSpPr>
-        <p:pic>
-          <p:nvPicPr>
-            <p:cNvPr id="11" name="Đồ họa 10" descr="Danh sách">
-              <a:extLst>
-                <a:ext uri="{FF2B5EF4-FFF2-40B4-BE49-F238E27FC236}">
-                  <a16:creationId xmlns:a16="http://schemas.microsoft.com/office/drawing/2014/main" id="{B9D46646-FACA-4589-BAD1-3CD8D5E3477A}"/>
-                </a:ext>
-              </a:extLst>
-            </p:cNvPr>
-            <p:cNvPicPr>
-              <a:picLocks noChangeAspect="1"/>
-            </p:cNvPicPr>
-            <p:nvPr/>
-          </p:nvPicPr>
-          <p:blipFill>
-            <a:blip r:embed="rId2" cstate="print">
-              <a:extLst>
-                <a:ext uri="{28A0092B-C50C-407E-A947-70E740481C1C}">
-                  <a14:useLocalDpi xmlns:a14="http://schemas.microsoft.com/office/drawing/2010/main" val="0"/>
-                </a:ext>
-                <a:ext uri="{96DAC541-7B7A-43D3-8B79-37D633B846F1}">
-                  <asvg:svgBlip xmlns:asvg="http://schemas.microsoft.com/office/drawing/2016/SVG/main" r:embed="rId3"/>
-                </a:ext>
-              </a:extLst>
-            </a:blip>
-            <a:stretch>
-              <a:fillRect/>
-            </a:stretch>
-          </p:blipFill>
-          <p:spPr>
-            <a:xfrm>
-              <a:off x="506534" y="2939553"/>
-              <a:ext cx="457200" cy="457200"/>
-            </a:xfrm>
-            <a:prstGeom prst="rect">
-              <a:avLst/>
-            </a:prstGeom>
-          </p:spPr>
-        </p:pic>
-        <p:sp>
-          <p:nvSpPr>
-            <p:cNvPr id="20" name="Hộp Văn bản 19">
-              <a:extLst>
-                <a:ext uri="{FF2B5EF4-FFF2-40B4-BE49-F238E27FC236}">
-                  <a16:creationId xmlns:a16="http://schemas.microsoft.com/office/drawing/2014/main" id="{B7CF234B-BE45-4E9C-A67F-CD4A7B347EAD}"/>
-                </a:ext>
-              </a:extLst>
-            </p:cNvPr>
-            <p:cNvSpPr txBox="1"/>
-            <p:nvPr/>
-          </p:nvSpPr>
-          <p:spPr>
-            <a:xfrm>
-              <a:off x="963734" y="2939553"/>
-              <a:ext cx="6423553" cy="923330"/>
-            </a:xfrm>
-            <a:prstGeom prst="rect">
-              <a:avLst/>
-            </a:prstGeom>
-            <a:noFill/>
-          </p:spPr>
-          <p:txBody>
-            <a:bodyPr wrap="none" rtlCol="0">
-              <a:spAutoFit/>
-            </a:bodyPr>
-            <a:lstStyle/>
-            <a:p>
-              <a:r>
-                <a:rPr lang="en-US" b="1" dirty="0"/>
-                <a:t>Check specification (I2C)</a:t>
-              </a:r>
-            </a:p>
-            <a:p>
-              <a:r>
-                <a:rPr lang="en-US" dirty="0"/>
-                <a:t>+ </a:t>
-              </a:r>
-              <a:r>
-                <a:rPr lang="en-US" u="sng" dirty="0"/>
-                <a:t>Check</a:t>
-              </a:r>
-              <a:r>
-                <a:rPr lang="en-US" dirty="0"/>
-                <a:t> the current specs and the new change points specs</a:t>
-              </a:r>
-            </a:p>
-            <a:p>
-              <a:r>
-                <a:rPr lang="en-US" dirty="0"/>
-                <a:t>+ </a:t>
-              </a:r>
-              <a:r>
-                <a:rPr lang="en-US" u="sng" dirty="0"/>
-                <a:t>Feedback</a:t>
-              </a:r>
-              <a:r>
-                <a:rPr lang="en-US" dirty="0"/>
-                <a:t> for specs problem, </a:t>
-              </a:r>
-              <a:r>
-                <a:rPr lang="en-US" u="sng" dirty="0"/>
-                <a:t>propose</a:t>
-              </a:r>
-              <a:r>
-                <a:rPr lang="en-US" dirty="0"/>
-                <a:t> ideal to the REL</a:t>
-              </a:r>
-            </a:p>
-          </p:txBody>
-        </p:sp>
-      </p:grpSp>
-      <p:grpSp>
-        <p:nvGrpSpPr>
-          <p:cNvPr id="29" name="Nhóm 28">
-            <a:extLst>
-              <a:ext uri="{FF2B5EF4-FFF2-40B4-BE49-F238E27FC236}">
-                <a16:creationId xmlns:a16="http://schemas.microsoft.com/office/drawing/2014/main" id="{B509A667-22C3-445E-8ECD-9783ED13AA98}"/>
-              </a:ext>
-            </a:extLst>
-          </p:cNvPr>
-          <p:cNvGrpSpPr/>
-          <p:nvPr/>
-        </p:nvGrpSpPr>
-        <p:grpSpPr>
-          <a:xfrm>
-            <a:off x="1080000" y="2619336"/>
-            <a:ext cx="8028503" cy="615553"/>
-            <a:chOff x="506534" y="3426903"/>
-            <a:chExt cx="8028503" cy="615553"/>
-          </a:xfrm>
-        </p:grpSpPr>
-        <p:pic>
-          <p:nvPicPr>
-            <p:cNvPr id="9" name="Đồ họa 8" descr="Danh sách kiểm tra">
-              <a:extLst>
-                <a:ext uri="{FF2B5EF4-FFF2-40B4-BE49-F238E27FC236}">
-                  <a16:creationId xmlns:a16="http://schemas.microsoft.com/office/drawing/2014/main" id="{E2F29AF9-A4F2-4A84-AEFB-4DDDE94500AF}"/>
-                </a:ext>
-              </a:extLst>
-            </p:cNvPr>
-            <p:cNvPicPr>
-              <a:picLocks noChangeAspect="1"/>
-            </p:cNvPicPr>
-            <p:nvPr/>
-          </p:nvPicPr>
-          <p:blipFill>
-            <a:blip r:embed="rId4" cstate="print">
-              <a:extLst>
-                <a:ext uri="{28A0092B-C50C-407E-A947-70E740481C1C}">
-                  <a14:useLocalDpi xmlns:a14="http://schemas.microsoft.com/office/drawing/2010/main" val="0"/>
-                </a:ext>
-                <a:ext uri="{96DAC541-7B7A-43D3-8B79-37D633B846F1}">
-                  <asvg:svgBlip xmlns:asvg="http://schemas.microsoft.com/office/drawing/2016/SVG/main" r:embed="rId5"/>
-                </a:ext>
-              </a:extLst>
-            </a:blip>
-            <a:stretch>
-              <a:fillRect/>
-            </a:stretch>
-          </p:blipFill>
-          <p:spPr>
-            <a:xfrm>
-              <a:off x="506534" y="3426903"/>
-              <a:ext cx="457200" cy="457200"/>
-            </a:xfrm>
-            <a:prstGeom prst="rect">
-              <a:avLst/>
-            </a:prstGeom>
-          </p:spPr>
-        </p:pic>
-        <p:sp>
-          <p:nvSpPr>
-            <p:cNvPr id="21" name="Hộp Văn bản 20">
-              <a:extLst>
-                <a:ext uri="{FF2B5EF4-FFF2-40B4-BE49-F238E27FC236}">
-                  <a16:creationId xmlns:a16="http://schemas.microsoft.com/office/drawing/2014/main" id="{23A44B04-637F-443B-B249-D55F2E3875A3}"/>
-                </a:ext>
-              </a:extLst>
-            </p:cNvPr>
-            <p:cNvSpPr txBox="1"/>
-            <p:nvPr/>
-          </p:nvSpPr>
-          <p:spPr>
-            <a:xfrm>
-              <a:off x="963734" y="3426903"/>
-              <a:ext cx="7571303" cy="615553"/>
-            </a:xfrm>
-            <a:prstGeom prst="rect">
-              <a:avLst/>
-            </a:prstGeom>
-            <a:noFill/>
-          </p:spPr>
-          <p:txBody>
-            <a:bodyPr wrap="none" rtlCol="0">
-              <a:spAutoFit/>
-            </a:bodyPr>
-            <a:lstStyle/>
-            <a:p>
-              <a:r>
-                <a:rPr lang="en-US" b="1" dirty="0"/>
-                <a:t>Create verification items check list (I2C)</a:t>
-              </a:r>
-            </a:p>
-            <a:p>
-              <a:r>
-                <a:rPr lang="en-US" sz="1600" dirty="0"/>
-                <a:t>+ </a:t>
-              </a:r>
-              <a:r>
-                <a:rPr lang="en-US" sz="1600" u="sng" dirty="0"/>
-                <a:t>Determine</a:t>
-              </a:r>
-              <a:r>
-                <a:rPr lang="en-US" sz="1600" dirty="0"/>
-                <a:t> necessary check items based on the specs and the legacy check list</a:t>
-              </a:r>
-            </a:p>
-          </p:txBody>
-        </p:sp>
-      </p:grpSp>
-      <p:grpSp>
-        <p:nvGrpSpPr>
-          <p:cNvPr id="30" name="Nhóm 29">
-            <a:extLst>
-              <a:ext uri="{FF2B5EF4-FFF2-40B4-BE49-F238E27FC236}">
-                <a16:creationId xmlns:a16="http://schemas.microsoft.com/office/drawing/2014/main" id="{ADD44F73-D7E6-4184-9C5D-80B134FE1311}"/>
-              </a:ext>
-            </a:extLst>
-          </p:cNvPr>
-          <p:cNvGrpSpPr/>
-          <p:nvPr/>
-        </p:nvGrpSpPr>
-        <p:grpSpPr>
-          <a:xfrm>
-            <a:off x="1080000" y="3260013"/>
-            <a:ext cx="9871444" cy="1107996"/>
-            <a:chOff x="506534" y="4095924"/>
-            <a:chExt cx="9871444" cy="1107996"/>
-          </a:xfrm>
-        </p:grpSpPr>
-        <p:pic>
-          <p:nvPicPr>
-            <p:cNvPr id="13" name="Đồ họa 12" descr="Cơ sở dữ liệu">
-              <a:extLst>
-                <a:ext uri="{FF2B5EF4-FFF2-40B4-BE49-F238E27FC236}">
-                  <a16:creationId xmlns:a16="http://schemas.microsoft.com/office/drawing/2014/main" id="{4FBF62DF-BF53-406D-9929-0B695643BD68}"/>
-                </a:ext>
-              </a:extLst>
-            </p:cNvPr>
-            <p:cNvPicPr>
-              <a:picLocks noChangeAspect="1"/>
-            </p:cNvPicPr>
-            <p:nvPr/>
-          </p:nvPicPr>
-          <p:blipFill>
-            <a:blip r:embed="rId6" cstate="print">
-              <a:extLst>
-                <a:ext uri="{28A0092B-C50C-407E-A947-70E740481C1C}">
-                  <a14:useLocalDpi xmlns:a14="http://schemas.microsoft.com/office/drawing/2010/main" val="0"/>
-                </a:ext>
-                <a:ext uri="{96DAC541-7B7A-43D3-8B79-37D633B846F1}">
-                  <asvg:svgBlip xmlns:asvg="http://schemas.microsoft.com/office/drawing/2016/SVG/main" r:embed="rId7"/>
-                </a:ext>
-              </a:extLst>
-            </a:blip>
-            <a:stretch>
-              <a:fillRect/>
-            </a:stretch>
-          </p:blipFill>
-          <p:spPr>
-            <a:xfrm>
-              <a:off x="506534" y="4095924"/>
-              <a:ext cx="457200" cy="457200"/>
-            </a:xfrm>
-            <a:prstGeom prst="rect">
-              <a:avLst/>
-            </a:prstGeom>
-          </p:spPr>
-        </p:pic>
-        <p:sp>
-          <p:nvSpPr>
-            <p:cNvPr id="22" name="Hộp Văn bản 21">
-              <a:extLst>
-                <a:ext uri="{FF2B5EF4-FFF2-40B4-BE49-F238E27FC236}">
-                  <a16:creationId xmlns:a16="http://schemas.microsoft.com/office/drawing/2014/main" id="{80318687-91C5-4D9C-8EC5-E227278A1053}"/>
-                </a:ext>
-              </a:extLst>
-            </p:cNvPr>
-            <p:cNvSpPr txBox="1"/>
-            <p:nvPr/>
-          </p:nvSpPr>
-          <p:spPr>
-            <a:xfrm>
-              <a:off x="963734" y="4095924"/>
-              <a:ext cx="9414244" cy="1107996"/>
-            </a:xfrm>
-            <a:prstGeom prst="rect">
-              <a:avLst/>
-            </a:prstGeom>
-            <a:noFill/>
-          </p:spPr>
-          <p:txBody>
-            <a:bodyPr wrap="none" rtlCol="0">
-              <a:spAutoFit/>
-            </a:bodyPr>
-            <a:lstStyle/>
-            <a:p>
-              <a:r>
-                <a:rPr lang="en-US" b="1" dirty="0"/>
-                <a:t>Create test patterns for functional verification</a:t>
-              </a:r>
-            </a:p>
-            <a:p>
-              <a:r>
-                <a:rPr lang="en-US" sz="1600" dirty="0"/>
-                <a:t>+ Create new </a:t>
-              </a:r>
-              <a:r>
-                <a:rPr lang="en-US" sz="1600" u="sng" dirty="0"/>
-                <a:t>336 patterns in C</a:t>
-              </a:r>
-              <a:r>
-                <a:rPr lang="en-US" sz="1600" dirty="0"/>
-                <a:t> for I2C and new </a:t>
-              </a:r>
-              <a:r>
-                <a:rPr lang="en-US" sz="1600" u="sng" dirty="0"/>
-                <a:t>24 patterns in C</a:t>
-              </a:r>
-              <a:r>
-                <a:rPr lang="en-US" sz="1600" dirty="0"/>
-                <a:t> for DMAC</a:t>
-              </a:r>
-            </a:p>
-            <a:p>
-              <a:r>
-                <a:rPr lang="en-US" sz="1600" dirty="0"/>
-                <a:t>+ Create a </a:t>
-              </a:r>
-              <a:r>
-                <a:rPr lang="en-US" sz="1600" u="sng" dirty="0"/>
-                <a:t>software drivers package</a:t>
-              </a:r>
-              <a:r>
-                <a:rPr lang="en-US" sz="1600" dirty="0"/>
-                <a:t> for I2C and some common modules (GIC, DMAC, PFC, CPG)</a:t>
-              </a:r>
-            </a:p>
-            <a:p>
-              <a:r>
-                <a:rPr lang="en-US" sz="1600" dirty="0"/>
-                <a:t>+ Create a </a:t>
-              </a:r>
-              <a:r>
-                <a:rPr lang="en-US" sz="1600" u="sng" dirty="0"/>
-                <a:t>compilation tool</a:t>
-              </a:r>
-              <a:r>
-                <a:rPr lang="en-US" sz="1600" dirty="0"/>
-                <a:t> (CT Pattern Builder) that </a:t>
-              </a:r>
-              <a:r>
-                <a:rPr lang="en-US" sz="1600" u="sng" dirty="0"/>
-                <a:t>reduces a lot of work load</a:t>
-              </a:r>
-            </a:p>
-          </p:txBody>
-        </p:sp>
-      </p:grpSp>
-      <p:grpSp>
-        <p:nvGrpSpPr>
-          <p:cNvPr id="31" name="Nhóm 30">
-            <a:extLst>
-              <a:ext uri="{FF2B5EF4-FFF2-40B4-BE49-F238E27FC236}">
-                <a16:creationId xmlns:a16="http://schemas.microsoft.com/office/drawing/2014/main" id="{22BF9D0B-136C-408B-B280-6963B306BB83}"/>
-              </a:ext>
-            </a:extLst>
-          </p:cNvPr>
-          <p:cNvGrpSpPr/>
-          <p:nvPr/>
-        </p:nvGrpSpPr>
-        <p:grpSpPr>
-          <a:xfrm>
-            <a:off x="1080000" y="4394515"/>
-            <a:ext cx="5649519" cy="861774"/>
-            <a:chOff x="506534" y="4764945"/>
-            <a:chExt cx="5649519" cy="861774"/>
-          </a:xfrm>
-        </p:grpSpPr>
-        <p:pic>
-          <p:nvPicPr>
-            <p:cNvPr id="15" name="Đồ họa 14" descr="Xe chở bê tông">
-              <a:extLst>
-                <a:ext uri="{FF2B5EF4-FFF2-40B4-BE49-F238E27FC236}">
-                  <a16:creationId xmlns:a16="http://schemas.microsoft.com/office/drawing/2014/main" id="{AC7D20A8-684D-4D88-9B22-11B0C258E6BA}"/>
-                </a:ext>
-              </a:extLst>
-            </p:cNvPr>
-            <p:cNvPicPr>
-              <a:picLocks noChangeAspect="1"/>
-            </p:cNvPicPr>
-            <p:nvPr/>
-          </p:nvPicPr>
-          <p:blipFill>
-            <a:blip r:embed="rId8" cstate="print">
-              <a:extLst>
-                <a:ext uri="{28A0092B-C50C-407E-A947-70E740481C1C}">
-                  <a14:useLocalDpi xmlns:a14="http://schemas.microsoft.com/office/drawing/2010/main" val="0"/>
-                </a:ext>
-                <a:ext uri="{96DAC541-7B7A-43D3-8B79-37D633B846F1}">
-                  <asvg:svgBlip xmlns:asvg="http://schemas.microsoft.com/office/drawing/2016/SVG/main" r:embed="rId9"/>
-                </a:ext>
-              </a:extLst>
-            </a:blip>
-            <a:stretch>
-              <a:fillRect/>
-            </a:stretch>
-          </p:blipFill>
-          <p:spPr>
-            <a:xfrm>
-              <a:off x="506534" y="4764945"/>
-              <a:ext cx="457200" cy="457200"/>
-            </a:xfrm>
-            <a:prstGeom prst="rect">
-              <a:avLst/>
-            </a:prstGeom>
-          </p:spPr>
-        </p:pic>
-        <p:sp>
-          <p:nvSpPr>
-            <p:cNvPr id="23" name="Hộp Văn bản 22">
-              <a:extLst>
-                <a:ext uri="{FF2B5EF4-FFF2-40B4-BE49-F238E27FC236}">
-                  <a16:creationId xmlns:a16="http://schemas.microsoft.com/office/drawing/2014/main" id="{6108A849-1640-4BDF-A81C-732BD39F495A}"/>
-                </a:ext>
-              </a:extLst>
-            </p:cNvPr>
-            <p:cNvSpPr txBox="1"/>
-            <p:nvPr/>
-          </p:nvSpPr>
-          <p:spPr>
-            <a:xfrm>
-              <a:off x="963734" y="4764945"/>
-              <a:ext cx="5192319" cy="861774"/>
-            </a:xfrm>
-            <a:prstGeom prst="rect">
-              <a:avLst/>
-            </a:prstGeom>
-            <a:noFill/>
-          </p:spPr>
-          <p:txBody>
-            <a:bodyPr wrap="none" rtlCol="0">
-              <a:spAutoFit/>
-            </a:bodyPr>
-            <a:lstStyle/>
-            <a:p>
-              <a:r>
-                <a:rPr lang="en-US" b="1" dirty="0"/>
-                <a:t>Conduct functional verification at RTL level</a:t>
-              </a:r>
-            </a:p>
-            <a:p>
-              <a:r>
-                <a:rPr lang="en-US" sz="1600" dirty="0"/>
-                <a:t>+ Verify </a:t>
-              </a:r>
-              <a:r>
-                <a:rPr lang="en-US" sz="1600" u="sng" dirty="0"/>
-                <a:t>336 patterns</a:t>
-              </a:r>
-              <a:r>
-                <a:rPr lang="en-US" sz="1600" dirty="0"/>
-                <a:t> for I2C and </a:t>
-              </a:r>
-              <a:r>
-                <a:rPr lang="en-US" sz="1600" u="sng" dirty="0"/>
-                <a:t>30 patterns</a:t>
-              </a:r>
-              <a:r>
-                <a:rPr lang="en-US" sz="1600" dirty="0"/>
-                <a:t> for DMAC</a:t>
-              </a:r>
-            </a:p>
-            <a:p>
-              <a:r>
-                <a:rPr lang="en-US" sz="1600" dirty="0"/>
-                <a:t>+ </a:t>
-              </a:r>
-              <a:r>
-                <a:rPr lang="en-US" sz="1600" u="sng" dirty="0"/>
-                <a:t>Debugging support</a:t>
-              </a:r>
-              <a:r>
-                <a:rPr lang="en-US" sz="1600" dirty="0"/>
-                <a:t> to other engineers</a:t>
-              </a:r>
-            </a:p>
-          </p:txBody>
-        </p:sp>
-      </p:grpSp>
-      <p:grpSp>
-        <p:nvGrpSpPr>
-          <p:cNvPr id="32" name="Nhóm 31">
-            <a:extLst>
-              <a:ext uri="{FF2B5EF4-FFF2-40B4-BE49-F238E27FC236}">
-                <a16:creationId xmlns:a16="http://schemas.microsoft.com/office/drawing/2014/main" id="{DD9360C9-B1EB-45B1-BEA4-C2DDA8E4FEF5}"/>
-              </a:ext>
-            </a:extLst>
-          </p:cNvPr>
-          <p:cNvGrpSpPr/>
-          <p:nvPr/>
-        </p:nvGrpSpPr>
-        <p:grpSpPr>
-          <a:xfrm>
-            <a:off x="1080000" y="5300417"/>
-            <a:ext cx="5882082" cy="861774"/>
-            <a:chOff x="506534" y="5328765"/>
-            <a:chExt cx="5882082" cy="861774"/>
-          </a:xfrm>
-        </p:grpSpPr>
-        <p:pic>
-          <p:nvPicPr>
-            <p:cNvPr id="17" name="Đồ họa 16" descr="Kính hiển vi">
-              <a:extLst>
-                <a:ext uri="{FF2B5EF4-FFF2-40B4-BE49-F238E27FC236}">
-                  <a16:creationId xmlns:a16="http://schemas.microsoft.com/office/drawing/2014/main" id="{E43F761C-1B61-4311-9BB3-B7173F547F55}"/>
-                </a:ext>
-              </a:extLst>
-            </p:cNvPr>
-            <p:cNvPicPr>
-              <a:picLocks noChangeAspect="1"/>
-            </p:cNvPicPr>
-            <p:nvPr/>
-          </p:nvPicPr>
-          <p:blipFill>
-            <a:blip r:embed="rId10" cstate="print">
-              <a:extLst>
-                <a:ext uri="{28A0092B-C50C-407E-A947-70E740481C1C}">
-                  <a14:useLocalDpi xmlns:a14="http://schemas.microsoft.com/office/drawing/2010/main" val="0"/>
-                </a:ext>
-                <a:ext uri="{96DAC541-7B7A-43D3-8B79-37D633B846F1}">
-                  <asvg:svgBlip xmlns:asvg="http://schemas.microsoft.com/office/drawing/2016/SVG/main" r:embed="rId11"/>
-                </a:ext>
-              </a:extLst>
-            </a:blip>
-            <a:stretch>
-              <a:fillRect/>
-            </a:stretch>
-          </p:blipFill>
-          <p:spPr>
-            <a:xfrm>
-              <a:off x="506534" y="5328765"/>
-              <a:ext cx="457200" cy="457200"/>
-            </a:xfrm>
-            <a:prstGeom prst="rect">
-              <a:avLst/>
-            </a:prstGeom>
-          </p:spPr>
-        </p:pic>
-        <p:sp>
-          <p:nvSpPr>
-            <p:cNvPr id="24" name="Hộp Văn bản 23">
-              <a:extLst>
-                <a:ext uri="{FF2B5EF4-FFF2-40B4-BE49-F238E27FC236}">
-                  <a16:creationId xmlns:a16="http://schemas.microsoft.com/office/drawing/2014/main" id="{B9CB2816-9F0C-4F34-98C6-7DD180E361F9}"/>
-                </a:ext>
-              </a:extLst>
-            </p:cNvPr>
-            <p:cNvSpPr txBox="1"/>
-            <p:nvPr/>
-          </p:nvSpPr>
-          <p:spPr>
-            <a:xfrm>
-              <a:off x="963733" y="5328765"/>
-              <a:ext cx="5424883" cy="861774"/>
-            </a:xfrm>
-            <a:prstGeom prst="rect">
-              <a:avLst/>
-            </a:prstGeom>
-            <a:noFill/>
-          </p:spPr>
-          <p:txBody>
-            <a:bodyPr wrap="none" rtlCol="0">
-              <a:spAutoFit/>
-            </a:bodyPr>
-            <a:lstStyle/>
-            <a:p>
-              <a:r>
-                <a:rPr lang="en-US" b="1" dirty="0"/>
-                <a:t>Evaluate functional verification result</a:t>
-              </a:r>
-            </a:p>
-            <a:p>
-              <a:r>
-                <a:rPr lang="en-US" sz="1600" dirty="0"/>
-                <a:t>+ Evaluate </a:t>
-              </a:r>
-              <a:r>
-                <a:rPr lang="en-US" sz="1600" u="sng" dirty="0"/>
-                <a:t>functional verification result</a:t>
-              </a:r>
-              <a:r>
-                <a:rPr lang="en-US" sz="1600" dirty="0"/>
-                <a:t> for I2C and DMAC</a:t>
-              </a:r>
-            </a:p>
-            <a:p>
-              <a:r>
-                <a:rPr lang="en-US" sz="1600" dirty="0"/>
-                <a:t>+ Evaluate </a:t>
-              </a:r>
-              <a:r>
-                <a:rPr lang="en-US" sz="1600" u="sng" dirty="0"/>
-                <a:t>coverage result</a:t>
-              </a:r>
-              <a:r>
-                <a:rPr lang="en-US" sz="1600" dirty="0"/>
-                <a:t> for I2C</a:t>
-              </a:r>
-            </a:p>
-          </p:txBody>
-        </p:sp>
-      </p:grpSp>
-      <p:sp>
-        <p:nvSpPr>
-          <p:cNvPr id="34" name="Rectangle 65">
-            <a:extLst>
-              <a:ext uri="{FF2B5EF4-FFF2-40B4-BE49-F238E27FC236}">
-                <a16:creationId xmlns:a16="http://schemas.microsoft.com/office/drawing/2014/main" id="{AA4513F4-801C-4D2A-AB44-CAE5F0B3A8B3}"/>
-              </a:ext>
-            </a:extLst>
-          </p:cNvPr>
-          <p:cNvSpPr/>
-          <p:nvPr/>
-        </p:nvSpPr>
-        <p:spPr>
-          <a:xfrm>
-            <a:off x="9497588" y="1379198"/>
-            <a:ext cx="1188720" cy="274320"/>
-          </a:xfrm>
-          <a:prstGeom prst="rect">
-            <a:avLst/>
-          </a:prstGeom>
-          <a:solidFill>
-            <a:schemeClr val="tx1"/>
-          </a:solidFill>
-          <a:ln>
-            <a:noFill/>
-          </a:ln>
-        </p:spPr>
-        <p:style>
-          <a:lnRef idx="2">
-            <a:schemeClr val="accent1">
-              <a:shade val="50000"/>
-            </a:schemeClr>
-          </a:lnRef>
-          <a:fillRef idx="1">
-            <a:schemeClr val="accent1"/>
-          </a:fillRef>
-          <a:effectRef idx="0">
-            <a:schemeClr val="accent1"/>
-          </a:effectRef>
-          <a:fontRef idx="minor">
-            <a:schemeClr val="lt1"/>
-          </a:fontRef>
-        </p:style>
-        <p:txBody>
-          <a:bodyPr rtlCol="0" anchor="ctr"/>
-          <a:lstStyle/>
-          <a:p>
-            <a:pPr algn="ctr"/>
-            <a:r>
-              <a:rPr lang="en-US" sz="1400" dirty="0"/>
-              <a:t>V3U-AD</a:t>
-            </a:r>
-          </a:p>
-        </p:txBody>
-      </p:sp>
-      <p:sp>
-        <p:nvSpPr>
-          <p:cNvPr id="35" name="Rectangle 65">
-            <a:extLst>
-              <a:ext uri="{FF2B5EF4-FFF2-40B4-BE49-F238E27FC236}">
-                <a16:creationId xmlns:a16="http://schemas.microsoft.com/office/drawing/2014/main" id="{B0A0EC76-636C-42AB-8305-8CC78D5E295D}"/>
-              </a:ext>
-            </a:extLst>
-          </p:cNvPr>
-          <p:cNvSpPr/>
-          <p:nvPr/>
-        </p:nvSpPr>
-        <p:spPr>
-          <a:xfrm>
-            <a:off x="10741761" y="1379198"/>
-            <a:ext cx="731520" cy="274320"/>
-          </a:xfrm>
-          <a:prstGeom prst="rect">
-            <a:avLst/>
-          </a:prstGeom>
-          <a:solidFill>
-            <a:schemeClr val="tx2"/>
-          </a:solidFill>
-          <a:ln>
-            <a:noFill/>
-          </a:ln>
-        </p:spPr>
-        <p:style>
-          <a:lnRef idx="2">
-            <a:schemeClr val="accent1">
-              <a:shade val="50000"/>
-            </a:schemeClr>
-          </a:lnRef>
-          <a:fillRef idx="1">
-            <a:schemeClr val="accent1"/>
-          </a:fillRef>
-          <a:effectRef idx="0">
-            <a:schemeClr val="accent1"/>
-          </a:effectRef>
-          <a:fontRef idx="minor">
-            <a:schemeClr val="lt1"/>
-          </a:fontRef>
-        </p:style>
-        <p:txBody>
-          <a:bodyPr rtlCol="0" anchor="ctr"/>
-          <a:lstStyle/>
-          <a:p>
-            <a:pPr algn="ctr"/>
-            <a:r>
-              <a:rPr lang="en-US" sz="1400" dirty="0"/>
-              <a:t>I2C</a:t>
-            </a:r>
-          </a:p>
-        </p:txBody>
-      </p:sp>
-      <p:sp>
-        <p:nvSpPr>
-          <p:cNvPr id="25" name="Rectangle 65">
-            <a:extLst>
-              <a:ext uri="{FF2B5EF4-FFF2-40B4-BE49-F238E27FC236}">
-                <a16:creationId xmlns:a16="http://schemas.microsoft.com/office/drawing/2014/main" id="{B0A0EC76-636C-42AB-8305-8CC78D5E295D}"/>
-              </a:ext>
-            </a:extLst>
-          </p:cNvPr>
-          <p:cNvSpPr/>
-          <p:nvPr/>
-        </p:nvSpPr>
-        <p:spPr>
-          <a:xfrm>
-            <a:off x="10741761" y="1708242"/>
-            <a:ext cx="731520" cy="274320"/>
-          </a:xfrm>
-          <a:prstGeom prst="rect">
-            <a:avLst/>
-          </a:prstGeom>
-          <a:solidFill>
-            <a:schemeClr val="tx2"/>
-          </a:solidFill>
-          <a:ln>
-            <a:noFill/>
-          </a:ln>
-        </p:spPr>
-        <p:style>
-          <a:lnRef idx="2">
-            <a:schemeClr val="accent1">
-              <a:shade val="50000"/>
-            </a:schemeClr>
-          </a:lnRef>
-          <a:fillRef idx="1">
-            <a:schemeClr val="accent1"/>
-          </a:fillRef>
-          <a:effectRef idx="0">
-            <a:schemeClr val="accent1"/>
-          </a:effectRef>
-          <a:fontRef idx="minor">
-            <a:schemeClr val="lt1"/>
-          </a:fontRef>
-        </p:style>
-        <p:txBody>
-          <a:bodyPr rtlCol="0" anchor="ctr"/>
-          <a:lstStyle/>
-          <a:p>
-            <a:pPr algn="ctr"/>
-            <a:r>
-              <a:rPr lang="en-US" sz="1400" dirty="0"/>
-              <a:t>DMAC</a:t>
-            </a:r>
-          </a:p>
-        </p:txBody>
-      </p:sp>
-    </p:spTree>
-    <p:extLst>
-      <p:ext uri="{BB962C8B-B14F-4D97-AF65-F5344CB8AC3E}">
-        <p14:creationId xmlns:p14="http://schemas.microsoft.com/office/powerpoint/2010/main" val="4229289576"/>
       </p:ext>
     </p:extLst>
   </p:cSld>

--- a/mms.pptx
+++ b/mms.pptx
@@ -269,7 +269,7 @@
           <a:p>
             <a:fld id="{FF3BB0D2-B4AB-46DD-8353-5863A644691C}" type="datetimeFigureOut">
               <a:rPr lang="en-US" smtClean="0"/>
-              <a:t>12/9/2018</a:t>
+              <a:t>12/10/2018</a:t>
             </a:fld>
             <a:endParaRPr lang="en-US"/>
           </a:p>
@@ -2824,7 +2824,7 @@
           <a:p>
             <a:fld id="{E3E9F078-88ED-41ED-832F-7AC4AFAA4DE4}" type="datetimeFigureOut">
               <a:rPr lang="en-US" smtClean="0"/>
-              <a:t>12/9/2018</a:t>
+              <a:t>12/10/2018</a:t>
             </a:fld>
             <a:endParaRPr lang="en-US"/>
           </a:p>
@@ -18770,15 +18770,7 @@
           <a:p>
             <a:r>
               <a:rPr lang="en-US" dirty="0"/>
-              <a:t>FUNCTIONAL VERIFICATION – 1</a:t>
-            </a:r>
-            <a:r>
-              <a:rPr lang="en-US" baseline="30000" dirty="0"/>
-              <a:t>st</a:t>
-            </a:r>
-            <a:r>
-              <a:rPr lang="en-US" dirty="0"/>
-              <a:t> year result</a:t>
+              <a:t>FUNCTIONAL VERIFICATION</a:t>
             </a:r>
           </a:p>
         </p:txBody>
@@ -20518,172 +20510,6 @@
       </p:grpSp>
       <p:grpSp>
         <p:nvGrpSpPr>
-          <p:cNvPr id="61" name="Group 60"/>
-          <p:cNvGrpSpPr/>
-          <p:nvPr/>
-        </p:nvGrpSpPr>
-        <p:grpSpPr>
-          <a:xfrm>
-            <a:off x="9841595" y="922877"/>
-            <a:ext cx="1050700" cy="738664"/>
-            <a:chOff x="9706827" y="788267"/>
-            <a:chExt cx="1050700" cy="738664"/>
-          </a:xfrm>
-        </p:grpSpPr>
-        <p:sp>
-          <p:nvSpPr>
-            <p:cNvPr id="58" name="Rectangle 57"/>
-            <p:cNvSpPr/>
-            <p:nvPr/>
-          </p:nvSpPr>
-          <p:spPr>
-            <a:xfrm>
-              <a:off x="10300327" y="1164914"/>
-              <a:ext cx="457200" cy="91440"/>
-            </a:xfrm>
-            <a:prstGeom prst="rect">
-              <a:avLst/>
-            </a:prstGeom>
-            <a:solidFill>
-              <a:schemeClr val="tx2"/>
-            </a:solidFill>
-            <a:ln>
-              <a:noFill/>
-            </a:ln>
-          </p:spPr>
-          <p:style>
-            <a:lnRef idx="2">
-              <a:schemeClr val="accent1">
-                <a:shade val="50000"/>
-              </a:schemeClr>
-            </a:lnRef>
-            <a:fillRef idx="1">
-              <a:schemeClr val="accent1"/>
-            </a:fillRef>
-            <a:effectRef idx="0">
-              <a:schemeClr val="accent1"/>
-            </a:effectRef>
-            <a:fontRef idx="minor">
-              <a:schemeClr val="lt1"/>
-            </a:fontRef>
-          </p:style>
-          <p:txBody>
-            <a:bodyPr rtlCol="0" anchor="ctr"/>
-            <a:lstStyle/>
-            <a:p>
-              <a:pPr algn="r"/>
-              <a:endParaRPr lang="en-US" sz="700" dirty="0"/>
-            </a:p>
-          </p:txBody>
-        </p:sp>
-        <p:sp>
-          <p:nvSpPr>
-            <p:cNvPr id="59" name="Rectangle 58"/>
-            <p:cNvSpPr/>
-            <p:nvPr/>
-          </p:nvSpPr>
-          <p:spPr>
-            <a:xfrm>
-              <a:off x="10300327" y="1340793"/>
-              <a:ext cx="457200" cy="91440"/>
-            </a:xfrm>
-            <a:prstGeom prst="rect">
-              <a:avLst/>
-            </a:prstGeom>
-            <a:solidFill>
-              <a:srgbClr val="FF0000"/>
-            </a:solidFill>
-            <a:ln>
-              <a:noFill/>
-            </a:ln>
-          </p:spPr>
-          <p:style>
-            <a:lnRef idx="2">
-              <a:schemeClr val="accent1">
-                <a:shade val="50000"/>
-              </a:schemeClr>
-            </a:lnRef>
-            <a:fillRef idx="1">
-              <a:schemeClr val="accent1"/>
-            </a:fillRef>
-            <a:effectRef idx="0">
-              <a:schemeClr val="accent1"/>
-            </a:effectRef>
-            <a:fontRef idx="minor">
-              <a:schemeClr val="lt1"/>
-            </a:fontRef>
-          </p:style>
-          <p:txBody>
-            <a:bodyPr rtlCol="0" anchor="ctr"/>
-            <a:lstStyle/>
-            <a:p>
-              <a:pPr algn="r"/>
-              <a:endParaRPr lang="en-US" sz="700" dirty="0"/>
-            </a:p>
-          </p:txBody>
-        </p:sp>
-        <p:sp>
-          <p:nvSpPr>
-            <p:cNvPr id="60" name="TextBox 59"/>
-            <p:cNvSpPr txBox="1"/>
-            <p:nvPr/>
-          </p:nvSpPr>
-          <p:spPr>
-            <a:xfrm>
-              <a:off x="9706827" y="788267"/>
-              <a:ext cx="954107" cy="738664"/>
-            </a:xfrm>
-            <a:prstGeom prst="rect">
-              <a:avLst/>
-            </a:prstGeom>
-            <a:noFill/>
-          </p:spPr>
-          <p:txBody>
-            <a:bodyPr wrap="none" rtlCol="0">
-              <a:spAutoFit/>
-            </a:bodyPr>
-            <a:lstStyle/>
-            <a:p>
-              <a:r>
-                <a:rPr lang="en-US" u="sng" dirty="0">
-                  <a:solidFill>
-                    <a:schemeClr val="bg2">
-                      <a:lumMod val="10000"/>
-                    </a:schemeClr>
-                  </a:solidFill>
-                </a:rPr>
-                <a:t>Legend</a:t>
-              </a:r>
-            </a:p>
-            <a:p>
-              <a:r>
-                <a:rPr lang="en-US" sz="1200" dirty="0">
-                  <a:solidFill>
-                    <a:schemeClr val="bg2">
-                      <a:lumMod val="10000"/>
-                    </a:schemeClr>
-                  </a:solidFill>
-                </a:rPr>
-                <a:t>Target</a:t>
-              </a:r>
-            </a:p>
-            <a:p>
-              <a:r>
-                <a:rPr lang="en-US" sz="1200" dirty="0">
-                  <a:solidFill>
-                    <a:schemeClr val="bg2">
-                      <a:lumMod val="10000"/>
-                    </a:schemeClr>
-                  </a:solidFill>
-                </a:rPr>
-                <a:t>Actual</a:t>
-              </a:r>
-            </a:p>
-          </p:txBody>
-        </p:sp>
-      </p:grpSp>
-      <p:grpSp>
-        <p:nvGrpSpPr>
           <p:cNvPr id="21" name="Nhóm 20">
             <a:extLst>
               <a:ext uri="{FF2B5EF4-FFF2-40B4-BE49-F238E27FC236}">
@@ -21045,8 +20871,8 @@
         </p:nvSpPr>
         <p:spPr>
           <a:xfrm>
-            <a:off x="9746445" y="5028937"/>
-            <a:ext cx="1390124" cy="646331"/>
+            <a:off x="9799345" y="5028937"/>
+            <a:ext cx="1284326" cy="523220"/>
           </a:xfrm>
           <a:prstGeom prst="rect">
             <a:avLst/>
@@ -21061,18 +20887,7 @@
           <a:p>
             <a:pPr algn="ctr"/>
             <a:r>
-              <a:rPr lang="en-US" b="1" dirty="0">
-                <a:solidFill>
-                  <a:schemeClr val="accent4"/>
-                </a:solidFill>
-              </a:rPr>
-              <a:t>ARCHIVED</a:t>
-            </a:r>
-          </a:p>
-          <a:p>
-            <a:pPr algn="ctr"/>
-            <a:r>
-              <a:rPr lang="en-US" b="1" dirty="0">
+              <a:rPr lang="en-US" sz="2800" b="1" dirty="0">
                 <a:solidFill>
                   <a:srgbClr val="FF0000"/>
                 </a:solidFill>
@@ -21080,20 +20895,211 @@
               <a:t>2.4</a:t>
             </a:r>
             <a:r>
-              <a:rPr lang="en-US" b="1" dirty="0"/>
-              <a:t>/</a:t>
-            </a:r>
-            <a:r>
-              <a:rPr lang="en-US" b="1" dirty="0">
+              <a:rPr lang="en-US" sz="2800" b="1" dirty="0">
                 <a:solidFill>
                   <a:schemeClr val="tx2"/>
                 </a:solidFill>
               </a:rPr>
-              <a:t>2.0</a:t>
-            </a:r>
-          </a:p>
-        </p:txBody>
-      </p:sp>
+              <a:t>/2.0</a:t>
+            </a:r>
+            <a:endParaRPr lang="en-US" b="1" dirty="0">
+              <a:solidFill>
+                <a:schemeClr val="tx2"/>
+              </a:solidFill>
+            </a:endParaRPr>
+          </a:p>
+        </p:txBody>
+      </p:sp>
+      <p:grpSp>
+        <p:nvGrpSpPr>
+          <p:cNvPr id="65" name="Group 60">
+            <a:extLst>
+              <a:ext uri="{FF2B5EF4-FFF2-40B4-BE49-F238E27FC236}">
+                <a16:creationId xmlns:a16="http://schemas.microsoft.com/office/drawing/2014/main" id="{0D50BC61-90BD-4803-BABF-52FDE9A789E7}"/>
+              </a:ext>
+            </a:extLst>
+          </p:cNvPr>
+          <p:cNvGrpSpPr/>
+          <p:nvPr/>
+        </p:nvGrpSpPr>
+        <p:grpSpPr>
+          <a:xfrm>
+            <a:off x="10057200" y="936000"/>
+            <a:ext cx="1050700" cy="738664"/>
+            <a:chOff x="9706827" y="788267"/>
+            <a:chExt cx="1050700" cy="738664"/>
+          </a:xfrm>
+        </p:grpSpPr>
+        <p:sp>
+          <p:nvSpPr>
+            <p:cNvPr id="66" name="Rectangle 57">
+              <a:extLst>
+                <a:ext uri="{FF2B5EF4-FFF2-40B4-BE49-F238E27FC236}">
+                  <a16:creationId xmlns:a16="http://schemas.microsoft.com/office/drawing/2014/main" id="{0050AAD3-60DC-4A14-A3BC-A249F44D55AD}"/>
+                </a:ext>
+              </a:extLst>
+            </p:cNvPr>
+            <p:cNvSpPr/>
+            <p:nvPr/>
+          </p:nvSpPr>
+          <p:spPr>
+            <a:xfrm>
+              <a:off x="10300327" y="1164914"/>
+              <a:ext cx="457200" cy="91440"/>
+            </a:xfrm>
+            <a:prstGeom prst="rect">
+              <a:avLst/>
+            </a:prstGeom>
+            <a:solidFill>
+              <a:schemeClr val="tx2"/>
+            </a:solidFill>
+            <a:ln>
+              <a:noFill/>
+            </a:ln>
+          </p:spPr>
+          <p:style>
+            <a:lnRef idx="2">
+              <a:schemeClr val="accent1">
+                <a:shade val="50000"/>
+              </a:schemeClr>
+            </a:lnRef>
+            <a:fillRef idx="1">
+              <a:schemeClr val="accent1"/>
+            </a:fillRef>
+            <a:effectRef idx="0">
+              <a:schemeClr val="accent1"/>
+            </a:effectRef>
+            <a:fontRef idx="minor">
+              <a:schemeClr val="lt1"/>
+            </a:fontRef>
+          </p:style>
+          <p:txBody>
+            <a:bodyPr rtlCol="0" anchor="ctr"/>
+            <a:lstStyle/>
+            <a:p>
+              <a:pPr algn="r"/>
+              <a:endParaRPr lang="en-US" sz="700" dirty="0"/>
+            </a:p>
+          </p:txBody>
+        </p:sp>
+        <p:sp>
+          <p:nvSpPr>
+            <p:cNvPr id="67" name="Rectangle 58">
+              <a:extLst>
+                <a:ext uri="{FF2B5EF4-FFF2-40B4-BE49-F238E27FC236}">
+                  <a16:creationId xmlns:a16="http://schemas.microsoft.com/office/drawing/2014/main" id="{43CCAA2F-3846-47C4-AF15-C02B5F4986F0}"/>
+                </a:ext>
+              </a:extLst>
+            </p:cNvPr>
+            <p:cNvSpPr/>
+            <p:nvPr/>
+          </p:nvSpPr>
+          <p:spPr>
+            <a:xfrm>
+              <a:off x="10300327" y="1340793"/>
+              <a:ext cx="457200" cy="91440"/>
+            </a:xfrm>
+            <a:prstGeom prst="rect">
+              <a:avLst/>
+            </a:prstGeom>
+            <a:solidFill>
+              <a:srgbClr val="FF0000"/>
+            </a:solidFill>
+            <a:ln>
+              <a:noFill/>
+            </a:ln>
+          </p:spPr>
+          <p:style>
+            <a:lnRef idx="2">
+              <a:schemeClr val="accent1">
+                <a:shade val="50000"/>
+              </a:schemeClr>
+            </a:lnRef>
+            <a:fillRef idx="1">
+              <a:schemeClr val="accent1"/>
+            </a:fillRef>
+            <a:effectRef idx="0">
+              <a:schemeClr val="accent1"/>
+            </a:effectRef>
+            <a:fontRef idx="minor">
+              <a:schemeClr val="lt1"/>
+            </a:fontRef>
+          </p:style>
+          <p:txBody>
+            <a:bodyPr rtlCol="0" anchor="ctr"/>
+            <a:lstStyle/>
+            <a:p>
+              <a:pPr algn="r"/>
+              <a:endParaRPr lang="en-US" sz="700" dirty="0"/>
+            </a:p>
+          </p:txBody>
+        </p:sp>
+        <p:sp>
+          <p:nvSpPr>
+            <p:cNvPr id="68" name="TextBox 59">
+              <a:extLst>
+                <a:ext uri="{FF2B5EF4-FFF2-40B4-BE49-F238E27FC236}">
+                  <a16:creationId xmlns:a16="http://schemas.microsoft.com/office/drawing/2014/main" id="{4032706B-52CC-47EE-AD2D-6CAEB985D332}"/>
+                </a:ext>
+              </a:extLst>
+            </p:cNvPr>
+            <p:cNvSpPr txBox="1"/>
+            <p:nvPr/>
+          </p:nvSpPr>
+          <p:spPr>
+            <a:xfrm>
+              <a:off x="9706827" y="788267"/>
+              <a:ext cx="954107" cy="738664"/>
+            </a:xfrm>
+            <a:prstGeom prst="rect">
+              <a:avLst/>
+            </a:prstGeom>
+            <a:noFill/>
+          </p:spPr>
+          <p:txBody>
+            <a:bodyPr wrap="none" rtlCol="0">
+              <a:spAutoFit/>
+            </a:bodyPr>
+            <a:lstStyle/>
+            <a:p>
+              <a:r>
+                <a:rPr lang="en-US" u="sng" dirty="0">
+                  <a:solidFill>
+                    <a:schemeClr val="bg2">
+                      <a:lumMod val="10000"/>
+                    </a:schemeClr>
+                  </a:solidFill>
+                </a:rPr>
+                <a:t>Legend</a:t>
+              </a:r>
+            </a:p>
+            <a:p>
+              <a:r>
+                <a:rPr lang="en-US" sz="1200" dirty="0">
+                  <a:solidFill>
+                    <a:schemeClr val="bg2">
+                      <a:lumMod val="10000"/>
+                    </a:schemeClr>
+                  </a:solidFill>
+                </a:rPr>
+                <a:t>Target</a:t>
+              </a:r>
+            </a:p>
+            <a:p>
+              <a:r>
+                <a:rPr lang="en-US" sz="1200" dirty="0">
+                  <a:solidFill>
+                    <a:schemeClr val="bg2">
+                      <a:lumMod val="10000"/>
+                    </a:schemeClr>
+                  </a:solidFill>
+                </a:rPr>
+                <a:t>Actual</a:t>
+              </a:r>
+            </a:p>
+          </p:txBody>
+        </p:sp>
+      </p:grpSp>
     </p:spTree>
     <p:extLst>
       <p:ext uri="{BB962C8B-B14F-4D97-AF65-F5344CB8AC3E}">
@@ -21141,15 +21147,7 @@
           <a:p>
             <a:r>
               <a:rPr lang="en-US" dirty="0"/>
-              <a:t>TESTER – 1</a:t>
-            </a:r>
-            <a:r>
-              <a:rPr lang="en-US" baseline="30000" dirty="0"/>
-              <a:t>st</a:t>
-            </a:r>
-            <a:r>
-              <a:rPr lang="en-US" dirty="0"/>
-              <a:t> year result</a:t>
+              <a:t>TESTER</a:t>
             </a:r>
           </a:p>
         </p:txBody>
@@ -21180,363 +21178,6 @@
               <a:t>11</a:t>
             </a:fld>
             <a:endParaRPr lang="de-DE" dirty="0"/>
-          </a:p>
-        </p:txBody>
-      </p:sp>
-      <p:sp>
-        <p:nvSpPr>
-          <p:cNvPr id="65" name="Rectangle 64"/>
-          <p:cNvSpPr/>
-          <p:nvPr/>
-        </p:nvSpPr>
-        <p:spPr>
-          <a:xfrm>
-            <a:off x="9600000" y="1379198"/>
-            <a:ext cx="1188720" cy="274320"/>
-          </a:xfrm>
-          <a:prstGeom prst="rect">
-            <a:avLst/>
-          </a:prstGeom>
-          <a:solidFill>
-            <a:schemeClr val="tx1"/>
-          </a:solidFill>
-          <a:ln>
-            <a:noFill/>
-          </a:ln>
-          <a:effectLst>
-            <a:outerShdw blurRad="50800" dist="38100" dir="2700000" algn="tl" rotWithShape="0">
-              <a:prstClr val="black">
-                <a:alpha val="40000"/>
-              </a:prstClr>
-            </a:outerShdw>
-          </a:effectLst>
-        </p:spPr>
-        <p:style>
-          <a:lnRef idx="2">
-            <a:schemeClr val="accent1">
-              <a:shade val="50000"/>
-            </a:schemeClr>
-          </a:lnRef>
-          <a:fillRef idx="1">
-            <a:schemeClr val="accent1"/>
-          </a:fillRef>
-          <a:effectRef idx="0">
-            <a:schemeClr val="accent1"/>
-          </a:effectRef>
-          <a:fontRef idx="minor">
-            <a:schemeClr val="lt1"/>
-          </a:fontRef>
-        </p:style>
-        <p:txBody>
-          <a:bodyPr rtlCol="0" anchor="ctr"/>
-          <a:lstStyle/>
-          <a:p>
-            <a:pPr algn="ctr"/>
-            <a:endParaRPr lang="en-US" sz="1400" dirty="0"/>
-          </a:p>
-        </p:txBody>
-      </p:sp>
-      <p:sp>
-        <p:nvSpPr>
-          <p:cNvPr id="66" name="Rectangle 65"/>
-          <p:cNvSpPr/>
-          <p:nvPr/>
-        </p:nvSpPr>
-        <p:spPr>
-          <a:xfrm>
-            <a:off x="9600000" y="1698123"/>
-            <a:ext cx="1188720" cy="274320"/>
-          </a:xfrm>
-          <a:prstGeom prst="rect">
-            <a:avLst/>
-          </a:prstGeom>
-          <a:solidFill>
-            <a:schemeClr val="tx1"/>
-          </a:solidFill>
-          <a:ln>
-            <a:noFill/>
-          </a:ln>
-          <a:effectLst>
-            <a:outerShdw blurRad="50800" dist="38100" dir="2700000" algn="tl" rotWithShape="0">
-              <a:prstClr val="black">
-                <a:alpha val="40000"/>
-              </a:prstClr>
-            </a:outerShdw>
-          </a:effectLst>
-        </p:spPr>
-        <p:style>
-          <a:lnRef idx="2">
-            <a:schemeClr val="accent1">
-              <a:shade val="50000"/>
-            </a:schemeClr>
-          </a:lnRef>
-          <a:fillRef idx="1">
-            <a:schemeClr val="accent1"/>
-          </a:fillRef>
-          <a:effectRef idx="0">
-            <a:schemeClr val="accent1"/>
-          </a:effectRef>
-          <a:fontRef idx="minor">
-            <a:schemeClr val="lt1"/>
-          </a:fontRef>
-        </p:style>
-        <p:txBody>
-          <a:bodyPr rtlCol="0" anchor="ctr"/>
-          <a:lstStyle/>
-          <a:p>
-            <a:pPr algn="ctr"/>
-            <a:r>
-              <a:rPr lang="en-US" sz="1400" dirty="0"/>
-              <a:t>V3H-ES1.1</a:t>
-            </a:r>
-          </a:p>
-        </p:txBody>
-      </p:sp>
-      <p:sp>
-        <p:nvSpPr>
-          <p:cNvPr id="7" name="Rectangle 65">
-            <a:extLst>
-              <a:ext uri="{FF2B5EF4-FFF2-40B4-BE49-F238E27FC236}">
-                <a16:creationId xmlns:a16="http://schemas.microsoft.com/office/drawing/2014/main" id="{86BCF2D7-265B-428E-8E7B-B4770CD5F2D6}"/>
-              </a:ext>
-            </a:extLst>
-          </p:cNvPr>
-          <p:cNvSpPr/>
-          <p:nvPr/>
-        </p:nvSpPr>
-        <p:spPr>
-          <a:xfrm>
-            <a:off x="10842735" y="1379198"/>
-            <a:ext cx="731520" cy="274320"/>
-          </a:xfrm>
-          <a:prstGeom prst="rect">
-            <a:avLst/>
-          </a:prstGeom>
-          <a:solidFill>
-            <a:schemeClr val="tx2"/>
-          </a:solidFill>
-          <a:ln>
-            <a:noFill/>
-          </a:ln>
-          <a:effectLst>
-            <a:outerShdw blurRad="50800" dist="38100" dir="2700000" algn="tl" rotWithShape="0">
-              <a:prstClr val="black">
-                <a:alpha val="40000"/>
-              </a:prstClr>
-            </a:outerShdw>
-          </a:effectLst>
-        </p:spPr>
-        <p:style>
-          <a:lnRef idx="2">
-            <a:schemeClr val="accent1">
-              <a:shade val="50000"/>
-            </a:schemeClr>
-          </a:lnRef>
-          <a:fillRef idx="1">
-            <a:schemeClr val="accent1"/>
-          </a:fillRef>
-          <a:effectRef idx="0">
-            <a:schemeClr val="accent1"/>
-          </a:effectRef>
-          <a:fontRef idx="minor">
-            <a:schemeClr val="lt1"/>
-          </a:fontRef>
-        </p:style>
-        <p:txBody>
-          <a:bodyPr rtlCol="0" anchor="ctr"/>
-          <a:lstStyle/>
-          <a:p>
-            <a:pPr algn="ctr"/>
-            <a:r>
-              <a:rPr lang="en-US" sz="1400" dirty="0"/>
-              <a:t>SWDT</a:t>
-            </a:r>
-          </a:p>
-        </p:txBody>
-      </p:sp>
-      <p:sp>
-        <p:nvSpPr>
-          <p:cNvPr id="8" name="Rectangle 65">
-            <a:extLst>
-              <a:ext uri="{FF2B5EF4-FFF2-40B4-BE49-F238E27FC236}">
-                <a16:creationId xmlns:a16="http://schemas.microsoft.com/office/drawing/2014/main" id="{6E428CCA-6A2D-45E1-91D8-D9DF13D3FA8C}"/>
-              </a:ext>
-            </a:extLst>
-          </p:cNvPr>
-          <p:cNvSpPr/>
-          <p:nvPr/>
-        </p:nvSpPr>
-        <p:spPr>
-          <a:xfrm>
-            <a:off x="10842735" y="2025950"/>
-            <a:ext cx="731520" cy="274320"/>
-          </a:xfrm>
-          <a:prstGeom prst="rect">
-            <a:avLst/>
-          </a:prstGeom>
-          <a:solidFill>
-            <a:schemeClr val="tx2"/>
-          </a:solidFill>
-          <a:ln>
-            <a:noFill/>
-          </a:ln>
-          <a:effectLst>
-            <a:outerShdw blurRad="50800" dist="38100" dir="2700000" algn="tl" rotWithShape="0">
-              <a:prstClr val="black">
-                <a:alpha val="40000"/>
-              </a:prstClr>
-            </a:outerShdw>
-          </a:effectLst>
-        </p:spPr>
-        <p:style>
-          <a:lnRef idx="2">
-            <a:schemeClr val="accent1">
-              <a:shade val="50000"/>
-            </a:schemeClr>
-          </a:lnRef>
-          <a:fillRef idx="1">
-            <a:schemeClr val="accent1"/>
-          </a:fillRef>
-          <a:effectRef idx="0">
-            <a:schemeClr val="accent1"/>
-          </a:effectRef>
-          <a:fontRef idx="minor">
-            <a:schemeClr val="lt1"/>
-          </a:fontRef>
-        </p:style>
-        <p:txBody>
-          <a:bodyPr rtlCol="0" anchor="ctr"/>
-          <a:lstStyle/>
-          <a:p>
-            <a:pPr algn="ctr"/>
-            <a:r>
-              <a:rPr lang="en-US" sz="1400" dirty="0"/>
-              <a:t>TMU</a:t>
-            </a:r>
-          </a:p>
-        </p:txBody>
-      </p:sp>
-      <p:sp>
-        <p:nvSpPr>
-          <p:cNvPr id="9" name="Rectangle 65">
-            <a:extLst>
-              <a:ext uri="{FF2B5EF4-FFF2-40B4-BE49-F238E27FC236}">
-                <a16:creationId xmlns:a16="http://schemas.microsoft.com/office/drawing/2014/main" id="{4697D502-C568-44DC-93A0-8BD1149D2CBA}"/>
-              </a:ext>
-            </a:extLst>
-          </p:cNvPr>
-          <p:cNvSpPr/>
-          <p:nvPr/>
-        </p:nvSpPr>
-        <p:spPr>
-          <a:xfrm>
-            <a:off x="10842735" y="1702574"/>
-            <a:ext cx="731520" cy="274320"/>
-          </a:xfrm>
-          <a:prstGeom prst="rect">
-            <a:avLst/>
-          </a:prstGeom>
-          <a:solidFill>
-            <a:schemeClr val="tx2"/>
-          </a:solidFill>
-          <a:ln>
-            <a:noFill/>
-          </a:ln>
-          <a:effectLst>
-            <a:outerShdw blurRad="50800" dist="38100" dir="2700000" algn="tl" rotWithShape="0">
-              <a:prstClr val="black">
-                <a:alpha val="40000"/>
-              </a:prstClr>
-            </a:outerShdw>
-          </a:effectLst>
-        </p:spPr>
-        <p:style>
-          <a:lnRef idx="2">
-            <a:schemeClr val="accent1">
-              <a:shade val="50000"/>
-            </a:schemeClr>
-          </a:lnRef>
-          <a:fillRef idx="1">
-            <a:schemeClr val="accent1"/>
-          </a:fillRef>
-          <a:effectRef idx="0">
-            <a:schemeClr val="accent1"/>
-          </a:effectRef>
-          <a:fontRef idx="minor">
-            <a:schemeClr val="lt1"/>
-          </a:fontRef>
-        </p:style>
-        <p:txBody>
-          <a:bodyPr rtlCol="0" anchor="ctr"/>
-          <a:lstStyle/>
-          <a:p>
-            <a:pPr algn="ctr"/>
-            <a:r>
-              <a:rPr lang="en-US" sz="1400" dirty="0"/>
-              <a:t>RWDT</a:t>
-            </a:r>
-          </a:p>
-        </p:txBody>
-      </p:sp>
-      <p:sp>
-        <p:nvSpPr>
-          <p:cNvPr id="10" name="Rectangle 65">
-            <a:extLst>
-              <a:ext uri="{FF2B5EF4-FFF2-40B4-BE49-F238E27FC236}">
-                <a16:creationId xmlns:a16="http://schemas.microsoft.com/office/drawing/2014/main" id="{80551A04-DB34-4F7B-834F-E434D2132175}"/>
-              </a:ext>
-            </a:extLst>
-          </p:cNvPr>
-          <p:cNvSpPr/>
-          <p:nvPr/>
-        </p:nvSpPr>
-        <p:spPr>
-          <a:xfrm>
-            <a:off x="10842735" y="2349326"/>
-            <a:ext cx="731520" cy="274320"/>
-          </a:xfrm>
-          <a:prstGeom prst="rect">
-            <a:avLst/>
-          </a:prstGeom>
-          <a:solidFill>
-            <a:schemeClr val="tx2"/>
-          </a:solidFill>
-          <a:ln>
-            <a:noFill/>
-          </a:ln>
-          <a:effectLst>
-            <a:outerShdw blurRad="50800" dist="38100" dir="2700000" algn="tl" rotWithShape="0">
-              <a:prstClr val="black">
-                <a:alpha val="40000"/>
-              </a:prstClr>
-            </a:outerShdw>
-          </a:effectLst>
-        </p:spPr>
-        <p:style>
-          <a:lnRef idx="2">
-            <a:schemeClr val="accent1">
-              <a:shade val="50000"/>
-            </a:schemeClr>
-          </a:lnRef>
-          <a:fillRef idx="1">
-            <a:schemeClr val="accent1"/>
-          </a:fillRef>
-          <a:effectRef idx="0">
-            <a:schemeClr val="accent1"/>
-          </a:effectRef>
-          <a:fontRef idx="minor">
-            <a:schemeClr val="lt1"/>
-          </a:fontRef>
-        </p:style>
-        <p:txBody>
-          <a:bodyPr rtlCol="0" anchor="ctr"/>
-          <a:lstStyle/>
-          <a:p>
-            <a:pPr algn="ctr"/>
-            <a:r>
-              <a:rPr lang="en-US" sz="1400" dirty="0"/>
-              <a:t>TPU</a:t>
-            </a:r>
           </a:p>
         </p:txBody>
       </p:sp>
@@ -21717,9 +21358,9 @@
         <p:grpSpPr>
           <a:xfrm>
             <a:off x="1080000" y="3429000"/>
-            <a:ext cx="3373383" cy="615553"/>
+            <a:ext cx="3455137" cy="861774"/>
             <a:chOff x="506534" y="4764945"/>
-            <a:chExt cx="3373383" cy="615553"/>
+            <a:chExt cx="3455137" cy="861774"/>
           </a:xfrm>
         </p:grpSpPr>
         <p:pic>
@@ -21776,7 +21417,7 @@
           <p:spPr>
             <a:xfrm>
               <a:off x="963734" y="4764945"/>
-              <a:ext cx="2916183" cy="615553"/>
+              <a:ext cx="2997937" cy="861774"/>
             </a:xfrm>
             <a:prstGeom prst="rect">
               <a:avLst/>
@@ -21800,24 +21441,24 @@
                 <a:t>+ Failure analysis and fixing</a:t>
               </a:r>
             </a:p>
+            <a:p>
+              <a:r>
+                <a:rPr lang="en-US" sz="1600" dirty="0"/>
+                <a:t>+ Get pass within 3 releases</a:t>
+              </a:r>
+            </a:p>
           </p:txBody>
         </p:sp>
       </p:grpSp>
       <p:sp>
         <p:nvSpPr>
-          <p:cNvPr id="21" name="Rectangle 65">
-            <a:extLst>
-              <a:ext uri="{FF2B5EF4-FFF2-40B4-BE49-F238E27FC236}">
-                <a16:creationId xmlns:a16="http://schemas.microsoft.com/office/drawing/2014/main" id="{2B58DE32-7D3E-4F9A-8C74-23FF0005A39A}"/>
-              </a:ext>
-            </a:extLst>
-          </p:cNvPr>
+          <p:cNvPr id="65" name="Rectangle 64"/>
           <p:cNvSpPr/>
           <p:nvPr/>
         </p:nvSpPr>
         <p:spPr>
-          <a:xfrm>
-            <a:off x="9600000" y="2017048"/>
+          <a:xfrm flipH="1">
+            <a:off x="9923280" y="936000"/>
             <a:ext cx="1188720" cy="274320"/>
           </a:xfrm>
           <a:prstGeom prst="rect">
@@ -21860,6 +21501,62 @@
             <a:pPr algn="ctr"/>
             <a:r>
               <a:rPr lang="en-US" sz="1400" dirty="0"/>
+              <a:t>V3H-ES1.1</a:t>
+            </a:r>
+          </a:p>
+        </p:txBody>
+      </p:sp>
+      <p:sp>
+        <p:nvSpPr>
+          <p:cNvPr id="66" name="Rectangle 65"/>
+          <p:cNvSpPr/>
+          <p:nvPr/>
+        </p:nvSpPr>
+        <p:spPr>
+          <a:xfrm flipH="1">
+            <a:off x="9923280" y="1242038"/>
+            <a:ext cx="1188720" cy="274320"/>
+          </a:xfrm>
+          <a:prstGeom prst="rect">
+            <a:avLst/>
+          </a:prstGeom>
+          <a:solidFill>
+            <a:schemeClr val="tx1"/>
+          </a:solidFill>
+          <a:ln>
+            <a:noFill/>
+          </a:ln>
+          <a:effectLst>
+            <a:outerShdw blurRad="50800" dist="38100" dir="2700000" algn="tl" rotWithShape="0">
+              <a:prstClr val="black">
+                <a:alpha val="40000"/>
+              </a:prstClr>
+            </a:outerShdw>
+          </a:effectLst>
+        </p:spPr>
+        <p:style>
+          <a:lnRef idx="2">
+            <a:schemeClr val="accent1">
+              <a:shade val="50000"/>
+            </a:schemeClr>
+          </a:lnRef>
+          <a:fillRef idx="1">
+            <a:schemeClr val="accent1"/>
+          </a:fillRef>
+          <a:effectRef idx="0">
+            <a:schemeClr val="accent1"/>
+          </a:effectRef>
+          <a:fontRef idx="minor">
+            <a:schemeClr val="lt1"/>
+          </a:fontRef>
+        </p:style>
+        <p:txBody>
+          <a:bodyPr rtlCol="0" anchor="ctr"/>
+          <a:lstStyle/>
+          <a:p>
+            <a:pPr algn="ctr"/>
+            <a:r>
+              <a:rPr lang="en-US" sz="1400" dirty="0"/>
               <a:t>E3-ES1.0</a:t>
             </a:r>
           </a:p>
@@ -21867,10 +21564,10 @@
       </p:sp>
       <p:sp>
         <p:nvSpPr>
-          <p:cNvPr id="22" name="Rectangle 65">
+          <p:cNvPr id="7" name="Rectangle 65">
             <a:extLst>
               <a:ext uri="{FF2B5EF4-FFF2-40B4-BE49-F238E27FC236}">
-                <a16:creationId xmlns:a16="http://schemas.microsoft.com/office/drawing/2014/main" id="{D73C8D2C-3DE4-43F2-9443-0AF11950B829}"/>
+                <a16:creationId xmlns:a16="http://schemas.microsoft.com/office/drawing/2014/main" id="{86BCF2D7-265B-428E-8E7B-B4770CD5F2D6}"/>
               </a:ext>
             </a:extLst>
           </p:cNvPr>
@@ -21878,8 +21575,8 @@
           <p:nvPr/>
         </p:nvSpPr>
         <p:spPr>
-          <a:xfrm>
-            <a:off x="10842735" y="2672702"/>
+          <a:xfrm flipH="1">
+            <a:off x="9162818" y="936000"/>
             <a:ext cx="731520" cy="274320"/>
           </a:xfrm>
           <a:prstGeom prst="rect">
@@ -21922,7 +21619,441 @@
             <a:pPr algn="ctr"/>
             <a:r>
               <a:rPr lang="en-US" sz="1400" dirty="0"/>
-              <a:t>I2C</a:t>
+              <a:t>SWDT</a:t>
+            </a:r>
+          </a:p>
+        </p:txBody>
+      </p:sp>
+      <p:sp>
+        <p:nvSpPr>
+          <p:cNvPr id="8" name="Rectangle 65">
+            <a:extLst>
+              <a:ext uri="{FF2B5EF4-FFF2-40B4-BE49-F238E27FC236}">
+                <a16:creationId xmlns:a16="http://schemas.microsoft.com/office/drawing/2014/main" id="{6E428CCA-6A2D-45E1-91D8-D9DF13D3FA8C}"/>
+              </a:ext>
+            </a:extLst>
+          </p:cNvPr>
+          <p:cNvSpPr/>
+          <p:nvPr/>
+        </p:nvSpPr>
+        <p:spPr>
+          <a:xfrm flipH="1">
+            <a:off x="7641894" y="936000"/>
+            <a:ext cx="731520" cy="274320"/>
+          </a:xfrm>
+          <a:prstGeom prst="rect">
+            <a:avLst/>
+          </a:prstGeom>
+          <a:solidFill>
+            <a:schemeClr val="tx2"/>
+          </a:solidFill>
+          <a:ln>
+            <a:noFill/>
+          </a:ln>
+          <a:effectLst>
+            <a:outerShdw blurRad="50800" dist="38100" dir="2700000" algn="tl" rotWithShape="0">
+              <a:prstClr val="black">
+                <a:alpha val="40000"/>
+              </a:prstClr>
+            </a:outerShdw>
+          </a:effectLst>
+        </p:spPr>
+        <p:style>
+          <a:lnRef idx="2">
+            <a:schemeClr val="accent1">
+              <a:shade val="50000"/>
+            </a:schemeClr>
+          </a:lnRef>
+          <a:fillRef idx="1">
+            <a:schemeClr val="accent1"/>
+          </a:fillRef>
+          <a:effectRef idx="0">
+            <a:schemeClr val="accent1"/>
+          </a:effectRef>
+          <a:fontRef idx="minor">
+            <a:schemeClr val="lt1"/>
+          </a:fontRef>
+        </p:style>
+        <p:txBody>
+          <a:bodyPr rtlCol="0" anchor="ctr"/>
+          <a:lstStyle/>
+          <a:p>
+            <a:pPr algn="ctr"/>
+            <a:r>
+              <a:rPr lang="en-US" sz="1400" dirty="0"/>
+              <a:t>TMU</a:t>
+            </a:r>
+          </a:p>
+        </p:txBody>
+      </p:sp>
+      <p:sp>
+        <p:nvSpPr>
+          <p:cNvPr id="9" name="Rectangle 65">
+            <a:extLst>
+              <a:ext uri="{FF2B5EF4-FFF2-40B4-BE49-F238E27FC236}">
+                <a16:creationId xmlns:a16="http://schemas.microsoft.com/office/drawing/2014/main" id="{4697D502-C568-44DC-93A0-8BD1149D2CBA}"/>
+              </a:ext>
+            </a:extLst>
+          </p:cNvPr>
+          <p:cNvSpPr/>
+          <p:nvPr/>
+        </p:nvSpPr>
+        <p:spPr>
+          <a:xfrm flipH="1">
+            <a:off x="8402356" y="936000"/>
+            <a:ext cx="731520" cy="274320"/>
+          </a:xfrm>
+          <a:prstGeom prst="rect">
+            <a:avLst/>
+          </a:prstGeom>
+          <a:solidFill>
+            <a:schemeClr val="tx2"/>
+          </a:solidFill>
+          <a:ln>
+            <a:noFill/>
+          </a:ln>
+          <a:effectLst>
+            <a:outerShdw blurRad="50800" dist="38100" dir="2700000" algn="tl" rotWithShape="0">
+              <a:prstClr val="black">
+                <a:alpha val="40000"/>
+              </a:prstClr>
+            </a:outerShdw>
+          </a:effectLst>
+        </p:spPr>
+        <p:style>
+          <a:lnRef idx="2">
+            <a:schemeClr val="accent1">
+              <a:shade val="50000"/>
+            </a:schemeClr>
+          </a:lnRef>
+          <a:fillRef idx="1">
+            <a:schemeClr val="accent1"/>
+          </a:fillRef>
+          <a:effectRef idx="0">
+            <a:schemeClr val="accent1"/>
+          </a:effectRef>
+          <a:fontRef idx="minor">
+            <a:schemeClr val="lt1"/>
+          </a:fontRef>
+        </p:style>
+        <p:txBody>
+          <a:bodyPr rtlCol="0" anchor="ctr"/>
+          <a:lstStyle/>
+          <a:p>
+            <a:pPr algn="ctr"/>
+            <a:r>
+              <a:rPr lang="en-US" sz="1400" dirty="0"/>
+              <a:t>RWDT</a:t>
+            </a:r>
+          </a:p>
+        </p:txBody>
+      </p:sp>
+      <p:sp>
+        <p:nvSpPr>
+          <p:cNvPr id="10" name="Rectangle 65">
+            <a:extLst>
+              <a:ext uri="{FF2B5EF4-FFF2-40B4-BE49-F238E27FC236}">
+                <a16:creationId xmlns:a16="http://schemas.microsoft.com/office/drawing/2014/main" id="{80551A04-DB34-4F7B-834F-E434D2132175}"/>
+              </a:ext>
+            </a:extLst>
+          </p:cNvPr>
+          <p:cNvSpPr/>
+          <p:nvPr/>
+        </p:nvSpPr>
+        <p:spPr>
+          <a:xfrm flipH="1">
+            <a:off x="6881432" y="936000"/>
+            <a:ext cx="731520" cy="274320"/>
+          </a:xfrm>
+          <a:prstGeom prst="rect">
+            <a:avLst/>
+          </a:prstGeom>
+          <a:solidFill>
+            <a:schemeClr val="tx2"/>
+          </a:solidFill>
+          <a:ln>
+            <a:noFill/>
+          </a:ln>
+          <a:effectLst>
+            <a:outerShdw blurRad="50800" dist="38100" dir="2700000" algn="tl" rotWithShape="0">
+              <a:prstClr val="black">
+                <a:alpha val="40000"/>
+              </a:prstClr>
+            </a:outerShdw>
+          </a:effectLst>
+        </p:spPr>
+        <p:style>
+          <a:lnRef idx="2">
+            <a:schemeClr val="accent1">
+              <a:shade val="50000"/>
+            </a:schemeClr>
+          </a:lnRef>
+          <a:fillRef idx="1">
+            <a:schemeClr val="accent1"/>
+          </a:fillRef>
+          <a:effectRef idx="0">
+            <a:schemeClr val="accent1"/>
+          </a:effectRef>
+          <a:fontRef idx="minor">
+            <a:schemeClr val="lt1"/>
+          </a:fontRef>
+        </p:style>
+        <p:txBody>
+          <a:bodyPr rtlCol="0" anchor="ctr"/>
+          <a:lstStyle/>
+          <a:p>
+            <a:pPr algn="ctr"/>
+            <a:r>
+              <a:rPr lang="en-US" sz="1400" dirty="0"/>
+              <a:t>TPU</a:t>
+            </a:r>
+          </a:p>
+        </p:txBody>
+      </p:sp>
+      <p:sp>
+        <p:nvSpPr>
+          <p:cNvPr id="18" name="Rectangle 65">
+            <a:extLst>
+              <a:ext uri="{FF2B5EF4-FFF2-40B4-BE49-F238E27FC236}">
+                <a16:creationId xmlns:a16="http://schemas.microsoft.com/office/drawing/2014/main" id="{EDF18BEF-CF4F-4625-AE11-F97B80F403D4}"/>
+              </a:ext>
+            </a:extLst>
+          </p:cNvPr>
+          <p:cNvSpPr/>
+          <p:nvPr/>
+        </p:nvSpPr>
+        <p:spPr>
+          <a:xfrm flipH="1">
+            <a:off x="9162818" y="1242038"/>
+            <a:ext cx="731520" cy="274320"/>
+          </a:xfrm>
+          <a:prstGeom prst="rect">
+            <a:avLst/>
+          </a:prstGeom>
+          <a:solidFill>
+            <a:schemeClr val="tx2"/>
+          </a:solidFill>
+          <a:ln>
+            <a:noFill/>
+          </a:ln>
+          <a:effectLst>
+            <a:outerShdw blurRad="50800" dist="38100" dir="2700000" algn="tl" rotWithShape="0">
+              <a:prstClr val="black">
+                <a:alpha val="40000"/>
+              </a:prstClr>
+            </a:outerShdw>
+          </a:effectLst>
+        </p:spPr>
+        <p:style>
+          <a:lnRef idx="2">
+            <a:schemeClr val="accent1">
+              <a:shade val="50000"/>
+            </a:schemeClr>
+          </a:lnRef>
+          <a:fillRef idx="1">
+            <a:schemeClr val="accent1"/>
+          </a:fillRef>
+          <a:effectRef idx="0">
+            <a:schemeClr val="accent1"/>
+          </a:effectRef>
+          <a:fontRef idx="minor">
+            <a:schemeClr val="lt1"/>
+          </a:fontRef>
+        </p:style>
+        <p:txBody>
+          <a:bodyPr rtlCol="0" anchor="ctr"/>
+          <a:lstStyle/>
+          <a:p>
+            <a:pPr algn="ctr"/>
+            <a:r>
+              <a:rPr lang="en-US" sz="1400" dirty="0"/>
+              <a:t>SWDT</a:t>
+            </a:r>
+          </a:p>
+        </p:txBody>
+      </p:sp>
+      <p:sp>
+        <p:nvSpPr>
+          <p:cNvPr id="19" name="Rectangle 65">
+            <a:extLst>
+              <a:ext uri="{FF2B5EF4-FFF2-40B4-BE49-F238E27FC236}">
+                <a16:creationId xmlns:a16="http://schemas.microsoft.com/office/drawing/2014/main" id="{BB6B9935-B1E7-45AE-BD36-7B98334067F1}"/>
+              </a:ext>
+            </a:extLst>
+          </p:cNvPr>
+          <p:cNvSpPr/>
+          <p:nvPr/>
+        </p:nvSpPr>
+        <p:spPr>
+          <a:xfrm flipH="1">
+            <a:off x="7641894" y="1242038"/>
+            <a:ext cx="731520" cy="274320"/>
+          </a:xfrm>
+          <a:prstGeom prst="rect">
+            <a:avLst/>
+          </a:prstGeom>
+          <a:solidFill>
+            <a:schemeClr val="tx2"/>
+          </a:solidFill>
+          <a:ln>
+            <a:noFill/>
+          </a:ln>
+          <a:effectLst>
+            <a:outerShdw blurRad="50800" dist="38100" dir="2700000" algn="tl" rotWithShape="0">
+              <a:prstClr val="black">
+                <a:alpha val="40000"/>
+              </a:prstClr>
+            </a:outerShdw>
+          </a:effectLst>
+        </p:spPr>
+        <p:style>
+          <a:lnRef idx="2">
+            <a:schemeClr val="accent1">
+              <a:shade val="50000"/>
+            </a:schemeClr>
+          </a:lnRef>
+          <a:fillRef idx="1">
+            <a:schemeClr val="accent1"/>
+          </a:fillRef>
+          <a:effectRef idx="0">
+            <a:schemeClr val="accent1"/>
+          </a:effectRef>
+          <a:fontRef idx="minor">
+            <a:schemeClr val="lt1"/>
+          </a:fontRef>
+        </p:style>
+        <p:txBody>
+          <a:bodyPr rtlCol="0" anchor="ctr"/>
+          <a:lstStyle/>
+          <a:p>
+            <a:pPr algn="ctr"/>
+            <a:r>
+              <a:rPr lang="en-US" sz="1400" dirty="0"/>
+              <a:t>TMU</a:t>
+            </a:r>
+          </a:p>
+        </p:txBody>
+      </p:sp>
+      <p:sp>
+        <p:nvSpPr>
+          <p:cNvPr id="20" name="Rectangle 65">
+            <a:extLst>
+              <a:ext uri="{FF2B5EF4-FFF2-40B4-BE49-F238E27FC236}">
+                <a16:creationId xmlns:a16="http://schemas.microsoft.com/office/drawing/2014/main" id="{204EADB6-04DC-4F95-A8B4-7B0BBCB01FDB}"/>
+              </a:ext>
+            </a:extLst>
+          </p:cNvPr>
+          <p:cNvSpPr/>
+          <p:nvPr/>
+        </p:nvSpPr>
+        <p:spPr>
+          <a:xfrm flipH="1">
+            <a:off x="8402356" y="1242038"/>
+            <a:ext cx="731520" cy="274320"/>
+          </a:xfrm>
+          <a:prstGeom prst="rect">
+            <a:avLst/>
+          </a:prstGeom>
+          <a:solidFill>
+            <a:schemeClr val="tx2"/>
+          </a:solidFill>
+          <a:ln>
+            <a:noFill/>
+          </a:ln>
+          <a:effectLst>
+            <a:outerShdw blurRad="50800" dist="38100" dir="2700000" algn="tl" rotWithShape="0">
+              <a:prstClr val="black">
+                <a:alpha val="40000"/>
+              </a:prstClr>
+            </a:outerShdw>
+          </a:effectLst>
+        </p:spPr>
+        <p:style>
+          <a:lnRef idx="2">
+            <a:schemeClr val="accent1">
+              <a:shade val="50000"/>
+            </a:schemeClr>
+          </a:lnRef>
+          <a:fillRef idx="1">
+            <a:schemeClr val="accent1"/>
+          </a:fillRef>
+          <a:effectRef idx="0">
+            <a:schemeClr val="accent1"/>
+          </a:effectRef>
+          <a:fontRef idx="minor">
+            <a:schemeClr val="lt1"/>
+          </a:fontRef>
+        </p:style>
+        <p:txBody>
+          <a:bodyPr rtlCol="0" anchor="ctr"/>
+          <a:lstStyle/>
+          <a:p>
+            <a:pPr algn="ctr"/>
+            <a:r>
+              <a:rPr lang="en-US" sz="1400" dirty="0"/>
+              <a:t>RWDT</a:t>
+            </a:r>
+          </a:p>
+        </p:txBody>
+      </p:sp>
+      <p:sp>
+        <p:nvSpPr>
+          <p:cNvPr id="23" name="Rectangle 65">
+            <a:extLst>
+              <a:ext uri="{FF2B5EF4-FFF2-40B4-BE49-F238E27FC236}">
+                <a16:creationId xmlns:a16="http://schemas.microsoft.com/office/drawing/2014/main" id="{95E64215-285F-4B1C-B1E5-CD951EEB9F50}"/>
+              </a:ext>
+            </a:extLst>
+          </p:cNvPr>
+          <p:cNvSpPr/>
+          <p:nvPr/>
+        </p:nvSpPr>
+        <p:spPr>
+          <a:xfrm flipH="1">
+            <a:off x="6881432" y="1242038"/>
+            <a:ext cx="731520" cy="274320"/>
+          </a:xfrm>
+          <a:prstGeom prst="rect">
+            <a:avLst/>
+          </a:prstGeom>
+          <a:solidFill>
+            <a:schemeClr val="tx2"/>
+          </a:solidFill>
+          <a:ln>
+            <a:noFill/>
+          </a:ln>
+          <a:effectLst>
+            <a:outerShdw blurRad="50800" dist="38100" dir="2700000" algn="tl" rotWithShape="0">
+              <a:prstClr val="black">
+                <a:alpha val="40000"/>
+              </a:prstClr>
+            </a:outerShdw>
+          </a:effectLst>
+        </p:spPr>
+        <p:style>
+          <a:lnRef idx="2">
+            <a:schemeClr val="accent1">
+              <a:shade val="50000"/>
+            </a:schemeClr>
+          </a:lnRef>
+          <a:fillRef idx="1">
+            <a:schemeClr val="accent1"/>
+          </a:fillRef>
+          <a:effectRef idx="0">
+            <a:schemeClr val="accent1"/>
+          </a:effectRef>
+          <a:fontRef idx="minor">
+            <a:schemeClr val="lt1"/>
+          </a:fontRef>
+        </p:style>
+        <p:txBody>
+          <a:bodyPr rtlCol="0" anchor="ctr"/>
+          <a:lstStyle/>
+          <a:p>
+            <a:pPr algn="ctr"/>
+            <a:r>
+              <a:rPr lang="en-US" sz="1400" dirty="0"/>
+              <a:t>TPU</a:t>
             </a:r>
           </a:p>
         </p:txBody>
@@ -21980,15 +22111,7 @@
           <a:p>
             <a:r>
               <a:rPr lang="en-US" dirty="0"/>
-              <a:t>FUCNTIONAL DESIGN – 2</a:t>
-            </a:r>
-            <a:r>
-              <a:rPr lang="en-US" baseline="30000" dirty="0"/>
-              <a:t>nd</a:t>
-            </a:r>
-            <a:r>
-              <a:rPr lang="en-US" dirty="0"/>
-              <a:t> year target</a:t>
+              <a:t>FUCNTIONAL DESIGN</a:t>
             </a:r>
           </a:p>
         </p:txBody>
@@ -22030,10 +22153,10 @@
       </p:sp>
       <p:sp>
         <p:nvSpPr>
-          <p:cNvPr id="8" name="Rectangle 64">
+          <p:cNvPr id="12" name="Rectangle 64">
             <a:extLst>
               <a:ext uri="{FF2B5EF4-FFF2-40B4-BE49-F238E27FC236}">
-                <a16:creationId xmlns:a16="http://schemas.microsoft.com/office/drawing/2014/main" id="{1CAF686C-CC39-4469-9941-ED9976736777}"/>
+                <a16:creationId xmlns:a16="http://schemas.microsoft.com/office/drawing/2014/main" id="{220FBE3A-B4B4-4F06-BBC8-32B9B590D1D9}"/>
               </a:ext>
             </a:extLst>
           </p:cNvPr>
@@ -22041,8 +22164,8 @@
           <p:nvPr/>
         </p:nvSpPr>
         <p:spPr>
-          <a:xfrm>
-            <a:off x="9600000" y="1379198"/>
+          <a:xfrm flipH="1">
+            <a:off x="9923280" y="936000"/>
             <a:ext cx="1188720" cy="274320"/>
           </a:xfrm>
           <a:prstGeom prst="rect">
@@ -22085,17 +22208,17 @@
             <a:pPr algn="ctr"/>
             <a:r>
               <a:rPr lang="en-US" sz="1400" dirty="0"/>
-              <a:t>R-Car 4</a:t>
-            </a:r>
-          </a:p>
-        </p:txBody>
-      </p:sp>
-      <p:sp>
-        <p:nvSpPr>
-          <p:cNvPr id="9" name="Rectangle 65">
+              <a:t>R-Car Gen 4</a:t>
+            </a:r>
+          </a:p>
+        </p:txBody>
+      </p:sp>
+      <p:sp>
+        <p:nvSpPr>
+          <p:cNvPr id="13" name="Rectangle 65">
             <a:extLst>
               <a:ext uri="{FF2B5EF4-FFF2-40B4-BE49-F238E27FC236}">
-                <a16:creationId xmlns:a16="http://schemas.microsoft.com/office/drawing/2014/main" id="{A08318A1-C2E2-4A31-8F70-FE04A9FBB6CB}"/>
+                <a16:creationId xmlns:a16="http://schemas.microsoft.com/office/drawing/2014/main" id="{2CF094B4-9D80-4AB2-8AA3-9689095A880B}"/>
               </a:ext>
             </a:extLst>
           </p:cNvPr>
@@ -22103,8 +22226,8 @@
           <p:nvPr/>
         </p:nvSpPr>
         <p:spPr>
-          <a:xfrm>
-            <a:off x="10842735" y="1379198"/>
+          <a:xfrm flipH="1">
+            <a:off x="9162818" y="936000"/>
             <a:ext cx="731520" cy="274320"/>
           </a:xfrm>
           <a:prstGeom prst="rect">
@@ -22154,10 +22277,10 @@
       </p:sp>
       <p:sp>
         <p:nvSpPr>
-          <p:cNvPr id="10" name="Rectangle 65">
+          <p:cNvPr id="14" name="Rectangle 65">
             <a:extLst>
               <a:ext uri="{FF2B5EF4-FFF2-40B4-BE49-F238E27FC236}">
-                <a16:creationId xmlns:a16="http://schemas.microsoft.com/office/drawing/2014/main" id="{8D36F5C3-9A49-4074-B85E-229C8997EFA8}"/>
+                <a16:creationId xmlns:a16="http://schemas.microsoft.com/office/drawing/2014/main" id="{EC552389-C9E8-41F3-8468-9E247E1A72C1}"/>
               </a:ext>
             </a:extLst>
           </p:cNvPr>
@@ -22165,8 +22288,8 @@
           <p:nvPr/>
         </p:nvSpPr>
         <p:spPr>
-          <a:xfrm>
-            <a:off x="10842735" y="1702574"/>
+          <a:xfrm flipH="1">
+            <a:off x="7641894" y="936000"/>
             <a:ext cx="731520" cy="274320"/>
           </a:xfrm>
           <a:prstGeom prst="rect">
@@ -22209,17 +22332,17 @@
             <a:pPr algn="ctr"/>
             <a:r>
               <a:rPr lang="en-US" sz="1400" dirty="0"/>
-              <a:t>GYRO</a:t>
-            </a:r>
-          </a:p>
-        </p:txBody>
-      </p:sp>
-      <p:sp>
-        <p:nvSpPr>
-          <p:cNvPr id="11" name="Rectangle 65">
+              <a:t>TBD</a:t>
+            </a:r>
+          </a:p>
+        </p:txBody>
+      </p:sp>
+      <p:sp>
+        <p:nvSpPr>
+          <p:cNvPr id="15" name="Rectangle 65">
             <a:extLst>
               <a:ext uri="{FF2B5EF4-FFF2-40B4-BE49-F238E27FC236}">
-                <a16:creationId xmlns:a16="http://schemas.microsoft.com/office/drawing/2014/main" id="{5873843B-38A2-421B-8C23-403A8838FB8F}"/>
+                <a16:creationId xmlns:a16="http://schemas.microsoft.com/office/drawing/2014/main" id="{C496B93B-814D-407F-95E4-0F53B20A22F3}"/>
               </a:ext>
             </a:extLst>
           </p:cNvPr>
@@ -22227,8 +22350,8 @@
           <p:nvPr/>
         </p:nvSpPr>
         <p:spPr>
-          <a:xfrm>
-            <a:off x="10842735" y="2025950"/>
+          <a:xfrm flipH="1">
+            <a:off x="8402356" y="936000"/>
             <a:ext cx="731520" cy="274320"/>
           </a:xfrm>
           <a:prstGeom prst="rect">
@@ -22271,7 +22394,7 @@
             <a:pPr algn="ctr"/>
             <a:r>
               <a:rPr lang="en-US" sz="1400" dirty="0"/>
-              <a:t>TBD</a:t>
+              <a:t>GYRO</a:t>
             </a:r>
           </a:p>
         </p:txBody>
@@ -23020,7 +23143,12 @@
             <p:ph type="title"/>
           </p:nvPr>
         </p:nvSpPr>
-        <p:spPr/>
+        <p:spPr>
+          <a:xfrm>
+            <a:off x="1080000" y="936000"/>
+            <a:ext cx="8520000" cy="443198"/>
+          </a:xfrm>
+        </p:spPr>
         <p:txBody>
           <a:bodyPr/>
           <a:lstStyle/>
@@ -23077,10 +23205,10 @@
       </p:sp>
       <p:sp>
         <p:nvSpPr>
-          <p:cNvPr id="5" name="Rectangle 64">
+          <p:cNvPr id="15" name="Rectangle 65">
             <a:extLst>
               <a:ext uri="{FF2B5EF4-FFF2-40B4-BE49-F238E27FC236}">
-                <a16:creationId xmlns:a16="http://schemas.microsoft.com/office/drawing/2014/main" id="{9103C590-9D24-4B08-B256-4652EF33C1A3}"/>
+                <a16:creationId xmlns:a16="http://schemas.microsoft.com/office/drawing/2014/main" id="{91CC5E65-B111-4898-9277-14D29022C4DF}"/>
               </a:ext>
             </a:extLst>
           </p:cNvPr>
@@ -23088,8 +23216,8 @@
           <p:nvPr/>
         </p:nvSpPr>
         <p:spPr>
-          <a:xfrm>
-            <a:off x="9600000" y="1379198"/>
+          <a:xfrm flipH="1">
+            <a:off x="9923280" y="936000"/>
             <a:ext cx="1188720" cy="274320"/>
           </a:xfrm>
           <a:prstGeom prst="rect">
@@ -23130,16 +23258,19 @@
           <a:lstStyle/>
           <a:p>
             <a:pPr algn="ctr"/>
-            <a:endParaRPr lang="en-US" sz="1400" dirty="0"/>
-          </a:p>
-        </p:txBody>
-      </p:sp>
-      <p:sp>
-        <p:nvSpPr>
-          <p:cNvPr id="6" name="Rectangle 65">
+            <a:r>
+              <a:rPr lang="en-US" sz="1400" dirty="0"/>
+              <a:t>M3W-ES3.0</a:t>
+            </a:r>
+          </a:p>
+        </p:txBody>
+      </p:sp>
+      <p:sp>
+        <p:nvSpPr>
+          <p:cNvPr id="21" name="Rectangle 65">
             <a:extLst>
               <a:ext uri="{FF2B5EF4-FFF2-40B4-BE49-F238E27FC236}">
-                <a16:creationId xmlns:a16="http://schemas.microsoft.com/office/drawing/2014/main" id="{75302AAA-3B39-4E1C-B110-99816A6C6B53}"/>
+                <a16:creationId xmlns:a16="http://schemas.microsoft.com/office/drawing/2014/main" id="{15CE529C-325C-4007-ACBC-75733367074D}"/>
               </a:ext>
             </a:extLst>
           </p:cNvPr>
@@ -23147,8 +23278,8 @@
           <p:nvPr/>
         </p:nvSpPr>
         <p:spPr>
-          <a:xfrm>
-            <a:off x="10842735" y="1379198"/>
+          <a:xfrm flipH="1">
+            <a:off x="9162818" y="936000"/>
             <a:ext cx="731520" cy="274320"/>
           </a:xfrm>
           <a:prstGeom prst="rect">
@@ -23189,16 +23320,19 @@
           <a:lstStyle/>
           <a:p>
             <a:pPr algn="ctr"/>
-            <a:endParaRPr lang="en-US" sz="1400" dirty="0"/>
-          </a:p>
-        </p:txBody>
-      </p:sp>
-      <p:sp>
-        <p:nvSpPr>
-          <p:cNvPr id="7" name="Rectangle 65">
+            <a:r>
+              <a:rPr lang="en-US" sz="1400" dirty="0"/>
+              <a:t>I2C</a:t>
+            </a:r>
+          </a:p>
+        </p:txBody>
+      </p:sp>
+      <p:sp>
+        <p:nvSpPr>
+          <p:cNvPr id="22" name="Rectangle 65">
             <a:extLst>
               <a:ext uri="{FF2B5EF4-FFF2-40B4-BE49-F238E27FC236}">
-                <a16:creationId xmlns:a16="http://schemas.microsoft.com/office/drawing/2014/main" id="{CC9DDA64-4FAC-4BDF-8833-E04B4E524DD3}"/>
+                <a16:creationId xmlns:a16="http://schemas.microsoft.com/office/drawing/2014/main" id="{AA6FCB8A-26A1-4809-BCD3-37E2F968FAB5}"/>
               </a:ext>
             </a:extLst>
           </p:cNvPr>
@@ -23206,9 +23340,9 @@
           <p:nvPr/>
         </p:nvSpPr>
         <p:spPr>
-          <a:xfrm>
-            <a:off x="10842735" y="1702574"/>
-            <a:ext cx="731520" cy="274320"/>
+          <a:xfrm flipH="1">
+            <a:off x="7641894" y="936000"/>
+            <a:ext cx="1491982" cy="274320"/>
           </a:xfrm>
           <a:prstGeom prst="rect">
             <a:avLst/>
@@ -23248,66 +23382,10 @@
           <a:lstStyle/>
           <a:p>
             <a:pPr algn="ctr"/>
-            <a:endParaRPr lang="en-US" sz="1400" dirty="0"/>
-          </a:p>
-        </p:txBody>
-      </p:sp>
-      <p:sp>
-        <p:nvSpPr>
-          <p:cNvPr id="8" name="Rectangle 65">
-            <a:extLst>
-              <a:ext uri="{FF2B5EF4-FFF2-40B4-BE49-F238E27FC236}">
-                <a16:creationId xmlns:a16="http://schemas.microsoft.com/office/drawing/2014/main" id="{C0D3F92B-7385-4C70-9BCA-7D99515A17EA}"/>
-              </a:ext>
-            </a:extLst>
-          </p:cNvPr>
-          <p:cNvSpPr/>
-          <p:nvPr/>
-        </p:nvSpPr>
-        <p:spPr>
-          <a:xfrm>
-            <a:off x="10842735" y="2025950"/>
-            <a:ext cx="731520" cy="274320"/>
-          </a:xfrm>
-          <a:prstGeom prst="rect">
-            <a:avLst/>
-          </a:prstGeom>
-          <a:solidFill>
-            <a:schemeClr val="tx2"/>
-          </a:solidFill>
-          <a:ln>
-            <a:noFill/>
-          </a:ln>
-          <a:effectLst>
-            <a:outerShdw blurRad="50800" dist="38100" dir="2700000" algn="tl" rotWithShape="0">
-              <a:prstClr val="black">
-                <a:alpha val="40000"/>
-              </a:prstClr>
-            </a:outerShdw>
-          </a:effectLst>
-        </p:spPr>
-        <p:style>
-          <a:lnRef idx="2">
-            <a:schemeClr val="accent1">
-              <a:shade val="50000"/>
-            </a:schemeClr>
-          </a:lnRef>
-          <a:fillRef idx="1">
-            <a:schemeClr val="accent1"/>
-          </a:fillRef>
-          <a:effectRef idx="0">
-            <a:schemeClr val="accent1"/>
-          </a:effectRef>
-          <a:fontRef idx="minor">
-            <a:schemeClr val="lt1"/>
-          </a:fontRef>
-        </p:style>
-        <p:txBody>
-          <a:bodyPr rtlCol="0" anchor="ctr"/>
-          <a:lstStyle/>
-          <a:p>
-            <a:pPr algn="ctr"/>
-            <a:endParaRPr lang="en-US" sz="1400" dirty="0"/>
+            <a:r>
+              <a:rPr lang="en-US" sz="1400" dirty="0"/>
+              <a:t>IIC-DVFS</a:t>
+            </a:r>
           </a:p>
         </p:txBody>
       </p:sp>
@@ -24211,15 +24289,7 @@
           <a:p>
             <a:r>
               <a:rPr lang="en-US" dirty="0"/>
-              <a:t>FUNCTIONAL DESIGN – 1</a:t>
-            </a:r>
-            <a:r>
-              <a:rPr lang="en-US" baseline="30000" dirty="0"/>
-              <a:t>st</a:t>
-            </a:r>
-            <a:r>
-              <a:rPr lang="en-US" dirty="0"/>
-              <a:t> year result</a:t>
+              <a:t>FUNCTIONAL DESIGN</a:t>
             </a:r>
           </a:p>
         </p:txBody>
@@ -24266,8 +24336,8 @@
           <p:nvPr/>
         </p:nvSpPr>
         <p:spPr>
-          <a:xfrm>
-            <a:off x="9497588" y="1379198"/>
+          <a:xfrm flipH="1">
+            <a:off x="9923280" y="936000"/>
             <a:ext cx="1188720" cy="274320"/>
           </a:xfrm>
           <a:prstGeom prst="rect">
@@ -24328,8 +24398,8 @@
           <p:nvPr/>
         </p:nvSpPr>
         <p:spPr>
-          <a:xfrm>
-            <a:off x="10741761" y="1379198"/>
+          <a:xfrm flipH="1">
+            <a:off x="9136307" y="936000"/>
             <a:ext cx="731520" cy="274320"/>
           </a:xfrm>
           <a:prstGeom prst="rect">
@@ -24860,15 +24930,7 @@
           <a:p>
             <a:r>
               <a:rPr lang="en-US" dirty="0"/>
-              <a:t>FUNCTIONAL DESIGN – 1</a:t>
-            </a:r>
-            <a:r>
-              <a:rPr lang="en-US" baseline="30000" dirty="0"/>
-              <a:t>st</a:t>
-            </a:r>
-            <a:r>
-              <a:rPr lang="en-US" dirty="0"/>
-              <a:t> year result</a:t>
+              <a:t>FUNCTIONAL DESIGN</a:t>
             </a:r>
           </a:p>
         </p:txBody>
@@ -24916,7 +24978,7 @@
         </p:nvGrpSpPr>
         <p:grpSpPr>
           <a:xfrm>
-            <a:off x="9841595" y="922877"/>
+            <a:off x="10057200" y="936000"/>
             <a:ext cx="1050700" cy="738664"/>
             <a:chOff x="9706827" y="788267"/>
             <a:chExt cx="1050700" cy="738664"/>
@@ -26898,8 +26960,8 @@
         </p:nvSpPr>
         <p:spPr>
           <a:xfrm>
-            <a:off x="9746445" y="5028937"/>
-            <a:ext cx="1390124" cy="646331"/>
+            <a:off x="9799345" y="5028937"/>
+            <a:ext cx="1284326" cy="523220"/>
           </a:xfrm>
           <a:prstGeom prst="rect">
             <a:avLst/>
@@ -26914,18 +26976,7 @@
           <a:p>
             <a:pPr algn="ctr"/>
             <a:r>
-              <a:rPr lang="en-US" b="1" dirty="0">
-                <a:solidFill>
-                  <a:schemeClr val="accent4"/>
-                </a:solidFill>
-              </a:rPr>
-              <a:t>ARCHIVED</a:t>
-            </a:r>
-          </a:p>
-          <a:p>
-            <a:pPr algn="ctr"/>
-            <a:r>
-              <a:rPr lang="en-US" b="1" dirty="0">
+              <a:rPr lang="en-US" sz="2800" b="1" dirty="0">
                 <a:solidFill>
                   <a:srgbClr val="FF0000"/>
                 </a:solidFill>
@@ -26933,17 +26984,18 @@
               <a:t>1.8</a:t>
             </a:r>
             <a:r>
-              <a:rPr lang="en-US" b="1" dirty="0"/>
-              <a:t>/</a:t>
-            </a:r>
-            <a:r>
-              <a:rPr lang="en-US" b="1" dirty="0">
+              <a:rPr lang="en-US" sz="2800" b="1" dirty="0">
                 <a:solidFill>
                   <a:schemeClr val="tx2"/>
                 </a:solidFill>
               </a:rPr>
-              <a:t>1.5</a:t>
-            </a:r>
+              <a:t>/1.5</a:t>
+            </a:r>
+            <a:endParaRPr lang="en-US" b="1" dirty="0">
+              <a:solidFill>
+                <a:schemeClr val="tx2"/>
+              </a:solidFill>
+            </a:endParaRPr>
           </a:p>
         </p:txBody>
       </p:sp>
@@ -26987,22 +27039,19 @@
             <p:ph type="title"/>
           </p:nvPr>
         </p:nvSpPr>
-        <p:spPr/>
+        <p:spPr>
+          <a:xfrm>
+            <a:off x="1080000" y="936000"/>
+            <a:ext cx="8520000" cy="443198"/>
+          </a:xfrm>
+        </p:spPr>
         <p:txBody>
           <a:bodyPr/>
           <a:lstStyle/>
           <a:p>
             <a:r>
               <a:rPr lang="en-US" dirty="0"/>
-              <a:t>LOGIC DESIGN – 1</a:t>
-            </a:r>
-            <a:r>
-              <a:rPr lang="en-US" baseline="30000" dirty="0"/>
-              <a:t>st</a:t>
-            </a:r>
-            <a:r>
-              <a:rPr lang="en-US" dirty="0"/>
-              <a:t> year result</a:t>
+              <a:t>LOGIC DESIGN</a:t>
             </a:r>
           </a:p>
         </p:txBody>
@@ -27038,13 +27087,19 @@
       </p:sp>
       <p:sp>
         <p:nvSpPr>
-          <p:cNvPr id="8" name="Rectangle 7"/>
+          <p:cNvPr id="14" name="Rectangle 65">
+            <a:extLst>
+              <a:ext uri="{FF2B5EF4-FFF2-40B4-BE49-F238E27FC236}">
+                <a16:creationId xmlns:a16="http://schemas.microsoft.com/office/drawing/2014/main" id="{AA4513F4-801C-4D2A-AB44-CAE5F0B3A8B3}"/>
+              </a:ext>
+            </a:extLst>
+          </p:cNvPr>
           <p:cNvSpPr/>
           <p:nvPr/>
         </p:nvSpPr>
         <p:spPr>
           <a:xfrm>
-            <a:off x="9600000" y="1379198"/>
+            <a:off x="9923280" y="1242038"/>
             <a:ext cx="1188720" cy="274320"/>
           </a:xfrm>
           <a:prstGeom prst="rect">
@@ -27087,372 +27142,6 @@
             <a:pPr algn="ctr"/>
             <a:r>
               <a:rPr lang="en-US" sz="1400" dirty="0"/>
-              <a:t>M3W-ES3.0</a:t>
-            </a:r>
-          </a:p>
-        </p:txBody>
-      </p:sp>
-      <p:sp>
-        <p:nvSpPr>
-          <p:cNvPr id="9" name="Rectangle 8"/>
-          <p:cNvSpPr/>
-          <p:nvPr/>
-        </p:nvSpPr>
-        <p:spPr>
-          <a:xfrm>
-            <a:off x="9600000" y="1698123"/>
-            <a:ext cx="1188720" cy="274320"/>
-          </a:xfrm>
-          <a:prstGeom prst="rect">
-            <a:avLst/>
-          </a:prstGeom>
-          <a:solidFill>
-            <a:schemeClr val="tx1"/>
-          </a:solidFill>
-          <a:ln>
-            <a:noFill/>
-          </a:ln>
-          <a:effectLst>
-            <a:outerShdw blurRad="50800" dist="38100" dir="2700000" algn="tl" rotWithShape="0">
-              <a:prstClr val="black">
-                <a:alpha val="40000"/>
-              </a:prstClr>
-            </a:outerShdw>
-          </a:effectLst>
-        </p:spPr>
-        <p:style>
-          <a:lnRef idx="2">
-            <a:schemeClr val="accent1">
-              <a:shade val="50000"/>
-            </a:schemeClr>
-          </a:lnRef>
-          <a:fillRef idx="1">
-            <a:schemeClr val="accent1"/>
-          </a:fillRef>
-          <a:effectRef idx="0">
-            <a:schemeClr val="accent1"/>
-          </a:effectRef>
-          <a:fontRef idx="minor">
-            <a:schemeClr val="lt1"/>
-          </a:fontRef>
-        </p:style>
-        <p:txBody>
-          <a:bodyPr rtlCol="0" anchor="ctr"/>
-          <a:lstStyle/>
-          <a:p>
-            <a:pPr algn="ctr"/>
-            <a:r>
-              <a:rPr lang="en-US" sz="1400" dirty="0"/>
-              <a:t>D3-ES1.1</a:t>
-            </a:r>
-          </a:p>
-        </p:txBody>
-      </p:sp>
-      <p:sp>
-        <p:nvSpPr>
-          <p:cNvPr id="10" name="Rectangle 65">
-            <a:extLst>
-              <a:ext uri="{FF2B5EF4-FFF2-40B4-BE49-F238E27FC236}">
-                <a16:creationId xmlns:a16="http://schemas.microsoft.com/office/drawing/2014/main" id="{86BCF2D7-265B-428E-8E7B-B4770CD5F2D6}"/>
-              </a:ext>
-            </a:extLst>
-          </p:cNvPr>
-          <p:cNvSpPr/>
-          <p:nvPr/>
-        </p:nvSpPr>
-        <p:spPr>
-          <a:xfrm>
-            <a:off x="10842735" y="1379198"/>
-            <a:ext cx="731520" cy="274320"/>
-          </a:xfrm>
-          <a:prstGeom prst="rect">
-            <a:avLst/>
-          </a:prstGeom>
-          <a:solidFill>
-            <a:schemeClr val="tx2"/>
-          </a:solidFill>
-          <a:ln>
-            <a:noFill/>
-          </a:ln>
-          <a:effectLst>
-            <a:outerShdw blurRad="50800" dist="38100" dir="2700000" algn="tl" rotWithShape="0">
-              <a:prstClr val="black">
-                <a:alpha val="40000"/>
-              </a:prstClr>
-            </a:outerShdw>
-          </a:effectLst>
-        </p:spPr>
-        <p:style>
-          <a:lnRef idx="2">
-            <a:schemeClr val="accent1">
-              <a:shade val="50000"/>
-            </a:schemeClr>
-          </a:lnRef>
-          <a:fillRef idx="1">
-            <a:schemeClr val="accent1"/>
-          </a:fillRef>
-          <a:effectRef idx="0">
-            <a:schemeClr val="accent1"/>
-          </a:effectRef>
-          <a:fontRef idx="minor">
-            <a:schemeClr val="lt1"/>
-          </a:fontRef>
-        </p:style>
-        <p:txBody>
-          <a:bodyPr rtlCol="0" anchor="ctr"/>
-          <a:lstStyle/>
-          <a:p>
-            <a:pPr algn="ctr"/>
-            <a:r>
-              <a:rPr lang="en-US" sz="1400" dirty="0"/>
-              <a:t>SWDT</a:t>
-            </a:r>
-          </a:p>
-        </p:txBody>
-      </p:sp>
-      <p:sp>
-        <p:nvSpPr>
-          <p:cNvPr id="11" name="Rectangle 65">
-            <a:extLst>
-              <a:ext uri="{FF2B5EF4-FFF2-40B4-BE49-F238E27FC236}">
-                <a16:creationId xmlns:a16="http://schemas.microsoft.com/office/drawing/2014/main" id="{6E428CCA-6A2D-45E1-91D8-D9DF13D3FA8C}"/>
-              </a:ext>
-            </a:extLst>
-          </p:cNvPr>
-          <p:cNvSpPr/>
-          <p:nvPr/>
-        </p:nvSpPr>
-        <p:spPr>
-          <a:xfrm>
-            <a:off x="10842735" y="2025950"/>
-            <a:ext cx="731520" cy="274320"/>
-          </a:xfrm>
-          <a:prstGeom prst="rect">
-            <a:avLst/>
-          </a:prstGeom>
-          <a:solidFill>
-            <a:schemeClr val="tx2"/>
-          </a:solidFill>
-          <a:ln>
-            <a:noFill/>
-          </a:ln>
-          <a:effectLst>
-            <a:outerShdw blurRad="50800" dist="38100" dir="2700000" algn="tl" rotWithShape="0">
-              <a:prstClr val="black">
-                <a:alpha val="40000"/>
-              </a:prstClr>
-            </a:outerShdw>
-          </a:effectLst>
-        </p:spPr>
-        <p:style>
-          <a:lnRef idx="2">
-            <a:schemeClr val="accent1">
-              <a:shade val="50000"/>
-            </a:schemeClr>
-          </a:lnRef>
-          <a:fillRef idx="1">
-            <a:schemeClr val="accent1"/>
-          </a:fillRef>
-          <a:effectRef idx="0">
-            <a:schemeClr val="accent1"/>
-          </a:effectRef>
-          <a:fontRef idx="minor">
-            <a:schemeClr val="lt1"/>
-          </a:fontRef>
-        </p:style>
-        <p:txBody>
-          <a:bodyPr rtlCol="0" anchor="ctr"/>
-          <a:lstStyle/>
-          <a:p>
-            <a:pPr algn="ctr"/>
-            <a:r>
-              <a:rPr lang="en-US" sz="1400" dirty="0"/>
-              <a:t>TMU</a:t>
-            </a:r>
-          </a:p>
-        </p:txBody>
-      </p:sp>
-      <p:sp>
-        <p:nvSpPr>
-          <p:cNvPr id="12" name="Rectangle 65">
-            <a:extLst>
-              <a:ext uri="{FF2B5EF4-FFF2-40B4-BE49-F238E27FC236}">
-                <a16:creationId xmlns:a16="http://schemas.microsoft.com/office/drawing/2014/main" id="{4697D502-C568-44DC-93A0-8BD1149D2CBA}"/>
-              </a:ext>
-            </a:extLst>
-          </p:cNvPr>
-          <p:cNvSpPr/>
-          <p:nvPr/>
-        </p:nvSpPr>
-        <p:spPr>
-          <a:xfrm>
-            <a:off x="10842735" y="1702574"/>
-            <a:ext cx="731520" cy="274320"/>
-          </a:xfrm>
-          <a:prstGeom prst="rect">
-            <a:avLst/>
-          </a:prstGeom>
-          <a:solidFill>
-            <a:schemeClr val="tx2"/>
-          </a:solidFill>
-          <a:ln>
-            <a:noFill/>
-          </a:ln>
-          <a:effectLst>
-            <a:outerShdw blurRad="50800" dist="38100" dir="2700000" algn="tl" rotWithShape="0">
-              <a:prstClr val="black">
-                <a:alpha val="40000"/>
-              </a:prstClr>
-            </a:outerShdw>
-          </a:effectLst>
-        </p:spPr>
-        <p:style>
-          <a:lnRef idx="2">
-            <a:schemeClr val="accent1">
-              <a:shade val="50000"/>
-            </a:schemeClr>
-          </a:lnRef>
-          <a:fillRef idx="1">
-            <a:schemeClr val="accent1"/>
-          </a:fillRef>
-          <a:effectRef idx="0">
-            <a:schemeClr val="accent1"/>
-          </a:effectRef>
-          <a:fontRef idx="minor">
-            <a:schemeClr val="lt1"/>
-          </a:fontRef>
-        </p:style>
-        <p:txBody>
-          <a:bodyPr rtlCol="0" anchor="ctr"/>
-          <a:lstStyle/>
-          <a:p>
-            <a:pPr algn="ctr"/>
-            <a:r>
-              <a:rPr lang="en-US" sz="1400" dirty="0"/>
-              <a:t>RWDT</a:t>
-            </a:r>
-          </a:p>
-        </p:txBody>
-      </p:sp>
-      <p:sp>
-        <p:nvSpPr>
-          <p:cNvPr id="13" name="Rectangle 65">
-            <a:extLst>
-              <a:ext uri="{FF2B5EF4-FFF2-40B4-BE49-F238E27FC236}">
-                <a16:creationId xmlns:a16="http://schemas.microsoft.com/office/drawing/2014/main" id="{80551A04-DB34-4F7B-834F-E434D2132175}"/>
-              </a:ext>
-            </a:extLst>
-          </p:cNvPr>
-          <p:cNvSpPr/>
-          <p:nvPr/>
-        </p:nvSpPr>
-        <p:spPr>
-          <a:xfrm>
-            <a:off x="10842735" y="2349326"/>
-            <a:ext cx="731520" cy="274320"/>
-          </a:xfrm>
-          <a:prstGeom prst="rect">
-            <a:avLst/>
-          </a:prstGeom>
-          <a:solidFill>
-            <a:schemeClr val="tx2"/>
-          </a:solidFill>
-          <a:ln>
-            <a:noFill/>
-          </a:ln>
-          <a:effectLst>
-            <a:outerShdw blurRad="50800" dist="38100" dir="2700000" algn="tl" rotWithShape="0">
-              <a:prstClr val="black">
-                <a:alpha val="40000"/>
-              </a:prstClr>
-            </a:outerShdw>
-          </a:effectLst>
-        </p:spPr>
-        <p:style>
-          <a:lnRef idx="2">
-            <a:schemeClr val="accent1">
-              <a:shade val="50000"/>
-            </a:schemeClr>
-          </a:lnRef>
-          <a:fillRef idx="1">
-            <a:schemeClr val="accent1"/>
-          </a:fillRef>
-          <a:effectRef idx="0">
-            <a:schemeClr val="accent1"/>
-          </a:effectRef>
-          <a:fontRef idx="minor">
-            <a:schemeClr val="lt1"/>
-          </a:fontRef>
-        </p:style>
-        <p:txBody>
-          <a:bodyPr rtlCol="0" anchor="ctr"/>
-          <a:lstStyle/>
-          <a:p>
-            <a:pPr algn="ctr"/>
-            <a:r>
-              <a:rPr lang="en-US" sz="1400" dirty="0"/>
-              <a:t>TPU</a:t>
-            </a:r>
-          </a:p>
-        </p:txBody>
-      </p:sp>
-      <p:sp>
-        <p:nvSpPr>
-          <p:cNvPr id="14" name="Rectangle 65">
-            <a:extLst>
-              <a:ext uri="{FF2B5EF4-FFF2-40B4-BE49-F238E27FC236}">
-                <a16:creationId xmlns:a16="http://schemas.microsoft.com/office/drawing/2014/main" id="{AA4513F4-801C-4D2A-AB44-CAE5F0B3A8B3}"/>
-              </a:ext>
-            </a:extLst>
-          </p:cNvPr>
-          <p:cNvSpPr/>
-          <p:nvPr/>
-        </p:nvSpPr>
-        <p:spPr>
-          <a:xfrm>
-            <a:off x="9600000" y="2672702"/>
-            <a:ext cx="1188720" cy="274320"/>
-          </a:xfrm>
-          <a:prstGeom prst="rect">
-            <a:avLst/>
-          </a:prstGeom>
-          <a:solidFill>
-            <a:schemeClr val="tx1"/>
-          </a:solidFill>
-          <a:ln>
-            <a:noFill/>
-          </a:ln>
-          <a:effectLst>
-            <a:outerShdw blurRad="50800" dist="38100" dir="2700000" algn="tl" rotWithShape="0">
-              <a:prstClr val="black">
-                <a:alpha val="40000"/>
-              </a:prstClr>
-            </a:outerShdw>
-          </a:effectLst>
-        </p:spPr>
-        <p:style>
-          <a:lnRef idx="2">
-            <a:schemeClr val="accent1">
-              <a:shade val="50000"/>
-            </a:schemeClr>
-          </a:lnRef>
-          <a:fillRef idx="1">
-            <a:schemeClr val="accent1"/>
-          </a:fillRef>
-          <a:effectRef idx="0">
-            <a:schemeClr val="accent1"/>
-          </a:effectRef>
-          <a:fontRef idx="minor">
-            <a:schemeClr val="lt1"/>
-          </a:fontRef>
-        </p:style>
-        <p:txBody>
-          <a:bodyPr rtlCol="0" anchor="ctr"/>
-          <a:lstStyle/>
-          <a:p>
-            <a:pPr algn="ctr"/>
-            <a:r>
-              <a:rPr lang="en-US" sz="1400" dirty="0"/>
               <a:t>V3U-AD</a:t>
             </a:r>
           </a:p>
@@ -27472,7 +27161,7 @@
         </p:nvSpPr>
         <p:spPr>
           <a:xfrm>
-            <a:off x="10844173" y="2672702"/>
+            <a:off x="9162818" y="1242038"/>
             <a:ext cx="731520" cy="274320"/>
           </a:xfrm>
           <a:prstGeom prst="rect">
@@ -27898,6 +27587,316 @@
           </p:spPr>
         </p:pic>
       </p:grpSp>
+      <p:sp>
+        <p:nvSpPr>
+          <p:cNvPr id="21" name="Rectangle 65">
+            <a:extLst>
+              <a:ext uri="{FF2B5EF4-FFF2-40B4-BE49-F238E27FC236}">
+                <a16:creationId xmlns:a16="http://schemas.microsoft.com/office/drawing/2014/main" id="{A9AE1EDD-48A4-499C-A369-A75335B39A84}"/>
+              </a:ext>
+            </a:extLst>
+          </p:cNvPr>
+          <p:cNvSpPr/>
+          <p:nvPr/>
+        </p:nvSpPr>
+        <p:spPr>
+          <a:xfrm flipH="1">
+            <a:off x="9162818" y="936000"/>
+            <a:ext cx="731520" cy="274320"/>
+          </a:xfrm>
+          <a:prstGeom prst="rect">
+            <a:avLst/>
+          </a:prstGeom>
+          <a:solidFill>
+            <a:schemeClr val="tx2"/>
+          </a:solidFill>
+          <a:ln>
+            <a:noFill/>
+          </a:ln>
+          <a:effectLst>
+            <a:outerShdw blurRad="50800" dist="38100" dir="2700000" algn="tl" rotWithShape="0">
+              <a:prstClr val="black">
+                <a:alpha val="40000"/>
+              </a:prstClr>
+            </a:outerShdw>
+          </a:effectLst>
+        </p:spPr>
+        <p:style>
+          <a:lnRef idx="2">
+            <a:schemeClr val="accent1">
+              <a:shade val="50000"/>
+            </a:schemeClr>
+          </a:lnRef>
+          <a:fillRef idx="1">
+            <a:schemeClr val="accent1"/>
+          </a:fillRef>
+          <a:effectRef idx="0">
+            <a:schemeClr val="accent1"/>
+          </a:effectRef>
+          <a:fontRef idx="minor">
+            <a:schemeClr val="lt1"/>
+          </a:fontRef>
+        </p:style>
+        <p:txBody>
+          <a:bodyPr rtlCol="0" anchor="ctr"/>
+          <a:lstStyle/>
+          <a:p>
+            <a:pPr algn="ctr"/>
+            <a:r>
+              <a:rPr lang="en-US" sz="1400" dirty="0"/>
+              <a:t>SWDT</a:t>
+            </a:r>
+          </a:p>
+        </p:txBody>
+      </p:sp>
+      <p:sp>
+        <p:nvSpPr>
+          <p:cNvPr id="22" name="Rectangle 65">
+            <a:extLst>
+              <a:ext uri="{FF2B5EF4-FFF2-40B4-BE49-F238E27FC236}">
+                <a16:creationId xmlns:a16="http://schemas.microsoft.com/office/drawing/2014/main" id="{79E94AD6-9C9B-4796-B08D-B0B6350BF9AC}"/>
+              </a:ext>
+            </a:extLst>
+          </p:cNvPr>
+          <p:cNvSpPr/>
+          <p:nvPr/>
+        </p:nvSpPr>
+        <p:spPr>
+          <a:xfrm flipH="1">
+            <a:off x="7641894" y="936000"/>
+            <a:ext cx="731520" cy="274320"/>
+          </a:xfrm>
+          <a:prstGeom prst="rect">
+            <a:avLst/>
+          </a:prstGeom>
+          <a:solidFill>
+            <a:schemeClr val="tx2"/>
+          </a:solidFill>
+          <a:ln>
+            <a:noFill/>
+          </a:ln>
+          <a:effectLst>
+            <a:outerShdw blurRad="50800" dist="38100" dir="2700000" algn="tl" rotWithShape="0">
+              <a:prstClr val="black">
+                <a:alpha val="40000"/>
+              </a:prstClr>
+            </a:outerShdw>
+          </a:effectLst>
+        </p:spPr>
+        <p:style>
+          <a:lnRef idx="2">
+            <a:schemeClr val="accent1">
+              <a:shade val="50000"/>
+            </a:schemeClr>
+          </a:lnRef>
+          <a:fillRef idx="1">
+            <a:schemeClr val="accent1"/>
+          </a:fillRef>
+          <a:effectRef idx="0">
+            <a:schemeClr val="accent1"/>
+          </a:effectRef>
+          <a:fontRef idx="minor">
+            <a:schemeClr val="lt1"/>
+          </a:fontRef>
+        </p:style>
+        <p:txBody>
+          <a:bodyPr rtlCol="0" anchor="ctr"/>
+          <a:lstStyle/>
+          <a:p>
+            <a:pPr algn="ctr"/>
+            <a:r>
+              <a:rPr lang="en-US" sz="1400" dirty="0"/>
+              <a:t>TMU</a:t>
+            </a:r>
+          </a:p>
+        </p:txBody>
+      </p:sp>
+      <p:sp>
+        <p:nvSpPr>
+          <p:cNvPr id="24" name="Rectangle 65">
+            <a:extLst>
+              <a:ext uri="{FF2B5EF4-FFF2-40B4-BE49-F238E27FC236}">
+                <a16:creationId xmlns:a16="http://schemas.microsoft.com/office/drawing/2014/main" id="{578D65D3-7A51-4A06-8650-CF63AD764385}"/>
+              </a:ext>
+            </a:extLst>
+          </p:cNvPr>
+          <p:cNvSpPr/>
+          <p:nvPr/>
+        </p:nvSpPr>
+        <p:spPr>
+          <a:xfrm flipH="1">
+            <a:off x="8402356" y="936000"/>
+            <a:ext cx="731520" cy="274320"/>
+          </a:xfrm>
+          <a:prstGeom prst="rect">
+            <a:avLst/>
+          </a:prstGeom>
+          <a:solidFill>
+            <a:schemeClr val="tx2"/>
+          </a:solidFill>
+          <a:ln>
+            <a:noFill/>
+          </a:ln>
+          <a:effectLst>
+            <a:outerShdw blurRad="50800" dist="38100" dir="2700000" algn="tl" rotWithShape="0">
+              <a:prstClr val="black">
+                <a:alpha val="40000"/>
+              </a:prstClr>
+            </a:outerShdw>
+          </a:effectLst>
+        </p:spPr>
+        <p:style>
+          <a:lnRef idx="2">
+            <a:schemeClr val="accent1">
+              <a:shade val="50000"/>
+            </a:schemeClr>
+          </a:lnRef>
+          <a:fillRef idx="1">
+            <a:schemeClr val="accent1"/>
+          </a:fillRef>
+          <a:effectRef idx="0">
+            <a:schemeClr val="accent1"/>
+          </a:effectRef>
+          <a:fontRef idx="minor">
+            <a:schemeClr val="lt1"/>
+          </a:fontRef>
+        </p:style>
+        <p:txBody>
+          <a:bodyPr rtlCol="0" anchor="ctr"/>
+          <a:lstStyle/>
+          <a:p>
+            <a:pPr algn="ctr"/>
+            <a:r>
+              <a:rPr lang="en-US" sz="1400" dirty="0"/>
+              <a:t>RWDT</a:t>
+            </a:r>
+          </a:p>
+        </p:txBody>
+      </p:sp>
+      <p:sp>
+        <p:nvSpPr>
+          <p:cNvPr id="26" name="Rectangle 65">
+            <a:extLst>
+              <a:ext uri="{FF2B5EF4-FFF2-40B4-BE49-F238E27FC236}">
+                <a16:creationId xmlns:a16="http://schemas.microsoft.com/office/drawing/2014/main" id="{E9F7974B-98D0-4ADB-B725-94C69AF02DE3}"/>
+              </a:ext>
+            </a:extLst>
+          </p:cNvPr>
+          <p:cNvSpPr/>
+          <p:nvPr/>
+        </p:nvSpPr>
+        <p:spPr>
+          <a:xfrm flipH="1">
+            <a:off x="6881432" y="936000"/>
+            <a:ext cx="731520" cy="274320"/>
+          </a:xfrm>
+          <a:prstGeom prst="rect">
+            <a:avLst/>
+          </a:prstGeom>
+          <a:solidFill>
+            <a:schemeClr val="tx2"/>
+          </a:solidFill>
+          <a:ln>
+            <a:noFill/>
+          </a:ln>
+          <a:effectLst>
+            <a:outerShdw blurRad="50800" dist="38100" dir="2700000" algn="tl" rotWithShape="0">
+              <a:prstClr val="black">
+                <a:alpha val="40000"/>
+              </a:prstClr>
+            </a:outerShdw>
+          </a:effectLst>
+        </p:spPr>
+        <p:style>
+          <a:lnRef idx="2">
+            <a:schemeClr val="accent1">
+              <a:shade val="50000"/>
+            </a:schemeClr>
+          </a:lnRef>
+          <a:fillRef idx="1">
+            <a:schemeClr val="accent1"/>
+          </a:fillRef>
+          <a:effectRef idx="0">
+            <a:schemeClr val="accent1"/>
+          </a:effectRef>
+          <a:fontRef idx="minor">
+            <a:schemeClr val="lt1"/>
+          </a:fontRef>
+        </p:style>
+        <p:txBody>
+          <a:bodyPr rtlCol="0" anchor="ctr"/>
+          <a:lstStyle/>
+          <a:p>
+            <a:pPr algn="ctr"/>
+            <a:r>
+              <a:rPr lang="en-US" sz="1400" dirty="0"/>
+              <a:t>TPU</a:t>
+            </a:r>
+          </a:p>
+        </p:txBody>
+      </p:sp>
+      <p:sp>
+        <p:nvSpPr>
+          <p:cNvPr id="27" name="Rectangle 65">
+            <a:extLst>
+              <a:ext uri="{FF2B5EF4-FFF2-40B4-BE49-F238E27FC236}">
+                <a16:creationId xmlns:a16="http://schemas.microsoft.com/office/drawing/2014/main" id="{30BEE94B-075D-4BC6-8264-9EF0DF623839}"/>
+              </a:ext>
+            </a:extLst>
+          </p:cNvPr>
+          <p:cNvSpPr/>
+          <p:nvPr/>
+        </p:nvSpPr>
+        <p:spPr>
+          <a:xfrm flipH="1">
+            <a:off x="9923280" y="936000"/>
+            <a:ext cx="1188720" cy="274320"/>
+          </a:xfrm>
+          <a:prstGeom prst="rect">
+            <a:avLst/>
+          </a:prstGeom>
+          <a:solidFill>
+            <a:schemeClr val="tx1"/>
+          </a:solidFill>
+          <a:ln>
+            <a:noFill/>
+          </a:ln>
+          <a:effectLst>
+            <a:outerShdw blurRad="50800" dist="38100" dir="2700000" algn="tl" rotWithShape="0">
+              <a:prstClr val="black">
+                <a:alpha val="40000"/>
+              </a:prstClr>
+            </a:outerShdw>
+          </a:effectLst>
+        </p:spPr>
+        <p:style>
+          <a:lnRef idx="2">
+            <a:schemeClr val="accent1">
+              <a:shade val="50000"/>
+            </a:schemeClr>
+          </a:lnRef>
+          <a:fillRef idx="1">
+            <a:schemeClr val="accent1"/>
+          </a:fillRef>
+          <a:effectRef idx="0">
+            <a:schemeClr val="accent1"/>
+          </a:effectRef>
+          <a:fontRef idx="minor">
+            <a:schemeClr val="lt1"/>
+          </a:fontRef>
+        </p:style>
+        <p:txBody>
+          <a:bodyPr rtlCol="0" anchor="ctr"/>
+          <a:lstStyle/>
+          <a:p>
+            <a:pPr algn="ctr"/>
+            <a:r>
+              <a:rPr lang="en-US" sz="1400" dirty="0"/>
+              <a:t>M3W-ES3.0</a:t>
+            </a:r>
+          </a:p>
+        </p:txBody>
+      </p:sp>
     </p:spTree>
     <p:extLst>
       <p:ext uri="{BB962C8B-B14F-4D97-AF65-F5344CB8AC3E}">
@@ -27950,15 +27949,7 @@
           <a:p>
             <a:r>
               <a:rPr lang="en-US" dirty="0"/>
-              <a:t>LOGIC DESIGN – 1</a:t>
-            </a:r>
-            <a:r>
-              <a:rPr lang="en-US" baseline="30000" dirty="0"/>
-              <a:t>st</a:t>
-            </a:r>
-            <a:r>
-              <a:rPr lang="en-US" dirty="0"/>
-              <a:t> year result</a:t>
+              <a:t>LOGIC DESIGN</a:t>
             </a:r>
           </a:p>
         </p:txBody>
@@ -29432,12 +29423,159 @@
           </p:txBody>
         </p:sp>
       </p:grpSp>
+      <p:pic>
+        <p:nvPicPr>
+          <p:cNvPr id="59" name="Đồ họa 58" descr="Huy chương">
+            <a:extLst>
+              <a:ext uri="{FF2B5EF4-FFF2-40B4-BE49-F238E27FC236}">
+                <a16:creationId xmlns:a16="http://schemas.microsoft.com/office/drawing/2014/main" id="{0AC97CAB-2513-4956-AF57-454130754E5D}"/>
+              </a:ext>
+            </a:extLst>
+          </p:cNvPr>
+          <p:cNvPicPr>
+            <a:picLocks noChangeAspect="1"/>
+          </p:cNvPicPr>
+          <p:nvPr/>
+        </p:nvPicPr>
+        <p:blipFill>
+          <a:blip r:embed="rId12">
+            <a:extLst>
+              <a:ext uri="{28A0092B-C50C-407E-A947-70E740481C1C}">
+                <a14:useLocalDpi xmlns:a14="http://schemas.microsoft.com/office/drawing/2010/main" val="0"/>
+              </a:ext>
+              <a:ext uri="{96DAC541-7B7A-43D3-8B79-37D633B846F1}">
+                <asvg:svgBlip xmlns:asvg="http://schemas.microsoft.com/office/drawing/2016/SVG/main" r:embed="rId13"/>
+              </a:ext>
+            </a:extLst>
+          </a:blip>
+          <a:stretch>
+            <a:fillRect/>
+          </a:stretch>
+        </p:blipFill>
+        <p:spPr>
+          <a:xfrm>
+            <a:off x="9063495" y="2370810"/>
+            <a:ext cx="2743200" cy="2743200"/>
+          </a:xfrm>
+          <a:prstGeom prst="rect">
+            <a:avLst/>
+          </a:prstGeom>
+        </p:spPr>
+      </p:pic>
+      <p:sp>
+        <p:nvSpPr>
+          <p:cNvPr id="60" name="Hộp Văn bản 59">
+            <a:extLst>
+              <a:ext uri="{FF2B5EF4-FFF2-40B4-BE49-F238E27FC236}">
+                <a16:creationId xmlns:a16="http://schemas.microsoft.com/office/drawing/2014/main" id="{AB61F6C4-0D8C-445A-ABC7-A6F301DB5689}"/>
+              </a:ext>
+            </a:extLst>
+          </p:cNvPr>
+          <p:cNvSpPr txBox="1"/>
+          <p:nvPr/>
+        </p:nvSpPr>
+        <p:spPr>
+          <a:xfrm>
+            <a:off x="9799345" y="5028937"/>
+            <a:ext cx="1284326" cy="523220"/>
+          </a:xfrm>
+          <a:prstGeom prst="rect">
+            <a:avLst/>
+          </a:prstGeom>
+          <a:noFill/>
+        </p:spPr>
+        <p:txBody>
+          <a:bodyPr wrap="none" rtlCol="0">
+            <a:spAutoFit/>
+          </a:bodyPr>
+          <a:lstStyle/>
+          <a:p>
+            <a:pPr algn="ctr"/>
+            <a:r>
+              <a:rPr lang="en-US" sz="2800" b="1" dirty="0">
+                <a:solidFill>
+                  <a:srgbClr val="FF0000"/>
+                </a:solidFill>
+              </a:rPr>
+              <a:t>1.9</a:t>
+            </a:r>
+            <a:r>
+              <a:rPr lang="en-US" sz="2800" b="1" dirty="0">
+                <a:solidFill>
+                  <a:schemeClr val="tx2"/>
+                </a:solidFill>
+              </a:rPr>
+              <a:t>/1.9</a:t>
+            </a:r>
+            <a:endParaRPr lang="en-US" b="1" dirty="0">
+              <a:solidFill>
+                <a:schemeClr val="tx2"/>
+              </a:solidFill>
+            </a:endParaRPr>
+          </a:p>
+        </p:txBody>
+      </p:sp>
+      <p:sp>
+        <p:nvSpPr>
+          <p:cNvPr id="61" name="Rectangle 61">
+            <a:extLst>
+              <a:ext uri="{FF2B5EF4-FFF2-40B4-BE49-F238E27FC236}">
+                <a16:creationId xmlns:a16="http://schemas.microsoft.com/office/drawing/2014/main" id="{D3F9E258-8CFF-40E2-BF57-1ACB69FD21CA}"/>
+              </a:ext>
+            </a:extLst>
+          </p:cNvPr>
+          <p:cNvSpPr/>
+          <p:nvPr/>
+        </p:nvSpPr>
+        <p:spPr>
+          <a:xfrm>
+            <a:off x="7055953" y="2258052"/>
+            <a:ext cx="1371600" cy="91440"/>
+          </a:xfrm>
+          <a:prstGeom prst="rect">
+            <a:avLst/>
+          </a:prstGeom>
+          <a:solidFill>
+            <a:srgbClr val="FF0000"/>
+          </a:solidFill>
+          <a:ln>
+            <a:noFill/>
+          </a:ln>
+        </p:spPr>
+        <p:style>
+          <a:lnRef idx="2">
+            <a:schemeClr val="accent1">
+              <a:shade val="50000"/>
+            </a:schemeClr>
+          </a:lnRef>
+          <a:fillRef idx="1">
+            <a:schemeClr val="accent1"/>
+          </a:fillRef>
+          <a:effectRef idx="0">
+            <a:schemeClr val="accent1"/>
+          </a:effectRef>
+          <a:fontRef idx="minor">
+            <a:schemeClr val="lt1"/>
+          </a:fontRef>
+        </p:style>
+        <p:txBody>
+          <a:bodyPr rtlCol="0" anchor="ctr"/>
+          <a:lstStyle/>
+          <a:p>
+            <a:pPr algn="r"/>
+            <a:r>
+              <a:rPr lang="en-US" sz="700" dirty="0"/>
+              <a:t>2.5</a:t>
+            </a:r>
+          </a:p>
+        </p:txBody>
+      </p:sp>
       <p:grpSp>
         <p:nvGrpSpPr>
-          <p:cNvPr id="55" name="Group 60">
+          <p:cNvPr id="50" name="Group 60">
             <a:extLst>
               <a:ext uri="{FF2B5EF4-FFF2-40B4-BE49-F238E27FC236}">
-                <a16:creationId xmlns:a16="http://schemas.microsoft.com/office/drawing/2014/main" id="{DFE0BE01-D343-400B-A6C5-47D355B6BF0C}"/>
+                <a16:creationId xmlns:a16="http://schemas.microsoft.com/office/drawing/2014/main" id="{F284CD05-DEBB-4447-94FB-2EA6ABCB1FDF}"/>
               </a:ext>
             </a:extLst>
           </p:cNvPr>
@@ -29446,7 +29584,7 @@
         </p:nvGrpSpPr>
         <p:grpSpPr>
           <a:xfrm>
-            <a:off x="9841595" y="922877"/>
+            <a:off x="10057200" y="936000"/>
             <a:ext cx="1050700" cy="738664"/>
             <a:chOff x="9706827" y="788267"/>
             <a:chExt cx="1050700" cy="738664"/>
@@ -29454,10 +29592,10 @@
         </p:grpSpPr>
         <p:sp>
           <p:nvSpPr>
-            <p:cNvPr id="56" name="Rectangle 57">
+            <p:cNvPr id="62" name="Rectangle 57">
               <a:extLst>
                 <a:ext uri="{FF2B5EF4-FFF2-40B4-BE49-F238E27FC236}">
-                  <a16:creationId xmlns:a16="http://schemas.microsoft.com/office/drawing/2014/main" id="{C7D496F0-D932-41E5-95E7-2331F77CB1A4}"/>
+                  <a16:creationId xmlns:a16="http://schemas.microsoft.com/office/drawing/2014/main" id="{55B70F59-E0CC-4835-8442-68B44DC9DDBD}"/>
                 </a:ext>
               </a:extLst>
             </p:cNvPr>
@@ -29506,10 +29644,10 @@
         </p:sp>
         <p:sp>
           <p:nvSpPr>
-            <p:cNvPr id="57" name="Rectangle 58">
+            <p:cNvPr id="63" name="Rectangle 58">
               <a:extLst>
                 <a:ext uri="{FF2B5EF4-FFF2-40B4-BE49-F238E27FC236}">
-                  <a16:creationId xmlns:a16="http://schemas.microsoft.com/office/drawing/2014/main" id="{1180C9E0-BAE4-4A0D-96D1-68199A6962EE}"/>
+                  <a16:creationId xmlns:a16="http://schemas.microsoft.com/office/drawing/2014/main" id="{D3BEF0A1-ABBD-4EED-96FA-AFE4E30CC32E}"/>
                 </a:ext>
               </a:extLst>
             </p:cNvPr>
@@ -29558,10 +29696,10 @@
         </p:sp>
         <p:sp>
           <p:nvSpPr>
-            <p:cNvPr id="58" name="TextBox 59">
+            <p:cNvPr id="64" name="TextBox 59">
               <a:extLst>
                 <a:ext uri="{FF2B5EF4-FFF2-40B4-BE49-F238E27FC236}">
-                  <a16:creationId xmlns:a16="http://schemas.microsoft.com/office/drawing/2014/main" id="{9C2C465C-C377-41E5-A193-53388A15A08C}"/>
+                  <a16:creationId xmlns:a16="http://schemas.microsoft.com/office/drawing/2014/main" id="{64DE06C1-DE82-4B67-868A-EA3E16C43A30}"/>
                 </a:ext>
               </a:extLst>
             </p:cNvPr>
@@ -29622,163 +29760,6 @@
           </p:txBody>
         </p:sp>
       </p:grpSp>
-      <p:pic>
-        <p:nvPicPr>
-          <p:cNvPr id="59" name="Đồ họa 58" descr="Huy chương">
-            <a:extLst>
-              <a:ext uri="{FF2B5EF4-FFF2-40B4-BE49-F238E27FC236}">
-                <a16:creationId xmlns:a16="http://schemas.microsoft.com/office/drawing/2014/main" id="{0AC97CAB-2513-4956-AF57-454130754E5D}"/>
-              </a:ext>
-            </a:extLst>
-          </p:cNvPr>
-          <p:cNvPicPr>
-            <a:picLocks noChangeAspect="1"/>
-          </p:cNvPicPr>
-          <p:nvPr/>
-        </p:nvPicPr>
-        <p:blipFill>
-          <a:blip r:embed="rId12">
-            <a:extLst>
-              <a:ext uri="{28A0092B-C50C-407E-A947-70E740481C1C}">
-                <a14:useLocalDpi xmlns:a14="http://schemas.microsoft.com/office/drawing/2010/main" val="0"/>
-              </a:ext>
-              <a:ext uri="{96DAC541-7B7A-43D3-8B79-37D633B846F1}">
-                <asvg:svgBlip xmlns:asvg="http://schemas.microsoft.com/office/drawing/2016/SVG/main" r:embed="rId13"/>
-              </a:ext>
-            </a:extLst>
-          </a:blip>
-          <a:stretch>
-            <a:fillRect/>
-          </a:stretch>
-        </p:blipFill>
-        <p:spPr>
-          <a:xfrm>
-            <a:off x="9063495" y="2370810"/>
-            <a:ext cx="2743200" cy="2743200"/>
-          </a:xfrm>
-          <a:prstGeom prst="rect">
-            <a:avLst/>
-          </a:prstGeom>
-        </p:spPr>
-      </p:pic>
-      <p:sp>
-        <p:nvSpPr>
-          <p:cNvPr id="60" name="Hộp Văn bản 59">
-            <a:extLst>
-              <a:ext uri="{FF2B5EF4-FFF2-40B4-BE49-F238E27FC236}">
-                <a16:creationId xmlns:a16="http://schemas.microsoft.com/office/drawing/2014/main" id="{AB61F6C4-0D8C-445A-ABC7-A6F301DB5689}"/>
-              </a:ext>
-            </a:extLst>
-          </p:cNvPr>
-          <p:cNvSpPr txBox="1"/>
-          <p:nvPr/>
-        </p:nvSpPr>
-        <p:spPr>
-          <a:xfrm>
-            <a:off x="9746445" y="5028937"/>
-            <a:ext cx="1390124" cy="646331"/>
-          </a:xfrm>
-          <a:prstGeom prst="rect">
-            <a:avLst/>
-          </a:prstGeom>
-          <a:noFill/>
-        </p:spPr>
-        <p:txBody>
-          <a:bodyPr wrap="none" rtlCol="0">
-            <a:spAutoFit/>
-          </a:bodyPr>
-          <a:lstStyle/>
-          <a:p>
-            <a:pPr algn="ctr"/>
-            <a:r>
-              <a:rPr lang="en-US" b="1" dirty="0">
-                <a:solidFill>
-                  <a:schemeClr val="accent4"/>
-                </a:solidFill>
-              </a:rPr>
-              <a:t>ARCHIVED</a:t>
-            </a:r>
-          </a:p>
-          <a:p>
-            <a:pPr algn="ctr"/>
-            <a:r>
-              <a:rPr lang="en-US" b="1" dirty="0">
-                <a:solidFill>
-                  <a:srgbClr val="FF0000"/>
-                </a:solidFill>
-              </a:rPr>
-              <a:t>1.9</a:t>
-            </a:r>
-            <a:r>
-              <a:rPr lang="en-US" b="1" dirty="0"/>
-              <a:t>/</a:t>
-            </a:r>
-            <a:r>
-              <a:rPr lang="en-US" b="1" dirty="0">
-                <a:solidFill>
-                  <a:schemeClr val="tx2"/>
-                </a:solidFill>
-              </a:rPr>
-              <a:t>1.9</a:t>
-            </a:r>
-          </a:p>
-        </p:txBody>
-      </p:sp>
-      <p:sp>
-        <p:nvSpPr>
-          <p:cNvPr id="61" name="Rectangle 61">
-            <a:extLst>
-              <a:ext uri="{FF2B5EF4-FFF2-40B4-BE49-F238E27FC236}">
-                <a16:creationId xmlns:a16="http://schemas.microsoft.com/office/drawing/2014/main" id="{D3F9E258-8CFF-40E2-BF57-1ACB69FD21CA}"/>
-              </a:ext>
-            </a:extLst>
-          </p:cNvPr>
-          <p:cNvSpPr/>
-          <p:nvPr/>
-        </p:nvSpPr>
-        <p:spPr>
-          <a:xfrm>
-            <a:off x="7055953" y="2258052"/>
-            <a:ext cx="1371600" cy="91440"/>
-          </a:xfrm>
-          <a:prstGeom prst="rect">
-            <a:avLst/>
-          </a:prstGeom>
-          <a:solidFill>
-            <a:srgbClr val="FF0000"/>
-          </a:solidFill>
-          <a:ln>
-            <a:noFill/>
-          </a:ln>
-        </p:spPr>
-        <p:style>
-          <a:lnRef idx="2">
-            <a:schemeClr val="accent1">
-              <a:shade val="50000"/>
-            </a:schemeClr>
-          </a:lnRef>
-          <a:fillRef idx="1">
-            <a:schemeClr val="accent1"/>
-          </a:fillRef>
-          <a:effectRef idx="0">
-            <a:schemeClr val="accent1"/>
-          </a:effectRef>
-          <a:fontRef idx="minor">
-            <a:schemeClr val="lt1"/>
-          </a:fontRef>
-        </p:style>
-        <p:txBody>
-          <a:bodyPr rtlCol="0" anchor="ctr"/>
-          <a:lstStyle/>
-          <a:p>
-            <a:pPr algn="r"/>
-            <a:r>
-              <a:rPr lang="en-US" sz="700" dirty="0"/>
-              <a:t>2.5</a:t>
-            </a:r>
-          </a:p>
-        </p:txBody>
-      </p:sp>
     </p:spTree>
     <p:extLst>
       <p:ext uri="{BB962C8B-B14F-4D97-AF65-F5344CB8AC3E}">
@@ -29831,15 +29812,7 @@
           <a:p>
             <a:r>
               <a:rPr lang="en-US" dirty="0"/>
-              <a:t>FUNCTIONAL VERIFICATION – 1</a:t>
-            </a:r>
-            <a:r>
-              <a:rPr lang="en-US" baseline="30000" dirty="0"/>
-              <a:t>st</a:t>
-            </a:r>
-            <a:r>
-              <a:rPr lang="en-US" dirty="0"/>
-              <a:t> year result</a:t>
+              <a:t>FUNCTIONAL VERIFICATION</a:t>
             </a:r>
           </a:p>
         </p:txBody>
@@ -29870,366 +29843,6 @@
               <a:t>8</a:t>
             </a:fld>
             <a:endParaRPr lang="de-DE" dirty="0"/>
-          </a:p>
-        </p:txBody>
-      </p:sp>
-      <p:sp>
-        <p:nvSpPr>
-          <p:cNvPr id="65" name="Rectangle 64"/>
-          <p:cNvSpPr/>
-          <p:nvPr/>
-        </p:nvSpPr>
-        <p:spPr>
-          <a:xfrm>
-            <a:off x="9600000" y="1379198"/>
-            <a:ext cx="1188720" cy="274320"/>
-          </a:xfrm>
-          <a:prstGeom prst="rect">
-            <a:avLst/>
-          </a:prstGeom>
-          <a:solidFill>
-            <a:schemeClr val="tx1"/>
-          </a:solidFill>
-          <a:ln>
-            <a:noFill/>
-          </a:ln>
-          <a:effectLst>
-            <a:outerShdw blurRad="50800" dist="38100" dir="2700000" algn="tl" rotWithShape="0">
-              <a:prstClr val="black">
-                <a:alpha val="40000"/>
-              </a:prstClr>
-            </a:outerShdw>
-          </a:effectLst>
-        </p:spPr>
-        <p:style>
-          <a:lnRef idx="2">
-            <a:schemeClr val="accent1">
-              <a:shade val="50000"/>
-            </a:schemeClr>
-          </a:lnRef>
-          <a:fillRef idx="1">
-            <a:schemeClr val="accent1"/>
-          </a:fillRef>
-          <a:effectRef idx="0">
-            <a:schemeClr val="accent1"/>
-          </a:effectRef>
-          <a:fontRef idx="minor">
-            <a:schemeClr val="lt1"/>
-          </a:fontRef>
-        </p:style>
-        <p:txBody>
-          <a:bodyPr rtlCol="0" anchor="ctr"/>
-          <a:lstStyle/>
-          <a:p>
-            <a:pPr algn="ctr"/>
-            <a:r>
-              <a:rPr lang="en-US" sz="1400" dirty="0"/>
-              <a:t>M3W-ES3.0</a:t>
-            </a:r>
-          </a:p>
-        </p:txBody>
-      </p:sp>
-      <p:sp>
-        <p:nvSpPr>
-          <p:cNvPr id="66" name="Rectangle 65"/>
-          <p:cNvSpPr/>
-          <p:nvPr/>
-        </p:nvSpPr>
-        <p:spPr>
-          <a:xfrm>
-            <a:off x="9600000" y="1698123"/>
-            <a:ext cx="1188720" cy="274320"/>
-          </a:xfrm>
-          <a:prstGeom prst="rect">
-            <a:avLst/>
-          </a:prstGeom>
-          <a:solidFill>
-            <a:schemeClr val="tx1"/>
-          </a:solidFill>
-          <a:ln>
-            <a:noFill/>
-          </a:ln>
-          <a:effectLst>
-            <a:outerShdw blurRad="50800" dist="38100" dir="2700000" algn="tl" rotWithShape="0">
-              <a:prstClr val="black">
-                <a:alpha val="40000"/>
-              </a:prstClr>
-            </a:outerShdw>
-          </a:effectLst>
-        </p:spPr>
-        <p:style>
-          <a:lnRef idx="2">
-            <a:schemeClr val="accent1">
-              <a:shade val="50000"/>
-            </a:schemeClr>
-          </a:lnRef>
-          <a:fillRef idx="1">
-            <a:schemeClr val="accent1"/>
-          </a:fillRef>
-          <a:effectRef idx="0">
-            <a:schemeClr val="accent1"/>
-          </a:effectRef>
-          <a:fontRef idx="minor">
-            <a:schemeClr val="lt1"/>
-          </a:fontRef>
-        </p:style>
-        <p:txBody>
-          <a:bodyPr rtlCol="0" anchor="ctr"/>
-          <a:lstStyle/>
-          <a:p>
-            <a:pPr algn="ctr"/>
-            <a:r>
-              <a:rPr lang="en-US" sz="1400" dirty="0"/>
-              <a:t>D3-ES1.1</a:t>
-            </a:r>
-          </a:p>
-        </p:txBody>
-      </p:sp>
-      <p:sp>
-        <p:nvSpPr>
-          <p:cNvPr id="7" name="Rectangle 65">
-            <a:extLst>
-              <a:ext uri="{FF2B5EF4-FFF2-40B4-BE49-F238E27FC236}">
-                <a16:creationId xmlns:a16="http://schemas.microsoft.com/office/drawing/2014/main" id="{86BCF2D7-265B-428E-8E7B-B4770CD5F2D6}"/>
-              </a:ext>
-            </a:extLst>
-          </p:cNvPr>
-          <p:cNvSpPr/>
-          <p:nvPr/>
-        </p:nvSpPr>
-        <p:spPr>
-          <a:xfrm>
-            <a:off x="10842735" y="1379198"/>
-            <a:ext cx="731520" cy="274320"/>
-          </a:xfrm>
-          <a:prstGeom prst="rect">
-            <a:avLst/>
-          </a:prstGeom>
-          <a:solidFill>
-            <a:schemeClr val="tx2"/>
-          </a:solidFill>
-          <a:ln>
-            <a:noFill/>
-          </a:ln>
-          <a:effectLst>
-            <a:outerShdw blurRad="50800" dist="38100" dir="2700000" algn="tl" rotWithShape="0">
-              <a:prstClr val="black">
-                <a:alpha val="40000"/>
-              </a:prstClr>
-            </a:outerShdw>
-          </a:effectLst>
-        </p:spPr>
-        <p:style>
-          <a:lnRef idx="2">
-            <a:schemeClr val="accent1">
-              <a:shade val="50000"/>
-            </a:schemeClr>
-          </a:lnRef>
-          <a:fillRef idx="1">
-            <a:schemeClr val="accent1"/>
-          </a:fillRef>
-          <a:effectRef idx="0">
-            <a:schemeClr val="accent1"/>
-          </a:effectRef>
-          <a:fontRef idx="minor">
-            <a:schemeClr val="lt1"/>
-          </a:fontRef>
-        </p:style>
-        <p:txBody>
-          <a:bodyPr rtlCol="0" anchor="ctr"/>
-          <a:lstStyle/>
-          <a:p>
-            <a:pPr algn="ctr"/>
-            <a:r>
-              <a:rPr lang="en-US" sz="1400" dirty="0"/>
-              <a:t>SWDT</a:t>
-            </a:r>
-          </a:p>
-        </p:txBody>
-      </p:sp>
-      <p:sp>
-        <p:nvSpPr>
-          <p:cNvPr id="8" name="Rectangle 65">
-            <a:extLst>
-              <a:ext uri="{FF2B5EF4-FFF2-40B4-BE49-F238E27FC236}">
-                <a16:creationId xmlns:a16="http://schemas.microsoft.com/office/drawing/2014/main" id="{6E428CCA-6A2D-45E1-91D8-D9DF13D3FA8C}"/>
-              </a:ext>
-            </a:extLst>
-          </p:cNvPr>
-          <p:cNvSpPr/>
-          <p:nvPr/>
-        </p:nvSpPr>
-        <p:spPr>
-          <a:xfrm>
-            <a:off x="10842735" y="2025950"/>
-            <a:ext cx="731520" cy="274320"/>
-          </a:xfrm>
-          <a:prstGeom prst="rect">
-            <a:avLst/>
-          </a:prstGeom>
-          <a:solidFill>
-            <a:schemeClr val="tx2"/>
-          </a:solidFill>
-          <a:ln>
-            <a:noFill/>
-          </a:ln>
-          <a:effectLst>
-            <a:outerShdw blurRad="50800" dist="38100" dir="2700000" algn="tl" rotWithShape="0">
-              <a:prstClr val="black">
-                <a:alpha val="40000"/>
-              </a:prstClr>
-            </a:outerShdw>
-          </a:effectLst>
-        </p:spPr>
-        <p:style>
-          <a:lnRef idx="2">
-            <a:schemeClr val="accent1">
-              <a:shade val="50000"/>
-            </a:schemeClr>
-          </a:lnRef>
-          <a:fillRef idx="1">
-            <a:schemeClr val="accent1"/>
-          </a:fillRef>
-          <a:effectRef idx="0">
-            <a:schemeClr val="accent1"/>
-          </a:effectRef>
-          <a:fontRef idx="minor">
-            <a:schemeClr val="lt1"/>
-          </a:fontRef>
-        </p:style>
-        <p:txBody>
-          <a:bodyPr rtlCol="0" anchor="ctr"/>
-          <a:lstStyle/>
-          <a:p>
-            <a:pPr algn="ctr"/>
-            <a:r>
-              <a:rPr lang="en-US" sz="1400" dirty="0"/>
-              <a:t>TMU</a:t>
-            </a:r>
-          </a:p>
-        </p:txBody>
-      </p:sp>
-      <p:sp>
-        <p:nvSpPr>
-          <p:cNvPr id="9" name="Rectangle 65">
-            <a:extLst>
-              <a:ext uri="{FF2B5EF4-FFF2-40B4-BE49-F238E27FC236}">
-                <a16:creationId xmlns:a16="http://schemas.microsoft.com/office/drawing/2014/main" id="{4697D502-C568-44DC-93A0-8BD1149D2CBA}"/>
-              </a:ext>
-            </a:extLst>
-          </p:cNvPr>
-          <p:cNvSpPr/>
-          <p:nvPr/>
-        </p:nvSpPr>
-        <p:spPr>
-          <a:xfrm>
-            <a:off x="10842735" y="1702574"/>
-            <a:ext cx="731520" cy="274320"/>
-          </a:xfrm>
-          <a:prstGeom prst="rect">
-            <a:avLst/>
-          </a:prstGeom>
-          <a:solidFill>
-            <a:schemeClr val="tx2"/>
-          </a:solidFill>
-          <a:ln>
-            <a:noFill/>
-          </a:ln>
-          <a:effectLst>
-            <a:outerShdw blurRad="50800" dist="38100" dir="2700000" algn="tl" rotWithShape="0">
-              <a:prstClr val="black">
-                <a:alpha val="40000"/>
-              </a:prstClr>
-            </a:outerShdw>
-          </a:effectLst>
-        </p:spPr>
-        <p:style>
-          <a:lnRef idx="2">
-            <a:schemeClr val="accent1">
-              <a:shade val="50000"/>
-            </a:schemeClr>
-          </a:lnRef>
-          <a:fillRef idx="1">
-            <a:schemeClr val="accent1"/>
-          </a:fillRef>
-          <a:effectRef idx="0">
-            <a:schemeClr val="accent1"/>
-          </a:effectRef>
-          <a:fontRef idx="minor">
-            <a:schemeClr val="lt1"/>
-          </a:fontRef>
-        </p:style>
-        <p:txBody>
-          <a:bodyPr rtlCol="0" anchor="ctr"/>
-          <a:lstStyle/>
-          <a:p>
-            <a:pPr algn="ctr"/>
-            <a:r>
-              <a:rPr lang="en-US" sz="1400" dirty="0"/>
-              <a:t>RWDT</a:t>
-            </a:r>
-          </a:p>
-        </p:txBody>
-      </p:sp>
-      <p:sp>
-        <p:nvSpPr>
-          <p:cNvPr id="10" name="Rectangle 65">
-            <a:extLst>
-              <a:ext uri="{FF2B5EF4-FFF2-40B4-BE49-F238E27FC236}">
-                <a16:creationId xmlns:a16="http://schemas.microsoft.com/office/drawing/2014/main" id="{80551A04-DB34-4F7B-834F-E434D2132175}"/>
-              </a:ext>
-            </a:extLst>
-          </p:cNvPr>
-          <p:cNvSpPr/>
-          <p:nvPr/>
-        </p:nvSpPr>
-        <p:spPr>
-          <a:xfrm>
-            <a:off x="10842735" y="2349326"/>
-            <a:ext cx="731520" cy="274320"/>
-          </a:xfrm>
-          <a:prstGeom prst="rect">
-            <a:avLst/>
-          </a:prstGeom>
-          <a:solidFill>
-            <a:schemeClr val="tx2"/>
-          </a:solidFill>
-          <a:ln>
-            <a:noFill/>
-          </a:ln>
-          <a:effectLst>
-            <a:outerShdw blurRad="50800" dist="38100" dir="2700000" algn="tl" rotWithShape="0">
-              <a:prstClr val="black">
-                <a:alpha val="40000"/>
-              </a:prstClr>
-            </a:outerShdw>
-          </a:effectLst>
-        </p:spPr>
-        <p:style>
-          <a:lnRef idx="2">
-            <a:schemeClr val="accent1">
-              <a:shade val="50000"/>
-            </a:schemeClr>
-          </a:lnRef>
-          <a:fillRef idx="1">
-            <a:schemeClr val="accent1"/>
-          </a:fillRef>
-          <a:effectRef idx="0">
-            <a:schemeClr val="accent1"/>
-          </a:effectRef>
-          <a:fontRef idx="minor">
-            <a:schemeClr val="lt1"/>
-          </a:fontRef>
-        </p:style>
-        <p:txBody>
-          <a:bodyPr rtlCol="0" anchor="ctr"/>
-          <a:lstStyle/>
-          <a:p>
-            <a:pPr algn="ctr"/>
-            <a:r>
-              <a:rPr lang="en-US" sz="1400" dirty="0"/>
-              <a:t>TPU</a:t>
-            </a:r>
           </a:p>
         </p:txBody>
       </p:sp>
@@ -30545,6 +30158,626 @@
           </p:txBody>
         </p:sp>
       </p:grpSp>
+      <p:sp>
+        <p:nvSpPr>
+          <p:cNvPr id="21" name="Rectangle 64">
+            <a:extLst>
+              <a:ext uri="{FF2B5EF4-FFF2-40B4-BE49-F238E27FC236}">
+                <a16:creationId xmlns:a16="http://schemas.microsoft.com/office/drawing/2014/main" id="{9212E872-B7EE-4FF4-A826-2CC7F7CB805C}"/>
+              </a:ext>
+            </a:extLst>
+          </p:cNvPr>
+          <p:cNvSpPr/>
+          <p:nvPr/>
+        </p:nvSpPr>
+        <p:spPr>
+          <a:xfrm flipH="1">
+            <a:off x="9923280" y="936000"/>
+            <a:ext cx="1188720" cy="274320"/>
+          </a:xfrm>
+          <a:prstGeom prst="rect">
+            <a:avLst/>
+          </a:prstGeom>
+          <a:solidFill>
+            <a:schemeClr val="tx1"/>
+          </a:solidFill>
+          <a:ln>
+            <a:noFill/>
+          </a:ln>
+          <a:effectLst>
+            <a:outerShdw blurRad="50800" dist="38100" dir="2700000" algn="tl" rotWithShape="0">
+              <a:prstClr val="black">
+                <a:alpha val="40000"/>
+              </a:prstClr>
+            </a:outerShdw>
+          </a:effectLst>
+        </p:spPr>
+        <p:style>
+          <a:lnRef idx="2">
+            <a:schemeClr val="accent1">
+              <a:shade val="50000"/>
+            </a:schemeClr>
+          </a:lnRef>
+          <a:fillRef idx="1">
+            <a:schemeClr val="accent1"/>
+          </a:fillRef>
+          <a:effectRef idx="0">
+            <a:schemeClr val="accent1"/>
+          </a:effectRef>
+          <a:fontRef idx="minor">
+            <a:schemeClr val="lt1"/>
+          </a:fontRef>
+        </p:style>
+        <p:txBody>
+          <a:bodyPr rtlCol="0" anchor="ctr"/>
+          <a:lstStyle/>
+          <a:p>
+            <a:pPr algn="ctr"/>
+            <a:r>
+              <a:rPr lang="en-US" sz="1400" dirty="0"/>
+              <a:t>M3W-ES3.0</a:t>
+            </a:r>
+          </a:p>
+        </p:txBody>
+      </p:sp>
+      <p:sp>
+        <p:nvSpPr>
+          <p:cNvPr id="22" name="Rectangle 65">
+            <a:extLst>
+              <a:ext uri="{FF2B5EF4-FFF2-40B4-BE49-F238E27FC236}">
+                <a16:creationId xmlns:a16="http://schemas.microsoft.com/office/drawing/2014/main" id="{F9F0E454-12D1-4F2B-9B6B-085594800E55}"/>
+              </a:ext>
+            </a:extLst>
+          </p:cNvPr>
+          <p:cNvSpPr/>
+          <p:nvPr/>
+        </p:nvSpPr>
+        <p:spPr>
+          <a:xfrm flipH="1">
+            <a:off x="9923280" y="1242038"/>
+            <a:ext cx="1188720" cy="274320"/>
+          </a:xfrm>
+          <a:prstGeom prst="rect">
+            <a:avLst/>
+          </a:prstGeom>
+          <a:solidFill>
+            <a:schemeClr val="tx1"/>
+          </a:solidFill>
+          <a:ln>
+            <a:noFill/>
+          </a:ln>
+          <a:effectLst>
+            <a:outerShdw blurRad="50800" dist="38100" dir="2700000" algn="tl" rotWithShape="0">
+              <a:prstClr val="black">
+                <a:alpha val="40000"/>
+              </a:prstClr>
+            </a:outerShdw>
+          </a:effectLst>
+        </p:spPr>
+        <p:style>
+          <a:lnRef idx="2">
+            <a:schemeClr val="accent1">
+              <a:shade val="50000"/>
+            </a:schemeClr>
+          </a:lnRef>
+          <a:fillRef idx="1">
+            <a:schemeClr val="accent1"/>
+          </a:fillRef>
+          <a:effectRef idx="0">
+            <a:schemeClr val="accent1"/>
+          </a:effectRef>
+          <a:fontRef idx="minor">
+            <a:schemeClr val="lt1"/>
+          </a:fontRef>
+        </p:style>
+        <p:txBody>
+          <a:bodyPr rtlCol="0" anchor="ctr"/>
+          <a:lstStyle/>
+          <a:p>
+            <a:pPr algn="ctr"/>
+            <a:r>
+              <a:rPr lang="en-US" sz="1400" dirty="0"/>
+              <a:t>D3-ES1.1</a:t>
+            </a:r>
+          </a:p>
+        </p:txBody>
+      </p:sp>
+      <p:sp>
+        <p:nvSpPr>
+          <p:cNvPr id="23" name="Rectangle 65">
+            <a:extLst>
+              <a:ext uri="{FF2B5EF4-FFF2-40B4-BE49-F238E27FC236}">
+                <a16:creationId xmlns:a16="http://schemas.microsoft.com/office/drawing/2014/main" id="{685D350F-0757-46DD-9591-D0F366F8DFE9}"/>
+              </a:ext>
+            </a:extLst>
+          </p:cNvPr>
+          <p:cNvSpPr/>
+          <p:nvPr/>
+        </p:nvSpPr>
+        <p:spPr>
+          <a:xfrm flipH="1">
+            <a:off x="9162818" y="936000"/>
+            <a:ext cx="731520" cy="274320"/>
+          </a:xfrm>
+          <a:prstGeom prst="rect">
+            <a:avLst/>
+          </a:prstGeom>
+          <a:solidFill>
+            <a:schemeClr val="tx2"/>
+          </a:solidFill>
+          <a:ln>
+            <a:noFill/>
+          </a:ln>
+          <a:effectLst>
+            <a:outerShdw blurRad="50800" dist="38100" dir="2700000" algn="tl" rotWithShape="0">
+              <a:prstClr val="black">
+                <a:alpha val="40000"/>
+              </a:prstClr>
+            </a:outerShdw>
+          </a:effectLst>
+        </p:spPr>
+        <p:style>
+          <a:lnRef idx="2">
+            <a:schemeClr val="accent1">
+              <a:shade val="50000"/>
+            </a:schemeClr>
+          </a:lnRef>
+          <a:fillRef idx="1">
+            <a:schemeClr val="accent1"/>
+          </a:fillRef>
+          <a:effectRef idx="0">
+            <a:schemeClr val="accent1"/>
+          </a:effectRef>
+          <a:fontRef idx="minor">
+            <a:schemeClr val="lt1"/>
+          </a:fontRef>
+        </p:style>
+        <p:txBody>
+          <a:bodyPr rtlCol="0" anchor="ctr"/>
+          <a:lstStyle/>
+          <a:p>
+            <a:pPr algn="ctr"/>
+            <a:r>
+              <a:rPr lang="en-US" sz="1400" dirty="0"/>
+              <a:t>SWDT</a:t>
+            </a:r>
+          </a:p>
+        </p:txBody>
+      </p:sp>
+      <p:sp>
+        <p:nvSpPr>
+          <p:cNvPr id="24" name="Rectangle 65">
+            <a:extLst>
+              <a:ext uri="{FF2B5EF4-FFF2-40B4-BE49-F238E27FC236}">
+                <a16:creationId xmlns:a16="http://schemas.microsoft.com/office/drawing/2014/main" id="{D6E63C8D-03AC-4F1B-8AD5-6F2D08DC26BD}"/>
+              </a:ext>
+            </a:extLst>
+          </p:cNvPr>
+          <p:cNvSpPr/>
+          <p:nvPr/>
+        </p:nvSpPr>
+        <p:spPr>
+          <a:xfrm flipH="1">
+            <a:off x="7641894" y="936000"/>
+            <a:ext cx="731520" cy="274320"/>
+          </a:xfrm>
+          <a:prstGeom prst="rect">
+            <a:avLst/>
+          </a:prstGeom>
+          <a:solidFill>
+            <a:schemeClr val="tx2"/>
+          </a:solidFill>
+          <a:ln>
+            <a:noFill/>
+          </a:ln>
+          <a:effectLst>
+            <a:outerShdw blurRad="50800" dist="38100" dir="2700000" algn="tl" rotWithShape="0">
+              <a:prstClr val="black">
+                <a:alpha val="40000"/>
+              </a:prstClr>
+            </a:outerShdw>
+          </a:effectLst>
+        </p:spPr>
+        <p:style>
+          <a:lnRef idx="2">
+            <a:schemeClr val="accent1">
+              <a:shade val="50000"/>
+            </a:schemeClr>
+          </a:lnRef>
+          <a:fillRef idx="1">
+            <a:schemeClr val="accent1"/>
+          </a:fillRef>
+          <a:effectRef idx="0">
+            <a:schemeClr val="accent1"/>
+          </a:effectRef>
+          <a:fontRef idx="minor">
+            <a:schemeClr val="lt1"/>
+          </a:fontRef>
+        </p:style>
+        <p:txBody>
+          <a:bodyPr rtlCol="0" anchor="ctr"/>
+          <a:lstStyle/>
+          <a:p>
+            <a:pPr algn="ctr"/>
+            <a:r>
+              <a:rPr lang="en-US" sz="1400" dirty="0"/>
+              <a:t>TMU</a:t>
+            </a:r>
+          </a:p>
+        </p:txBody>
+      </p:sp>
+      <p:sp>
+        <p:nvSpPr>
+          <p:cNvPr id="25" name="Rectangle 65">
+            <a:extLst>
+              <a:ext uri="{FF2B5EF4-FFF2-40B4-BE49-F238E27FC236}">
+                <a16:creationId xmlns:a16="http://schemas.microsoft.com/office/drawing/2014/main" id="{D896A0E3-0E6C-4A36-999A-F4C3215F8259}"/>
+              </a:ext>
+            </a:extLst>
+          </p:cNvPr>
+          <p:cNvSpPr/>
+          <p:nvPr/>
+        </p:nvSpPr>
+        <p:spPr>
+          <a:xfrm flipH="1">
+            <a:off x="8402356" y="936000"/>
+            <a:ext cx="731520" cy="274320"/>
+          </a:xfrm>
+          <a:prstGeom prst="rect">
+            <a:avLst/>
+          </a:prstGeom>
+          <a:solidFill>
+            <a:schemeClr val="tx2"/>
+          </a:solidFill>
+          <a:ln>
+            <a:noFill/>
+          </a:ln>
+          <a:effectLst>
+            <a:outerShdw blurRad="50800" dist="38100" dir="2700000" algn="tl" rotWithShape="0">
+              <a:prstClr val="black">
+                <a:alpha val="40000"/>
+              </a:prstClr>
+            </a:outerShdw>
+          </a:effectLst>
+        </p:spPr>
+        <p:style>
+          <a:lnRef idx="2">
+            <a:schemeClr val="accent1">
+              <a:shade val="50000"/>
+            </a:schemeClr>
+          </a:lnRef>
+          <a:fillRef idx="1">
+            <a:schemeClr val="accent1"/>
+          </a:fillRef>
+          <a:effectRef idx="0">
+            <a:schemeClr val="accent1"/>
+          </a:effectRef>
+          <a:fontRef idx="minor">
+            <a:schemeClr val="lt1"/>
+          </a:fontRef>
+        </p:style>
+        <p:txBody>
+          <a:bodyPr rtlCol="0" anchor="ctr"/>
+          <a:lstStyle/>
+          <a:p>
+            <a:pPr algn="ctr"/>
+            <a:r>
+              <a:rPr lang="en-US" sz="1400" dirty="0"/>
+              <a:t>RWDT</a:t>
+            </a:r>
+          </a:p>
+        </p:txBody>
+      </p:sp>
+      <p:sp>
+        <p:nvSpPr>
+          <p:cNvPr id="26" name="Rectangle 65">
+            <a:extLst>
+              <a:ext uri="{FF2B5EF4-FFF2-40B4-BE49-F238E27FC236}">
+                <a16:creationId xmlns:a16="http://schemas.microsoft.com/office/drawing/2014/main" id="{1BE34E05-DEE9-4BC0-96A4-CB51D0D75137}"/>
+              </a:ext>
+            </a:extLst>
+          </p:cNvPr>
+          <p:cNvSpPr/>
+          <p:nvPr/>
+        </p:nvSpPr>
+        <p:spPr>
+          <a:xfrm flipH="1">
+            <a:off x="6881432" y="936000"/>
+            <a:ext cx="731520" cy="274320"/>
+          </a:xfrm>
+          <a:prstGeom prst="rect">
+            <a:avLst/>
+          </a:prstGeom>
+          <a:solidFill>
+            <a:schemeClr val="tx2"/>
+          </a:solidFill>
+          <a:ln>
+            <a:noFill/>
+          </a:ln>
+          <a:effectLst>
+            <a:outerShdw blurRad="50800" dist="38100" dir="2700000" algn="tl" rotWithShape="0">
+              <a:prstClr val="black">
+                <a:alpha val="40000"/>
+              </a:prstClr>
+            </a:outerShdw>
+          </a:effectLst>
+        </p:spPr>
+        <p:style>
+          <a:lnRef idx="2">
+            <a:schemeClr val="accent1">
+              <a:shade val="50000"/>
+            </a:schemeClr>
+          </a:lnRef>
+          <a:fillRef idx="1">
+            <a:schemeClr val="accent1"/>
+          </a:fillRef>
+          <a:effectRef idx="0">
+            <a:schemeClr val="accent1"/>
+          </a:effectRef>
+          <a:fontRef idx="minor">
+            <a:schemeClr val="lt1"/>
+          </a:fontRef>
+        </p:style>
+        <p:txBody>
+          <a:bodyPr rtlCol="0" anchor="ctr"/>
+          <a:lstStyle/>
+          <a:p>
+            <a:pPr algn="ctr"/>
+            <a:r>
+              <a:rPr lang="en-US" sz="1400" dirty="0"/>
+              <a:t>TPU</a:t>
+            </a:r>
+          </a:p>
+        </p:txBody>
+      </p:sp>
+      <p:sp>
+        <p:nvSpPr>
+          <p:cNvPr id="27" name="Rectangle 65">
+            <a:extLst>
+              <a:ext uri="{FF2B5EF4-FFF2-40B4-BE49-F238E27FC236}">
+                <a16:creationId xmlns:a16="http://schemas.microsoft.com/office/drawing/2014/main" id="{CDCEE58C-30C1-47FC-AC8E-094A6E17E8FE}"/>
+              </a:ext>
+            </a:extLst>
+          </p:cNvPr>
+          <p:cNvSpPr/>
+          <p:nvPr/>
+        </p:nvSpPr>
+        <p:spPr>
+          <a:xfrm flipH="1">
+            <a:off x="9162818" y="1242038"/>
+            <a:ext cx="731520" cy="274320"/>
+          </a:xfrm>
+          <a:prstGeom prst="rect">
+            <a:avLst/>
+          </a:prstGeom>
+          <a:solidFill>
+            <a:schemeClr val="tx2"/>
+          </a:solidFill>
+          <a:ln>
+            <a:noFill/>
+          </a:ln>
+          <a:effectLst>
+            <a:outerShdw blurRad="50800" dist="38100" dir="2700000" algn="tl" rotWithShape="0">
+              <a:prstClr val="black">
+                <a:alpha val="40000"/>
+              </a:prstClr>
+            </a:outerShdw>
+          </a:effectLst>
+        </p:spPr>
+        <p:style>
+          <a:lnRef idx="2">
+            <a:schemeClr val="accent1">
+              <a:shade val="50000"/>
+            </a:schemeClr>
+          </a:lnRef>
+          <a:fillRef idx="1">
+            <a:schemeClr val="accent1"/>
+          </a:fillRef>
+          <a:effectRef idx="0">
+            <a:schemeClr val="accent1"/>
+          </a:effectRef>
+          <a:fontRef idx="minor">
+            <a:schemeClr val="lt1"/>
+          </a:fontRef>
+        </p:style>
+        <p:txBody>
+          <a:bodyPr rtlCol="0" anchor="ctr"/>
+          <a:lstStyle/>
+          <a:p>
+            <a:pPr algn="ctr"/>
+            <a:r>
+              <a:rPr lang="en-US" sz="1400" dirty="0"/>
+              <a:t>SWDT</a:t>
+            </a:r>
+          </a:p>
+        </p:txBody>
+      </p:sp>
+      <p:sp>
+        <p:nvSpPr>
+          <p:cNvPr id="28" name="Rectangle 65">
+            <a:extLst>
+              <a:ext uri="{FF2B5EF4-FFF2-40B4-BE49-F238E27FC236}">
+                <a16:creationId xmlns:a16="http://schemas.microsoft.com/office/drawing/2014/main" id="{214F3349-F9B9-4FA5-B313-4303DD4B2A7B}"/>
+              </a:ext>
+            </a:extLst>
+          </p:cNvPr>
+          <p:cNvSpPr/>
+          <p:nvPr/>
+        </p:nvSpPr>
+        <p:spPr>
+          <a:xfrm flipH="1">
+            <a:off x="7641894" y="1242038"/>
+            <a:ext cx="731520" cy="274320"/>
+          </a:xfrm>
+          <a:prstGeom prst="rect">
+            <a:avLst/>
+          </a:prstGeom>
+          <a:solidFill>
+            <a:schemeClr val="tx2"/>
+          </a:solidFill>
+          <a:ln>
+            <a:noFill/>
+          </a:ln>
+          <a:effectLst>
+            <a:outerShdw blurRad="50800" dist="38100" dir="2700000" algn="tl" rotWithShape="0">
+              <a:prstClr val="black">
+                <a:alpha val="40000"/>
+              </a:prstClr>
+            </a:outerShdw>
+          </a:effectLst>
+        </p:spPr>
+        <p:style>
+          <a:lnRef idx="2">
+            <a:schemeClr val="accent1">
+              <a:shade val="50000"/>
+            </a:schemeClr>
+          </a:lnRef>
+          <a:fillRef idx="1">
+            <a:schemeClr val="accent1"/>
+          </a:fillRef>
+          <a:effectRef idx="0">
+            <a:schemeClr val="accent1"/>
+          </a:effectRef>
+          <a:fontRef idx="minor">
+            <a:schemeClr val="lt1"/>
+          </a:fontRef>
+        </p:style>
+        <p:txBody>
+          <a:bodyPr rtlCol="0" anchor="ctr"/>
+          <a:lstStyle/>
+          <a:p>
+            <a:pPr algn="ctr"/>
+            <a:r>
+              <a:rPr lang="en-US" sz="1400" dirty="0"/>
+              <a:t>TMU</a:t>
+            </a:r>
+          </a:p>
+        </p:txBody>
+      </p:sp>
+      <p:sp>
+        <p:nvSpPr>
+          <p:cNvPr id="29" name="Rectangle 65">
+            <a:extLst>
+              <a:ext uri="{FF2B5EF4-FFF2-40B4-BE49-F238E27FC236}">
+                <a16:creationId xmlns:a16="http://schemas.microsoft.com/office/drawing/2014/main" id="{72436A4A-07F9-46C0-8AAA-42D54B6C4ECD}"/>
+              </a:ext>
+            </a:extLst>
+          </p:cNvPr>
+          <p:cNvSpPr/>
+          <p:nvPr/>
+        </p:nvSpPr>
+        <p:spPr>
+          <a:xfrm flipH="1">
+            <a:off x="8402356" y="1242038"/>
+            <a:ext cx="731520" cy="274320"/>
+          </a:xfrm>
+          <a:prstGeom prst="rect">
+            <a:avLst/>
+          </a:prstGeom>
+          <a:solidFill>
+            <a:schemeClr val="tx2"/>
+          </a:solidFill>
+          <a:ln>
+            <a:noFill/>
+          </a:ln>
+          <a:effectLst>
+            <a:outerShdw blurRad="50800" dist="38100" dir="2700000" algn="tl" rotWithShape="0">
+              <a:prstClr val="black">
+                <a:alpha val="40000"/>
+              </a:prstClr>
+            </a:outerShdw>
+          </a:effectLst>
+        </p:spPr>
+        <p:style>
+          <a:lnRef idx="2">
+            <a:schemeClr val="accent1">
+              <a:shade val="50000"/>
+            </a:schemeClr>
+          </a:lnRef>
+          <a:fillRef idx="1">
+            <a:schemeClr val="accent1"/>
+          </a:fillRef>
+          <a:effectRef idx="0">
+            <a:schemeClr val="accent1"/>
+          </a:effectRef>
+          <a:fontRef idx="minor">
+            <a:schemeClr val="lt1"/>
+          </a:fontRef>
+        </p:style>
+        <p:txBody>
+          <a:bodyPr rtlCol="0" anchor="ctr"/>
+          <a:lstStyle/>
+          <a:p>
+            <a:pPr algn="ctr"/>
+            <a:r>
+              <a:rPr lang="en-US" sz="1400" dirty="0"/>
+              <a:t>RWDT</a:t>
+            </a:r>
+          </a:p>
+        </p:txBody>
+      </p:sp>
+      <p:sp>
+        <p:nvSpPr>
+          <p:cNvPr id="30" name="Rectangle 65">
+            <a:extLst>
+              <a:ext uri="{FF2B5EF4-FFF2-40B4-BE49-F238E27FC236}">
+                <a16:creationId xmlns:a16="http://schemas.microsoft.com/office/drawing/2014/main" id="{BF84A264-4CCB-467A-AF91-18BBD08CAC9F}"/>
+              </a:ext>
+            </a:extLst>
+          </p:cNvPr>
+          <p:cNvSpPr/>
+          <p:nvPr/>
+        </p:nvSpPr>
+        <p:spPr>
+          <a:xfrm flipH="1">
+            <a:off x="6881432" y="1242038"/>
+            <a:ext cx="731520" cy="274320"/>
+          </a:xfrm>
+          <a:prstGeom prst="rect">
+            <a:avLst/>
+          </a:prstGeom>
+          <a:solidFill>
+            <a:schemeClr val="tx2"/>
+          </a:solidFill>
+          <a:ln>
+            <a:noFill/>
+          </a:ln>
+          <a:effectLst>
+            <a:outerShdw blurRad="50800" dist="38100" dir="2700000" algn="tl" rotWithShape="0">
+              <a:prstClr val="black">
+                <a:alpha val="40000"/>
+              </a:prstClr>
+            </a:outerShdw>
+          </a:effectLst>
+        </p:spPr>
+        <p:style>
+          <a:lnRef idx="2">
+            <a:schemeClr val="accent1">
+              <a:shade val="50000"/>
+            </a:schemeClr>
+          </a:lnRef>
+          <a:fillRef idx="1">
+            <a:schemeClr val="accent1"/>
+          </a:fillRef>
+          <a:effectRef idx="0">
+            <a:schemeClr val="accent1"/>
+          </a:effectRef>
+          <a:fontRef idx="minor">
+            <a:schemeClr val="lt1"/>
+          </a:fontRef>
+        </p:style>
+        <p:txBody>
+          <a:bodyPr rtlCol="0" anchor="ctr"/>
+          <a:lstStyle/>
+          <a:p>
+            <a:pPr algn="ctr"/>
+            <a:r>
+              <a:rPr lang="en-US" sz="1400" dirty="0"/>
+              <a:t>TPU</a:t>
+            </a:r>
+          </a:p>
+        </p:txBody>
+      </p:sp>
     </p:spTree>
     <p:extLst>
       <p:ext uri="{BB962C8B-B14F-4D97-AF65-F5344CB8AC3E}">
@@ -30592,15 +30825,7 @@
           <a:p>
             <a:r>
               <a:rPr lang="en-US" dirty="0"/>
-              <a:t>FUNCTIONAL VERIFICATION – 1</a:t>
-            </a:r>
-            <a:r>
-              <a:rPr lang="en-US" baseline="30000" dirty="0"/>
-              <a:t>st</a:t>
-            </a:r>
-            <a:r>
-              <a:rPr lang="en-US" dirty="0"/>
-              <a:t> year result</a:t>
+              <a:t>FUNCTIONAL VERIFICATION</a:t>
             </a:r>
           </a:p>
         </p:txBody>
@@ -31290,8 +31515,8 @@
           <p:nvPr/>
         </p:nvSpPr>
         <p:spPr>
-          <a:xfrm>
-            <a:off x="9497588" y="1379198"/>
+          <a:xfrm flipH="1">
+            <a:off x="9923280" y="932966"/>
             <a:ext cx="1188720" cy="274320"/>
           </a:xfrm>
           <a:prstGeom prst="rect">
@@ -31352,8 +31577,8 @@
           <p:nvPr/>
         </p:nvSpPr>
         <p:spPr>
-          <a:xfrm>
-            <a:off x="10741761" y="1379198"/>
+          <a:xfrm flipH="1">
+            <a:off x="9136307" y="932966"/>
             <a:ext cx="731520" cy="274320"/>
           </a:xfrm>
           <a:prstGeom prst="rect">
@@ -31414,8 +31639,8 @@
           <p:nvPr/>
         </p:nvSpPr>
         <p:spPr>
-          <a:xfrm>
-            <a:off x="10741761" y="1708242"/>
+          <a:xfrm flipH="1">
+            <a:off x="8349334" y="932966"/>
             <a:ext cx="731520" cy="274320"/>
           </a:xfrm>
           <a:prstGeom prst="rect">
